--- a/OtherStuff/FINAL PRESENTATION/MyTaxiService.pptx
+++ b/OtherStuff/FINAL PRESENTATION/MyTaxiService.pptx
@@ -148,6 +148,22 @@
       </a:defRPr>
     </a:lvl9pPr>
   </p:defaultTextStyle>
+  <p:extLst>
+    <p:ext uri="{EFAFB233-063F-42B5-8137-9DF3F51BA10A}">
+      <p15:sldGuideLst xmlns:p15="http://schemas.microsoft.com/office/powerpoint/2012/main">
+        <p15:guide id="1" orient="horz" pos="1620">
+          <p15:clr>
+            <a:srgbClr val="A4A3A4"/>
+          </p15:clr>
+        </p15:guide>
+        <p15:guide id="2" pos="2880">
+          <p15:clr>
+            <a:srgbClr val="A4A3A4"/>
+          </p15:clr>
+        </p15:guide>
+      </p15:sldGuideLst>
+    </p:ext>
+  </p:extLst>
 </p:presentation>
 </file>
 
@@ -3666,9 +3682,7 @@
             <a:r>
               <a:rPr lang="en-US" sz="2800" b="1" dirty="0" err="1" smtClean="0">
                 <a:solidFill>
-                  <a:schemeClr val="accent2">
-                    <a:lumMod val="75000"/>
-                  </a:schemeClr>
+                  <a:schemeClr val="tx1"/>
                 </a:solidFill>
                 <a:latin typeface="Cambria" panose="02040503050406030204" pitchFamily="18" charset="0"/>
               </a:rPr>
@@ -3677,9 +3691,7 @@
             <a:r>
               <a:rPr lang="en-US" sz="2800" b="1" dirty="0">
                 <a:solidFill>
-                  <a:schemeClr val="accent2">
-                    <a:lumMod val="75000"/>
-                  </a:schemeClr>
+                  <a:schemeClr val="tx1"/>
                 </a:solidFill>
                 <a:latin typeface="Cambria" panose="02040503050406030204" pitchFamily="18" charset="0"/>
               </a:rPr>
@@ -3687,9 +3699,7 @@
             </a:r>
             <a:endParaRPr lang="en-US" sz="2800" dirty="0">
               <a:solidFill>
-                <a:schemeClr val="accent2">
-                  <a:lumMod val="75000"/>
-                </a:schemeClr>
+                <a:schemeClr val="tx1"/>
               </a:solidFill>
               <a:latin typeface="Cambria" panose="02040503050406030204" pitchFamily="18" charset="0"/>
             </a:endParaRPr>
@@ -3726,18 +3736,7 @@
                 </a:solidFill>
                 <a:latin typeface="Cambria" panose="02040503050406030204" pitchFamily="18" charset="0"/>
               </a:rPr>
-              <a:t>. </a:t>
-            </a:r>
-            <a:r>
-              <a:rPr lang="it-IT" sz="1600" i="1" dirty="0">
-                <a:solidFill>
-                  <a:schemeClr val="accent2">
-                    <a:lumMod val="75000"/>
-                  </a:schemeClr>
-                </a:solidFill>
-                <a:latin typeface="Cambria" panose="02040503050406030204" pitchFamily="18" charset="0"/>
-              </a:rPr>
-              <a:t>852358), </a:t>
+              <a:t>. 852358), </a:t>
             </a:r>
             <a:endParaRPr lang="it-IT" sz="1600" i="1" dirty="0" smtClean="0">
               <a:solidFill>
@@ -3847,6 +3846,9 @@
   <p:clrMapOvr>
     <a:masterClrMapping/>
   </p:clrMapOvr>
+  <p:transition spd="med">
+    <p:pull/>
+  </p:transition>
   <p:timing>
     <p:tnLst>
       <p:par>
@@ -7311,6 +7313,14 @@
   <p:clrMapOvr>
     <a:masterClrMapping/>
   </p:clrMapOvr>
+  <mc:AlternateContent xmlns:mc="http://schemas.openxmlformats.org/markup-compatibility/2006">
+    <mc:Choice xmlns:p14="http://schemas.microsoft.com/office/powerpoint/2010/main" Requires="p14">
+      <p:transition p14:dur="0"/>
+    </mc:Choice>
+    <mc:Fallback>
+      <p:transition/>
+    </mc:Fallback>
+  </mc:AlternateContent>
   <p:timing>
     <p:tnLst>
       <p:par>
@@ -7443,6 +7453,13 @@
                     <a:lumMod val="75000"/>
                   </a:schemeClr>
                 </a:solidFill>
+                <a:effectLst>
+                  <a:outerShdw blurRad="38100" dist="38100" dir="2700000" algn="tl">
+                    <a:srgbClr val="000000">
+                      <a:alpha val="43137"/>
+                    </a:srgbClr>
+                  </a:outerShdw>
+                </a:effectLst>
                 <a:latin typeface="Adobe Fangsong Std R" pitchFamily="18" charset="-128"/>
                 <a:ea typeface="Adobe Fangsong Std R" pitchFamily="18" charset="-128"/>
               </a:rPr>
@@ -7454,6 +7471,13 @@
                   <a:lumMod val="75000"/>
                 </a:schemeClr>
               </a:solidFill>
+              <a:effectLst>
+                <a:outerShdw blurRad="38100" dist="38100" dir="2700000" algn="tl">
+                  <a:srgbClr val="000000">
+                    <a:alpha val="43137"/>
+                  </a:srgbClr>
+                </a:outerShdw>
+              </a:effectLst>
               <a:latin typeface="Adobe Fangsong Std R" pitchFamily="18" charset="-128"/>
               <a:ea typeface="Adobe Fangsong Std R" pitchFamily="18" charset="-128"/>
             </a:endParaRPr>
@@ -7470,6 +7494,9 @@
   <p:clrMapOvr>
     <a:masterClrMapping/>
   </p:clrMapOvr>
+  <p:transition spd="slow">
+    <p:cover/>
+  </p:transition>
   <p:timing>
     <p:tnLst>
       <p:par>
@@ -8051,6 +8078,9 @@
   <p:clrMapOvr>
     <a:masterClrMapping/>
   </p:clrMapOvr>
+  <p:transition spd="med">
+    <p:pull/>
+  </p:transition>
   <p:timing>
     <p:tnLst>
       <p:par>
@@ -8684,23 +8714,37 @@
           <a:lstStyle/>
           <a:p>
             <a:r>
-              <a:rPr lang="it-IT" sz="7700" dirty="0" err="1" smtClean="0">
+              <a:rPr lang="it-IT" sz="8000" dirty="0" err="1">
                 <a:solidFill>
                   <a:schemeClr val="accent2">
                     <a:lumMod val="75000"/>
                   </a:schemeClr>
                 </a:solidFill>
+                <a:effectLst>
+                  <a:outerShdw blurRad="38100" dist="38100" dir="2700000" algn="tl">
+                    <a:srgbClr val="000000">
+                      <a:alpha val="43137"/>
+                    </a:srgbClr>
+                  </a:outerShdw>
+                </a:effectLst>
                 <a:latin typeface="Adobe Fangsong Std R" pitchFamily="18" charset="-128"/>
                 <a:ea typeface="Adobe Fangsong Std R" pitchFamily="18" charset="-128"/>
               </a:rPr>
               <a:t>Requirements</a:t>
             </a:r>
-            <a:endParaRPr lang="it-IT" sz="7700" dirty="0">
+            <a:endParaRPr lang="it-IT" sz="8000" dirty="0">
               <a:solidFill>
                 <a:schemeClr val="accent2">
                   <a:lumMod val="75000"/>
                 </a:schemeClr>
               </a:solidFill>
+              <a:effectLst>
+                <a:outerShdw blurRad="38100" dist="38100" dir="2700000" algn="tl">
+                  <a:srgbClr val="000000">
+                    <a:alpha val="43137"/>
+                  </a:srgbClr>
+                </a:outerShdw>
+              </a:effectLst>
               <a:latin typeface="Adobe Fangsong Std R" pitchFamily="18" charset="-128"/>
               <a:ea typeface="Adobe Fangsong Std R" pitchFamily="18" charset="-128"/>
             </a:endParaRPr>
@@ -8717,6 +8761,9 @@
   <p:clrMapOvr>
     <a:masterClrMapping/>
   </p:clrMapOvr>
+  <p:transition spd="med">
+    <p:pull/>
+  </p:transition>
   <p:timing>
     <p:tnLst>
       <p:par>
@@ -14416,6 +14463,14 @@
   <p:clrMapOvr>
     <a:masterClrMapping/>
   </p:clrMapOvr>
+  <mc:AlternateContent xmlns:mc="http://schemas.openxmlformats.org/markup-compatibility/2006">
+    <mc:Choice xmlns:p14="http://schemas.microsoft.com/office/powerpoint/2010/main" Requires="p14">
+      <p:transition p14:dur="0"/>
+    </mc:Choice>
+    <mc:Fallback>
+      <p:transition/>
+    </mc:Fallback>
+  </mc:AlternateContent>
   <p:timing>
     <p:tnLst>
       <p:par>
@@ -14548,6 +14603,13 @@
                     <a:lumMod val="75000"/>
                   </a:schemeClr>
                 </a:solidFill>
+                <a:effectLst>
+                  <a:outerShdw blurRad="38100" dist="38100" dir="2700000" algn="tl">
+                    <a:srgbClr val="000000">
+                      <a:alpha val="43137"/>
+                    </a:srgbClr>
+                  </a:outerShdw>
+                </a:effectLst>
                 <a:latin typeface="Adobe Fangsong Std R" pitchFamily="18" charset="-128"/>
                 <a:ea typeface="Adobe Fangsong Std R" pitchFamily="18" charset="-128"/>
               </a:rPr>
@@ -14559,6 +14621,13 @@
                   <a:lumMod val="75000"/>
                 </a:schemeClr>
               </a:solidFill>
+              <a:effectLst>
+                <a:outerShdw blurRad="38100" dist="38100" dir="2700000" algn="tl">
+                  <a:srgbClr val="000000">
+                    <a:alpha val="43137"/>
+                  </a:srgbClr>
+                </a:outerShdw>
+              </a:effectLst>
               <a:latin typeface="Adobe Fangsong Std R" pitchFamily="18" charset="-128"/>
               <a:ea typeface="Adobe Fangsong Std R" pitchFamily="18" charset="-128"/>
             </a:endParaRPr>
@@ -14575,6 +14644,9 @@
   <p:clrMapOvr>
     <a:masterClrMapping/>
   </p:clrMapOvr>
+  <p:transition spd="slow">
+    <p:cover/>
+  </p:transition>
   <p:timing>
     <p:tnLst>
       <p:par>
@@ -14624,7 +14696,7 @@
                     <a:lumMod val="75000"/>
                   </a:schemeClr>
                 </a:solidFill>
-                <a:latin typeface="Georgia" panose="02040502050405020303" pitchFamily="18" charset="0"/>
+                <a:latin typeface="Cambria" panose="02040503050406030204" pitchFamily="18" charset="0"/>
               </a:rPr>
               <a:t>Domain </a:t>
             </a:r>
@@ -14635,7 +14707,7 @@
                     <a:lumMod val="75000"/>
                   </a:schemeClr>
                 </a:solidFill>
-                <a:latin typeface="Georgia" panose="02040502050405020303" pitchFamily="18" charset="0"/>
+                <a:latin typeface="Cambria" panose="02040503050406030204" pitchFamily="18" charset="0"/>
               </a:rPr>
               <a:t>Assumptions</a:t>
             </a:r>
@@ -14645,7 +14717,7 @@
                   <a:lumMod val="75000"/>
                 </a:schemeClr>
               </a:solidFill>
-              <a:latin typeface="Georgia" panose="02040502050405020303" pitchFamily="18" charset="0"/>
+              <a:latin typeface="Cambria" panose="02040503050406030204" pitchFamily="18" charset="0"/>
             </a:endParaRPr>
           </a:p>
         </p:txBody>
@@ -14737,6 +14809,9 @@
   <p:clrMapOvr>
     <a:masterClrMapping/>
   </p:clrMapOvr>
+  <p:transition spd="med">
+    <p:pull/>
+  </p:transition>
   <p:timing>
     <p:tnLst>
       <p:par>
@@ -15120,9 +15195,6 @@
               </a:rPr>
               <a:t>Each subsystem can be tested separately.</a:t>
             </a:r>
-            <a:endParaRPr lang="en-US" dirty="0">
-              <a:latin typeface="Cambria" panose="02040503050406030204" pitchFamily="18" charset="0"/>
-            </a:endParaRPr>
           </a:p>
         </p:txBody>
       </p:sp>
@@ -15136,6 +15208,9 @@
   <p:clrMapOvr>
     <a:masterClrMapping/>
   </p:clrMapOvr>
+  <p:transition spd="med">
+    <p:pull/>
+  </p:transition>
   <p:timing>
     <p:tnLst>
       <p:par>
@@ -16152,17 +16227,8 @@
               <a:rPr lang="en-US" dirty="0">
                 <a:latin typeface="Cambria" panose="02040503050406030204" pitchFamily="18" charset="0"/>
               </a:rPr>
-              <a:t> </a:t>
-            </a:r>
-            <a:r>
-              <a:rPr lang="en-US" dirty="0">
-                <a:latin typeface="Cambria" panose="02040503050406030204" pitchFamily="18" charset="0"/>
-              </a:rPr>
-              <a:t>are tested independently.</a:t>
-            </a:r>
-            <a:endParaRPr lang="en-US" dirty="0">
-              <a:latin typeface="Cambria" panose="02040503050406030204" pitchFamily="18" charset="0"/>
-            </a:endParaRPr>
+              <a:t> are tested independently.</a:t>
+            </a:r>
           </a:p>
         </p:txBody>
       </p:sp>
@@ -16361,12 +16427,6 @@
               </a:rPr>
               <a:t>Integration</a:t>
             </a:r>
-            <a:endParaRPr lang="en-US" sz="1500" dirty="0">
-              <a:solidFill>
-                <a:srgbClr val="FF0000"/>
-              </a:solidFill>
-              <a:latin typeface="Cambria" panose="02040503050406030204" pitchFamily="18" charset="0"/>
-            </a:endParaRPr>
           </a:p>
         </p:txBody>
       </p:sp>
@@ -16812,9 +16872,6 @@
               </a:rPr>
               <a:t>User Manager.</a:t>
             </a:r>
-            <a:endParaRPr lang="en-US" i="1" dirty="0">
-              <a:latin typeface="Cambria" panose="02040503050406030204" pitchFamily="18" charset="0"/>
-            </a:endParaRPr>
           </a:p>
         </p:txBody>
       </p:sp>
@@ -17051,12 +17108,6 @@
               </a:rPr>
               <a:t>Integration</a:t>
             </a:r>
-            <a:endParaRPr lang="en-US" sz="1500" dirty="0">
-              <a:solidFill>
-                <a:srgbClr val="FF0000"/>
-              </a:solidFill>
-              <a:latin typeface="Cambria" panose="02040503050406030204" pitchFamily="18" charset="0"/>
-            </a:endParaRPr>
           </a:p>
         </p:txBody>
       </p:sp>
@@ -17519,9 +17570,6 @@
               </a:rPr>
               <a:t>.</a:t>
             </a:r>
-            <a:endParaRPr lang="en-US" i="1" dirty="0">
-              <a:latin typeface="Cambria" panose="02040503050406030204" pitchFamily="18" charset="0"/>
-            </a:endParaRPr>
           </a:p>
         </p:txBody>
       </p:sp>
@@ -17668,12 +17716,6 @@
               </a:rPr>
               <a:t>Integration</a:t>
             </a:r>
-            <a:endParaRPr lang="en-US" sz="1500" dirty="0">
-              <a:solidFill>
-                <a:srgbClr val="FF0000"/>
-              </a:solidFill>
-              <a:latin typeface="Cambria" panose="02040503050406030204" pitchFamily="18" charset="0"/>
-            </a:endParaRPr>
           </a:p>
         </p:txBody>
       </p:sp>
@@ -18012,9 +18054,6 @@
               </a:rPr>
               <a:t>Application Server.</a:t>
             </a:r>
-            <a:endParaRPr lang="en-US" i="1" dirty="0">
-              <a:latin typeface="Cambria" panose="02040503050406030204" pitchFamily="18" charset="0"/>
-            </a:endParaRPr>
           </a:p>
         </p:txBody>
       </p:sp>
@@ -18049,12 +18088,6 @@
               </a:rPr>
               <a:t>This was the last component!</a:t>
             </a:r>
-            <a:endParaRPr lang="en-US" sz="1500" dirty="0">
-              <a:solidFill>
-                <a:srgbClr val="FF0000"/>
-              </a:solidFill>
-              <a:latin typeface="Cambria" panose="02040503050406030204" pitchFamily="18" charset="0"/>
-            </a:endParaRPr>
           </a:p>
         </p:txBody>
       </p:sp>
@@ -18784,9 +18817,6 @@
               </a:rPr>
               <a:t>.</a:t>
             </a:r>
-            <a:endParaRPr lang="en-US" sz="1700" dirty="0">
-              <a:latin typeface="Cambria" panose="02040503050406030204" pitchFamily="18" charset="0"/>
-            </a:endParaRPr>
           </a:p>
         </p:txBody>
       </p:sp>
@@ -19268,6 +19298,13 @@
                     <a:lumMod val="75000"/>
                   </a:schemeClr>
                 </a:solidFill>
+                <a:effectLst>
+                  <a:outerShdw blurRad="38100" dist="38100" dir="2700000" algn="tl">
+                    <a:srgbClr val="000000">
+                      <a:alpha val="43137"/>
+                    </a:srgbClr>
+                  </a:outerShdw>
+                </a:effectLst>
                 <a:latin typeface="Adobe Fangsong Std R" pitchFamily="18" charset="-128"/>
                 <a:ea typeface="Adobe Fangsong Std R" pitchFamily="18" charset="-128"/>
               </a:rPr>
@@ -19280,6 +19317,13 @@
                     <a:lumMod val="75000"/>
                   </a:schemeClr>
                 </a:solidFill>
+                <a:effectLst>
+                  <a:outerShdw blurRad="38100" dist="38100" dir="2700000" algn="tl">
+                    <a:srgbClr val="000000">
+                      <a:alpha val="43137"/>
+                    </a:srgbClr>
+                  </a:outerShdw>
+                </a:effectLst>
                 <a:latin typeface="Adobe Fangsong Std R" pitchFamily="18" charset="-128"/>
                 <a:ea typeface="Adobe Fangsong Std R" pitchFamily="18" charset="-128"/>
               </a:rPr>
@@ -19292,6 +19336,13 @@
                     <a:lumMod val="75000"/>
                   </a:schemeClr>
                 </a:solidFill>
+                <a:effectLst>
+                  <a:outerShdw blurRad="38100" dist="38100" dir="2700000" algn="tl">
+                    <a:srgbClr val="000000">
+                      <a:alpha val="43137"/>
+                    </a:srgbClr>
+                  </a:outerShdw>
+                </a:effectLst>
                 <a:latin typeface="Adobe Fangsong Std R" pitchFamily="18" charset="-128"/>
                 <a:ea typeface="Adobe Fangsong Std R" pitchFamily="18" charset="-128"/>
               </a:rPr>
@@ -19303,6 +19354,13 @@
                   <a:lumMod val="75000"/>
                 </a:schemeClr>
               </a:solidFill>
+              <a:effectLst>
+                <a:outerShdw blurRad="38100" dist="38100" dir="2700000" algn="tl">
+                  <a:srgbClr val="000000">
+                    <a:alpha val="43137"/>
+                  </a:srgbClr>
+                </a:outerShdw>
+              </a:effectLst>
               <a:latin typeface="Adobe Fangsong Std R" pitchFamily="18" charset="-128"/>
               <a:ea typeface="Adobe Fangsong Std R" pitchFamily="18" charset="-128"/>
             </a:endParaRPr>
@@ -19319,6 +19377,9 @@
   <p:clrMapOvr>
     <a:masterClrMapping/>
   </p:clrMapOvr>
+  <p:transition spd="slow">
+    <p:cover/>
+  </p:transition>
   <p:timing>
     <p:tnLst>
       <p:par>
@@ -19485,13 +19546,7 @@
               <a:rPr lang="en-US" sz="1500" i="1" dirty="0">
                 <a:latin typeface="Cambria" panose="02040503050406030204" pitchFamily="18" charset="0"/>
               </a:rPr>
-              <a:t>Internal / External logical </a:t>
-            </a:r>
-            <a:r>
-              <a:rPr lang="en-US" sz="1500" i="1" dirty="0">
-                <a:latin typeface="Cambria" panose="02040503050406030204" pitchFamily="18" charset="0"/>
-              </a:rPr>
-              <a:t>files</a:t>
+              <a:t>Internal / External logical files</a:t>
             </a:r>
           </a:p>
           <a:p>
@@ -19592,9 +19647,6 @@
               </a:rPr>
               <a:t>Example: Rides, City Zones</a:t>
             </a:r>
-            <a:endParaRPr lang="en-US" sz="1500" dirty="0">
-              <a:latin typeface="Cambria" panose="02040503050406030204" pitchFamily="18" charset="0"/>
-            </a:endParaRPr>
           </a:p>
           <a:p>
             <a:endParaRPr lang="en-US" sz="1500" dirty="0">
@@ -19630,19 +19682,7 @@
               <a:rPr lang="en-US" sz="1500" i="1" dirty="0">
                 <a:latin typeface="Cambria" panose="02040503050406030204" pitchFamily="18" charset="0"/>
               </a:rPr>
-              <a:t>External input / output</a:t>
-            </a:r>
-            <a:r>
-              <a:rPr lang="en-US" sz="1500" i="1" dirty="0">
-                <a:latin typeface="Cambria" panose="02040503050406030204" pitchFamily="18" charset="0"/>
-              </a:rPr>
-              <a:t> </a:t>
-            </a:r>
-            <a:r>
-              <a:rPr lang="en-US" sz="1500" i="1" dirty="0">
-                <a:latin typeface="Cambria" panose="02040503050406030204" pitchFamily="18" charset="0"/>
-              </a:rPr>
-              <a:t>/ inquiries</a:t>
+              <a:t>External input / output / inquiries</a:t>
             </a:r>
           </a:p>
           <a:p>
@@ -19779,6 +19819,9 @@
   <p:clrMapOvr>
     <a:masterClrMapping/>
   </p:clrMapOvr>
+  <p:transition spd="med">
+    <p:pull/>
+  </p:transition>
   <p:timing>
     <p:tnLst>
       <p:par>
@@ -20962,13 +21005,7 @@
               <a:rPr lang="en-US" dirty="0" smtClean="0">
                 <a:latin typeface="Cambria" panose="02040503050406030204" pitchFamily="18" charset="0"/>
               </a:rPr>
-              <a:t> </a:t>
-            </a:r>
-            <a:r>
-              <a:rPr lang="en-US" dirty="0" smtClean="0">
-                <a:latin typeface="Cambria" panose="02040503050406030204" pitchFamily="18" charset="0"/>
-              </a:rPr>
-              <a:t> A taxi driver account cannot be used as a customer account, and vice versa. This means that if a taxi driver wants to access the customer’s services, he will need to create a customer account. </a:t>
+              <a:t>  A taxi driver account cannot be used as a customer account, and vice versa. This means that if a taxi driver wants to access the customer’s services, he will need to create a customer account. </a:t>
             </a:r>
           </a:p>
           <a:p>
@@ -21274,14 +21311,6 @@
               </a:rPr>
               <a:t>Function Points</a:t>
             </a:r>
-            <a:endParaRPr lang="en-US" sz="3200" dirty="0">
-              <a:solidFill>
-                <a:schemeClr val="accent2">
-                  <a:lumMod val="75000"/>
-                </a:schemeClr>
-              </a:solidFill>
-              <a:latin typeface="Cambria" panose="02040503050406030204" pitchFamily="18" charset="0"/>
-            </a:endParaRPr>
           </a:p>
         </p:txBody>
       </p:sp>
@@ -21377,13 +21406,7 @@
                   <a:rPr lang="en-US" sz="1500" dirty="0">
                     <a:latin typeface="Cambria" panose="02040503050406030204" pitchFamily="18" charset="0"/>
                   </a:rPr>
-                  <a:t>) </a:t>
-                </a:r>
-                <a:r>
-                  <a:rPr lang="en-US" sz="1500" dirty="0">
-                    <a:latin typeface="Cambria" panose="02040503050406030204" pitchFamily="18" charset="0"/>
-                  </a:rPr>
-                  <a:t>are:</a:t>
+                  <a:t>) are:</a:t>
                 </a:r>
               </a:p>
               <a:p>
@@ -21836,8 +21859,8 @@
           </a:p>
         </p:txBody>
       </p:sp>
-      <mc:AlternateContent xmlns:mc="http://schemas.openxmlformats.org/markup-compatibility/2006">
-        <mc:Choice xmlns:a14="http://schemas.microsoft.com/office/drawing/2010/main" Requires="a14">
+      <mc:AlternateContent xmlns:mc="http://schemas.openxmlformats.org/markup-compatibility/2006" xmlns:a14="http://schemas.microsoft.com/office/drawing/2010/main">
+        <mc:Choice Requires="a14">
           <p:sp>
             <p:nvSpPr>
               <p:cNvPr id="3" name="Rettangolo 2"/>
@@ -21956,7 +21979,7 @@
                         <m:sSupPr>
                           <m:ctrlPr>
                             <a:rPr lang="en-US" sz="1500" i="1">
-                              <a:latin typeface="Cambria Math"/>
+                              <a:latin typeface="Cambria Math" panose="02040503050406030204" pitchFamily="18" charset="0"/>
                             </a:rPr>
                           </m:ctrlPr>
                         </m:sSupPr>
@@ -22044,7 +22067,7 @@
                         <m:sSupPr>
                           <m:ctrlPr>
                             <a:rPr lang="en-US" sz="1500" i="1">
-                              <a:latin typeface="Cambria Math"/>
+                              <a:latin typeface="Cambria Math" panose="02040503050406030204" pitchFamily="18" charset="0"/>
                             </a:rPr>
                           </m:ctrlPr>
                         </m:sSupPr>
@@ -22109,7 +22132,7 @@
                         <m:sSubPr>
                           <m:ctrlPr>
                             <a:rPr lang="en-US" sz="1500" i="1">
-                              <a:latin typeface="Cambria Math"/>
+                              <a:latin typeface="Cambria Math" panose="02040503050406030204" pitchFamily="18" charset="0"/>
                             </a:rPr>
                           </m:ctrlPr>
                         </m:sSubPr>
@@ -22140,7 +22163,7 @@
                         <m:fPr>
                           <m:ctrlPr>
                             <a:rPr lang="en-US" sz="1500" i="1">
-                              <a:latin typeface="Cambria Math"/>
+                              <a:latin typeface="Cambria Math" panose="02040503050406030204" pitchFamily="18" charset="0"/>
                             </a:rPr>
                           </m:ctrlPr>
                         </m:fPr>
@@ -22200,7 +22223,7 @@
             </p:txBody>
           </p:sp>
         </mc:Choice>
-        <mc:Fallback>
+        <mc:Fallback xmlns="">
           <p:sp>
             <p:nvSpPr>
               <p:cNvPr id="3" name="Rettangolo 2"/>
@@ -22249,6 +22272,14 @@
   <p:clrMapOvr>
     <a:masterClrMapping/>
   </p:clrMapOvr>
+  <mc:AlternateContent xmlns:mc="http://schemas.openxmlformats.org/markup-compatibility/2006">
+    <mc:Choice xmlns:p14="http://schemas.microsoft.com/office/powerpoint/2010/main" Requires="p14">
+      <p:transition p14:dur="0"/>
+    </mc:Choice>
+    <mc:Fallback>
+      <p:transition/>
+    </mc:Fallback>
+  </mc:AlternateContent>
   <p:timing>
     <p:tnLst>
       <p:par>
@@ -22757,6 +22788,9 @@
   <p:clrMapOvr>
     <a:masterClrMapping/>
   </p:clrMapOvr>
+  <p:transition spd="slow">
+    <p:cover/>
+  </p:transition>
   <p:timing>
     <p:tnLst>
       <p:par>
@@ -22892,13 +22926,7 @@
               <a:rPr lang="en-US" dirty="0" smtClean="0">
                 <a:latin typeface="Cambria" panose="02040503050406030204" pitchFamily="18" charset="0"/>
               </a:rPr>
-              <a:t> </a:t>
-            </a:r>
-            <a:r>
-              <a:rPr lang="en-US" dirty="0" smtClean="0">
-                <a:latin typeface="Cambria" panose="02040503050406030204" pitchFamily="18" charset="0"/>
-              </a:rPr>
-              <a:t>The web and mobile registration is intended for customers only. Taxi drivers’ account are created by an administrator when they are hired by the taxi company. Taxi drivers will then receive their username and temporary password, which they will be able to change once logged in the application. </a:t>
+              <a:t> The web and mobile registration is intended for customers only. Taxi drivers’ account are created by an administrator when they are hired by the taxi company. Taxi drivers will then receive their username and temporary password, which they will be able to change once logged in the application. </a:t>
             </a:r>
           </a:p>
           <a:p>

--- a/OtherStuff/FINAL PRESENTATION/MyTaxiService.pptx
+++ b/OtherStuff/FINAL PRESENTATION/MyTaxiService.pptx
@@ -3888,8 +3888,8 @@
         </p:nvSpPr>
         <p:spPr>
           <a:xfrm>
-            <a:off x="1652249" y="2355726"/>
-            <a:ext cx="5915025" cy="2054852"/>
+            <a:off x="899592" y="2355726"/>
+            <a:ext cx="7200799" cy="2448272"/>
           </a:xfrm>
         </p:spPr>
         <p:txBody>
@@ -3898,22 +3898,68 @@
           </a:bodyPr>
           <a:lstStyle/>
           <a:p>
+            <a:pPr>
+              <a:lnSpc>
+                <a:spcPct val="120000"/>
+              </a:lnSpc>
+              <a:spcBef>
+                <a:spcPts val="0"/>
+              </a:spcBef>
+              <a:spcAft>
+                <a:spcPts val="600"/>
+              </a:spcAft>
+            </a:pPr>
             <a:r>
               <a:rPr lang="en-US" dirty="0">
                 <a:latin typeface="Cambria" panose="02040503050406030204" pitchFamily="18" charset="0"/>
               </a:rPr>
-              <a:t>[R1] The system should send updates through email and/or in-app notification, as specified by the customer.</a:t>
+              <a:t>[</a:t>
+            </a:r>
+            <a:r>
+              <a:rPr lang="en-US" b="1" dirty="0">
+                <a:latin typeface="Cambria" panose="02040503050406030204" pitchFamily="18" charset="0"/>
+              </a:rPr>
+              <a:t>R1</a:t>
+            </a:r>
+            <a:r>
+              <a:rPr lang="en-US" dirty="0">
+                <a:latin typeface="Cambria" panose="02040503050406030204" pitchFamily="18" charset="0"/>
+              </a:rPr>
+              <a:t>] The system should send updates through email and/or in-app notification, as specified by the customer.</a:t>
             </a:r>
             <a:endParaRPr lang="it-IT" dirty="0">
               <a:latin typeface="Cambria" panose="02040503050406030204" pitchFamily="18" charset="0"/>
             </a:endParaRPr>
           </a:p>
           <a:p>
+            <a:pPr>
+              <a:lnSpc>
+                <a:spcPct val="120000"/>
+              </a:lnSpc>
+              <a:spcBef>
+                <a:spcPts val="0"/>
+              </a:spcBef>
+              <a:spcAft>
+                <a:spcPts val="600"/>
+              </a:spcAft>
+            </a:pPr>
             <a:r>
               <a:rPr lang="en-US" dirty="0">
                 <a:latin typeface="Cambria" panose="02040503050406030204" pitchFamily="18" charset="0"/>
               </a:rPr>
-              <a:t>[R2] Absence of taxis available, reservations overlaps, taxi average waiting time and taxi assigned to customers are events that must be notified to the customer.</a:t>
+              <a:t>[</a:t>
+            </a:r>
+            <a:r>
+              <a:rPr lang="en-US" b="1" dirty="0">
+                <a:latin typeface="Cambria" panose="02040503050406030204" pitchFamily="18" charset="0"/>
+              </a:rPr>
+              <a:t>R2</a:t>
+            </a:r>
+            <a:r>
+              <a:rPr lang="en-US" dirty="0">
+                <a:latin typeface="Cambria" panose="02040503050406030204" pitchFamily="18" charset="0"/>
+              </a:rPr>
+              <a:t>] Absence of taxis available, reservations overlaps, taxi average waiting time and taxi assigned to customers are events that must be notified to the customer.</a:t>
             </a:r>
             <a:endParaRPr lang="it-IT" dirty="0">
               <a:latin typeface="Cambria" panose="02040503050406030204" pitchFamily="18" charset="0"/>
@@ -4217,8 +4263,8 @@
         </p:nvSpPr>
         <p:spPr>
           <a:xfrm>
-            <a:off x="1593058" y="2571750"/>
-            <a:ext cx="5915025" cy="2201048"/>
+            <a:off x="1187624" y="2571750"/>
+            <a:ext cx="6624736" cy="2448272"/>
           </a:xfrm>
         </p:spPr>
         <p:txBody>
@@ -4227,44 +4273,124 @@
           </a:bodyPr>
           <a:lstStyle/>
           <a:p>
+            <a:pPr>
+              <a:lnSpc>
+                <a:spcPct val="120000"/>
+              </a:lnSpc>
+              <a:spcAft>
+                <a:spcPts val="400"/>
+              </a:spcAft>
+            </a:pPr>
             <a:r>
               <a:rPr lang="en-US" dirty="0">
                 <a:latin typeface="Cambria" panose="02040503050406030204" pitchFamily="18" charset="0"/>
               </a:rPr>
-              <a:t>[R1] Customers must leave a valid phone number in order to complete the registration phase.</a:t>
+              <a:t>[</a:t>
+            </a:r>
+            <a:r>
+              <a:rPr lang="en-US" b="1" dirty="0">
+                <a:latin typeface="Cambria" panose="02040503050406030204" pitchFamily="18" charset="0"/>
+              </a:rPr>
+              <a:t>R1</a:t>
+            </a:r>
+            <a:r>
+              <a:rPr lang="en-US" dirty="0">
+                <a:latin typeface="Cambria" panose="02040503050406030204" pitchFamily="18" charset="0"/>
+              </a:rPr>
+              <a:t>] Customers must leave a valid phone number in order to complete the registration phase.</a:t>
             </a:r>
             <a:endParaRPr lang="it-IT" dirty="0">
               <a:latin typeface="Cambria" panose="02040503050406030204" pitchFamily="18" charset="0"/>
             </a:endParaRPr>
           </a:p>
           <a:p>
+            <a:pPr>
+              <a:lnSpc>
+                <a:spcPct val="120000"/>
+              </a:lnSpc>
+              <a:spcAft>
+                <a:spcPts val="400"/>
+              </a:spcAft>
+            </a:pPr>
             <a:r>
               <a:rPr lang="en-US" dirty="0">
                 <a:latin typeface="Cambria" panose="02040503050406030204" pitchFamily="18" charset="0"/>
               </a:rPr>
-              <a:t>[R2] Taxi drivers must be able to access to the customer’s phone number when the system has paired them.</a:t>
+              <a:t>[</a:t>
+            </a:r>
+            <a:r>
+              <a:rPr lang="en-US" b="1" dirty="0">
+                <a:latin typeface="Cambria" panose="02040503050406030204" pitchFamily="18" charset="0"/>
+              </a:rPr>
+              <a:t>R2</a:t>
+            </a:r>
+            <a:r>
+              <a:rPr lang="en-US" dirty="0">
+                <a:latin typeface="Cambria" panose="02040503050406030204" pitchFamily="18" charset="0"/>
+              </a:rPr>
+              <a:t>] Taxi drivers must be able to access to the customer’s phone number when the system has paired them.</a:t>
             </a:r>
             <a:endParaRPr lang="it-IT" dirty="0">
               <a:latin typeface="Cambria" panose="02040503050406030204" pitchFamily="18" charset="0"/>
             </a:endParaRPr>
           </a:p>
           <a:p>
+            <a:pPr>
+              <a:lnSpc>
+                <a:spcPct val="120000"/>
+              </a:lnSpc>
+              <a:spcAft>
+                <a:spcPts val="400"/>
+              </a:spcAft>
+            </a:pPr>
             <a:r>
               <a:rPr lang="en-US" dirty="0">
                 <a:latin typeface="Cambria" panose="02040503050406030204" pitchFamily="18" charset="0"/>
               </a:rPr>
-              <a:t>[R3] Customers must receive the taxi drivers’ contact number after the system has paired them.</a:t>
+              <a:t>[</a:t>
+            </a:r>
+            <a:r>
+              <a:rPr lang="en-US" b="1" dirty="0">
+                <a:latin typeface="Cambria" panose="02040503050406030204" pitchFamily="18" charset="0"/>
+              </a:rPr>
+              <a:t>R3</a:t>
+            </a:r>
+            <a:r>
+              <a:rPr lang="en-US" dirty="0">
+                <a:latin typeface="Cambria" panose="02040503050406030204" pitchFamily="18" charset="0"/>
+              </a:rPr>
+              <a:t>] Customers must receive the taxi drivers’ contact number after the system has paired them.</a:t>
             </a:r>
             <a:endParaRPr lang="it-IT" dirty="0">
               <a:latin typeface="Cambria" panose="02040503050406030204" pitchFamily="18" charset="0"/>
             </a:endParaRPr>
           </a:p>
           <a:p>
+            <a:pPr>
+              <a:lnSpc>
+                <a:spcPct val="120000"/>
+              </a:lnSpc>
+              <a:spcAft>
+                <a:spcPts val="400"/>
+              </a:spcAft>
+            </a:pPr>
             <a:r>
               <a:rPr lang="en-US" dirty="0">
                 <a:latin typeface="Cambria" panose="02040503050406030204" pitchFamily="18" charset="0"/>
               </a:rPr>
-              <a:t>[R4] Customers must receive the taxi code in order to be able to recognize its driver.</a:t>
+              <a:t>[</a:t>
+            </a:r>
+            <a:r>
+              <a:rPr lang="en-US" b="1" dirty="0">
+                <a:latin typeface="Cambria" panose="02040503050406030204" pitchFamily="18" charset="0"/>
+              </a:rPr>
+              <a:t>R4</a:t>
+            </a:r>
+            <a:r>
+              <a:rPr lang="en-US" dirty="0">
+                <a:latin typeface="Cambria" panose="02040503050406030204" pitchFamily="18" charset="0"/>
+              </a:rPr>
+              <a:t>] Customers must receive the taxi code in order to be able to recognize its driver.</a:t>
             </a:r>
             <a:endParaRPr lang="it-IT" dirty="0">
               <a:latin typeface="Cambria" panose="02040503050406030204" pitchFamily="18" charset="0"/>
@@ -4704,7 +4830,19 @@
               <a:rPr lang="en-US" sz="2400" dirty="0">
                 <a:latin typeface="Cambria" panose="02040503050406030204" pitchFamily="18" charset="0"/>
               </a:rPr>
-              <a:t>[R1] Customers can </a:t>
+              <a:t>[</a:t>
+            </a:r>
+            <a:r>
+              <a:rPr lang="en-US" sz="2400" b="1" dirty="0">
+                <a:latin typeface="Cambria" panose="02040503050406030204" pitchFamily="18" charset="0"/>
+              </a:rPr>
+              <a:t>R1</a:t>
+            </a:r>
+            <a:r>
+              <a:rPr lang="en-US" sz="2400" dirty="0">
+                <a:latin typeface="Cambria" panose="02040503050406030204" pitchFamily="18" charset="0"/>
+              </a:rPr>
+              <a:t>] Customers can </a:t>
             </a:r>
             <a:r>
               <a:rPr lang="en-US" sz="2400" dirty="0" smtClean="0">
@@ -5724,7 +5862,7 @@
         <p:spPr>
           <a:xfrm>
             <a:off x="5061444" y="1699112"/>
-            <a:ext cx="2596661" cy="2406428"/>
+            <a:ext cx="2596661" cy="2685351"/>
           </a:xfrm>
           <a:prstGeom prst="rect">
             <a:avLst/>
@@ -5738,6 +5876,9 @@
           <a:lstStyle/>
           <a:p>
             <a:pPr marL="160731" indent="-160731">
+              <a:spcAft>
+                <a:spcPts val="600"/>
+              </a:spcAft>
               <a:buFont typeface="Arial" panose="020B0604020202020204" pitchFamily="34" charset="0"/>
               <a:buChar char="•"/>
             </a:pPr>
@@ -5813,6 +5954,9 @@
           </a:p>
           <a:p>
             <a:pPr marL="160731" indent="-160731">
+              <a:spcAft>
+                <a:spcPts val="600"/>
+              </a:spcAft>
               <a:buFont typeface="Arial" panose="020B0604020202020204" pitchFamily="34" charset="0"/>
               <a:buChar char="•"/>
             </a:pPr>
@@ -5831,6 +5975,9 @@
           </a:p>
           <a:p>
             <a:pPr marL="160731" indent="-160731">
+              <a:spcAft>
+                <a:spcPts val="600"/>
+              </a:spcAft>
               <a:buFont typeface="Arial" panose="020B0604020202020204" pitchFamily="34" charset="0"/>
               <a:buChar char="•"/>
             </a:pPr>
@@ -5849,6 +5996,9 @@
           </a:p>
           <a:p>
             <a:pPr marL="160731" indent="-160731">
+              <a:spcAft>
+                <a:spcPts val="600"/>
+              </a:spcAft>
               <a:buFont typeface="Arial" panose="020B0604020202020204" pitchFamily="34" charset="0"/>
               <a:buChar char="•"/>
             </a:pPr>
@@ -5870,6 +6020,9 @@
           </a:p>
           <a:p>
             <a:pPr marL="160731" indent="-160731">
+              <a:spcAft>
+                <a:spcPts val="600"/>
+              </a:spcAft>
               <a:buFont typeface="Arial" panose="020B0604020202020204" pitchFamily="34" charset="0"/>
               <a:buChar char="•"/>
             </a:pPr>
@@ -6518,7 +6671,7 @@
         <p:spPr>
           <a:xfrm>
             <a:off x="5139511" y="1499509"/>
-            <a:ext cx="2536422" cy="3577903"/>
+            <a:ext cx="2536422" cy="3834383"/>
           </a:xfrm>
           <a:prstGeom prst="rect">
             <a:avLst/>
@@ -6532,6 +6685,9 @@
           <a:lstStyle/>
           <a:p>
             <a:pPr marL="160731" indent="-160731">
+              <a:spcAft>
+                <a:spcPts val="400"/>
+              </a:spcAft>
               <a:buFont typeface="Arial" panose="020B0604020202020204" pitchFamily="34" charset="0"/>
               <a:buChar char="•"/>
             </a:pPr>
@@ -6609,14 +6765,16 @@
                 <a:ea typeface="Calibri" panose="020F0502020204030204" pitchFamily="34" charset="0"/>
                 <a:cs typeface="Arial" panose="020B0604020202020204" pitchFamily="34" charset="0"/>
               </a:rPr>
-              <a:t>world.</a:t>
-            </a:r>
-          </a:p>
-          <a:p>
-            <a:pPr marL="160731" indent="-160731">
-              <a:buFont typeface="Arial" panose="020B0604020202020204" pitchFamily="34" charset="0"/>
-              <a:buChar char="•"/>
-            </a:pPr>
+              <a:t>world</a:t>
+            </a:r>
+            <a:r>
+              <a:rPr lang="en-US" sz="900" dirty="0" smtClean="0">
+                <a:latin typeface="Georgia" panose="02040502050405020303" pitchFamily="18" charset="0"/>
+                <a:ea typeface="Calibri" panose="020F0502020204030204" pitchFamily="34" charset="0"/>
+                <a:cs typeface="Arial" panose="020B0604020202020204" pitchFamily="34" charset="0"/>
+              </a:rPr>
+              <a:t>.</a:t>
+            </a:r>
             <a:endParaRPr lang="en-US" sz="900" dirty="0">
               <a:latin typeface="Georgia" panose="02040502050405020303" pitchFamily="18" charset="0"/>
               <a:ea typeface="Calibri" panose="020F0502020204030204" pitchFamily="34" charset="0"/>
@@ -6625,6 +6783,9 @@
           </a:p>
           <a:p>
             <a:pPr marL="160731" indent="-160731">
+              <a:spcAft>
+                <a:spcPts val="400"/>
+              </a:spcAft>
               <a:buFont typeface="Arial" panose="020B0604020202020204" pitchFamily="34" charset="0"/>
               <a:buChar char="•"/>
             </a:pPr>
@@ -6646,6 +6807,9 @@
           </a:p>
           <a:p>
             <a:pPr marL="160731" indent="-160731">
+              <a:spcAft>
+                <a:spcPts val="400"/>
+              </a:spcAft>
               <a:buFont typeface="Arial" panose="020B0604020202020204" pitchFamily="34" charset="0"/>
               <a:buChar char="•"/>
             </a:pPr>
@@ -6664,6 +6828,9 @@
           </a:p>
           <a:p>
             <a:pPr marL="160731" indent="-160731">
+              <a:spcAft>
+                <a:spcPts val="400"/>
+              </a:spcAft>
               <a:buFont typeface="Arial" panose="020B0604020202020204" pitchFamily="34" charset="0"/>
               <a:buChar char="•"/>
             </a:pPr>
@@ -6682,6 +6849,9 @@
           </a:p>
           <a:p>
             <a:pPr marL="160731" indent="-160731">
+              <a:spcAft>
+                <a:spcPts val="400"/>
+              </a:spcAft>
               <a:buFont typeface="Arial" panose="020B0604020202020204" pitchFamily="34" charset="0"/>
               <a:buChar char="•"/>
             </a:pPr>
@@ -6958,7 +7128,7 @@
                                         <p:tgtEl>
                                           <p:spTgt spid="5">
                                             <p:txEl>
-                                              <p:pRg st="2" end="2"/>
+                                              <p:pRg st="1" end="1"/>
                                             </p:txEl>
                                           </p:spTgt>
                                         </p:tgtEl>
@@ -6976,7 +7146,7 @@
                                         <p:tgtEl>
                                           <p:spTgt spid="5">
                                             <p:txEl>
-                                              <p:pRg st="2" end="2"/>
+                                              <p:pRg st="1" end="1"/>
                                             </p:txEl>
                                           </p:spTgt>
                                         </p:tgtEl>
@@ -7019,7 +7189,7 @@
                                         <p:tgtEl>
                                           <p:spTgt spid="5">
                                             <p:txEl>
-                                              <p:pRg st="3" end="3"/>
+                                              <p:pRg st="2" end="2"/>
                                             </p:txEl>
                                           </p:spTgt>
                                         </p:tgtEl>
@@ -7037,7 +7207,7 @@
                                         <p:tgtEl>
                                           <p:spTgt spid="5">
                                             <p:txEl>
-                                              <p:pRg st="3" end="3"/>
+                                              <p:pRg st="2" end="2"/>
                                             </p:txEl>
                                           </p:spTgt>
                                         </p:tgtEl>
@@ -7080,7 +7250,7 @@
                                         <p:tgtEl>
                                           <p:spTgt spid="5">
                                             <p:txEl>
-                                              <p:pRg st="4" end="4"/>
+                                              <p:pRg st="3" end="3"/>
                                             </p:txEl>
                                           </p:spTgt>
                                         </p:tgtEl>
@@ -7098,7 +7268,7 @@
                                         <p:tgtEl>
                                           <p:spTgt spid="5">
                                             <p:txEl>
-                                              <p:pRg st="4" end="4"/>
+                                              <p:pRg st="3" end="3"/>
                                             </p:txEl>
                                           </p:spTgt>
                                         </p:tgtEl>
@@ -7141,7 +7311,7 @@
                                         <p:tgtEl>
                                           <p:spTgt spid="5">
                                             <p:txEl>
-                                              <p:pRg st="5" end="5"/>
+                                              <p:pRg st="4" end="4"/>
                                             </p:txEl>
                                           </p:spTgt>
                                         </p:tgtEl>
@@ -7159,7 +7329,7 @@
                                         <p:tgtEl>
                                           <p:spTgt spid="5">
                                             <p:txEl>
-                                              <p:pRg st="5" end="5"/>
+                                              <p:pRg st="4" end="4"/>
                                             </p:txEl>
                                           </p:spTgt>
                                         </p:tgtEl>
@@ -14746,44 +14916,204 @@
               <a:t> </a:t>
             </a:r>
             <a:r>
-              <a:rPr lang="en-US" sz="2400" dirty="0">
-                <a:latin typeface="Cambria" panose="02040503050406030204" pitchFamily="18" charset="0"/>
-              </a:rPr>
-              <a:t>Requests and reservations can be cancelled if and only if no taxi have been assigned to the customer. </a:t>
-            </a:r>
-            <a:endParaRPr lang="en-US" sz="2400" dirty="0" smtClean="0">
+              <a:rPr lang="en-US" sz="1900" b="1" dirty="0">
+                <a:latin typeface="Cambria" panose="02040503050406030204" pitchFamily="18" charset="0"/>
+              </a:rPr>
+              <a:t>Requests</a:t>
+            </a:r>
+            <a:r>
+              <a:rPr lang="en-US" sz="1900" dirty="0">
+                <a:latin typeface="Cambria" panose="02040503050406030204" pitchFamily="18" charset="0"/>
+              </a:rPr>
+              <a:t> and </a:t>
+            </a:r>
+            <a:r>
+              <a:rPr lang="en-US" sz="1900" b="1" dirty="0">
+                <a:latin typeface="Cambria" panose="02040503050406030204" pitchFamily="18" charset="0"/>
+              </a:rPr>
+              <a:t>reservations</a:t>
+            </a:r>
+            <a:r>
+              <a:rPr lang="en-US" sz="1900" dirty="0">
+                <a:latin typeface="Cambria" panose="02040503050406030204" pitchFamily="18" charset="0"/>
+              </a:rPr>
+              <a:t> can be </a:t>
+            </a:r>
+            <a:r>
+              <a:rPr lang="en-US" sz="1900" b="1" dirty="0">
+                <a:latin typeface="Cambria" panose="02040503050406030204" pitchFamily="18" charset="0"/>
+              </a:rPr>
+              <a:t>cancelled</a:t>
+            </a:r>
+            <a:r>
+              <a:rPr lang="en-US" sz="1900" dirty="0">
+                <a:latin typeface="Cambria" panose="02040503050406030204" pitchFamily="18" charset="0"/>
+              </a:rPr>
+              <a:t> if and only if no taxi have been </a:t>
+            </a:r>
+            <a:r>
+              <a:rPr lang="en-US" sz="1900" b="1" dirty="0">
+                <a:latin typeface="Cambria" panose="02040503050406030204" pitchFamily="18" charset="0"/>
+              </a:rPr>
+              <a:t>assigned</a:t>
+            </a:r>
+            <a:r>
+              <a:rPr lang="en-US" sz="1900" dirty="0">
+                <a:latin typeface="Cambria" panose="02040503050406030204" pitchFamily="18" charset="0"/>
+              </a:rPr>
+              <a:t> to the customer. </a:t>
+            </a:r>
+            <a:endParaRPr lang="en-US" sz="1900" dirty="0" smtClean="0">
               <a:latin typeface="Cambria" panose="02040503050406030204" pitchFamily="18" charset="0"/>
             </a:endParaRPr>
           </a:p>
           <a:p>
-            <a:endParaRPr lang="en-US" sz="2400" dirty="0">
+            <a:endParaRPr lang="en-US" sz="1900" dirty="0">
               <a:latin typeface="Cambria" panose="02040503050406030204" pitchFamily="18" charset="0"/>
             </a:endParaRPr>
           </a:p>
           <a:p>
             <a:r>
-              <a:rPr lang="en-US" sz="2400" dirty="0" smtClean="0">
-                <a:latin typeface="Cambria" panose="02040503050406030204" pitchFamily="18" charset="0"/>
-              </a:rPr>
-              <a:t> Customers are not allowed to request a taxi ride if any other request made by the same account has not been fulfilled yet.</a:t>
-            </a:r>
+              <a:rPr lang="en-US" sz="1900" dirty="0" smtClean="0">
+                <a:latin typeface="Cambria" panose="02040503050406030204" pitchFamily="18" charset="0"/>
+              </a:rPr>
+              <a:t> Customers </a:t>
+            </a:r>
+            <a:r>
+              <a:rPr lang="en-US" sz="1900" dirty="0" smtClean="0">
+                <a:latin typeface="Cambria" panose="02040503050406030204" pitchFamily="18" charset="0"/>
+              </a:rPr>
+              <a:t>are not allowed make more than </a:t>
+            </a:r>
+            <a:r>
+              <a:rPr lang="en-US" sz="1900" b="1" dirty="0" smtClean="0">
+                <a:latin typeface="Cambria" panose="02040503050406030204" pitchFamily="18" charset="0"/>
+              </a:rPr>
+              <a:t>one request </a:t>
+            </a:r>
+            <a:r>
+              <a:rPr lang="en-US" sz="1900" dirty="0" smtClean="0">
+                <a:latin typeface="Cambria" panose="02040503050406030204" pitchFamily="18" charset="0"/>
+              </a:rPr>
+              <a:t>if the previous has not been fulfilled yet.</a:t>
+            </a:r>
+            <a:endParaRPr lang="en-US" sz="1900" dirty="0" smtClean="0">
+              <a:latin typeface="Cambria" panose="02040503050406030204" pitchFamily="18" charset="0"/>
+            </a:endParaRPr>
           </a:p>
           <a:p>
             <a:pPr marL="0" indent="0">
               <a:buNone/>
             </a:pPr>
-            <a:endParaRPr lang="en-US" sz="2400" dirty="0" smtClean="0">
+            <a:endParaRPr lang="en-US" sz="1900" dirty="0" smtClean="0">
               <a:latin typeface="Cambria" panose="02040503050406030204" pitchFamily="18" charset="0"/>
             </a:endParaRPr>
           </a:p>
           <a:p>
             <a:r>
-              <a:rPr lang="en-US" sz="2400" dirty="0" smtClean="0">
-                <a:latin typeface="Cambria" panose="02040503050406030204" pitchFamily="18" charset="0"/>
-              </a:rPr>
-              <a:t> Customers are allowed to perform unlimited taxi reservations. However, due to the fact that overlaps between two reservations are not predictable, the system will cancel any impracticable reservation identified at runtime. </a:t>
-            </a:r>
-            <a:endParaRPr lang="it-IT" sz="2400" dirty="0" smtClean="0">
+              <a:rPr lang="en-US" sz="1900" dirty="0" smtClean="0">
+                <a:latin typeface="Cambria" panose="02040503050406030204" pitchFamily="18" charset="0"/>
+              </a:rPr>
+              <a:t> </a:t>
+            </a:r>
+            <a:r>
+              <a:rPr lang="en-US" sz="1900" b="1" dirty="0" smtClean="0">
+                <a:latin typeface="Cambria" panose="02040503050406030204" pitchFamily="18" charset="0"/>
+              </a:rPr>
+              <a:t>Unlimited</a:t>
+            </a:r>
+            <a:r>
+              <a:rPr lang="en-US" sz="1900" dirty="0" smtClean="0">
+                <a:latin typeface="Cambria" panose="02040503050406030204" pitchFamily="18" charset="0"/>
+              </a:rPr>
+              <a:t> taxi reservations can be performed.                                             However, impracticable reservations </a:t>
+            </a:r>
+            <a:r>
+              <a:rPr lang="en-US" sz="1900" dirty="0" smtClean="0">
+                <a:latin typeface="Cambria" panose="02040503050406030204" pitchFamily="18" charset="0"/>
+              </a:rPr>
+              <a:t>identified at </a:t>
+            </a:r>
+            <a:r>
+              <a:rPr lang="en-US" sz="1900" dirty="0" smtClean="0">
+                <a:latin typeface="Cambria" panose="02040503050406030204" pitchFamily="18" charset="0"/>
+              </a:rPr>
+              <a:t>runtime will be </a:t>
+            </a:r>
+            <a:r>
+              <a:rPr lang="en-US" sz="1900" b="1" dirty="0" smtClean="0">
+                <a:latin typeface="Cambria" panose="02040503050406030204" pitchFamily="18" charset="0"/>
+              </a:rPr>
+              <a:t>cancelled.</a:t>
+            </a:r>
+          </a:p>
+          <a:p>
+            <a:endParaRPr lang="en-US" sz="1900" b="1" dirty="0" smtClean="0">
+              <a:latin typeface="Cambria" panose="02040503050406030204" pitchFamily="18" charset="0"/>
+            </a:endParaRPr>
+          </a:p>
+          <a:p>
+            <a:r>
+              <a:rPr lang="en-US" sz="1900" dirty="0">
+                <a:latin typeface="Cambria" panose="02040503050406030204" pitchFamily="18" charset="0"/>
+              </a:rPr>
+              <a:t>T</a:t>
+            </a:r>
+            <a:r>
+              <a:rPr lang="en-US" sz="1900" dirty="0" smtClean="0">
+                <a:latin typeface="Cambria" panose="02040503050406030204" pitchFamily="18" charset="0"/>
+              </a:rPr>
+              <a:t>he </a:t>
+            </a:r>
+            <a:r>
+              <a:rPr lang="en-US" sz="1900" dirty="0">
+                <a:latin typeface="Cambria" panose="02040503050406030204" pitchFamily="18" charset="0"/>
+              </a:rPr>
+              <a:t>taxi company has a </a:t>
+            </a:r>
+            <a:r>
+              <a:rPr lang="en-US" sz="1900" b="1" dirty="0">
+                <a:latin typeface="Cambria" panose="02040503050406030204" pitchFamily="18" charset="0"/>
+              </a:rPr>
+              <a:t>call center </a:t>
+            </a:r>
+            <a:r>
+              <a:rPr lang="en-US" sz="1900" dirty="0">
+                <a:latin typeface="Cambria" panose="02040503050406030204" pitchFamily="18" charset="0"/>
+              </a:rPr>
+              <a:t>that customer and taxi drivers can contact to </a:t>
+            </a:r>
+            <a:r>
+              <a:rPr lang="en-US" sz="1900" b="1" dirty="0">
+                <a:latin typeface="Cambria" panose="02040503050406030204" pitchFamily="18" charset="0"/>
+              </a:rPr>
+              <a:t>report</a:t>
+            </a:r>
+            <a:r>
+              <a:rPr lang="en-US" sz="1900" dirty="0">
+                <a:latin typeface="Cambria" panose="02040503050406030204" pitchFamily="18" charset="0"/>
+              </a:rPr>
+              <a:t> </a:t>
+            </a:r>
+            <a:r>
+              <a:rPr lang="en-US" sz="1900" b="1" dirty="0">
+                <a:latin typeface="Cambria" panose="02040503050406030204" pitchFamily="18" charset="0"/>
+              </a:rPr>
+              <a:t>issues</a:t>
+            </a:r>
+            <a:r>
+              <a:rPr lang="en-US" sz="1900" dirty="0">
+                <a:latin typeface="Cambria" panose="02040503050406030204" pitchFamily="18" charset="0"/>
+              </a:rPr>
+              <a:t> that cannot be resolved </a:t>
+            </a:r>
+            <a:r>
+              <a:rPr lang="en-US" sz="1900" dirty="0" smtClean="0">
+                <a:latin typeface="Cambria" panose="02040503050406030204" pitchFamily="18" charset="0"/>
+              </a:rPr>
+              <a:t>otherwise.</a:t>
+            </a:r>
+            <a:endParaRPr lang="it-IT" sz="1900" dirty="0">
               <a:latin typeface="Cambria" panose="02040503050406030204" pitchFamily="18" charset="0"/>
             </a:endParaRPr>
           </a:p>
@@ -14989,6 +15319,67 @@
                                           <p:spTgt spid="6">
                                             <p:txEl>
                                               <p:pRg st="4" end="4"/>
+                                            </p:txEl>
+                                          </p:spTgt>
+                                        </p:tgtEl>
+                                      </p:cBhvr>
+                                    </p:animEffect>
+                                  </p:childTnLst>
+                                </p:cTn>
+                              </p:par>
+                            </p:childTnLst>
+                          </p:cTn>
+                        </p:par>
+                      </p:childTnLst>
+                    </p:cTn>
+                  </p:par>
+                  <p:par>
+                    <p:cTn id="18" fill="hold">
+                      <p:stCondLst>
+                        <p:cond delay="indefinite"/>
+                      </p:stCondLst>
+                      <p:childTnLst>
+                        <p:par>
+                          <p:cTn id="19" fill="hold">
+                            <p:stCondLst>
+                              <p:cond delay="0"/>
+                            </p:stCondLst>
+                            <p:childTnLst>
+                              <p:par>
+                                <p:cTn id="20" presetID="10" presetClass="entr" presetSubtype="0" fill="hold" nodeType="clickEffect">
+                                  <p:stCondLst>
+                                    <p:cond delay="0"/>
+                                  </p:stCondLst>
+                                  <p:childTnLst>
+                                    <p:set>
+                                      <p:cBhvr>
+                                        <p:cTn id="21" dur="1" fill="hold">
+                                          <p:stCondLst>
+                                            <p:cond delay="0"/>
+                                          </p:stCondLst>
+                                        </p:cTn>
+                                        <p:tgtEl>
+                                          <p:spTgt spid="6">
+                                            <p:txEl>
+                                              <p:pRg st="6" end="6"/>
+                                            </p:txEl>
+                                          </p:spTgt>
+                                        </p:tgtEl>
+                                        <p:attrNameLst>
+                                          <p:attrName>style.visibility</p:attrName>
+                                        </p:attrNameLst>
+                                      </p:cBhvr>
+                                      <p:to>
+                                        <p:strVal val="visible"/>
+                                      </p:to>
+                                    </p:set>
+                                    <p:animEffect transition="in" filter="fade">
+                                      <p:cBhvr>
+                                        <p:cTn id="22" dur="500"/>
+                                        <p:tgtEl>
+                                          <p:spTgt spid="6">
+                                            <p:txEl>
+                                              <p:pRg st="6" end="6"/>
                                             </p:txEl>
                                           </p:spTgt>
                                         </p:tgtEl>
@@ -20934,7 +21325,12 @@
             <p:ph idx="1"/>
           </p:nvPr>
         </p:nvSpPr>
-        <p:spPr/>
+        <p:spPr>
+          <a:xfrm>
+            <a:off x="457200" y="1200150"/>
+            <a:ext cx="8229600" cy="3459831"/>
+          </a:xfrm>
+        </p:spPr>
         <p:txBody>
           <a:bodyPr>
             <a:normAutofit fontScale="55000" lnSpcReduction="20000"/>
@@ -20942,71 +21338,221 @@
           <a:lstStyle/>
           <a:p>
             <a:r>
-              <a:rPr lang="en-US" dirty="0" smtClean="0"/>
-              <a:t> </a:t>
-            </a:r>
-            <a:r>
-              <a:rPr lang="en-US" dirty="0">
-                <a:latin typeface="Cambria" panose="02040503050406030204" pitchFamily="18" charset="0"/>
-              </a:rPr>
-              <a:t>Taxi drivers will manually update their status (available or busy) with the mobile app every time they pick up or drop off standard customers. On the contrary, when drivers accept a ride request by MTS customers, the “busy” </a:t>
-            </a:r>
-            <a:r>
               <a:rPr lang="en-US" dirty="0" smtClean="0">
                 <a:latin typeface="Cambria" panose="02040503050406030204" pitchFamily="18" charset="0"/>
               </a:rPr>
-              <a:t>status </a:t>
-            </a:r>
-            <a:r>
-              <a:rPr lang="en-US" dirty="0">
-                <a:latin typeface="Cambria" panose="02040503050406030204" pitchFamily="18" charset="0"/>
-              </a:rPr>
-              <a:t>will be automatically set up by the system. Anyway, the “available” status must still be selected manually after the customer has been taken to destination. </a:t>
-            </a:r>
+              <a:t>Taxi drivers’ </a:t>
+            </a:r>
+            <a:r>
+              <a:rPr lang="en-US" b="1" dirty="0" smtClean="0">
+                <a:latin typeface="Cambria" panose="02040503050406030204" pitchFamily="18" charset="0"/>
+              </a:rPr>
+              <a:t>status</a:t>
+            </a:r>
+            <a:r>
+              <a:rPr lang="en-US" dirty="0" smtClean="0">
+                <a:latin typeface="Cambria" panose="02040503050406030204" pitchFamily="18" charset="0"/>
+              </a:rPr>
+              <a:t> must be updated </a:t>
+            </a:r>
+            <a:r>
+              <a:rPr lang="en-US" b="1" dirty="0" smtClean="0">
+                <a:latin typeface="Cambria" panose="02040503050406030204" pitchFamily="18" charset="0"/>
+              </a:rPr>
+              <a:t>manually</a:t>
+            </a:r>
+            <a:r>
+              <a:rPr lang="en-US" dirty="0" smtClean="0">
+                <a:latin typeface="Cambria" panose="02040503050406030204" pitchFamily="18" charset="0"/>
+              </a:rPr>
+              <a:t>, except when the driver accept a ride request by a MTS customer.</a:t>
+            </a:r>
+          </a:p>
+          <a:p>
             <a:endParaRPr lang="en-US" dirty="0" smtClean="0">
               <a:latin typeface="Cambria" panose="02040503050406030204" pitchFamily="18" charset="0"/>
             </a:endParaRPr>
           </a:p>
           <a:p>
+            <a:r>
+              <a:rPr lang="en-US" dirty="0" smtClean="0">
+                <a:latin typeface="Cambria" panose="02040503050406030204" pitchFamily="18" charset="0"/>
+              </a:rPr>
+              <a:t> </a:t>
+            </a:r>
+            <a:r>
+              <a:rPr lang="en-US" b="1" dirty="0" smtClean="0">
+                <a:latin typeface="Cambria" panose="02040503050406030204" pitchFamily="18" charset="0"/>
+              </a:rPr>
+              <a:t>Payment</a:t>
+            </a:r>
+            <a:r>
+              <a:rPr lang="en-US" dirty="0" smtClean="0">
+                <a:latin typeface="Cambria" panose="02040503050406030204" pitchFamily="18" charset="0"/>
+              </a:rPr>
+              <a:t> and </a:t>
+            </a:r>
+            <a:r>
+              <a:rPr lang="en-US" b="1" dirty="0" smtClean="0">
+                <a:latin typeface="Cambria" panose="02040503050406030204" pitchFamily="18" charset="0"/>
+              </a:rPr>
+              <a:t>specific duties </a:t>
+            </a:r>
+            <a:r>
+              <a:rPr lang="en-US" dirty="0" smtClean="0">
+                <a:latin typeface="Cambria" panose="02040503050406030204" pitchFamily="18" charset="0"/>
+              </a:rPr>
+              <a:t>related to the taxi service are </a:t>
+            </a:r>
+            <a:r>
+              <a:rPr lang="en-US" b="1" dirty="0" smtClean="0">
+                <a:latin typeface="Cambria" panose="02040503050406030204" pitchFamily="18" charset="0"/>
+              </a:rPr>
+              <a:t>not</a:t>
+            </a:r>
+            <a:r>
+              <a:rPr lang="en-US" dirty="0" smtClean="0">
+                <a:latin typeface="Cambria" panose="02040503050406030204" pitchFamily="18" charset="0"/>
+              </a:rPr>
+              <a:t> </a:t>
+            </a:r>
+            <a:r>
+              <a:rPr lang="en-US" b="1" dirty="0" smtClean="0">
+                <a:latin typeface="Cambria" panose="02040503050406030204" pitchFamily="18" charset="0"/>
+              </a:rPr>
+              <a:t>considered</a:t>
+            </a:r>
+            <a:r>
+              <a:rPr lang="en-US" dirty="0" smtClean="0">
+                <a:latin typeface="Cambria" panose="02040503050406030204" pitchFamily="18" charset="0"/>
+              </a:rPr>
+              <a:t> and managed by the application. </a:t>
+            </a:r>
+            <a:r>
+              <a:rPr lang="en-US" dirty="0" err="1" smtClean="0">
+                <a:latin typeface="Cambria" panose="02040503050406030204" pitchFamily="18" charset="0"/>
+              </a:rPr>
+              <a:t>MyTaxiService</a:t>
+            </a:r>
+            <a:r>
+              <a:rPr lang="en-US" dirty="0" smtClean="0">
+                <a:latin typeface="Cambria" panose="02040503050406030204" pitchFamily="18" charset="0"/>
+              </a:rPr>
+              <a:t> is meant to be only an interface between customers and taxi drivers.</a:t>
+            </a:r>
+            <a:endParaRPr lang="en-US" dirty="0">
+              <a:latin typeface="Cambria" panose="02040503050406030204" pitchFamily="18" charset="0"/>
+            </a:endParaRPr>
+          </a:p>
+          <a:p>
+            <a:endParaRPr lang="en-US" dirty="0">
+              <a:latin typeface="Cambria" panose="02040503050406030204" pitchFamily="18" charset="0"/>
+            </a:endParaRPr>
+          </a:p>
+          <a:p>
+            <a:r>
+              <a:rPr lang="en-US" dirty="0" smtClean="0">
+                <a:latin typeface="Cambria" panose="02040503050406030204" pitchFamily="18" charset="0"/>
+              </a:rPr>
+              <a:t>  A </a:t>
+            </a:r>
+            <a:r>
+              <a:rPr lang="en-US" b="1" dirty="0" smtClean="0">
+                <a:latin typeface="Cambria" panose="02040503050406030204" pitchFamily="18" charset="0"/>
+              </a:rPr>
+              <a:t>taxi driver account cannot</a:t>
+            </a:r>
+            <a:r>
+              <a:rPr lang="en-US" dirty="0" smtClean="0">
+                <a:latin typeface="Cambria" panose="02040503050406030204" pitchFamily="18" charset="0"/>
+              </a:rPr>
+              <a:t> be used as a </a:t>
+            </a:r>
+            <a:r>
+              <a:rPr lang="en-US" b="1" dirty="0" smtClean="0">
+                <a:latin typeface="Cambria" panose="02040503050406030204" pitchFamily="18" charset="0"/>
+              </a:rPr>
+              <a:t>customer</a:t>
+            </a:r>
+            <a:r>
+              <a:rPr lang="en-US" dirty="0" smtClean="0">
+                <a:latin typeface="Cambria" panose="02040503050406030204" pitchFamily="18" charset="0"/>
+              </a:rPr>
+              <a:t> </a:t>
+            </a:r>
+            <a:r>
+              <a:rPr lang="en-US" b="1" dirty="0" smtClean="0">
+                <a:latin typeface="Cambria" panose="02040503050406030204" pitchFamily="18" charset="0"/>
+              </a:rPr>
+              <a:t>account</a:t>
+            </a:r>
+            <a:r>
+              <a:rPr lang="en-US" dirty="0" smtClean="0">
+                <a:latin typeface="Cambria" panose="02040503050406030204" pitchFamily="18" charset="0"/>
+              </a:rPr>
+              <a:t>, and vice versa. This means that if a taxi driver wants to access the customer’s services, he will need to create a customer account. </a:t>
+            </a:r>
             <a:endParaRPr lang="en-US" dirty="0" smtClean="0">
               <a:latin typeface="Cambria" panose="02040503050406030204" pitchFamily="18" charset="0"/>
             </a:endParaRPr>
           </a:p>
           <a:p>
-            <a:r>
-              <a:rPr lang="en-US" dirty="0" smtClean="0">
-                <a:latin typeface="Cambria" panose="02040503050406030204" pitchFamily="18" charset="0"/>
-              </a:rPr>
-              <a:t> Payment and specific duties related to the taxi service are not considered and managed by the application. </a:t>
-            </a:r>
-            <a:r>
-              <a:rPr lang="en-US" dirty="0" err="1" smtClean="0">
-                <a:latin typeface="Cambria" panose="02040503050406030204" pitchFamily="18" charset="0"/>
-              </a:rPr>
-              <a:t>MyTaxiService</a:t>
-            </a:r>
-            <a:r>
-              <a:rPr lang="en-US" dirty="0" smtClean="0">
-                <a:latin typeface="Cambria" panose="02040503050406030204" pitchFamily="18" charset="0"/>
-              </a:rPr>
-              <a:t> is meant to be only an interface between customers and taxi drivers.</a:t>
-            </a:r>
             <a:endParaRPr lang="en-US" dirty="0">
               <a:latin typeface="Cambria" panose="02040503050406030204" pitchFamily="18" charset="0"/>
             </a:endParaRPr>
           </a:p>
           <a:p>
-            <a:endParaRPr lang="en-US" dirty="0">
+            <a:r>
+              <a:rPr lang="en-US" sz="3300" dirty="0">
+                <a:latin typeface="Cambria" panose="02040503050406030204" pitchFamily="18" charset="0"/>
+              </a:rPr>
+              <a:t>The taxi service company is using a (possibly external) </a:t>
+            </a:r>
+            <a:r>
+              <a:rPr lang="en-US" sz="3300" b="1" dirty="0">
+                <a:latin typeface="Cambria" panose="02040503050406030204" pitchFamily="18" charset="0"/>
+              </a:rPr>
+              <a:t>email service</a:t>
+            </a:r>
+            <a:r>
+              <a:rPr lang="en-US" sz="3300" dirty="0">
+                <a:latin typeface="Cambria" panose="02040503050406030204" pitchFamily="18" charset="0"/>
+              </a:rPr>
+              <a:t>, which can provide </a:t>
+            </a:r>
+            <a:r>
+              <a:rPr lang="en-US" sz="3300" b="1" dirty="0">
+                <a:latin typeface="Cambria" panose="02040503050406030204" pitchFamily="18" charset="0"/>
+              </a:rPr>
+              <a:t>email accounts </a:t>
+            </a:r>
+            <a:r>
+              <a:rPr lang="en-US" sz="3300" dirty="0">
+                <a:latin typeface="Cambria" panose="02040503050406030204" pitchFamily="18" charset="0"/>
+              </a:rPr>
+              <a:t>to be given to taxi drivers </a:t>
+            </a:r>
+            <a:r>
+              <a:rPr lang="en-US" sz="3300" dirty="0" smtClean="0">
+                <a:latin typeface="Cambria" panose="02040503050406030204" pitchFamily="18" charset="0"/>
+              </a:rPr>
+              <a:t>and (eventually) other </a:t>
+            </a:r>
+            <a:r>
+              <a:rPr lang="en-US" sz="3300" dirty="0">
+                <a:latin typeface="Cambria" panose="02040503050406030204" pitchFamily="18" charset="0"/>
+              </a:rPr>
+              <a:t>member of the </a:t>
+            </a:r>
+            <a:r>
+              <a:rPr lang="en-US" sz="3300" dirty="0" smtClean="0">
+                <a:latin typeface="Cambria" panose="02040503050406030204" pitchFamily="18" charset="0"/>
+              </a:rPr>
+              <a:t>company.</a:t>
+            </a:r>
+            <a:endParaRPr lang="en-US" sz="3300" dirty="0">
               <a:latin typeface="Cambria" panose="02040503050406030204" pitchFamily="18" charset="0"/>
             </a:endParaRPr>
-          </a:p>
-          <a:p>
-            <a:r>
-              <a:rPr lang="en-US" dirty="0" smtClean="0">
-                <a:latin typeface="Cambria" panose="02040503050406030204" pitchFamily="18" charset="0"/>
-              </a:rPr>
-              <a:t>  A taxi driver account cannot be used as a customer account, and vice versa. This means that if a taxi driver wants to access the customer’s services, he will need to create a customer account. </a:t>
-            </a:r>
           </a:p>
           <a:p>
             <a:endParaRPr lang="it-IT" dirty="0">
@@ -21202,6 +21748,67 @@
                                           <p:spTgt spid="3">
                                             <p:txEl>
                                               <p:pRg st="4" end="4"/>
+                                            </p:txEl>
+                                          </p:spTgt>
+                                        </p:tgtEl>
+                                      </p:cBhvr>
+                                    </p:animEffect>
+                                  </p:childTnLst>
+                                </p:cTn>
+                              </p:par>
+                            </p:childTnLst>
+                          </p:cTn>
+                        </p:par>
+                      </p:childTnLst>
+                    </p:cTn>
+                  </p:par>
+                  <p:par>
+                    <p:cTn id="18" fill="hold">
+                      <p:stCondLst>
+                        <p:cond delay="indefinite"/>
+                      </p:stCondLst>
+                      <p:childTnLst>
+                        <p:par>
+                          <p:cTn id="19" fill="hold">
+                            <p:stCondLst>
+                              <p:cond delay="0"/>
+                            </p:stCondLst>
+                            <p:childTnLst>
+                              <p:par>
+                                <p:cTn id="20" presetID="10" presetClass="entr" presetSubtype="0" fill="hold" nodeType="clickEffect">
+                                  <p:stCondLst>
+                                    <p:cond delay="0"/>
+                                  </p:stCondLst>
+                                  <p:childTnLst>
+                                    <p:set>
+                                      <p:cBhvr>
+                                        <p:cTn id="21" dur="1" fill="hold">
+                                          <p:stCondLst>
+                                            <p:cond delay="0"/>
+                                          </p:stCondLst>
+                                        </p:cTn>
+                                        <p:tgtEl>
+                                          <p:spTgt spid="3">
+                                            <p:txEl>
+                                              <p:pRg st="6" end="6"/>
+                                            </p:txEl>
+                                          </p:spTgt>
+                                        </p:tgtEl>
+                                        <p:attrNameLst>
+                                          <p:attrName>style.visibility</p:attrName>
+                                        </p:attrNameLst>
+                                      </p:cBhvr>
+                                      <p:to>
+                                        <p:strVal val="visible"/>
+                                      </p:to>
+                                    </p:set>
+                                    <p:animEffect transition="in" filter="fade">
+                                      <p:cBhvr>
+                                        <p:cTn id="22" dur="500"/>
+                                        <p:tgtEl>
+                                          <p:spTgt spid="3">
+                                            <p:txEl>
+                                              <p:pRg st="6" end="6"/>
                                             </p:txEl>
                                           </p:spTgt>
                                         </p:tgtEl>
@@ -22898,67 +23505,314 @@
           </a:p>
           <a:p>
             <a:r>
-              <a:rPr lang="en-US" dirty="0" smtClean="0">
+              <a:rPr lang="en-US" sz="3800" dirty="0" smtClean="0">
                 <a:latin typeface="Cambria" panose="02040503050406030204" pitchFamily="18" charset="0"/>
               </a:rPr>
               <a:t> </a:t>
             </a:r>
             <a:r>
-              <a:rPr lang="en-US" dirty="0">
-                <a:latin typeface="Cambria" panose="02040503050406030204" pitchFamily="18" charset="0"/>
-              </a:rPr>
-              <a:t>If and only if a taxi zone does not have any taxi available to answer a request, the system will search for an available taxi in adjoining zones. Worst case scenario: if there are no taxi available in the adjoined zones, the costumer should be notified and put in hold. During this period of time the costumer should be allowed to cancel the request. </a:t>
-            </a:r>
-            <a:endParaRPr lang="en-US" dirty="0" smtClean="0">
+              <a:rPr lang="en-US" sz="3800" dirty="0">
+                <a:latin typeface="Cambria" panose="02040503050406030204" pitchFamily="18" charset="0"/>
+              </a:rPr>
+              <a:t>If and only if a </a:t>
+            </a:r>
+            <a:r>
+              <a:rPr lang="en-US" sz="3800" b="1" dirty="0">
+                <a:latin typeface="Cambria" panose="02040503050406030204" pitchFamily="18" charset="0"/>
+              </a:rPr>
+              <a:t>taxi zone </a:t>
+            </a:r>
+            <a:r>
+              <a:rPr lang="en-US" sz="3800" dirty="0" smtClean="0">
+                <a:latin typeface="Cambria" panose="02040503050406030204" pitchFamily="18" charset="0"/>
+              </a:rPr>
+              <a:t>there are </a:t>
+            </a:r>
+            <a:r>
+              <a:rPr lang="en-US" sz="3800" b="1" dirty="0" smtClean="0">
+                <a:latin typeface="Cambria" panose="02040503050406030204" pitchFamily="18" charset="0"/>
+              </a:rPr>
+              <a:t>no taxi </a:t>
+            </a:r>
+            <a:r>
+              <a:rPr lang="en-US" sz="3800" b="1" dirty="0">
+                <a:latin typeface="Cambria" panose="02040503050406030204" pitchFamily="18" charset="0"/>
+              </a:rPr>
+              <a:t>available </a:t>
+            </a:r>
+            <a:r>
+              <a:rPr lang="en-US" sz="3800" dirty="0">
+                <a:latin typeface="Cambria" panose="02040503050406030204" pitchFamily="18" charset="0"/>
+              </a:rPr>
+              <a:t>to answer a request, the system will search for an available taxi in </a:t>
+            </a:r>
+            <a:r>
+              <a:rPr lang="en-US" sz="3800" b="1" dirty="0">
+                <a:latin typeface="Cambria" panose="02040503050406030204" pitchFamily="18" charset="0"/>
+              </a:rPr>
+              <a:t>adjoining</a:t>
+            </a:r>
+            <a:r>
+              <a:rPr lang="en-US" sz="3800" dirty="0">
+                <a:latin typeface="Cambria" panose="02040503050406030204" pitchFamily="18" charset="0"/>
+              </a:rPr>
+              <a:t> </a:t>
+            </a:r>
+            <a:r>
+              <a:rPr lang="en-US" sz="3800" b="1" dirty="0">
+                <a:latin typeface="Cambria" panose="02040503050406030204" pitchFamily="18" charset="0"/>
+              </a:rPr>
+              <a:t>zones</a:t>
+            </a:r>
+            <a:r>
+              <a:rPr lang="en-US" sz="3800" dirty="0">
+                <a:latin typeface="Cambria" panose="02040503050406030204" pitchFamily="18" charset="0"/>
+              </a:rPr>
+              <a:t>. </a:t>
+            </a:r>
+            <a:r>
+              <a:rPr lang="en-US" sz="3800" dirty="0" smtClean="0">
+                <a:latin typeface="Cambria" panose="02040503050406030204" pitchFamily="18" charset="0"/>
+              </a:rPr>
+              <a:t>                                                                                             If </a:t>
+            </a:r>
+            <a:r>
+              <a:rPr lang="en-US" sz="3800" dirty="0">
+                <a:latin typeface="Cambria" panose="02040503050406030204" pitchFamily="18" charset="0"/>
+              </a:rPr>
+              <a:t>there are no taxi available in the adjoined zones, the </a:t>
+            </a:r>
+            <a:r>
+              <a:rPr lang="en-US" sz="3800" b="1" dirty="0">
+                <a:latin typeface="Cambria" panose="02040503050406030204" pitchFamily="18" charset="0"/>
+              </a:rPr>
+              <a:t>costumer</a:t>
+            </a:r>
+            <a:r>
+              <a:rPr lang="en-US" sz="3800" dirty="0">
+                <a:latin typeface="Cambria" panose="02040503050406030204" pitchFamily="18" charset="0"/>
+              </a:rPr>
+              <a:t> </a:t>
+            </a:r>
+            <a:r>
+              <a:rPr lang="en-US" sz="3800" dirty="0" smtClean="0">
+                <a:latin typeface="Cambria" panose="02040503050406030204" pitchFamily="18" charset="0"/>
+              </a:rPr>
+              <a:t>will be </a:t>
+            </a:r>
+            <a:r>
+              <a:rPr lang="en-US" sz="3800" b="1" dirty="0">
+                <a:latin typeface="Cambria" panose="02040503050406030204" pitchFamily="18" charset="0"/>
+              </a:rPr>
+              <a:t>notified</a:t>
+            </a:r>
+            <a:r>
+              <a:rPr lang="en-US" sz="3800" dirty="0">
+                <a:latin typeface="Cambria" panose="02040503050406030204" pitchFamily="18" charset="0"/>
+              </a:rPr>
+              <a:t> and put in </a:t>
+            </a:r>
+            <a:r>
+              <a:rPr lang="en-US" sz="3800" b="1" dirty="0">
+                <a:latin typeface="Cambria" panose="02040503050406030204" pitchFamily="18" charset="0"/>
+              </a:rPr>
+              <a:t>hold</a:t>
+            </a:r>
+            <a:r>
+              <a:rPr lang="en-US" sz="3800" dirty="0">
+                <a:latin typeface="Cambria" panose="02040503050406030204" pitchFamily="18" charset="0"/>
+              </a:rPr>
+              <a:t>. </a:t>
+            </a:r>
+            <a:endParaRPr lang="en-US" sz="3800" dirty="0" smtClean="0">
               <a:latin typeface="Cambria" panose="02040503050406030204" pitchFamily="18" charset="0"/>
             </a:endParaRPr>
           </a:p>
           <a:p>
-            <a:pPr marL="0" indent="0">
-              <a:buNone/>
-            </a:pPr>
-            <a:endParaRPr lang="en-US" dirty="0">
+            <a:endParaRPr lang="en-US" sz="3800" dirty="0">
               <a:latin typeface="Cambria" panose="02040503050406030204" pitchFamily="18" charset="0"/>
             </a:endParaRPr>
           </a:p>
           <a:p>
             <a:r>
-              <a:rPr lang="en-US" dirty="0" smtClean="0">
-                <a:latin typeface="Cambria" panose="02040503050406030204" pitchFamily="18" charset="0"/>
-              </a:rPr>
-              <a:t> The web and mobile registration is intended for customers only. Taxi drivers’ account are created by an administrator when they are hired by the taxi company. Taxi drivers will then receive their username and temporary password, which they will be able to change once logged in the application. </a:t>
-            </a:r>
-          </a:p>
-          <a:p>
-            <a:endParaRPr lang="en-US" dirty="0" smtClean="0">
+              <a:rPr lang="en-US" sz="3800" dirty="0" smtClean="0">
+                <a:latin typeface="Cambria" panose="02040503050406030204" pitchFamily="18" charset="0"/>
+              </a:rPr>
+              <a:t>Web </a:t>
+            </a:r>
+            <a:r>
+              <a:rPr lang="en-US" sz="3800" dirty="0" smtClean="0">
+                <a:latin typeface="Cambria" panose="02040503050406030204" pitchFamily="18" charset="0"/>
+              </a:rPr>
+              <a:t>and mobile </a:t>
+            </a:r>
+            <a:r>
+              <a:rPr lang="en-US" sz="3800" b="1" dirty="0" smtClean="0">
+                <a:latin typeface="Cambria" panose="02040503050406030204" pitchFamily="18" charset="0"/>
+              </a:rPr>
+              <a:t>registration</a:t>
+            </a:r>
+            <a:r>
+              <a:rPr lang="en-US" sz="3800" dirty="0" smtClean="0">
+                <a:latin typeface="Cambria" panose="02040503050406030204" pitchFamily="18" charset="0"/>
+              </a:rPr>
+              <a:t> </a:t>
+            </a:r>
+            <a:r>
+              <a:rPr lang="en-US" sz="3800" dirty="0" smtClean="0">
+                <a:latin typeface="Cambria" panose="02040503050406030204" pitchFamily="18" charset="0"/>
+              </a:rPr>
+              <a:t>are</a:t>
+            </a:r>
+            <a:r>
+              <a:rPr lang="en-US" sz="3800" dirty="0" smtClean="0">
+                <a:latin typeface="Cambria" panose="02040503050406030204" pitchFamily="18" charset="0"/>
+              </a:rPr>
+              <a:t> </a:t>
+            </a:r>
+            <a:r>
+              <a:rPr lang="en-US" sz="3800" dirty="0" smtClean="0">
+                <a:latin typeface="Cambria" panose="02040503050406030204" pitchFamily="18" charset="0"/>
+              </a:rPr>
+              <a:t>intended for </a:t>
+            </a:r>
+            <a:r>
+              <a:rPr lang="en-US" sz="3800" b="1" dirty="0" smtClean="0">
+                <a:latin typeface="Cambria" panose="02040503050406030204" pitchFamily="18" charset="0"/>
+              </a:rPr>
+              <a:t>customers</a:t>
+            </a:r>
+            <a:r>
+              <a:rPr lang="en-US" sz="3800" dirty="0" smtClean="0">
+                <a:latin typeface="Cambria" panose="02040503050406030204" pitchFamily="18" charset="0"/>
+              </a:rPr>
+              <a:t> </a:t>
+            </a:r>
+            <a:r>
+              <a:rPr lang="en-US" sz="3800" b="1" dirty="0" smtClean="0">
+                <a:latin typeface="Cambria" panose="02040503050406030204" pitchFamily="18" charset="0"/>
+              </a:rPr>
+              <a:t>only</a:t>
+            </a:r>
+            <a:r>
+              <a:rPr lang="en-US" sz="3800" dirty="0" smtClean="0">
+                <a:latin typeface="Cambria" panose="02040503050406030204" pitchFamily="18" charset="0"/>
+              </a:rPr>
+              <a:t>. </a:t>
+            </a:r>
+            <a:r>
+              <a:rPr lang="en-US" sz="3800" dirty="0" smtClean="0">
+                <a:latin typeface="Cambria" panose="02040503050406030204" pitchFamily="18" charset="0"/>
+              </a:rPr>
+              <a:t>                                                      Taxi </a:t>
+            </a:r>
+            <a:r>
+              <a:rPr lang="en-US" sz="3800" dirty="0" smtClean="0">
+                <a:latin typeface="Cambria" panose="02040503050406030204" pitchFamily="18" charset="0"/>
+              </a:rPr>
+              <a:t>drivers’ account are created by an </a:t>
+            </a:r>
+            <a:r>
+              <a:rPr lang="en-US" sz="3800" b="1" dirty="0" smtClean="0">
+                <a:latin typeface="Cambria" panose="02040503050406030204" pitchFamily="18" charset="0"/>
+              </a:rPr>
+              <a:t>administrator</a:t>
+            </a:r>
+            <a:r>
+              <a:rPr lang="en-US" sz="3800" dirty="0" smtClean="0">
+                <a:latin typeface="Cambria" panose="02040503050406030204" pitchFamily="18" charset="0"/>
+              </a:rPr>
+              <a:t>.</a:t>
+            </a:r>
+            <a:endParaRPr lang="en-US" sz="3800" dirty="0" smtClean="0">
               <a:latin typeface="Cambria" panose="02040503050406030204" pitchFamily="18" charset="0"/>
             </a:endParaRPr>
           </a:p>
           <a:p>
-            <a:r>
-              <a:rPr lang="en-US" dirty="0">
-                <a:latin typeface="Cambria" panose="02040503050406030204" pitchFamily="18" charset="0"/>
-              </a:rPr>
-              <a:t>MTS application won’t deal automatically unexpected behaviors of costumers that are habitually handled by taxi drivers. In detail, if customers leave an inconsistent origin or destination (which has been considered formally correct by the system), like an inexistent house number, drivers will use the </a:t>
-            </a:r>
-            <a:r>
-              <a:rPr lang="en-US" dirty="0" smtClean="0">
-                <a:latin typeface="Cambria" panose="02040503050406030204" pitchFamily="18" charset="0"/>
-              </a:rPr>
-              <a:t>instrument </a:t>
-            </a:r>
-            <a:r>
-              <a:rPr lang="en-US" dirty="0">
-                <a:latin typeface="Cambria" panose="02040503050406030204" pitchFamily="18" charset="0"/>
-              </a:rPr>
-              <a:t>at their disposal (customer’s telephone, assistance number, etc.) to resolve the issue. </a:t>
-            </a:r>
-            <a:endParaRPr lang="en-US" dirty="0" smtClean="0">
+            <a:endParaRPr lang="en-US" sz="3800" dirty="0" smtClean="0">
               <a:latin typeface="Cambria" panose="02040503050406030204" pitchFamily="18" charset="0"/>
             </a:endParaRPr>
           </a:p>
           <a:p>
-            <a:endParaRPr lang="it-IT" dirty="0">
+            <a:r>
+              <a:rPr lang="en-US" sz="3800" b="1" dirty="0" smtClean="0">
+                <a:latin typeface="Cambria" panose="02040503050406030204" pitchFamily="18" charset="0"/>
+              </a:rPr>
+              <a:t>Unexpected</a:t>
+            </a:r>
+            <a:r>
+              <a:rPr lang="en-US" sz="3800" dirty="0" smtClean="0">
+                <a:latin typeface="Cambria" panose="02040503050406030204" pitchFamily="18" charset="0"/>
+              </a:rPr>
+              <a:t> </a:t>
+            </a:r>
+            <a:r>
+              <a:rPr lang="en-US" sz="3800" b="1" dirty="0">
+                <a:latin typeface="Cambria" panose="02040503050406030204" pitchFamily="18" charset="0"/>
+              </a:rPr>
+              <a:t>behaviors</a:t>
+            </a:r>
+            <a:r>
+              <a:rPr lang="en-US" sz="3800" dirty="0">
+                <a:latin typeface="Cambria" panose="02040503050406030204" pitchFamily="18" charset="0"/>
+              </a:rPr>
+              <a:t> of </a:t>
+            </a:r>
+            <a:r>
+              <a:rPr lang="en-US" sz="3800" b="1" dirty="0">
+                <a:latin typeface="Cambria" panose="02040503050406030204" pitchFamily="18" charset="0"/>
+              </a:rPr>
+              <a:t>costumers</a:t>
+            </a:r>
+            <a:r>
+              <a:rPr lang="en-US" sz="3800" dirty="0">
+                <a:latin typeface="Cambria" panose="02040503050406030204" pitchFamily="18" charset="0"/>
+              </a:rPr>
+              <a:t> that are habitually handled by taxi </a:t>
+            </a:r>
+            <a:r>
+              <a:rPr lang="en-US" sz="3800" dirty="0">
+                <a:latin typeface="Cambria" panose="02040503050406030204" pitchFamily="18" charset="0"/>
+              </a:rPr>
+              <a:t>drivers </a:t>
+            </a:r>
+            <a:r>
+              <a:rPr lang="en-US" sz="3800" dirty="0" smtClean="0">
+                <a:latin typeface="Cambria" panose="02040503050406030204" pitchFamily="18" charset="0"/>
+              </a:rPr>
+              <a:t>won’t be handled automatically by MTS.                                                                                                                            Examples: </a:t>
+            </a:r>
+            <a:r>
+              <a:rPr lang="en-US" sz="3800" dirty="0" smtClean="0">
+                <a:latin typeface="Cambria" panose="02040503050406030204" pitchFamily="18" charset="0"/>
+              </a:rPr>
+              <a:t>inconsistent ride origin </a:t>
+            </a:r>
+            <a:r>
+              <a:rPr lang="en-US" sz="3800" dirty="0">
+                <a:latin typeface="Cambria" panose="02040503050406030204" pitchFamily="18" charset="0"/>
+              </a:rPr>
+              <a:t>or </a:t>
+            </a:r>
+            <a:r>
+              <a:rPr lang="en-US" sz="3800" dirty="0" smtClean="0">
+                <a:latin typeface="Cambria" panose="02040503050406030204" pitchFamily="18" charset="0"/>
+              </a:rPr>
+              <a:t>destination, inexistent </a:t>
+            </a:r>
+            <a:r>
+              <a:rPr lang="en-US" sz="3800" dirty="0">
+                <a:latin typeface="Cambria" panose="02040503050406030204" pitchFamily="18" charset="0"/>
+              </a:rPr>
+              <a:t>house number, </a:t>
+            </a:r>
+            <a:r>
+              <a:rPr lang="en-US" sz="3800" dirty="0" smtClean="0">
+                <a:latin typeface="Cambria" panose="02040503050406030204" pitchFamily="18" charset="0"/>
+              </a:rPr>
+              <a:t>etc.</a:t>
+            </a:r>
+            <a:endParaRPr lang="it-IT" sz="3800" dirty="0">
               <a:latin typeface="Cambria" panose="02040503050406030204" pitchFamily="18" charset="0"/>
             </a:endParaRPr>
           </a:p>
@@ -23259,8 +24113,8 @@
         </p:nvSpPr>
         <p:spPr>
           <a:xfrm>
-            <a:off x="1614488" y="2571750"/>
-            <a:ext cx="5915025" cy="2088233"/>
+            <a:off x="1331640" y="2499742"/>
+            <a:ext cx="6552728" cy="2376264"/>
           </a:xfrm>
         </p:spPr>
         <p:txBody>
@@ -23269,44 +24123,124 @@
           </a:bodyPr>
           <a:lstStyle/>
           <a:p>
+            <a:pPr>
+              <a:lnSpc>
+                <a:spcPct val="120000"/>
+              </a:lnSpc>
+              <a:spcAft>
+                <a:spcPts val="400"/>
+              </a:spcAft>
+            </a:pPr>
             <a:r>
               <a:rPr lang="en-US" sz="2700" dirty="0">
                 <a:latin typeface="Cambria" panose="02040503050406030204" pitchFamily="18" charset="0"/>
               </a:rPr>
-              <a:t>[R1] Customers should be able to access the service through both the web and the mobile application, even at the same time. </a:t>
+              <a:t>[</a:t>
+            </a:r>
+            <a:r>
+              <a:rPr lang="en-US" sz="2700" b="1" dirty="0">
+                <a:latin typeface="Cambria" panose="02040503050406030204" pitchFamily="18" charset="0"/>
+              </a:rPr>
+              <a:t>R1</a:t>
+            </a:r>
+            <a:r>
+              <a:rPr lang="en-US" sz="2700" dirty="0">
+                <a:latin typeface="Cambria" panose="02040503050406030204" pitchFamily="18" charset="0"/>
+              </a:rPr>
+              <a:t>] Customers should be able to access the service through both the web and the mobile application, even at the same time. </a:t>
             </a:r>
             <a:endParaRPr lang="it-IT" sz="2700" dirty="0">
               <a:latin typeface="Cambria" panose="02040503050406030204" pitchFamily="18" charset="0"/>
             </a:endParaRPr>
           </a:p>
           <a:p>
+            <a:pPr>
+              <a:lnSpc>
+                <a:spcPct val="120000"/>
+              </a:lnSpc>
+              <a:spcAft>
+                <a:spcPts val="400"/>
+              </a:spcAft>
+            </a:pPr>
             <a:r>
               <a:rPr lang="en-US" sz="2700" dirty="0">
                 <a:latin typeface="Cambria" panose="02040503050406030204" pitchFamily="18" charset="0"/>
               </a:rPr>
-              <a:t>[R2] Customers must be able to register to the taxi service from the mobile or web homepage.</a:t>
+              <a:t>[</a:t>
+            </a:r>
+            <a:r>
+              <a:rPr lang="en-US" sz="2700" b="1" dirty="0">
+                <a:latin typeface="Cambria" panose="02040503050406030204" pitchFamily="18" charset="0"/>
+              </a:rPr>
+              <a:t>R2</a:t>
+            </a:r>
+            <a:r>
+              <a:rPr lang="en-US" sz="2700" dirty="0">
+                <a:latin typeface="Cambria" panose="02040503050406030204" pitchFamily="18" charset="0"/>
+              </a:rPr>
+              <a:t>] Customers must be able to register to the taxi service from the mobile or web homepage.</a:t>
             </a:r>
             <a:endParaRPr lang="it-IT" sz="2700" dirty="0">
               <a:latin typeface="Cambria" panose="02040503050406030204" pitchFamily="18" charset="0"/>
             </a:endParaRPr>
           </a:p>
           <a:p>
+            <a:pPr>
+              <a:lnSpc>
+                <a:spcPct val="120000"/>
+              </a:lnSpc>
+              <a:spcAft>
+                <a:spcPts val="400"/>
+              </a:spcAft>
+            </a:pPr>
             <a:r>
               <a:rPr lang="en-US" sz="2700" dirty="0">
                 <a:latin typeface="Cambria" panose="02040503050406030204" pitchFamily="18" charset="0"/>
               </a:rPr>
-              <a:t>[R3] Only registered customers can access MTS’s services.</a:t>
+              <a:t>[</a:t>
+            </a:r>
+            <a:r>
+              <a:rPr lang="en-US" sz="2700" b="1" dirty="0">
+                <a:latin typeface="Cambria" panose="02040503050406030204" pitchFamily="18" charset="0"/>
+              </a:rPr>
+              <a:t>R3</a:t>
+            </a:r>
+            <a:r>
+              <a:rPr lang="en-US" sz="2700" dirty="0">
+                <a:latin typeface="Cambria" panose="02040503050406030204" pitchFamily="18" charset="0"/>
+              </a:rPr>
+              <a:t>] Only registered customers can access MTS’s services.</a:t>
             </a:r>
             <a:endParaRPr lang="it-IT" sz="2700" dirty="0">
               <a:latin typeface="Cambria" panose="02040503050406030204" pitchFamily="18" charset="0"/>
             </a:endParaRPr>
           </a:p>
           <a:p>
+            <a:pPr>
+              <a:lnSpc>
+                <a:spcPct val="120000"/>
+              </a:lnSpc>
+              <a:spcAft>
+                <a:spcPts val="400"/>
+              </a:spcAft>
+            </a:pPr>
             <a:r>
               <a:rPr lang="en-US" sz="2700" dirty="0">
                 <a:latin typeface="Cambria" panose="02040503050406030204" pitchFamily="18" charset="0"/>
               </a:rPr>
-              <a:t>[R4] The system should allow the log out functionality. </a:t>
+              <a:t>[</a:t>
+            </a:r>
+            <a:r>
+              <a:rPr lang="en-US" sz="2700" b="1" dirty="0">
+                <a:latin typeface="Cambria" panose="02040503050406030204" pitchFamily="18" charset="0"/>
+              </a:rPr>
+              <a:t>R4</a:t>
+            </a:r>
+            <a:r>
+              <a:rPr lang="en-US" sz="2700" dirty="0">
+                <a:latin typeface="Cambria" panose="02040503050406030204" pitchFamily="18" charset="0"/>
+              </a:rPr>
+              <a:t>] The system should allow the log out functionality. </a:t>
             </a:r>
           </a:p>
           <a:p>
@@ -23743,8 +24677,8 @@
         </p:nvSpPr>
         <p:spPr>
           <a:xfrm>
-            <a:off x="1635920" y="2355726"/>
-            <a:ext cx="5915025" cy="2245461"/>
+            <a:off x="1115616" y="2355726"/>
+            <a:ext cx="6912768" cy="2448272"/>
           </a:xfrm>
         </p:spPr>
         <p:txBody>
@@ -23753,35 +24687,95 @@
           </a:bodyPr>
           <a:lstStyle/>
           <a:p>
-            <a:r>
-              <a:rPr lang="en-US" dirty="0">
-                <a:latin typeface="Cambria" panose="02040503050406030204" pitchFamily="18" charset="0"/>
-              </a:rPr>
-              <a:t>[R1] Only registered customers can request a taxi ride.</a:t>
-            </a:r>
-            <a:endParaRPr lang="it-IT" dirty="0">
+            <a:pPr>
+              <a:lnSpc>
+                <a:spcPct val="120000"/>
+              </a:lnSpc>
+              <a:spcAft>
+                <a:spcPts val="200"/>
+              </a:spcAft>
+            </a:pPr>
+            <a:r>
+              <a:rPr lang="en-US" sz="2900" dirty="0">
+                <a:latin typeface="Cambria" panose="02040503050406030204" pitchFamily="18" charset="0"/>
+              </a:rPr>
+              <a:t>[</a:t>
+            </a:r>
+            <a:r>
+              <a:rPr lang="en-US" sz="2900" b="1" dirty="0">
+                <a:latin typeface="Cambria" panose="02040503050406030204" pitchFamily="18" charset="0"/>
+              </a:rPr>
+              <a:t>R1</a:t>
+            </a:r>
+            <a:r>
+              <a:rPr lang="en-US" sz="2900" dirty="0">
+                <a:latin typeface="Cambria" panose="02040503050406030204" pitchFamily="18" charset="0"/>
+              </a:rPr>
+              <a:t>] Only registered customers can request a taxi ride.</a:t>
+            </a:r>
+            <a:endParaRPr lang="it-IT" sz="2900" dirty="0">
               <a:latin typeface="Cambria" panose="02040503050406030204" pitchFamily="18" charset="0"/>
             </a:endParaRPr>
           </a:p>
           <a:p>
-            <a:r>
-              <a:rPr lang="en-US" dirty="0">
-                <a:latin typeface="Cambria" panose="02040503050406030204" pitchFamily="18" charset="0"/>
-              </a:rPr>
-              <a:t>[R2] Customers must insert a valid origin location in order to request a ride.</a:t>
-            </a:r>
-            <a:endParaRPr lang="it-IT" dirty="0">
+            <a:pPr>
+              <a:lnSpc>
+                <a:spcPct val="120000"/>
+              </a:lnSpc>
+              <a:spcAft>
+                <a:spcPts val="200"/>
+              </a:spcAft>
+            </a:pPr>
+            <a:r>
+              <a:rPr lang="en-US" sz="2900" dirty="0">
+                <a:latin typeface="Cambria" panose="02040503050406030204" pitchFamily="18" charset="0"/>
+              </a:rPr>
+              <a:t>[</a:t>
+            </a:r>
+            <a:r>
+              <a:rPr lang="en-US" sz="2900" b="1" dirty="0">
+                <a:latin typeface="Cambria" panose="02040503050406030204" pitchFamily="18" charset="0"/>
+              </a:rPr>
+              <a:t>R2</a:t>
+            </a:r>
+            <a:r>
+              <a:rPr lang="en-US" sz="2900" dirty="0">
+                <a:latin typeface="Cambria" panose="02040503050406030204" pitchFamily="18" charset="0"/>
+              </a:rPr>
+              <a:t>] Customers must insert a valid origin location in order to request a ride.</a:t>
+            </a:r>
+            <a:endParaRPr lang="it-IT" sz="2900" dirty="0">
               <a:latin typeface="Cambria" panose="02040503050406030204" pitchFamily="18" charset="0"/>
             </a:endParaRPr>
           </a:p>
           <a:p>
-            <a:r>
-              <a:rPr lang="en-US" dirty="0">
-                <a:latin typeface="Cambria" panose="02040503050406030204" pitchFamily="18" charset="0"/>
-              </a:rPr>
-              <a:t>[R3] The system will not allow more than a request if the previous one (either request or reservation) has not been accomplished yet.</a:t>
-            </a:r>
-            <a:endParaRPr lang="it-IT" dirty="0">
+            <a:pPr>
+              <a:lnSpc>
+                <a:spcPct val="120000"/>
+              </a:lnSpc>
+              <a:spcAft>
+                <a:spcPts val="200"/>
+              </a:spcAft>
+            </a:pPr>
+            <a:r>
+              <a:rPr lang="en-US" sz="2900" dirty="0">
+                <a:latin typeface="Cambria" panose="02040503050406030204" pitchFamily="18" charset="0"/>
+              </a:rPr>
+              <a:t>[</a:t>
+            </a:r>
+            <a:r>
+              <a:rPr lang="en-US" sz="2900" b="1" dirty="0">
+                <a:latin typeface="Cambria" panose="02040503050406030204" pitchFamily="18" charset="0"/>
+              </a:rPr>
+              <a:t>R3</a:t>
+            </a:r>
+            <a:r>
+              <a:rPr lang="en-US" sz="2900" dirty="0">
+                <a:latin typeface="Cambria" panose="02040503050406030204" pitchFamily="18" charset="0"/>
+              </a:rPr>
+              <a:t>] The system will not allow more than a request if the previous one (either request or reservation) has not been accomplished yet.</a:t>
+            </a:r>
+            <a:endParaRPr lang="it-IT" sz="2900" dirty="0">
               <a:latin typeface="Cambria" panose="02040503050406030204" pitchFamily="18" charset="0"/>
             </a:endParaRPr>
           </a:p>
@@ -24149,8 +25143,8 @@
         </p:nvSpPr>
         <p:spPr>
           <a:xfrm>
-            <a:off x="1622563" y="2283718"/>
-            <a:ext cx="5915025" cy="2673305"/>
+            <a:off x="1043608" y="2355726"/>
+            <a:ext cx="6912767" cy="2601297"/>
           </a:xfrm>
         </p:spPr>
         <p:txBody>
@@ -24159,33 +25153,93 @@
           </a:bodyPr>
           <a:lstStyle/>
           <a:p>
+            <a:pPr>
+              <a:lnSpc>
+                <a:spcPct val="120000"/>
+              </a:lnSpc>
+              <a:spcAft>
+                <a:spcPts val="100"/>
+              </a:spcAft>
+            </a:pPr>
             <a:r>
               <a:rPr lang="en-US" dirty="0">
                 <a:latin typeface="Cambria" panose="02040503050406030204" pitchFamily="18" charset="0"/>
               </a:rPr>
-              <a:t>[R1] The system should allow taxi reservations for a specific path communicated by the customer.</a:t>
+              <a:t>[</a:t>
+            </a:r>
+            <a:r>
+              <a:rPr lang="en-US" b="1" dirty="0">
+                <a:latin typeface="Cambria" panose="02040503050406030204" pitchFamily="18" charset="0"/>
+              </a:rPr>
+              <a:t>R1</a:t>
+            </a:r>
+            <a:r>
+              <a:rPr lang="en-US" dirty="0">
+                <a:latin typeface="Cambria" panose="02040503050406030204" pitchFamily="18" charset="0"/>
+              </a:rPr>
+              <a:t>] The system should allow taxi reservations for a specific path communicated by the customer.</a:t>
             </a:r>
             <a:endParaRPr lang="it-IT" dirty="0">
               <a:latin typeface="Cambria" panose="02040503050406030204" pitchFamily="18" charset="0"/>
             </a:endParaRPr>
           </a:p>
           <a:p>
+            <a:pPr>
+              <a:lnSpc>
+                <a:spcPct val="120000"/>
+              </a:lnSpc>
+              <a:spcAft>
+                <a:spcPts val="100"/>
+              </a:spcAft>
+            </a:pPr>
             <a:r>
               <a:rPr lang="en-US" dirty="0">
                 <a:latin typeface="Cambria" panose="02040503050406030204" pitchFamily="18" charset="0"/>
               </a:rPr>
-              <a:t>[R2] The system must not allow overlaps between reservations (or requests) made by the same customer.</a:t>
+              <a:t>[</a:t>
+            </a:r>
+            <a:r>
+              <a:rPr lang="en-US" b="1" dirty="0">
+                <a:latin typeface="Cambria" panose="02040503050406030204" pitchFamily="18" charset="0"/>
+              </a:rPr>
+              <a:t>R2</a:t>
+            </a:r>
+            <a:r>
+              <a:rPr lang="en-US" dirty="0">
+                <a:latin typeface="Cambria" panose="02040503050406030204" pitchFamily="18" charset="0"/>
+              </a:rPr>
+              <a:t>] The system must not allow overlaps between reservations (or requests) made by the same customer.</a:t>
             </a:r>
             <a:endParaRPr lang="it-IT" dirty="0">
               <a:latin typeface="Cambria" panose="02040503050406030204" pitchFamily="18" charset="0"/>
             </a:endParaRPr>
           </a:p>
           <a:p>
+            <a:pPr>
+              <a:lnSpc>
+                <a:spcPct val="120000"/>
+              </a:lnSpc>
+              <a:spcAft>
+                <a:spcPts val="100"/>
+              </a:spcAft>
+            </a:pPr>
             <a:r>
               <a:rPr lang="en-US" dirty="0" smtClean="0">
                 <a:latin typeface="Cambria" panose="02040503050406030204" pitchFamily="18" charset="0"/>
               </a:rPr>
-              <a:t>[R3] </a:t>
+              <a:t>[</a:t>
+            </a:r>
+            <a:r>
+              <a:rPr lang="en-US" b="1" dirty="0" smtClean="0">
+                <a:latin typeface="Cambria" panose="02040503050406030204" pitchFamily="18" charset="0"/>
+              </a:rPr>
+              <a:t>R3</a:t>
+            </a:r>
+            <a:r>
+              <a:rPr lang="en-US" dirty="0" smtClean="0">
+                <a:latin typeface="Cambria" panose="02040503050406030204" pitchFamily="18" charset="0"/>
+              </a:rPr>
+              <a:t>] </a:t>
             </a:r>
             <a:r>
               <a:rPr lang="en-US" dirty="0">
@@ -24198,6 +25252,14 @@
             </a:endParaRPr>
           </a:p>
           <a:p>
+            <a:pPr>
+              <a:lnSpc>
+                <a:spcPct val="120000"/>
+              </a:lnSpc>
+              <a:spcAft>
+                <a:spcPts val="100"/>
+              </a:spcAft>
+            </a:pPr>
             <a:r>
               <a:rPr lang="en-US" dirty="0">
                 <a:latin typeface="Cambria" panose="02040503050406030204" pitchFamily="18" charset="0"/>
@@ -24205,10 +25267,16 @@
               <a:t>[</a:t>
             </a:r>
             <a:r>
+              <a:rPr lang="en-US" b="1" dirty="0" smtClean="0">
+                <a:latin typeface="Cambria" panose="02040503050406030204" pitchFamily="18" charset="0"/>
+              </a:rPr>
+              <a:t>R4</a:t>
+            </a:r>
+            <a:r>
               <a:rPr lang="en-US" dirty="0" smtClean="0">
                 <a:latin typeface="Cambria" panose="02040503050406030204" pitchFamily="18" charset="0"/>
               </a:rPr>
-              <a:t>R4] </a:t>
+              <a:t>] </a:t>
             </a:r>
             <a:r>
               <a:rPr lang="en-US" dirty="0">
@@ -24221,9 +25289,19 @@
             </a:endParaRPr>
           </a:p>
           <a:p>
+            <a:pPr>
+              <a:lnSpc>
+                <a:spcPct val="120000"/>
+              </a:lnSpc>
+            </a:pPr>
             <a:endParaRPr lang="it-IT" dirty="0"/>
           </a:p>
           <a:p>
+            <a:pPr>
+              <a:lnSpc>
+                <a:spcPct val="120000"/>
+              </a:lnSpc>
+            </a:pPr>
             <a:endParaRPr lang="it-IT" dirty="0"/>
           </a:p>
         </p:txBody>
@@ -24645,8 +25723,8 @@
         </p:nvSpPr>
         <p:spPr>
           <a:xfrm>
-            <a:off x="1614487" y="2283718"/>
-            <a:ext cx="5915025" cy="2358207"/>
+            <a:off x="1115616" y="2355726"/>
+            <a:ext cx="6768751" cy="2286199"/>
           </a:xfrm>
         </p:spPr>
         <p:txBody>
@@ -24655,56 +25733,141 @@
           </a:bodyPr>
           <a:lstStyle/>
           <a:p>
-            <a:r>
-              <a:rPr lang="en-US" dirty="0">
-                <a:latin typeface="Cambria" panose="02040503050406030204" pitchFamily="18" charset="0"/>
-              </a:rPr>
-              <a:t>[R1] Taxi drivers should be able to communicate their current availability state to the system.</a:t>
-            </a:r>
-            <a:endParaRPr lang="it-IT" dirty="0">
+            <a:pPr>
+              <a:lnSpc>
+                <a:spcPct val="120000"/>
+              </a:lnSpc>
+              <a:spcAft>
+                <a:spcPts val="200"/>
+              </a:spcAft>
+            </a:pPr>
+            <a:r>
+              <a:rPr lang="en-US" sz="3400" dirty="0">
+                <a:latin typeface="Cambria" panose="02040503050406030204" pitchFamily="18" charset="0"/>
+              </a:rPr>
+              <a:t>[</a:t>
+            </a:r>
+            <a:r>
+              <a:rPr lang="en-US" sz="3400" b="1" dirty="0">
+                <a:latin typeface="Cambria" panose="02040503050406030204" pitchFamily="18" charset="0"/>
+              </a:rPr>
+              <a:t>R1</a:t>
+            </a:r>
+            <a:r>
+              <a:rPr lang="en-US" sz="3400" dirty="0">
+                <a:latin typeface="Cambria" panose="02040503050406030204" pitchFamily="18" charset="0"/>
+              </a:rPr>
+              <a:t>] Taxi drivers should be able to communicate their current availability state to the system.</a:t>
+            </a:r>
+            <a:endParaRPr lang="it-IT" sz="3400" dirty="0">
               <a:latin typeface="Cambria" panose="02040503050406030204" pitchFamily="18" charset="0"/>
             </a:endParaRPr>
           </a:p>
           <a:p>
-            <a:r>
-              <a:rPr lang="en-US" dirty="0">
-                <a:latin typeface="Cambria" panose="02040503050406030204" pitchFamily="18" charset="0"/>
-              </a:rPr>
-              <a:t>[R2] If available, taxi drivers should be able to receive incoming requests.</a:t>
-            </a:r>
-            <a:endParaRPr lang="it-IT" dirty="0">
+            <a:pPr>
+              <a:lnSpc>
+                <a:spcPct val="120000"/>
+              </a:lnSpc>
+              <a:spcAft>
+                <a:spcPts val="200"/>
+              </a:spcAft>
+            </a:pPr>
+            <a:r>
+              <a:rPr lang="en-US" sz="3400" dirty="0">
+                <a:latin typeface="Cambria" panose="02040503050406030204" pitchFamily="18" charset="0"/>
+              </a:rPr>
+              <a:t>[</a:t>
+            </a:r>
+            <a:r>
+              <a:rPr lang="en-US" sz="3400" b="1" dirty="0">
+                <a:latin typeface="Cambria" panose="02040503050406030204" pitchFamily="18" charset="0"/>
+              </a:rPr>
+              <a:t>R2</a:t>
+            </a:r>
+            <a:r>
+              <a:rPr lang="en-US" sz="3400" dirty="0">
+                <a:latin typeface="Cambria" panose="02040503050406030204" pitchFamily="18" charset="0"/>
+              </a:rPr>
+              <a:t>] If available, taxi drivers should be able to receive incoming requests.</a:t>
+            </a:r>
+            <a:endParaRPr lang="it-IT" sz="3400" dirty="0">
               <a:latin typeface="Cambria" panose="02040503050406030204" pitchFamily="18" charset="0"/>
             </a:endParaRPr>
           </a:p>
           <a:p>
-            <a:r>
-              <a:rPr lang="en-US" dirty="0">
-                <a:latin typeface="Cambria" panose="02040503050406030204" pitchFamily="18" charset="0"/>
-              </a:rPr>
-              <a:t>[R3] After receiving an incoming request, the taxi driver should be able to either confirm or not his intention to take charge of the request.</a:t>
-            </a:r>
-            <a:endParaRPr lang="it-IT" dirty="0">
+            <a:pPr>
+              <a:lnSpc>
+                <a:spcPct val="120000"/>
+              </a:lnSpc>
+              <a:spcAft>
+                <a:spcPts val="200"/>
+              </a:spcAft>
+            </a:pPr>
+            <a:r>
+              <a:rPr lang="en-US" sz="3400" dirty="0">
+                <a:latin typeface="Cambria" panose="02040503050406030204" pitchFamily="18" charset="0"/>
+              </a:rPr>
+              <a:t>[</a:t>
+            </a:r>
+            <a:r>
+              <a:rPr lang="en-US" sz="3400" b="1" dirty="0">
+                <a:latin typeface="Cambria" panose="02040503050406030204" pitchFamily="18" charset="0"/>
+              </a:rPr>
+              <a:t>R3</a:t>
+            </a:r>
+            <a:r>
+              <a:rPr lang="en-US" sz="3400" dirty="0">
+                <a:latin typeface="Cambria" panose="02040503050406030204" pitchFamily="18" charset="0"/>
+              </a:rPr>
+              <a:t>] After receiving an incoming request, the taxi driver should be able to either confirm or not his intention to take charge of the request.</a:t>
+            </a:r>
+            <a:endParaRPr lang="it-IT" sz="3400" dirty="0">
               <a:latin typeface="Cambria" panose="02040503050406030204" pitchFamily="18" charset="0"/>
             </a:endParaRPr>
           </a:p>
           <a:p>
-            <a:r>
-              <a:rPr lang="en-US" dirty="0">
-                <a:latin typeface="Cambria" panose="02040503050406030204" pitchFamily="18" charset="0"/>
-              </a:rPr>
-              <a:t>[R4] Taxi drivers must be able to log in the mobile application with preassigned credential and be identified as drivers</a:t>
-            </a:r>
-            <a:r>
-              <a:rPr lang="en-US" dirty="0" smtClean="0">
+            <a:pPr>
+              <a:lnSpc>
+                <a:spcPct val="120000"/>
+              </a:lnSpc>
+              <a:spcAft>
+                <a:spcPts val="200"/>
+              </a:spcAft>
+            </a:pPr>
+            <a:r>
+              <a:rPr lang="en-US" sz="3400" dirty="0">
+                <a:latin typeface="Cambria" panose="02040503050406030204" pitchFamily="18" charset="0"/>
+              </a:rPr>
+              <a:t>[</a:t>
+            </a:r>
+            <a:r>
+              <a:rPr lang="en-US" sz="3400" b="1" dirty="0">
+                <a:latin typeface="Cambria" panose="02040503050406030204" pitchFamily="18" charset="0"/>
+              </a:rPr>
+              <a:t>R4</a:t>
+            </a:r>
+            <a:r>
+              <a:rPr lang="en-US" sz="3400" dirty="0">
+                <a:latin typeface="Cambria" panose="02040503050406030204" pitchFamily="18" charset="0"/>
+              </a:rPr>
+              <a:t>] Taxi drivers must be able to log in the mobile application with preassigned credential and be identified as drivers</a:t>
+            </a:r>
+            <a:r>
+              <a:rPr lang="en-US" sz="3400" dirty="0" smtClean="0">
                 <a:latin typeface="Cambria" panose="02040503050406030204" pitchFamily="18" charset="0"/>
               </a:rPr>
               <a:t>.</a:t>
             </a:r>
-            <a:endParaRPr lang="it-IT" dirty="0">
+            <a:endParaRPr lang="it-IT" sz="3400" dirty="0">
               <a:latin typeface="Cambria" panose="02040503050406030204" pitchFamily="18" charset="0"/>
             </a:endParaRPr>
           </a:p>
           <a:p>
+            <a:pPr>
+              <a:lnSpc>
+                <a:spcPct val="120000"/>
+              </a:lnSpc>
+            </a:pPr>
             <a:endParaRPr lang="it-IT" dirty="0"/>
           </a:p>
         </p:txBody>

--- a/OtherStuff/FINAL PRESENTATION/MyTaxiService.pptx
+++ b/OtherStuff/FINAL PRESENTATION/MyTaxiService.pptx
@@ -150,7 +150,7 @@
   </p:defaultTextStyle>
   <p:extLst>
     <p:ext uri="{EFAFB233-063F-42B5-8137-9DF3F51BA10A}">
-      <p15:sldGuideLst xmlns:p15="http://schemas.microsoft.com/office/powerpoint/2012/main">
+      <p15:sldGuideLst xmlns:p15="http://schemas.microsoft.com/office/powerpoint/2012/main" xmlns="">
         <p15:guide id="1" orient="horz" pos="1620">
           <p15:clr>
             <a:srgbClr val="A4A3A4"/>
@@ -518,6 +518,90 @@
 </file>
 
 <file path=ppt/notesSlides/notesSlide1.xml><?xml version="1.0" encoding="utf-8"?>
+<p:notes xmlns:a="http://schemas.openxmlformats.org/drawingml/2006/main" xmlns:r="http://schemas.openxmlformats.org/officeDocument/2006/relationships" xmlns:p="http://schemas.openxmlformats.org/presentationml/2006/main">
+  <p:cSld>
+    <p:spTree>
+      <p:nvGrpSpPr>
+        <p:cNvPr id="1" name=""/>
+        <p:cNvGrpSpPr/>
+        <p:nvPr/>
+      </p:nvGrpSpPr>
+      <p:grpSpPr>
+        <a:xfrm>
+          <a:off x="0" y="0"/>
+          <a:ext cx="0" cy="0"/>
+          <a:chOff x="0" y="0"/>
+          <a:chExt cx="0" cy="0"/>
+        </a:xfrm>
+      </p:grpSpPr>
+      <p:sp>
+        <p:nvSpPr>
+          <p:cNvPr id="2" name="Segnaposto immagine diapositiva 1"/>
+          <p:cNvSpPr>
+            <a:spLocks noGrp="1" noRot="1" noChangeAspect="1"/>
+          </p:cNvSpPr>
+          <p:nvPr>
+            <p:ph type="sldImg"/>
+          </p:nvPr>
+        </p:nvSpPr>
+        <p:spPr/>
+      </p:sp>
+      <p:sp>
+        <p:nvSpPr>
+          <p:cNvPr id="3" name="Segnaposto note 2"/>
+          <p:cNvSpPr>
+            <a:spLocks noGrp="1"/>
+          </p:cNvSpPr>
+          <p:nvPr>
+            <p:ph type="body" idx="1"/>
+          </p:nvPr>
+        </p:nvSpPr>
+        <p:spPr/>
+        <p:txBody>
+          <a:bodyPr/>
+          <a:lstStyle/>
+          <a:p>
+            <a:endParaRPr lang="it-IT" dirty="0"/>
+          </a:p>
+        </p:txBody>
+      </p:sp>
+      <p:sp>
+        <p:nvSpPr>
+          <p:cNvPr id="4" name="Segnaposto numero diapositiva 3"/>
+          <p:cNvSpPr>
+            <a:spLocks noGrp="1"/>
+          </p:cNvSpPr>
+          <p:nvPr>
+            <p:ph type="sldNum" sz="quarter" idx="10"/>
+          </p:nvPr>
+        </p:nvSpPr>
+        <p:spPr/>
+        <p:txBody>
+          <a:bodyPr/>
+          <a:lstStyle/>
+          <a:p>
+            <a:fld id="{2D742C1D-6328-4595-BB50-B9B20B0EF912}" type="slidenum">
+              <a:rPr lang="it-IT" smtClean="0"/>
+              <a:t>17</a:t>
+            </a:fld>
+            <a:endParaRPr lang="it-IT"/>
+          </a:p>
+        </p:txBody>
+      </p:sp>
+    </p:spTree>
+    <p:extLst>
+      <p:ext uri="{BB962C8B-B14F-4D97-AF65-F5344CB8AC3E}">
+        <p14:creationId xmlns:p14="http://schemas.microsoft.com/office/powerpoint/2010/main" val="859401591"/>
+      </p:ext>
+    </p:extLst>
+  </p:cSld>
+  <p:clrMapOvr>
+    <a:masterClrMapping/>
+  </p:clrMapOvr>
+</p:notes>
+</file>
+
+<file path=ppt/notesSlides/notesSlide2.xml><?xml version="1.0" encoding="utf-8"?>
 <p:notes xmlns:a="http://schemas.openxmlformats.org/drawingml/2006/main" xmlns:r="http://schemas.openxmlformats.org/officeDocument/2006/relationships" xmlns:p="http://schemas.openxmlformats.org/presentationml/2006/main">
   <p:cSld>
     <p:spTree>
@@ -6765,15 +6849,7 @@
                 <a:ea typeface="Calibri" panose="020F0502020204030204" pitchFamily="34" charset="0"/>
                 <a:cs typeface="Arial" panose="020B0604020202020204" pitchFamily="34" charset="0"/>
               </a:rPr>
-              <a:t>world</a:t>
-            </a:r>
-            <a:r>
-              <a:rPr lang="en-US" sz="900" dirty="0" smtClean="0">
-                <a:latin typeface="Georgia" panose="02040502050405020303" pitchFamily="18" charset="0"/>
-                <a:ea typeface="Calibri" panose="020F0502020204030204" pitchFamily="34" charset="0"/>
-                <a:cs typeface="Arial" panose="020B0604020202020204" pitchFamily="34" charset="0"/>
-              </a:rPr>
-              <a:t>.</a:t>
+              <a:t>world.</a:t>
             </a:r>
             <a:endParaRPr lang="en-US" sz="900" dirty="0">
               <a:latin typeface="Georgia" panose="02040502050405020303" pitchFamily="18" charset="0"/>
@@ -7446,7 +7522,7 @@
       </p:sp>
       <p:pic>
         <p:nvPicPr>
-          <p:cNvPr id="7" name="Segnaposto contenuto 6"/>
+          <p:cNvPr id="3" name="Segnaposto contenuto 2"/>
           <p:cNvPicPr>
             <a:picLocks noGrp="1" noChangeAspect="1"/>
           </p:cNvPicPr>
@@ -7455,7 +7531,7 @@
           </p:nvPr>
         </p:nvPicPr>
         <p:blipFill>
-          <a:blip r:embed="rId2" cstate="print">
+          <a:blip r:embed="rId3" cstate="print">
             <a:extLst>
               <a:ext uri="{28A0092B-C50C-407E-A947-70E740481C1C}">
                 <a14:useLocalDpi xmlns:a14="http://schemas.microsoft.com/office/drawing/2010/main" val="0"/>
@@ -7468,8 +7544,8 @@
         </p:blipFill>
         <p:spPr>
           <a:xfrm>
-            <a:off x="1169622" y="735546"/>
-            <a:ext cx="6831378" cy="4407954"/>
+            <a:off x="683568" y="771550"/>
+            <a:ext cx="7848872" cy="4176464"/>
           </a:xfrm>
         </p:spPr>
       </p:pic>
@@ -7483,11 +7559,11 @@
   <p:clrMapOvr>
     <a:masterClrMapping/>
   </p:clrMapOvr>
-  <mc:AlternateContent xmlns:mc="http://schemas.openxmlformats.org/markup-compatibility/2006">
-    <mc:Choice xmlns:p14="http://schemas.microsoft.com/office/powerpoint/2010/main" Requires="p14">
+  <mc:AlternateContent xmlns:mc="http://schemas.openxmlformats.org/markup-compatibility/2006" xmlns:p14="http://schemas.microsoft.com/office/powerpoint/2010/main">
+    <mc:Choice Requires="p14">
       <p:transition p14:dur="0"/>
     </mc:Choice>
-    <mc:Fallback>
+    <mc:Fallback xmlns="">
       <p:transition/>
     </mc:Fallback>
   </mc:AlternateContent>
@@ -7512,7 +7588,7 @@
                             </p:stCondLst>
                             <p:childTnLst>
                               <p:par>
-                                <p:cTn id="5" presetID="6" presetClass="entr" presetSubtype="16" fill="hold" nodeType="clickEffect">
+                                <p:cTn id="5" presetID="53" presetClass="entr" presetSubtype="16" fill="hold" nodeType="clickEffect">
                                   <p:stCondLst>
                                     <p:cond delay="0"/>
                                   </p:stCondLst>
@@ -7525,7 +7601,7 @@
                                           </p:stCondLst>
                                         </p:cTn>
                                         <p:tgtEl>
-                                          <p:spTgt spid="7"/>
+                                          <p:spTgt spid="3"/>
                                         </p:tgtEl>
                                         <p:attrNameLst>
                                           <p:attrName>style.visibility</p:attrName>
@@ -7535,11 +7611,57 @@
                                         <p:strVal val="visible"/>
                                       </p:to>
                                     </p:set>
-                                    <p:animEffect transition="in" filter="circle(in)">
-                                      <p:cBhvr>
-                                        <p:cTn id="7" dur="2000"/>
-                                        <p:tgtEl>
-                                          <p:spTgt spid="7"/>
+                                    <p:anim calcmode="lin" valueType="num">
+                                      <p:cBhvr>
+                                        <p:cTn id="7" dur="500" fill="hold"/>
+                                        <p:tgtEl>
+                                          <p:spTgt spid="3"/>
+                                        </p:tgtEl>
+                                        <p:attrNameLst>
+                                          <p:attrName>ppt_w</p:attrName>
+                                        </p:attrNameLst>
+                                      </p:cBhvr>
+                                      <p:tavLst>
+                                        <p:tav tm="0">
+                                          <p:val>
+                                            <p:fltVal val="0"/>
+                                          </p:val>
+                                        </p:tav>
+                                        <p:tav tm="100000">
+                                          <p:val>
+                                            <p:strVal val="#ppt_w"/>
+                                          </p:val>
+                                        </p:tav>
+                                      </p:tavLst>
+                                    </p:anim>
+                                    <p:anim calcmode="lin" valueType="num">
+                                      <p:cBhvr>
+                                        <p:cTn id="8" dur="500" fill="hold"/>
+                                        <p:tgtEl>
+                                          <p:spTgt spid="3"/>
+                                        </p:tgtEl>
+                                        <p:attrNameLst>
+                                          <p:attrName>ppt_h</p:attrName>
+                                        </p:attrNameLst>
+                                      </p:cBhvr>
+                                      <p:tavLst>
+                                        <p:tav tm="0">
+                                          <p:val>
+                                            <p:fltVal val="0"/>
+                                          </p:val>
+                                        </p:tav>
+                                        <p:tav tm="100000">
+                                          <p:val>
+                                            <p:strVal val="#ppt_h"/>
+                                          </p:val>
+                                        </p:tav>
+                                      </p:tavLst>
+                                    </p:anim>
+                                    <p:animEffect transition="in" filter="fade">
+                                      <p:cBhvr>
+                                        <p:cTn id="9" dur="500"/>
+                                        <p:tgtEl>
+                                          <p:spTgt spid="3"/>
                                         </p:tgtEl>
                                       </p:cBhvr>
                                     </p:animEffect>
@@ -14633,11 +14755,11 @@
   <p:clrMapOvr>
     <a:masterClrMapping/>
   </p:clrMapOvr>
-  <mc:AlternateContent xmlns:mc="http://schemas.openxmlformats.org/markup-compatibility/2006">
-    <mc:Choice xmlns:p14="http://schemas.microsoft.com/office/powerpoint/2010/main" Requires="p14">
+  <mc:AlternateContent xmlns:mc="http://schemas.openxmlformats.org/markup-compatibility/2006" xmlns:p14="http://schemas.microsoft.com/office/powerpoint/2010/main">
+    <mc:Choice Requires="p14">
       <p:transition p14:dur="0"/>
     </mc:Choice>
-    <mc:Fallback>
+    <mc:Fallback xmlns="">
       <p:transition/>
     </mc:Fallback>
   </mc:AlternateContent>
@@ -14905,7 +15027,7 @@
         <p:spPr/>
         <p:txBody>
           <a:bodyPr>
-            <a:normAutofit fontScale="92500" lnSpcReduction="20000"/>
+            <a:normAutofit fontScale="92500" lnSpcReduction="10000"/>
           </a:bodyPr>
           <a:lstStyle/>
           <a:p>
@@ -14977,29 +15099,20 @@
               <a:rPr lang="en-US" sz="1900" dirty="0" smtClean="0">
                 <a:latin typeface="Cambria" panose="02040503050406030204" pitchFamily="18" charset="0"/>
               </a:rPr>
-              <a:t> Customers </a:t>
+              <a:t> Customers are not allowed make more than </a:t>
+            </a:r>
+            <a:r>
+              <a:rPr lang="en-US" sz="1900" b="1" dirty="0" smtClean="0">
+                <a:latin typeface="Cambria" panose="02040503050406030204" pitchFamily="18" charset="0"/>
+              </a:rPr>
+              <a:t>one request </a:t>
             </a:r>
             <a:r>
               <a:rPr lang="en-US" sz="1900" dirty="0" smtClean="0">
                 <a:latin typeface="Cambria" panose="02040503050406030204" pitchFamily="18" charset="0"/>
               </a:rPr>
-              <a:t>are not allowed make more than </a:t>
-            </a:r>
-            <a:r>
-              <a:rPr lang="en-US" sz="1900" b="1" dirty="0" smtClean="0">
-                <a:latin typeface="Cambria" panose="02040503050406030204" pitchFamily="18" charset="0"/>
-              </a:rPr>
-              <a:t>one request </a:t>
-            </a:r>
-            <a:r>
-              <a:rPr lang="en-US" sz="1900" dirty="0" smtClean="0">
-                <a:latin typeface="Cambria" panose="02040503050406030204" pitchFamily="18" charset="0"/>
-              </a:rPr>
               <a:t>if the previous has not been fulfilled yet.</a:t>
             </a:r>
-            <a:endParaRPr lang="en-US" sz="1900" dirty="0" smtClean="0">
-              <a:latin typeface="Cambria" panose="02040503050406030204" pitchFamily="18" charset="0"/>
-            </a:endParaRPr>
           </a:p>
           <a:p>
             <a:pPr marL="0" indent="0">
@@ -15026,19 +15139,7 @@
               <a:rPr lang="en-US" sz="1900" dirty="0" smtClean="0">
                 <a:latin typeface="Cambria" panose="02040503050406030204" pitchFamily="18" charset="0"/>
               </a:rPr>
-              <a:t> taxi reservations can be performed.                                             However, impracticable reservations </a:t>
-            </a:r>
-            <a:r>
-              <a:rPr lang="en-US" sz="1900" dirty="0" smtClean="0">
-                <a:latin typeface="Cambria" panose="02040503050406030204" pitchFamily="18" charset="0"/>
-              </a:rPr>
-              <a:t>identified at </a:t>
-            </a:r>
-            <a:r>
-              <a:rPr lang="en-US" sz="1900" dirty="0" smtClean="0">
-                <a:latin typeface="Cambria" panose="02040503050406030204" pitchFamily="18" charset="0"/>
-              </a:rPr>
-              <a:t>runtime will be </a:t>
+              <a:t> taxi reservations can be performed.                                             However, impracticable reservations identified at runtime will be </a:t>
             </a:r>
             <a:r>
               <a:rPr lang="en-US" sz="1900" b="1" dirty="0" smtClean="0">
@@ -21333,7 +21434,7 @@
         </p:spPr>
         <p:txBody>
           <a:bodyPr>
-            <a:normAutofit fontScale="55000" lnSpcReduction="20000"/>
+            <a:normAutofit fontScale="47500" lnSpcReduction="20000"/>
           </a:bodyPr>
           <a:lstStyle/>
           <a:p>
@@ -21492,9 +21593,6 @@
               </a:rPr>
               <a:t>, and vice versa. This means that if a taxi driver wants to access the customer’s services, he will need to create a customer account. </a:t>
             </a:r>
-            <a:endParaRPr lang="en-US" dirty="0" smtClean="0">
-              <a:latin typeface="Cambria" panose="02040503050406030204" pitchFamily="18" charset="0"/>
-            </a:endParaRPr>
           </a:p>
           <a:p>
             <a:endParaRPr lang="en-US" dirty="0">
@@ -22586,7 +22684,7 @@
                         <m:sSupPr>
                           <m:ctrlPr>
                             <a:rPr lang="en-US" sz="1500" i="1">
-                              <a:latin typeface="Cambria Math" panose="02040503050406030204" pitchFamily="18" charset="0"/>
+                              <a:latin typeface="Cambria Math"/>
                             </a:rPr>
                           </m:ctrlPr>
                         </m:sSupPr>
@@ -22674,7 +22772,7 @@
                         <m:sSupPr>
                           <m:ctrlPr>
                             <a:rPr lang="en-US" sz="1500" i="1">
-                              <a:latin typeface="Cambria Math" panose="02040503050406030204" pitchFamily="18" charset="0"/>
+                              <a:latin typeface="Cambria Math"/>
                             </a:rPr>
                           </m:ctrlPr>
                         </m:sSupPr>
@@ -22739,7 +22837,7 @@
                         <m:sSubPr>
                           <m:ctrlPr>
                             <a:rPr lang="en-US" sz="1500" i="1">
-                              <a:latin typeface="Cambria Math" panose="02040503050406030204" pitchFamily="18" charset="0"/>
+                              <a:latin typeface="Cambria Math"/>
                             </a:rPr>
                           </m:ctrlPr>
                         </m:sSubPr>
@@ -22770,7 +22868,7 @@
                         <m:fPr>
                           <m:ctrlPr>
                             <a:rPr lang="en-US" sz="1500" i="1">
-                              <a:latin typeface="Cambria Math" panose="02040503050406030204" pitchFamily="18" charset="0"/>
+                              <a:latin typeface="Cambria Math"/>
                             </a:rPr>
                           </m:ctrlPr>
                         </m:fPr>
@@ -22879,11 +22977,11 @@
   <p:clrMapOvr>
     <a:masterClrMapping/>
   </p:clrMapOvr>
-  <mc:AlternateContent xmlns:mc="http://schemas.openxmlformats.org/markup-compatibility/2006">
-    <mc:Choice xmlns:p14="http://schemas.microsoft.com/office/powerpoint/2010/main" Requires="p14">
+  <mc:AlternateContent xmlns:mc="http://schemas.openxmlformats.org/markup-compatibility/2006" xmlns:p14="http://schemas.microsoft.com/office/powerpoint/2010/main">
+    <mc:Choice Requires="p14">
       <p:transition p14:dur="0"/>
     </mc:Choice>
-    <mc:Fallback>
+    <mc:Fallback xmlns="">
       <p:transition/>
     </mc:Fallback>
   </mc:AlternateContent>
@@ -23638,19 +23736,25 @@
               <a:rPr lang="en-US" sz="3800" dirty="0" smtClean="0">
                 <a:latin typeface="Cambria" panose="02040503050406030204" pitchFamily="18" charset="0"/>
               </a:rPr>
-              <a:t>Web </a:t>
+              <a:t>Web and mobile </a:t>
+            </a:r>
+            <a:r>
+              <a:rPr lang="en-US" sz="3800" b="1" dirty="0" smtClean="0">
+                <a:latin typeface="Cambria" panose="02040503050406030204" pitchFamily="18" charset="0"/>
+              </a:rPr>
+              <a:t>registration</a:t>
             </a:r>
             <a:r>
               <a:rPr lang="en-US" sz="3800" dirty="0" smtClean="0">
                 <a:latin typeface="Cambria" panose="02040503050406030204" pitchFamily="18" charset="0"/>
               </a:rPr>
-              <a:t>and mobile </a:t>
+              <a:t> are intended for </a:t>
             </a:r>
             <a:r>
               <a:rPr lang="en-US" sz="3800" b="1" dirty="0" smtClean="0">
                 <a:latin typeface="Cambria" panose="02040503050406030204" pitchFamily="18" charset="0"/>
               </a:rPr>
-              <a:t>registration</a:t>
+              <a:t>customers</a:t>
             </a:r>
             <a:r>
               <a:rPr lang="en-US" sz="3800" dirty="0" smtClean="0">
@@ -23659,81 +23763,36 @@
               <a:t> </a:t>
             </a:r>
             <a:r>
+              <a:rPr lang="en-US" sz="3800" b="1" dirty="0" smtClean="0">
+                <a:latin typeface="Cambria" panose="02040503050406030204" pitchFamily="18" charset="0"/>
+              </a:rPr>
+              <a:t>only</a:t>
+            </a:r>
+            <a:r>
               <a:rPr lang="en-US" sz="3800" dirty="0" smtClean="0">
                 <a:latin typeface="Cambria" panose="02040503050406030204" pitchFamily="18" charset="0"/>
               </a:rPr>
-              <a:t>are</a:t>
+              <a:t>.                                                       Taxi drivers’ account are created by an </a:t>
+            </a:r>
+            <a:r>
+              <a:rPr lang="en-US" sz="3800" b="1" dirty="0" smtClean="0">
+                <a:latin typeface="Cambria" panose="02040503050406030204" pitchFamily="18" charset="0"/>
+              </a:rPr>
+              <a:t>administrator</a:t>
             </a:r>
             <a:r>
               <a:rPr lang="en-US" sz="3800" dirty="0" smtClean="0">
                 <a:latin typeface="Cambria" panose="02040503050406030204" pitchFamily="18" charset="0"/>
               </a:rPr>
-              <a:t> </a:t>
-            </a:r>
-            <a:r>
-              <a:rPr lang="en-US" sz="3800" dirty="0" smtClean="0">
-                <a:latin typeface="Cambria" panose="02040503050406030204" pitchFamily="18" charset="0"/>
-              </a:rPr>
-              <a:t>intended for </a:t>
-            </a:r>
-            <a:r>
-              <a:rPr lang="en-US" sz="3800" b="1" dirty="0" smtClean="0">
-                <a:latin typeface="Cambria" panose="02040503050406030204" pitchFamily="18" charset="0"/>
-              </a:rPr>
-              <a:t>customers</a:t>
-            </a:r>
-            <a:r>
-              <a:rPr lang="en-US" sz="3800" dirty="0" smtClean="0">
-                <a:latin typeface="Cambria" panose="02040503050406030204" pitchFamily="18" charset="0"/>
-              </a:rPr>
-              <a:t> </a:t>
-            </a:r>
-            <a:r>
-              <a:rPr lang="en-US" sz="3800" b="1" dirty="0" smtClean="0">
-                <a:latin typeface="Cambria" panose="02040503050406030204" pitchFamily="18" charset="0"/>
-              </a:rPr>
-              <a:t>only</a:t>
-            </a:r>
-            <a:r>
-              <a:rPr lang="en-US" sz="3800" dirty="0" smtClean="0">
-                <a:latin typeface="Cambria" panose="02040503050406030204" pitchFamily="18" charset="0"/>
-              </a:rPr>
-              <a:t>. </a:t>
-            </a:r>
-            <a:r>
-              <a:rPr lang="en-US" sz="3800" dirty="0" smtClean="0">
-                <a:latin typeface="Cambria" panose="02040503050406030204" pitchFamily="18" charset="0"/>
-              </a:rPr>
-              <a:t>                                                      Taxi </a:t>
-            </a:r>
-            <a:r>
-              <a:rPr lang="en-US" sz="3800" dirty="0" smtClean="0">
-                <a:latin typeface="Cambria" panose="02040503050406030204" pitchFamily="18" charset="0"/>
-              </a:rPr>
-              <a:t>drivers’ account are created by an </a:t>
-            </a:r>
-            <a:r>
-              <a:rPr lang="en-US" sz="3800" b="1" dirty="0" smtClean="0">
-                <a:latin typeface="Cambria" panose="02040503050406030204" pitchFamily="18" charset="0"/>
-              </a:rPr>
-              <a:t>administrator</a:t>
-            </a:r>
-            <a:r>
-              <a:rPr lang="en-US" sz="3800" dirty="0" smtClean="0">
-                <a:latin typeface="Cambria" panose="02040503050406030204" pitchFamily="18" charset="0"/>
-              </a:rPr>
               <a:t>.</a:t>
             </a:r>
+          </a:p>
+          <a:p>
             <a:endParaRPr lang="en-US" sz="3800" dirty="0" smtClean="0">
               <a:latin typeface="Cambria" panose="02040503050406030204" pitchFamily="18" charset="0"/>
             </a:endParaRPr>
           </a:p>
           <a:p>
-            <a:endParaRPr lang="en-US" sz="3800" dirty="0" smtClean="0">
-              <a:latin typeface="Cambria" panose="02040503050406030204" pitchFamily="18" charset="0"/>
-            </a:endParaRPr>
-          </a:p>
-          <a:p>
             <a:r>
               <a:rPr lang="en-US" sz="3800" b="1" dirty="0" smtClean="0">
                 <a:latin typeface="Cambria" panose="02040503050406030204" pitchFamily="18" charset="0"/>
@@ -23768,25 +23827,13 @@
               <a:rPr lang="en-US" sz="3800" dirty="0">
                 <a:latin typeface="Cambria" panose="02040503050406030204" pitchFamily="18" charset="0"/>
               </a:rPr>
-              <a:t> that are habitually handled by taxi </a:t>
-            </a:r>
-            <a:r>
-              <a:rPr lang="en-US" sz="3800" dirty="0">
-                <a:latin typeface="Cambria" panose="02040503050406030204" pitchFamily="18" charset="0"/>
-              </a:rPr>
-              <a:t>drivers </a:t>
+              <a:t> that are habitually handled by taxi drivers </a:t>
             </a:r>
             <a:r>
               <a:rPr lang="en-US" sz="3800" dirty="0" smtClean="0">
                 <a:latin typeface="Cambria" panose="02040503050406030204" pitchFamily="18" charset="0"/>
               </a:rPr>
-              <a:t>won’t be handled automatically by MTS.                                                                                                                            Examples: </a:t>
-            </a:r>
-            <a:r>
-              <a:rPr lang="en-US" sz="3800" dirty="0" smtClean="0">
-                <a:latin typeface="Cambria" panose="02040503050406030204" pitchFamily="18" charset="0"/>
-              </a:rPr>
-              <a:t>inconsistent ride origin </a:t>
+              <a:t>won’t be handled automatically by MTS.                                                                                                                            Examples: inconsistent ride origin </a:t>
             </a:r>
             <a:r>
               <a:rPr lang="en-US" sz="3800" dirty="0">
@@ -25729,7 +25776,7 @@
         </p:spPr>
         <p:txBody>
           <a:bodyPr>
-            <a:normAutofit fontScale="47500" lnSpcReduction="20000"/>
+            <a:normAutofit fontScale="40000" lnSpcReduction="20000"/>
           </a:bodyPr>
           <a:lstStyle/>
           <a:p>

--- a/OtherStuff/FINAL PRESENTATION/MyTaxiService.pptx
+++ b/OtherStuff/FINAL PRESENTATION/MyTaxiService.pptx
@@ -5,51 +5,57 @@
     <p:sldMasterId id="2147483648" r:id="rId1"/>
   </p:sldMasterIdLst>
   <p:notesMasterIdLst>
-    <p:notesMasterId r:id="rId44"/>
+    <p:notesMasterId r:id="rId50"/>
   </p:notesMasterIdLst>
   <p:sldIdLst>
     <p:sldId id="296" r:id="rId2"/>
-    <p:sldId id="286" r:id="rId3"/>
-    <p:sldId id="257" r:id="rId4"/>
-    <p:sldId id="258" r:id="rId5"/>
-    <p:sldId id="259" r:id="rId6"/>
-    <p:sldId id="261" r:id="rId7"/>
-    <p:sldId id="262" r:id="rId8"/>
-    <p:sldId id="263" r:id="rId9"/>
-    <p:sldId id="264" r:id="rId10"/>
-    <p:sldId id="266" r:id="rId11"/>
-    <p:sldId id="267" r:id="rId12"/>
-    <p:sldId id="268" r:id="rId13"/>
-    <p:sldId id="270" r:id="rId14"/>
-    <p:sldId id="271" r:id="rId15"/>
-    <p:sldId id="272" r:id="rId16"/>
-    <p:sldId id="273" r:id="rId17"/>
-    <p:sldId id="274" r:id="rId18"/>
-    <p:sldId id="275" r:id="rId19"/>
-    <p:sldId id="276" r:id="rId20"/>
-    <p:sldId id="277" r:id="rId21"/>
-    <p:sldId id="278" r:id="rId22"/>
-    <p:sldId id="279" r:id="rId23"/>
-    <p:sldId id="280" r:id="rId24"/>
-    <p:sldId id="281" r:id="rId25"/>
-    <p:sldId id="282" r:id="rId26"/>
-    <p:sldId id="283" r:id="rId27"/>
-    <p:sldId id="284" r:id="rId28"/>
-    <p:sldId id="285" r:id="rId29"/>
-    <p:sldId id="287" r:id="rId30"/>
-    <p:sldId id="288" r:id="rId31"/>
-    <p:sldId id="289" r:id="rId32"/>
-    <p:sldId id="290" r:id="rId33"/>
-    <p:sldId id="291" r:id="rId34"/>
-    <p:sldId id="292" r:id="rId35"/>
-    <p:sldId id="293" r:id="rId36"/>
-    <p:sldId id="294" r:id="rId37"/>
-    <p:sldId id="295" r:id="rId38"/>
-    <p:sldId id="297" r:id="rId39"/>
-    <p:sldId id="298" r:id="rId40"/>
-    <p:sldId id="299" r:id="rId41"/>
-    <p:sldId id="300" r:id="rId42"/>
-    <p:sldId id="301" r:id="rId43"/>
+    <p:sldId id="309" r:id="rId3"/>
+    <p:sldId id="286" r:id="rId4"/>
+    <p:sldId id="305" r:id="rId5"/>
+    <p:sldId id="306" r:id="rId6"/>
+    <p:sldId id="258" r:id="rId7"/>
+    <p:sldId id="259" r:id="rId8"/>
+    <p:sldId id="307" r:id="rId9"/>
+    <p:sldId id="261" r:id="rId10"/>
+    <p:sldId id="262" r:id="rId11"/>
+    <p:sldId id="263" r:id="rId12"/>
+    <p:sldId id="264" r:id="rId13"/>
+    <p:sldId id="266" r:id="rId14"/>
+    <p:sldId id="267" r:id="rId15"/>
+    <p:sldId id="268" r:id="rId16"/>
+    <p:sldId id="302" r:id="rId17"/>
+    <p:sldId id="303" r:id="rId18"/>
+    <p:sldId id="270" r:id="rId19"/>
+    <p:sldId id="271" r:id="rId20"/>
+    <p:sldId id="272" r:id="rId21"/>
+    <p:sldId id="273" r:id="rId22"/>
+    <p:sldId id="274" r:id="rId23"/>
+    <p:sldId id="304" r:id="rId24"/>
+    <p:sldId id="275" r:id="rId25"/>
+    <p:sldId id="276" r:id="rId26"/>
+    <p:sldId id="277" r:id="rId27"/>
+    <p:sldId id="278" r:id="rId28"/>
+    <p:sldId id="279" r:id="rId29"/>
+    <p:sldId id="280" r:id="rId30"/>
+    <p:sldId id="281" r:id="rId31"/>
+    <p:sldId id="282" r:id="rId32"/>
+    <p:sldId id="283" r:id="rId33"/>
+    <p:sldId id="284" r:id="rId34"/>
+    <p:sldId id="285" r:id="rId35"/>
+    <p:sldId id="287" r:id="rId36"/>
+    <p:sldId id="288" r:id="rId37"/>
+    <p:sldId id="289" r:id="rId38"/>
+    <p:sldId id="290" r:id="rId39"/>
+    <p:sldId id="291" r:id="rId40"/>
+    <p:sldId id="292" r:id="rId41"/>
+    <p:sldId id="293" r:id="rId42"/>
+    <p:sldId id="294" r:id="rId43"/>
+    <p:sldId id="295" r:id="rId44"/>
+    <p:sldId id="297" r:id="rId45"/>
+    <p:sldId id="298" r:id="rId46"/>
+    <p:sldId id="299" r:id="rId47"/>
+    <p:sldId id="300" r:id="rId48"/>
+    <p:sldId id="301" r:id="rId49"/>
   </p:sldIdLst>
   <p:sldSz cx="9144000" cy="5143500" type="screen16x9"/>
   <p:notesSz cx="6858000" cy="9144000"/>
@@ -150,7 +156,7 @@
   </p:defaultTextStyle>
   <p:extLst>
     <p:ext uri="{EFAFB233-063F-42B5-8137-9DF3F51BA10A}">
-      <p15:sldGuideLst xmlns:p15="http://schemas.microsoft.com/office/powerpoint/2012/main" xmlns="">
+      <p15:sldGuideLst xmlns:p15="http://schemas.microsoft.com/office/powerpoint/2012/main">
         <p15:guide id="1" orient="horz" pos="1620">
           <p15:clr>
             <a:srgbClr val="A4A3A4"/>
@@ -249,7 +255,7 @@
           <a:p>
             <a:fld id="{C888BD4A-FB1D-4504-809F-F0525AF57330}" type="datetimeFigureOut">
               <a:rPr lang="it-IT" smtClean="0"/>
-              <a:t>20/02/2016</a:t>
+              <a:t>21/02/2016</a:t>
             </a:fld>
             <a:endParaRPr lang="it-IT"/>
           </a:p>
@@ -582,7 +588,7 @@
           <a:p>
             <a:fld id="{2D742C1D-6328-4595-BB50-B9B20B0EF912}" type="slidenum">
               <a:rPr lang="it-IT" smtClean="0"/>
-              <a:t>17</a:t>
+              <a:t>22</a:t>
             </a:fld>
             <a:endParaRPr lang="it-IT"/>
           </a:p>
@@ -666,7 +672,7 @@
           <a:p>
             <a:fld id="{72EA31CD-A800-429B-9EE1-03AECEAD5F85}" type="slidenum">
               <a:rPr lang="en-US" smtClean="0"/>
-              <a:t>37</a:t>
+              <a:t>43</a:t>
             </a:fld>
             <a:endParaRPr lang="en-US"/>
           </a:p>
@@ -866,7 +872,7 @@
           <a:p>
             <a:fld id="{F92D8D1E-79E1-4046-BAF4-7831E395F259}" type="datetimeFigureOut">
               <a:rPr lang="it-IT" smtClean="0"/>
-              <a:t>20/02/2016</a:t>
+              <a:t>21/02/2016</a:t>
             </a:fld>
             <a:endParaRPr lang="it-IT"/>
           </a:p>
@@ -1036,7 +1042,7 @@
           <a:p>
             <a:fld id="{F92D8D1E-79E1-4046-BAF4-7831E395F259}" type="datetimeFigureOut">
               <a:rPr lang="it-IT" smtClean="0"/>
-              <a:t>20/02/2016</a:t>
+              <a:t>21/02/2016</a:t>
             </a:fld>
             <a:endParaRPr lang="it-IT"/>
           </a:p>
@@ -1216,7 +1222,7 @@
           <a:p>
             <a:fld id="{F92D8D1E-79E1-4046-BAF4-7831E395F259}" type="datetimeFigureOut">
               <a:rPr lang="it-IT" smtClean="0"/>
-              <a:t>20/02/2016</a:t>
+              <a:t>21/02/2016</a:t>
             </a:fld>
             <a:endParaRPr lang="it-IT"/>
           </a:p>
@@ -1386,7 +1392,7 @@
           <a:p>
             <a:fld id="{F92D8D1E-79E1-4046-BAF4-7831E395F259}" type="datetimeFigureOut">
               <a:rPr lang="it-IT" smtClean="0"/>
-              <a:t>20/02/2016</a:t>
+              <a:t>21/02/2016</a:t>
             </a:fld>
             <a:endParaRPr lang="it-IT"/>
           </a:p>
@@ -1632,7 +1638,7 @@
           <a:p>
             <a:fld id="{F92D8D1E-79E1-4046-BAF4-7831E395F259}" type="datetimeFigureOut">
               <a:rPr lang="it-IT" smtClean="0"/>
-              <a:t>20/02/2016</a:t>
+              <a:t>21/02/2016</a:t>
             </a:fld>
             <a:endParaRPr lang="it-IT"/>
           </a:p>
@@ -1920,7 +1926,7 @@
           <a:p>
             <a:fld id="{F92D8D1E-79E1-4046-BAF4-7831E395F259}" type="datetimeFigureOut">
               <a:rPr lang="it-IT" smtClean="0"/>
-              <a:t>20/02/2016</a:t>
+              <a:t>21/02/2016</a:t>
             </a:fld>
             <a:endParaRPr lang="it-IT"/>
           </a:p>
@@ -2347,7 +2353,7 @@
           <a:p>
             <a:fld id="{F92D8D1E-79E1-4046-BAF4-7831E395F259}" type="datetimeFigureOut">
               <a:rPr lang="it-IT" smtClean="0"/>
-              <a:t>20/02/2016</a:t>
+              <a:t>21/02/2016</a:t>
             </a:fld>
             <a:endParaRPr lang="it-IT"/>
           </a:p>
@@ -2465,7 +2471,7 @@
           <a:p>
             <a:fld id="{F92D8D1E-79E1-4046-BAF4-7831E395F259}" type="datetimeFigureOut">
               <a:rPr lang="it-IT" smtClean="0"/>
-              <a:t>20/02/2016</a:t>
+              <a:t>21/02/2016</a:t>
             </a:fld>
             <a:endParaRPr lang="it-IT"/>
           </a:p>
@@ -2560,7 +2566,7 @@
           <a:p>
             <a:fld id="{F92D8D1E-79E1-4046-BAF4-7831E395F259}" type="datetimeFigureOut">
               <a:rPr lang="it-IT" smtClean="0"/>
-              <a:t>20/02/2016</a:t>
+              <a:t>21/02/2016</a:t>
             </a:fld>
             <a:endParaRPr lang="it-IT"/>
           </a:p>
@@ -2837,7 +2843,7 @@
           <a:p>
             <a:fld id="{F92D8D1E-79E1-4046-BAF4-7831E395F259}" type="datetimeFigureOut">
               <a:rPr lang="it-IT" smtClean="0"/>
-              <a:t>20/02/2016</a:t>
+              <a:t>21/02/2016</a:t>
             </a:fld>
             <a:endParaRPr lang="it-IT"/>
           </a:p>
@@ -3090,7 +3096,7 @@
           <a:p>
             <a:fld id="{F92D8D1E-79E1-4046-BAF4-7831E395F259}" type="datetimeFigureOut">
               <a:rPr lang="it-IT" smtClean="0"/>
-              <a:t>20/02/2016</a:t>
+              <a:t>21/02/2016</a:t>
             </a:fld>
             <a:endParaRPr lang="it-IT"/>
           </a:p>
@@ -3303,7 +3309,7 @@
           <a:p>
             <a:fld id="{F92D8D1E-79E1-4046-BAF4-7831E395F259}" type="datetimeFigureOut">
               <a:rPr lang="it-IT" smtClean="0"/>
-              <a:t>20/02/2016</a:t>
+              <a:t>21/02/2016</a:t>
             </a:fld>
             <a:endParaRPr lang="it-IT"/>
           </a:p>
@@ -3972,8 +3978,8 @@
         </p:nvSpPr>
         <p:spPr>
           <a:xfrm>
-            <a:off x="899592" y="2355726"/>
-            <a:ext cx="7200799" cy="2448272"/>
+            <a:off x="1115616" y="2355726"/>
+            <a:ext cx="6912768" cy="2448272"/>
           </a:xfrm>
         </p:spPr>
         <p:txBody>
@@ -3986,32 +3992,29 @@
               <a:lnSpc>
                 <a:spcPct val="120000"/>
               </a:lnSpc>
-              <a:spcBef>
-                <a:spcPts val="0"/>
-              </a:spcBef>
               <a:spcAft>
-                <a:spcPts val="600"/>
+                <a:spcPts val="200"/>
               </a:spcAft>
             </a:pPr>
             <a:r>
-              <a:rPr lang="en-US" dirty="0">
+              <a:rPr lang="en-US" sz="2900" dirty="0">
                 <a:latin typeface="Cambria" panose="02040503050406030204" pitchFamily="18" charset="0"/>
               </a:rPr>
               <a:t>[</a:t>
             </a:r>
             <a:r>
-              <a:rPr lang="en-US" b="1" dirty="0">
+              <a:rPr lang="en-US" sz="2900" b="1" dirty="0">
                 <a:latin typeface="Cambria" panose="02040503050406030204" pitchFamily="18" charset="0"/>
               </a:rPr>
               <a:t>R1</a:t>
             </a:r>
             <a:r>
-              <a:rPr lang="en-US" dirty="0">
-                <a:latin typeface="Cambria" panose="02040503050406030204" pitchFamily="18" charset="0"/>
-              </a:rPr>
-              <a:t>] The system should send updates through email and/or in-app notification, as specified by the customer.</a:t>
-            </a:r>
-            <a:endParaRPr lang="it-IT" dirty="0">
+              <a:rPr lang="en-US" sz="2900" dirty="0">
+                <a:latin typeface="Cambria" panose="02040503050406030204" pitchFamily="18" charset="0"/>
+              </a:rPr>
+              <a:t>] Only registered customers can request a taxi ride.</a:t>
+            </a:r>
+            <a:endParaRPr lang="it-IT" sz="2900" dirty="0">
               <a:latin typeface="Cambria" panose="02040503050406030204" pitchFamily="18" charset="0"/>
             </a:endParaRPr>
           </a:p>
@@ -4020,34 +4023,68 @@
               <a:lnSpc>
                 <a:spcPct val="120000"/>
               </a:lnSpc>
-              <a:spcBef>
-                <a:spcPts val="0"/>
-              </a:spcBef>
               <a:spcAft>
-                <a:spcPts val="600"/>
+                <a:spcPts val="200"/>
               </a:spcAft>
             </a:pPr>
             <a:r>
-              <a:rPr lang="en-US" dirty="0">
+              <a:rPr lang="en-US" sz="2900" dirty="0">
                 <a:latin typeface="Cambria" panose="02040503050406030204" pitchFamily="18" charset="0"/>
               </a:rPr>
               <a:t>[</a:t>
             </a:r>
             <a:r>
-              <a:rPr lang="en-US" b="1" dirty="0">
+              <a:rPr lang="en-US" sz="2900" b="1" dirty="0">
                 <a:latin typeface="Cambria" panose="02040503050406030204" pitchFamily="18" charset="0"/>
               </a:rPr>
               <a:t>R2</a:t>
             </a:r>
             <a:r>
-              <a:rPr lang="en-US" dirty="0">
-                <a:latin typeface="Cambria" panose="02040503050406030204" pitchFamily="18" charset="0"/>
-              </a:rPr>
-              <a:t>] Absence of taxis available, reservations overlaps, taxi average waiting time and taxi assigned to customers are events that must be notified to the customer.</a:t>
-            </a:r>
-            <a:endParaRPr lang="it-IT" dirty="0">
+              <a:rPr lang="en-US" sz="2900" dirty="0">
+                <a:latin typeface="Cambria" panose="02040503050406030204" pitchFamily="18" charset="0"/>
+              </a:rPr>
+              <a:t>] Customers must insert a valid origin location in order to request a ride.</a:t>
+            </a:r>
+            <a:endParaRPr lang="it-IT" sz="2900" dirty="0">
               <a:latin typeface="Cambria" panose="02040503050406030204" pitchFamily="18" charset="0"/>
             </a:endParaRPr>
+          </a:p>
+          <a:p>
+            <a:pPr>
+              <a:lnSpc>
+                <a:spcPct val="120000"/>
+              </a:lnSpc>
+              <a:spcAft>
+                <a:spcPts val="200"/>
+              </a:spcAft>
+            </a:pPr>
+            <a:r>
+              <a:rPr lang="en-US" sz="2900" dirty="0">
+                <a:latin typeface="Cambria" panose="02040503050406030204" pitchFamily="18" charset="0"/>
+              </a:rPr>
+              <a:t>[</a:t>
+            </a:r>
+            <a:r>
+              <a:rPr lang="en-US" sz="2900" b="1" dirty="0">
+                <a:latin typeface="Cambria" panose="02040503050406030204" pitchFamily="18" charset="0"/>
+              </a:rPr>
+              <a:t>R3</a:t>
+            </a:r>
+            <a:r>
+              <a:rPr lang="en-US" sz="2900" dirty="0">
+                <a:latin typeface="Cambria" panose="02040503050406030204" pitchFamily="18" charset="0"/>
+              </a:rPr>
+              <a:t>] The system will not allow more than a request if the previous one (either request or reservation) has not been accomplished yet.</a:t>
+            </a:r>
+            <a:endParaRPr lang="it-IT" sz="2900" dirty="0">
+              <a:latin typeface="Cambria" panose="02040503050406030204" pitchFamily="18" charset="0"/>
+            </a:endParaRPr>
+          </a:p>
+          <a:p>
+            <a:endParaRPr lang="it-IT" dirty="0"/>
+          </a:p>
+          <a:p>
+            <a:endParaRPr lang="it-IT" dirty="0"/>
           </a:p>
         </p:txBody>
       </p:sp>
@@ -4059,7 +4096,7 @@
         </p:nvSpPr>
         <p:spPr>
           <a:xfrm>
-            <a:off x="1635920" y="1164496"/>
+            <a:off x="1635920" y="1164494"/>
             <a:ext cx="5872163" cy="946413"/>
           </a:xfrm>
           <a:prstGeom prst="rect">
@@ -4092,13 +4129,12 @@
             </a:r>
             <a:r>
               <a:rPr lang="en-US" sz="2100" b="1" i="1" dirty="0"/>
-              <a:t>G6</a:t>
+              <a:t>G2</a:t>
             </a:r>
             <a:r>
               <a:rPr lang="en-US" sz="2100" i="1" dirty="0"/>
-              <a:t>] Allow customers to be notified of any relevant update connected to their requests and reservations.</a:t>
-            </a:r>
-            <a:endParaRPr lang="it-IT" sz="2100" dirty="0"/>
+              <a:t>] Allow customers to request a taxi ride from an arranged location.</a:t>
+            </a:r>
           </a:p>
           <a:p>
             <a:endParaRPr lang="it-IT" sz="1350" dirty="0"/>
@@ -4117,8 +4153,8 @@
         </p:nvSpPr>
         <p:spPr>
           <a:xfrm>
-            <a:off x="575557" y="267494"/>
-            <a:ext cx="7992888" cy="720080"/>
+            <a:off x="503549" y="267494"/>
+            <a:ext cx="8136904" cy="757945"/>
           </a:xfrm>
         </p:spPr>
         <p:txBody>
@@ -4153,7 +4189,7 @@
     </p:spTree>
     <p:extLst>
       <p:ext uri="{BB962C8B-B14F-4D97-AF65-F5344CB8AC3E}">
-        <p14:creationId xmlns:p14="http://schemas.microsoft.com/office/powerpoint/2010/main" val="3078994425"/>
+        <p14:creationId xmlns:p14="http://schemas.microsoft.com/office/powerpoint/2010/main" val="1603992044"/>
       </p:ext>
     </p:extLst>
   </p:cSld>
@@ -4276,6 +4312,67 @@
                                           <p:spTgt spid="3">
                                             <p:txEl>
                                               <p:pRg st="1" end="1"/>
+                                            </p:txEl>
+                                          </p:spTgt>
+                                        </p:tgtEl>
+                                      </p:cBhvr>
+                                    </p:animEffect>
+                                  </p:childTnLst>
+                                </p:cTn>
+                              </p:par>
+                            </p:childTnLst>
+                          </p:cTn>
+                        </p:par>
+                      </p:childTnLst>
+                    </p:cTn>
+                  </p:par>
+                  <p:par>
+                    <p:cTn id="13" fill="hold">
+                      <p:stCondLst>
+                        <p:cond delay="indefinite"/>
+                      </p:stCondLst>
+                      <p:childTnLst>
+                        <p:par>
+                          <p:cTn id="14" fill="hold">
+                            <p:stCondLst>
+                              <p:cond delay="0"/>
+                            </p:stCondLst>
+                            <p:childTnLst>
+                              <p:par>
+                                <p:cTn id="15" presetID="10" presetClass="entr" presetSubtype="0" fill="hold" grpId="0" nodeType="clickEffect">
+                                  <p:stCondLst>
+                                    <p:cond delay="0"/>
+                                  </p:stCondLst>
+                                  <p:childTnLst>
+                                    <p:set>
+                                      <p:cBhvr>
+                                        <p:cTn id="16" dur="1" fill="hold">
+                                          <p:stCondLst>
+                                            <p:cond delay="0"/>
+                                          </p:stCondLst>
+                                        </p:cTn>
+                                        <p:tgtEl>
+                                          <p:spTgt spid="3">
+                                            <p:txEl>
+                                              <p:pRg st="2" end="2"/>
+                                            </p:txEl>
+                                          </p:spTgt>
+                                        </p:tgtEl>
+                                        <p:attrNameLst>
+                                          <p:attrName>style.visibility</p:attrName>
+                                        </p:attrNameLst>
+                                      </p:cBhvr>
+                                      <p:to>
+                                        <p:strVal val="visible"/>
+                                      </p:to>
+                                    </p:set>
+                                    <p:animEffect transition="in" filter="fade">
+                                      <p:cBhvr>
+                                        <p:cTn id="17" dur="500"/>
+                                        <p:tgtEl>
+                                          <p:spTgt spid="3">
+                                            <p:txEl>
+                                              <p:pRg st="2" end="2"/>
                                             </p:txEl>
                                           </p:spTgt>
                                         </p:tgtEl>
@@ -4347,13 +4444,13 @@
         </p:nvSpPr>
         <p:spPr>
           <a:xfrm>
-            <a:off x="1187624" y="2571750"/>
-            <a:ext cx="6624736" cy="2448272"/>
+            <a:off x="1043608" y="2355726"/>
+            <a:ext cx="6912767" cy="2601297"/>
           </a:xfrm>
         </p:spPr>
         <p:txBody>
           <a:bodyPr>
-            <a:normAutofit fontScale="47500" lnSpcReduction="20000"/>
+            <a:normAutofit fontScale="55000" lnSpcReduction="20000"/>
           </a:bodyPr>
           <a:lstStyle/>
           <a:p>
@@ -4362,7 +4459,7 @@
                 <a:spcPct val="120000"/>
               </a:lnSpc>
               <a:spcAft>
-                <a:spcPts val="400"/>
+                <a:spcPts val="100"/>
               </a:spcAft>
             </a:pPr>
             <a:r>
@@ -4381,7 +4478,7 @@
               <a:rPr lang="en-US" dirty="0">
                 <a:latin typeface="Cambria" panose="02040503050406030204" pitchFamily="18" charset="0"/>
               </a:rPr>
-              <a:t>] Customers must leave a valid phone number in order to complete the registration phase.</a:t>
+              <a:t>] The system should allow taxi reservations for a specific path communicated by the customer.</a:t>
             </a:r>
             <a:endParaRPr lang="it-IT" dirty="0">
               <a:latin typeface="Cambria" panose="02040503050406030204" pitchFamily="18" charset="0"/>
@@ -4393,7 +4490,7 @@
                 <a:spcPct val="120000"/>
               </a:lnSpc>
               <a:spcAft>
-                <a:spcPts val="400"/>
+                <a:spcPts val="100"/>
               </a:spcAft>
             </a:pPr>
             <a:r>
@@ -4412,7 +4509,7 @@
               <a:rPr lang="en-US" dirty="0">
                 <a:latin typeface="Cambria" panose="02040503050406030204" pitchFamily="18" charset="0"/>
               </a:rPr>
-              <a:t>] Taxi drivers must be able to access to the customer’s phone number when the system has paired them.</a:t>
+              <a:t>] The system must not allow overlaps between reservations (or requests) made by the same customer.</a:t>
             </a:r>
             <a:endParaRPr lang="it-IT" dirty="0">
               <a:latin typeface="Cambria" panose="02040503050406030204" pitchFamily="18" charset="0"/>
@@ -4424,26 +4521,32 @@
                 <a:spcPct val="120000"/>
               </a:lnSpc>
               <a:spcAft>
-                <a:spcPts val="400"/>
+                <a:spcPts val="100"/>
               </a:spcAft>
             </a:pPr>
             <a:r>
+              <a:rPr lang="en-US" dirty="0" smtClean="0">
+                <a:latin typeface="Cambria" panose="02040503050406030204" pitchFamily="18" charset="0"/>
+              </a:rPr>
+              <a:t>[</a:t>
+            </a:r>
+            <a:r>
+              <a:rPr lang="en-US" b="1" dirty="0" smtClean="0">
+                <a:latin typeface="Cambria" panose="02040503050406030204" pitchFamily="18" charset="0"/>
+              </a:rPr>
+              <a:t>R3</a:t>
+            </a:r>
+            <a:r>
+              <a:rPr lang="en-US" dirty="0" smtClean="0">
+                <a:latin typeface="Cambria" panose="02040503050406030204" pitchFamily="18" charset="0"/>
+              </a:rPr>
+              <a:t>] </a:t>
+            </a:r>
+            <a:r>
               <a:rPr lang="en-US" dirty="0">
                 <a:latin typeface="Cambria" panose="02040503050406030204" pitchFamily="18" charset="0"/>
               </a:rPr>
-              <a:t>[</a:t>
-            </a:r>
-            <a:r>
-              <a:rPr lang="en-US" b="1" dirty="0">
-                <a:latin typeface="Cambria" panose="02040503050406030204" pitchFamily="18" charset="0"/>
-              </a:rPr>
-              <a:t>R3</a:t>
-            </a:r>
-            <a:r>
-              <a:rPr lang="en-US" dirty="0">
-                <a:latin typeface="Cambria" panose="02040503050406030204" pitchFamily="18" charset="0"/>
-              </a:rPr>
-              <a:t>] Customers must receive the taxi drivers’ contact number after the system has paired them.</a:t>
+              <a:t>The system allows reservations only 2 hours before the time and date specified by the customer.</a:t>
             </a:r>
             <a:endParaRPr lang="it-IT" dirty="0">
               <a:latin typeface="Cambria" panose="02040503050406030204" pitchFamily="18" charset="0"/>
@@ -4455,7 +4558,7 @@
                 <a:spcPct val="120000"/>
               </a:lnSpc>
               <a:spcAft>
-                <a:spcPts val="400"/>
+                <a:spcPts val="100"/>
               </a:spcAft>
             </a:pPr>
             <a:r>
@@ -4465,20 +4568,42 @@
               <a:t>[</a:t>
             </a:r>
             <a:r>
-              <a:rPr lang="en-US" b="1" dirty="0">
+              <a:rPr lang="en-US" b="1" dirty="0" smtClean="0">
                 <a:latin typeface="Cambria" panose="02040503050406030204" pitchFamily="18" charset="0"/>
               </a:rPr>
               <a:t>R4</a:t>
             </a:r>
             <a:r>
+              <a:rPr lang="en-US" dirty="0" smtClean="0">
+                <a:latin typeface="Cambria" panose="02040503050406030204" pitchFamily="18" charset="0"/>
+              </a:rPr>
+              <a:t>] </a:t>
+            </a:r>
+            <a:r>
               <a:rPr lang="en-US" dirty="0">
                 <a:latin typeface="Cambria" panose="02040503050406030204" pitchFamily="18" charset="0"/>
               </a:rPr>
-              <a:t>] Customers must receive the taxi code in order to be able to recognize its driver.</a:t>
+              <a:t>The system will assign a taxi driver for the reserved ride 10 minutes before the time and date specified by the customer. </a:t>
             </a:r>
             <a:endParaRPr lang="it-IT" dirty="0">
               <a:latin typeface="Cambria" panose="02040503050406030204" pitchFamily="18" charset="0"/>
             </a:endParaRPr>
+          </a:p>
+          <a:p>
+            <a:pPr>
+              <a:lnSpc>
+                <a:spcPct val="120000"/>
+              </a:lnSpc>
+            </a:pPr>
+            <a:endParaRPr lang="it-IT" dirty="0"/>
+          </a:p>
+          <a:p>
+            <a:pPr>
+              <a:lnSpc>
+                <a:spcPct val="120000"/>
+              </a:lnSpc>
+            </a:pPr>
+            <a:endParaRPr lang="it-IT" dirty="0"/>
           </a:p>
         </p:txBody>
       </p:sp>
@@ -4490,8 +4615,8 @@
         </p:nvSpPr>
         <p:spPr>
           <a:xfrm>
-            <a:off x="1635919" y="1059582"/>
-            <a:ext cx="5744393" cy="1269578"/>
+            <a:off x="1637702" y="1131590"/>
+            <a:ext cx="5872163" cy="946413"/>
           </a:xfrm>
           <a:prstGeom prst="rect">
             <a:avLst/>
@@ -4523,13 +4648,12 @@
             </a:r>
             <a:r>
               <a:rPr lang="en-US" sz="2100" b="1" i="1" dirty="0"/>
-              <a:t>G7</a:t>
+              <a:t>G3</a:t>
             </a:r>
             <a:r>
               <a:rPr lang="en-US" sz="2100" i="1" dirty="0"/>
-              <a:t>] Customers and taxi drivers must be able to contact each other after the system has paired them.</a:t>
-            </a:r>
-            <a:endParaRPr lang="it-IT" sz="2100" dirty="0"/>
+              <a:t>] Allow customers to reserve a taxi ride at a specific time with a given origin and destination.</a:t>
+            </a:r>
           </a:p>
           <a:p>
             <a:endParaRPr lang="it-IT" sz="1350" dirty="0"/>
@@ -4548,8 +4672,8 @@
         </p:nvSpPr>
         <p:spPr>
           <a:xfrm>
-            <a:off x="395536" y="195486"/>
-            <a:ext cx="8280920" cy="836305"/>
+            <a:off x="577339" y="267494"/>
+            <a:ext cx="7992888" cy="792088"/>
           </a:xfrm>
         </p:spPr>
         <p:txBody>
@@ -4584,7 +4708,7 @@
     </p:spTree>
     <p:extLst>
       <p:ext uri="{BB962C8B-B14F-4D97-AF65-F5344CB8AC3E}">
-        <p14:creationId xmlns:p14="http://schemas.microsoft.com/office/powerpoint/2010/main" val="3555223006"/>
+        <p14:creationId xmlns:p14="http://schemas.microsoft.com/office/powerpoint/2010/main" val="2906865442"/>
       </p:ext>
     </p:extLst>
   </p:cSld>
@@ -4900,8 +5024,1502 @@
         </p:nvSpPr>
         <p:spPr>
           <a:xfrm>
+            <a:off x="1115616" y="2355726"/>
+            <a:ext cx="6768751" cy="2286199"/>
+          </a:xfrm>
+        </p:spPr>
+        <p:txBody>
+          <a:bodyPr>
+            <a:normAutofit fontScale="40000" lnSpcReduction="20000"/>
+          </a:bodyPr>
+          <a:lstStyle/>
+          <a:p>
+            <a:pPr>
+              <a:lnSpc>
+                <a:spcPct val="120000"/>
+              </a:lnSpc>
+              <a:spcAft>
+                <a:spcPts val="200"/>
+              </a:spcAft>
+            </a:pPr>
+            <a:r>
+              <a:rPr lang="en-US" sz="3800" dirty="0">
+                <a:latin typeface="Cambria" panose="02040503050406030204" pitchFamily="18" charset="0"/>
+              </a:rPr>
+              <a:t>[</a:t>
+            </a:r>
+            <a:r>
+              <a:rPr lang="en-US" sz="3800" b="1" dirty="0">
+                <a:latin typeface="Cambria" panose="02040503050406030204" pitchFamily="18" charset="0"/>
+              </a:rPr>
+              <a:t>R1</a:t>
+            </a:r>
+            <a:r>
+              <a:rPr lang="en-US" sz="3800" dirty="0">
+                <a:latin typeface="Cambria" panose="02040503050406030204" pitchFamily="18" charset="0"/>
+              </a:rPr>
+              <a:t>] Taxi drivers should be able to communicate their current availability state to the system.</a:t>
+            </a:r>
+            <a:endParaRPr lang="it-IT" sz="3800" dirty="0">
+              <a:latin typeface="Cambria" panose="02040503050406030204" pitchFamily="18" charset="0"/>
+            </a:endParaRPr>
+          </a:p>
+          <a:p>
+            <a:pPr>
+              <a:lnSpc>
+                <a:spcPct val="120000"/>
+              </a:lnSpc>
+              <a:spcAft>
+                <a:spcPts val="200"/>
+              </a:spcAft>
+            </a:pPr>
+            <a:r>
+              <a:rPr lang="en-US" sz="3800" dirty="0">
+                <a:latin typeface="Cambria" panose="02040503050406030204" pitchFamily="18" charset="0"/>
+              </a:rPr>
+              <a:t>[</a:t>
+            </a:r>
+            <a:r>
+              <a:rPr lang="en-US" sz="3800" b="1" dirty="0">
+                <a:latin typeface="Cambria" panose="02040503050406030204" pitchFamily="18" charset="0"/>
+              </a:rPr>
+              <a:t>R2</a:t>
+            </a:r>
+            <a:r>
+              <a:rPr lang="en-US" sz="3800" dirty="0">
+                <a:latin typeface="Cambria" panose="02040503050406030204" pitchFamily="18" charset="0"/>
+              </a:rPr>
+              <a:t>] If available, taxi drivers should be able to receive incoming requests.</a:t>
+            </a:r>
+            <a:endParaRPr lang="it-IT" sz="3800" dirty="0">
+              <a:latin typeface="Cambria" panose="02040503050406030204" pitchFamily="18" charset="0"/>
+            </a:endParaRPr>
+          </a:p>
+          <a:p>
+            <a:pPr>
+              <a:lnSpc>
+                <a:spcPct val="120000"/>
+              </a:lnSpc>
+              <a:spcAft>
+                <a:spcPts val="200"/>
+              </a:spcAft>
+            </a:pPr>
+            <a:r>
+              <a:rPr lang="en-US" sz="3800" dirty="0">
+                <a:latin typeface="Cambria" panose="02040503050406030204" pitchFamily="18" charset="0"/>
+              </a:rPr>
+              <a:t>[</a:t>
+            </a:r>
+            <a:r>
+              <a:rPr lang="en-US" sz="3800" b="1" dirty="0">
+                <a:latin typeface="Cambria" panose="02040503050406030204" pitchFamily="18" charset="0"/>
+              </a:rPr>
+              <a:t>R3</a:t>
+            </a:r>
+            <a:r>
+              <a:rPr lang="en-US" sz="3800" dirty="0">
+                <a:latin typeface="Cambria" panose="02040503050406030204" pitchFamily="18" charset="0"/>
+              </a:rPr>
+              <a:t>] After receiving an incoming request, the taxi driver should be able to either confirm or not his intention to take charge of the request.</a:t>
+            </a:r>
+            <a:endParaRPr lang="it-IT" sz="3800" dirty="0">
+              <a:latin typeface="Cambria" panose="02040503050406030204" pitchFamily="18" charset="0"/>
+            </a:endParaRPr>
+          </a:p>
+          <a:p>
+            <a:pPr>
+              <a:lnSpc>
+                <a:spcPct val="120000"/>
+              </a:lnSpc>
+              <a:spcAft>
+                <a:spcPts val="200"/>
+              </a:spcAft>
+            </a:pPr>
+            <a:r>
+              <a:rPr lang="en-US" sz="3800" dirty="0">
+                <a:latin typeface="Cambria" panose="02040503050406030204" pitchFamily="18" charset="0"/>
+              </a:rPr>
+              <a:t>[</a:t>
+            </a:r>
+            <a:r>
+              <a:rPr lang="en-US" sz="3800" b="1" dirty="0">
+                <a:latin typeface="Cambria" panose="02040503050406030204" pitchFamily="18" charset="0"/>
+              </a:rPr>
+              <a:t>R4</a:t>
+            </a:r>
+            <a:r>
+              <a:rPr lang="en-US" sz="3800" dirty="0">
+                <a:latin typeface="Cambria" panose="02040503050406030204" pitchFamily="18" charset="0"/>
+              </a:rPr>
+              <a:t>] Taxi drivers must be able to log in the mobile application with preassigned credential and be identified as drivers</a:t>
+            </a:r>
+            <a:r>
+              <a:rPr lang="en-US" sz="3800" dirty="0" smtClean="0">
+                <a:latin typeface="Cambria" panose="02040503050406030204" pitchFamily="18" charset="0"/>
+              </a:rPr>
+              <a:t>.</a:t>
+            </a:r>
+            <a:endParaRPr lang="it-IT" sz="3800" dirty="0">
+              <a:latin typeface="Cambria" panose="02040503050406030204" pitchFamily="18" charset="0"/>
+            </a:endParaRPr>
+          </a:p>
+          <a:p>
+            <a:pPr>
+              <a:lnSpc>
+                <a:spcPct val="120000"/>
+              </a:lnSpc>
+            </a:pPr>
+            <a:endParaRPr lang="it-IT" dirty="0"/>
+          </a:p>
+        </p:txBody>
+      </p:sp>
+      <p:sp>
+        <p:nvSpPr>
+          <p:cNvPr id="5" name="CasellaDiTesto 4"/>
+          <p:cNvSpPr txBox="1"/>
+          <p:nvPr/>
+        </p:nvSpPr>
+        <p:spPr>
+          <a:xfrm>
+            <a:off x="1547664" y="1062092"/>
+            <a:ext cx="5872163" cy="946413"/>
+          </a:xfrm>
+          <a:prstGeom prst="rect">
+            <a:avLst/>
+          </a:prstGeom>
+          <a:noFill/>
+          <a:ln>
+            <a:solidFill>
+              <a:schemeClr val="tx1"/>
+            </a:solidFill>
+          </a:ln>
+          <a:effectLst>
+            <a:glow rad="63500">
+              <a:schemeClr val="accent3">
+                <a:satMod val="175000"/>
+                <a:alpha val="40000"/>
+              </a:schemeClr>
+            </a:glow>
+          </a:effectLst>
+        </p:spPr>
+        <p:txBody>
+          <a:bodyPr wrap="square" rtlCol="0">
+            <a:spAutoFit/>
+          </a:bodyPr>
+          <a:lstStyle/>
+          <a:p>
+            <a:r>
+              <a:rPr lang="en-US" sz="2100" i="1" dirty="0"/>
+              <a:t>[</a:t>
+            </a:r>
+            <a:r>
+              <a:rPr lang="en-US" sz="2100" b="1" i="1" dirty="0"/>
+              <a:t>G4</a:t>
+            </a:r>
+            <a:r>
+              <a:rPr lang="en-US" sz="2100" i="1" dirty="0"/>
+              <a:t>] Allow taxi drivers to answer a ride request and take care of customers.</a:t>
+            </a:r>
+          </a:p>
+          <a:p>
+            <a:endParaRPr lang="it-IT" sz="1350" dirty="0"/>
+          </a:p>
+        </p:txBody>
+      </p:sp>
+      <p:sp>
+        <p:nvSpPr>
+          <p:cNvPr id="4" name="Titolo 1"/>
+          <p:cNvSpPr>
+            <a:spLocks noGrp="1"/>
+          </p:cNvSpPr>
+          <p:nvPr>
+            <p:ph type="title"/>
+          </p:nvPr>
+        </p:nvSpPr>
+        <p:spPr>
+          <a:xfrm>
+            <a:off x="611560" y="270003"/>
+            <a:ext cx="7992888" cy="792089"/>
+          </a:xfrm>
+        </p:spPr>
+        <p:txBody>
+          <a:bodyPr>
+            <a:normAutofit fontScale="90000"/>
+          </a:bodyPr>
+          <a:lstStyle/>
+          <a:p>
+            <a:pPr algn="ctr"/>
+            <a:r>
+              <a:rPr lang="en-US" dirty="0" smtClean="0">
+                <a:solidFill>
+                  <a:schemeClr val="accent2">
+                    <a:lumMod val="75000"/>
+                  </a:schemeClr>
+                </a:solidFill>
+                <a:latin typeface="Georgia" panose="02040502050405020303" pitchFamily="18" charset="0"/>
+              </a:rPr>
+              <a:t>Goals and functional requirements</a:t>
+            </a:r>
+            <a:endParaRPr lang="en-US" dirty="0">
+              <a:solidFill>
+                <a:schemeClr val="accent2">
+                  <a:lumMod val="75000"/>
+                </a:schemeClr>
+              </a:solidFill>
+              <a:latin typeface="Georgia" panose="02040502050405020303" pitchFamily="18" charset="0"/>
+            </a:endParaRPr>
+          </a:p>
+        </p:txBody>
+      </p:sp>
+    </p:spTree>
+    <p:extLst>
+      <p:ext uri="{BB962C8B-B14F-4D97-AF65-F5344CB8AC3E}">
+        <p14:creationId xmlns:p14="http://schemas.microsoft.com/office/powerpoint/2010/main" val="524833749"/>
+      </p:ext>
+    </p:extLst>
+  </p:cSld>
+  <p:clrMapOvr>
+    <a:masterClrMapping/>
+  </p:clrMapOvr>
+  <p:timing>
+    <p:tnLst>
+      <p:par>
+        <p:cTn id="1" dur="indefinite" restart="never" nodeType="tmRoot">
+          <p:childTnLst>
+            <p:seq concurrent="1" nextAc="seek">
+              <p:cTn id="2" dur="indefinite" nodeType="mainSeq">
+                <p:childTnLst>
+                  <p:par>
+                    <p:cTn id="3" fill="hold">
+                      <p:stCondLst>
+                        <p:cond delay="indefinite"/>
+                      </p:stCondLst>
+                      <p:childTnLst>
+                        <p:par>
+                          <p:cTn id="4" fill="hold">
+                            <p:stCondLst>
+                              <p:cond delay="0"/>
+                            </p:stCondLst>
+                            <p:childTnLst>
+                              <p:par>
+                                <p:cTn id="5" presetID="10" presetClass="entr" presetSubtype="0" fill="hold" grpId="0" nodeType="clickEffect">
+                                  <p:stCondLst>
+                                    <p:cond delay="0"/>
+                                  </p:stCondLst>
+                                  <p:childTnLst>
+                                    <p:set>
+                                      <p:cBhvr>
+                                        <p:cTn id="6" dur="1" fill="hold">
+                                          <p:stCondLst>
+                                            <p:cond delay="0"/>
+                                          </p:stCondLst>
+                                        </p:cTn>
+                                        <p:tgtEl>
+                                          <p:spTgt spid="3">
+                                            <p:txEl>
+                                              <p:pRg st="0" end="0"/>
+                                            </p:txEl>
+                                          </p:spTgt>
+                                        </p:tgtEl>
+                                        <p:attrNameLst>
+                                          <p:attrName>style.visibility</p:attrName>
+                                        </p:attrNameLst>
+                                      </p:cBhvr>
+                                      <p:to>
+                                        <p:strVal val="visible"/>
+                                      </p:to>
+                                    </p:set>
+                                    <p:animEffect transition="in" filter="fade">
+                                      <p:cBhvr>
+                                        <p:cTn id="7" dur="500"/>
+                                        <p:tgtEl>
+                                          <p:spTgt spid="3">
+                                            <p:txEl>
+                                              <p:pRg st="0" end="0"/>
+                                            </p:txEl>
+                                          </p:spTgt>
+                                        </p:tgtEl>
+                                      </p:cBhvr>
+                                    </p:animEffect>
+                                  </p:childTnLst>
+                                </p:cTn>
+                              </p:par>
+                            </p:childTnLst>
+                          </p:cTn>
+                        </p:par>
+                      </p:childTnLst>
+                    </p:cTn>
+                  </p:par>
+                  <p:par>
+                    <p:cTn id="8" fill="hold">
+                      <p:stCondLst>
+                        <p:cond delay="indefinite"/>
+                      </p:stCondLst>
+                      <p:childTnLst>
+                        <p:par>
+                          <p:cTn id="9" fill="hold">
+                            <p:stCondLst>
+                              <p:cond delay="0"/>
+                            </p:stCondLst>
+                            <p:childTnLst>
+                              <p:par>
+                                <p:cTn id="10" presetID="10" presetClass="entr" presetSubtype="0" fill="hold" grpId="0" nodeType="clickEffect">
+                                  <p:stCondLst>
+                                    <p:cond delay="0"/>
+                                  </p:stCondLst>
+                                  <p:childTnLst>
+                                    <p:set>
+                                      <p:cBhvr>
+                                        <p:cTn id="11" dur="1" fill="hold">
+                                          <p:stCondLst>
+                                            <p:cond delay="0"/>
+                                          </p:stCondLst>
+                                        </p:cTn>
+                                        <p:tgtEl>
+                                          <p:spTgt spid="3">
+                                            <p:txEl>
+                                              <p:pRg st="1" end="1"/>
+                                            </p:txEl>
+                                          </p:spTgt>
+                                        </p:tgtEl>
+                                        <p:attrNameLst>
+                                          <p:attrName>style.visibility</p:attrName>
+                                        </p:attrNameLst>
+                                      </p:cBhvr>
+                                      <p:to>
+                                        <p:strVal val="visible"/>
+                                      </p:to>
+                                    </p:set>
+                                    <p:animEffect transition="in" filter="fade">
+                                      <p:cBhvr>
+                                        <p:cTn id="12" dur="500"/>
+                                        <p:tgtEl>
+                                          <p:spTgt spid="3">
+                                            <p:txEl>
+                                              <p:pRg st="1" end="1"/>
+                                            </p:txEl>
+                                          </p:spTgt>
+                                        </p:tgtEl>
+                                      </p:cBhvr>
+                                    </p:animEffect>
+                                  </p:childTnLst>
+                                </p:cTn>
+                              </p:par>
+                            </p:childTnLst>
+                          </p:cTn>
+                        </p:par>
+                      </p:childTnLst>
+                    </p:cTn>
+                  </p:par>
+                  <p:par>
+                    <p:cTn id="13" fill="hold">
+                      <p:stCondLst>
+                        <p:cond delay="indefinite"/>
+                      </p:stCondLst>
+                      <p:childTnLst>
+                        <p:par>
+                          <p:cTn id="14" fill="hold">
+                            <p:stCondLst>
+                              <p:cond delay="0"/>
+                            </p:stCondLst>
+                            <p:childTnLst>
+                              <p:par>
+                                <p:cTn id="15" presetID="10" presetClass="entr" presetSubtype="0" fill="hold" grpId="0" nodeType="clickEffect">
+                                  <p:stCondLst>
+                                    <p:cond delay="0"/>
+                                  </p:stCondLst>
+                                  <p:childTnLst>
+                                    <p:set>
+                                      <p:cBhvr>
+                                        <p:cTn id="16" dur="1" fill="hold">
+                                          <p:stCondLst>
+                                            <p:cond delay="0"/>
+                                          </p:stCondLst>
+                                        </p:cTn>
+                                        <p:tgtEl>
+                                          <p:spTgt spid="3">
+                                            <p:txEl>
+                                              <p:pRg st="2" end="2"/>
+                                            </p:txEl>
+                                          </p:spTgt>
+                                        </p:tgtEl>
+                                        <p:attrNameLst>
+                                          <p:attrName>style.visibility</p:attrName>
+                                        </p:attrNameLst>
+                                      </p:cBhvr>
+                                      <p:to>
+                                        <p:strVal val="visible"/>
+                                      </p:to>
+                                    </p:set>
+                                    <p:animEffect transition="in" filter="fade">
+                                      <p:cBhvr>
+                                        <p:cTn id="17" dur="500"/>
+                                        <p:tgtEl>
+                                          <p:spTgt spid="3">
+                                            <p:txEl>
+                                              <p:pRg st="2" end="2"/>
+                                            </p:txEl>
+                                          </p:spTgt>
+                                        </p:tgtEl>
+                                      </p:cBhvr>
+                                    </p:animEffect>
+                                  </p:childTnLst>
+                                </p:cTn>
+                              </p:par>
+                            </p:childTnLst>
+                          </p:cTn>
+                        </p:par>
+                      </p:childTnLst>
+                    </p:cTn>
+                  </p:par>
+                  <p:par>
+                    <p:cTn id="18" fill="hold">
+                      <p:stCondLst>
+                        <p:cond delay="indefinite"/>
+                      </p:stCondLst>
+                      <p:childTnLst>
+                        <p:par>
+                          <p:cTn id="19" fill="hold">
+                            <p:stCondLst>
+                              <p:cond delay="0"/>
+                            </p:stCondLst>
+                            <p:childTnLst>
+                              <p:par>
+                                <p:cTn id="20" presetID="10" presetClass="entr" presetSubtype="0" fill="hold" grpId="0" nodeType="clickEffect">
+                                  <p:stCondLst>
+                                    <p:cond delay="0"/>
+                                  </p:stCondLst>
+                                  <p:childTnLst>
+                                    <p:set>
+                                      <p:cBhvr>
+                                        <p:cTn id="21" dur="1" fill="hold">
+                                          <p:stCondLst>
+                                            <p:cond delay="0"/>
+                                          </p:stCondLst>
+                                        </p:cTn>
+                                        <p:tgtEl>
+                                          <p:spTgt spid="3">
+                                            <p:txEl>
+                                              <p:pRg st="3" end="3"/>
+                                            </p:txEl>
+                                          </p:spTgt>
+                                        </p:tgtEl>
+                                        <p:attrNameLst>
+                                          <p:attrName>style.visibility</p:attrName>
+                                        </p:attrNameLst>
+                                      </p:cBhvr>
+                                      <p:to>
+                                        <p:strVal val="visible"/>
+                                      </p:to>
+                                    </p:set>
+                                    <p:animEffect transition="in" filter="fade">
+                                      <p:cBhvr>
+                                        <p:cTn id="22" dur="500"/>
+                                        <p:tgtEl>
+                                          <p:spTgt spid="3">
+                                            <p:txEl>
+                                              <p:pRg st="3" end="3"/>
+                                            </p:txEl>
+                                          </p:spTgt>
+                                        </p:tgtEl>
+                                      </p:cBhvr>
+                                    </p:animEffect>
+                                  </p:childTnLst>
+                                </p:cTn>
+                              </p:par>
+                            </p:childTnLst>
+                          </p:cTn>
+                        </p:par>
+                      </p:childTnLst>
+                    </p:cTn>
+                  </p:par>
+                </p:childTnLst>
+              </p:cTn>
+              <p:prevCondLst>
+                <p:cond evt="onPrev" delay="0">
+                  <p:tgtEl>
+                    <p:sldTgt/>
+                  </p:tgtEl>
+                </p:cond>
+              </p:prevCondLst>
+              <p:nextCondLst>
+                <p:cond evt="onNext" delay="0">
+                  <p:tgtEl>
+                    <p:sldTgt/>
+                  </p:tgtEl>
+                </p:cond>
+              </p:nextCondLst>
+            </p:seq>
+          </p:childTnLst>
+        </p:cTn>
+      </p:par>
+    </p:tnLst>
+    <p:bldLst>
+      <p:bldP spid="3" grpId="0" build="p"/>
+    </p:bldLst>
+  </p:timing>
+</p:sld>
+</file>
+
+<file path=ppt/slides/slide13.xml><?xml version="1.0" encoding="utf-8"?>
+<p:sld xmlns:a="http://schemas.openxmlformats.org/drawingml/2006/main" xmlns:r="http://schemas.openxmlformats.org/officeDocument/2006/relationships" xmlns:p="http://schemas.openxmlformats.org/presentationml/2006/main">
+  <p:cSld>
+    <p:spTree>
+      <p:nvGrpSpPr>
+        <p:cNvPr id="1" name=""/>
+        <p:cNvGrpSpPr/>
+        <p:nvPr/>
+      </p:nvGrpSpPr>
+      <p:grpSpPr>
+        <a:xfrm>
+          <a:off x="0" y="0"/>
+          <a:ext cx="0" cy="0"/>
+          <a:chOff x="0" y="0"/>
+          <a:chExt cx="0" cy="0"/>
+        </a:xfrm>
+      </p:grpSpPr>
+      <p:sp>
+        <p:nvSpPr>
+          <p:cNvPr id="3" name="Segnaposto contenuto 2"/>
+          <p:cNvSpPr>
+            <a:spLocks noGrp="1"/>
+          </p:cNvSpPr>
+          <p:nvPr>
+            <p:ph idx="1"/>
+          </p:nvPr>
+        </p:nvSpPr>
+        <p:spPr>
+          <a:xfrm>
+            <a:off x="899592" y="2355726"/>
+            <a:ext cx="7200799" cy="2448272"/>
+          </a:xfrm>
+        </p:spPr>
+        <p:txBody>
+          <a:bodyPr>
+            <a:normAutofit fontScale="70000" lnSpcReduction="20000"/>
+          </a:bodyPr>
+          <a:lstStyle/>
+          <a:p>
+            <a:pPr>
+              <a:lnSpc>
+                <a:spcPct val="120000"/>
+              </a:lnSpc>
+              <a:spcBef>
+                <a:spcPts val="0"/>
+              </a:spcBef>
+              <a:spcAft>
+                <a:spcPts val="600"/>
+              </a:spcAft>
+            </a:pPr>
+            <a:r>
+              <a:rPr lang="en-US" dirty="0">
+                <a:latin typeface="Cambria" panose="02040503050406030204" pitchFamily="18" charset="0"/>
+              </a:rPr>
+              <a:t>[</a:t>
+            </a:r>
+            <a:r>
+              <a:rPr lang="en-US" b="1" dirty="0">
+                <a:latin typeface="Cambria" panose="02040503050406030204" pitchFamily="18" charset="0"/>
+              </a:rPr>
+              <a:t>R1</a:t>
+            </a:r>
+            <a:r>
+              <a:rPr lang="en-US" dirty="0">
+                <a:latin typeface="Cambria" panose="02040503050406030204" pitchFamily="18" charset="0"/>
+              </a:rPr>
+              <a:t>] The system should send updates through email and/or in-app notification, as specified by the customer.</a:t>
+            </a:r>
+            <a:endParaRPr lang="it-IT" dirty="0">
+              <a:latin typeface="Cambria" panose="02040503050406030204" pitchFamily="18" charset="0"/>
+            </a:endParaRPr>
+          </a:p>
+          <a:p>
+            <a:pPr>
+              <a:lnSpc>
+                <a:spcPct val="120000"/>
+              </a:lnSpc>
+              <a:spcBef>
+                <a:spcPts val="0"/>
+              </a:spcBef>
+              <a:spcAft>
+                <a:spcPts val="600"/>
+              </a:spcAft>
+            </a:pPr>
+            <a:r>
+              <a:rPr lang="en-US" dirty="0">
+                <a:latin typeface="Cambria" panose="02040503050406030204" pitchFamily="18" charset="0"/>
+              </a:rPr>
+              <a:t>[</a:t>
+            </a:r>
+            <a:r>
+              <a:rPr lang="en-US" b="1" dirty="0">
+                <a:latin typeface="Cambria" panose="02040503050406030204" pitchFamily="18" charset="0"/>
+              </a:rPr>
+              <a:t>R2</a:t>
+            </a:r>
+            <a:r>
+              <a:rPr lang="en-US" dirty="0">
+                <a:latin typeface="Cambria" panose="02040503050406030204" pitchFamily="18" charset="0"/>
+              </a:rPr>
+              <a:t>] Absence of taxis available, reservations overlaps, taxi average waiting time and taxi assigned to customers are events that must be notified to the customer.</a:t>
+            </a:r>
+            <a:endParaRPr lang="it-IT" dirty="0">
+              <a:latin typeface="Cambria" panose="02040503050406030204" pitchFamily="18" charset="0"/>
+            </a:endParaRPr>
+          </a:p>
+        </p:txBody>
+      </p:sp>
+      <p:sp>
+        <p:nvSpPr>
+          <p:cNvPr id="5" name="CasellaDiTesto 4"/>
+          <p:cNvSpPr txBox="1"/>
+          <p:nvPr/>
+        </p:nvSpPr>
+        <p:spPr>
+          <a:xfrm>
+            <a:off x="1635920" y="1164496"/>
+            <a:ext cx="5872163" cy="946413"/>
+          </a:xfrm>
+          <a:prstGeom prst="rect">
+            <a:avLst/>
+          </a:prstGeom>
+          <a:noFill/>
+          <a:ln>
+            <a:solidFill>
+              <a:schemeClr val="tx1"/>
+            </a:solidFill>
+          </a:ln>
+          <a:effectLst>
+            <a:glow rad="63500">
+              <a:schemeClr val="accent3">
+                <a:satMod val="175000"/>
+                <a:alpha val="40000"/>
+              </a:schemeClr>
+            </a:glow>
+          </a:effectLst>
+        </p:spPr>
+        <p:txBody>
+          <a:bodyPr wrap="square" rtlCol="0">
+            <a:spAutoFit/>
+          </a:bodyPr>
+          <a:lstStyle/>
+          <a:p>
+            <a:r>
+              <a:rPr lang="en-US" sz="2100" i="1" dirty="0"/>
+              <a:t>[</a:t>
+            </a:r>
+            <a:r>
+              <a:rPr lang="en-US" sz="2100" b="1" i="1" dirty="0"/>
+              <a:t>G6</a:t>
+            </a:r>
+            <a:r>
+              <a:rPr lang="en-US" sz="2100" i="1" dirty="0"/>
+              <a:t>] Allow customers to be notified of any relevant update connected to their requests and reservations.</a:t>
+            </a:r>
+            <a:endParaRPr lang="it-IT" sz="2100" dirty="0"/>
+          </a:p>
+          <a:p>
+            <a:endParaRPr lang="it-IT" sz="1350" dirty="0"/>
+          </a:p>
+        </p:txBody>
+      </p:sp>
+      <p:sp>
+        <p:nvSpPr>
+          <p:cNvPr id="4" name="Titolo 1"/>
+          <p:cNvSpPr>
+            <a:spLocks noGrp="1"/>
+          </p:cNvSpPr>
+          <p:nvPr>
+            <p:ph type="title"/>
+          </p:nvPr>
+        </p:nvSpPr>
+        <p:spPr>
+          <a:xfrm>
+            <a:off x="575557" y="267494"/>
+            <a:ext cx="7992888" cy="720080"/>
+          </a:xfrm>
+        </p:spPr>
+        <p:txBody>
+          <a:bodyPr>
+            <a:normAutofit fontScale="90000"/>
+          </a:bodyPr>
+          <a:lstStyle/>
+          <a:p>
+            <a:pPr algn="ctr"/>
+            <a:r>
+              <a:rPr lang="en-US" dirty="0" smtClean="0">
+                <a:solidFill>
+                  <a:schemeClr val="accent2">
+                    <a:lumMod val="75000"/>
+                  </a:schemeClr>
+                </a:solidFill>
+                <a:latin typeface="Georgia" panose="02040502050405020303" pitchFamily="18" charset="0"/>
+              </a:rPr>
+              <a:t>Goals and functional requirements</a:t>
+            </a:r>
+            <a:endParaRPr lang="en-US" dirty="0">
+              <a:solidFill>
+                <a:schemeClr val="accent2">
+                  <a:lumMod val="75000"/>
+                </a:schemeClr>
+              </a:solidFill>
+              <a:latin typeface="Georgia" panose="02040502050405020303" pitchFamily="18" charset="0"/>
+            </a:endParaRPr>
+          </a:p>
+        </p:txBody>
+      </p:sp>
+    </p:spTree>
+    <p:extLst>
+      <p:ext uri="{BB962C8B-B14F-4D97-AF65-F5344CB8AC3E}">
+        <p14:creationId xmlns:p14="http://schemas.microsoft.com/office/powerpoint/2010/main" val="3078994425"/>
+      </p:ext>
+    </p:extLst>
+  </p:cSld>
+  <p:clrMapOvr>
+    <a:masterClrMapping/>
+  </p:clrMapOvr>
+  <p:timing>
+    <p:tnLst>
+      <p:par>
+        <p:cTn id="1" dur="indefinite" restart="never" nodeType="tmRoot">
+          <p:childTnLst>
+            <p:seq concurrent="1" nextAc="seek">
+              <p:cTn id="2" dur="indefinite" nodeType="mainSeq">
+                <p:childTnLst>
+                  <p:par>
+                    <p:cTn id="3" fill="hold">
+                      <p:stCondLst>
+                        <p:cond delay="indefinite"/>
+                      </p:stCondLst>
+                      <p:childTnLst>
+                        <p:par>
+                          <p:cTn id="4" fill="hold">
+                            <p:stCondLst>
+                              <p:cond delay="0"/>
+                            </p:stCondLst>
+                            <p:childTnLst>
+                              <p:par>
+                                <p:cTn id="5" presetID="10" presetClass="entr" presetSubtype="0" fill="hold" grpId="0" nodeType="clickEffect">
+                                  <p:stCondLst>
+                                    <p:cond delay="0"/>
+                                  </p:stCondLst>
+                                  <p:childTnLst>
+                                    <p:set>
+                                      <p:cBhvr>
+                                        <p:cTn id="6" dur="1" fill="hold">
+                                          <p:stCondLst>
+                                            <p:cond delay="0"/>
+                                          </p:stCondLst>
+                                        </p:cTn>
+                                        <p:tgtEl>
+                                          <p:spTgt spid="3">
+                                            <p:txEl>
+                                              <p:pRg st="0" end="0"/>
+                                            </p:txEl>
+                                          </p:spTgt>
+                                        </p:tgtEl>
+                                        <p:attrNameLst>
+                                          <p:attrName>style.visibility</p:attrName>
+                                        </p:attrNameLst>
+                                      </p:cBhvr>
+                                      <p:to>
+                                        <p:strVal val="visible"/>
+                                      </p:to>
+                                    </p:set>
+                                    <p:animEffect transition="in" filter="fade">
+                                      <p:cBhvr>
+                                        <p:cTn id="7" dur="500"/>
+                                        <p:tgtEl>
+                                          <p:spTgt spid="3">
+                                            <p:txEl>
+                                              <p:pRg st="0" end="0"/>
+                                            </p:txEl>
+                                          </p:spTgt>
+                                        </p:tgtEl>
+                                      </p:cBhvr>
+                                    </p:animEffect>
+                                  </p:childTnLst>
+                                </p:cTn>
+                              </p:par>
+                            </p:childTnLst>
+                          </p:cTn>
+                        </p:par>
+                      </p:childTnLst>
+                    </p:cTn>
+                  </p:par>
+                  <p:par>
+                    <p:cTn id="8" fill="hold">
+                      <p:stCondLst>
+                        <p:cond delay="indefinite"/>
+                      </p:stCondLst>
+                      <p:childTnLst>
+                        <p:par>
+                          <p:cTn id="9" fill="hold">
+                            <p:stCondLst>
+                              <p:cond delay="0"/>
+                            </p:stCondLst>
+                            <p:childTnLst>
+                              <p:par>
+                                <p:cTn id="10" presetID="10" presetClass="entr" presetSubtype="0" fill="hold" grpId="0" nodeType="clickEffect">
+                                  <p:stCondLst>
+                                    <p:cond delay="0"/>
+                                  </p:stCondLst>
+                                  <p:childTnLst>
+                                    <p:set>
+                                      <p:cBhvr>
+                                        <p:cTn id="11" dur="1" fill="hold">
+                                          <p:stCondLst>
+                                            <p:cond delay="0"/>
+                                          </p:stCondLst>
+                                        </p:cTn>
+                                        <p:tgtEl>
+                                          <p:spTgt spid="3">
+                                            <p:txEl>
+                                              <p:pRg st="1" end="1"/>
+                                            </p:txEl>
+                                          </p:spTgt>
+                                        </p:tgtEl>
+                                        <p:attrNameLst>
+                                          <p:attrName>style.visibility</p:attrName>
+                                        </p:attrNameLst>
+                                      </p:cBhvr>
+                                      <p:to>
+                                        <p:strVal val="visible"/>
+                                      </p:to>
+                                    </p:set>
+                                    <p:animEffect transition="in" filter="fade">
+                                      <p:cBhvr>
+                                        <p:cTn id="12" dur="500"/>
+                                        <p:tgtEl>
+                                          <p:spTgt spid="3">
+                                            <p:txEl>
+                                              <p:pRg st="1" end="1"/>
+                                            </p:txEl>
+                                          </p:spTgt>
+                                        </p:tgtEl>
+                                      </p:cBhvr>
+                                    </p:animEffect>
+                                  </p:childTnLst>
+                                </p:cTn>
+                              </p:par>
+                            </p:childTnLst>
+                          </p:cTn>
+                        </p:par>
+                      </p:childTnLst>
+                    </p:cTn>
+                  </p:par>
+                </p:childTnLst>
+              </p:cTn>
+              <p:prevCondLst>
+                <p:cond evt="onPrev" delay="0">
+                  <p:tgtEl>
+                    <p:sldTgt/>
+                  </p:tgtEl>
+                </p:cond>
+              </p:prevCondLst>
+              <p:nextCondLst>
+                <p:cond evt="onNext" delay="0">
+                  <p:tgtEl>
+                    <p:sldTgt/>
+                  </p:tgtEl>
+                </p:cond>
+              </p:nextCondLst>
+            </p:seq>
+          </p:childTnLst>
+        </p:cTn>
+      </p:par>
+    </p:tnLst>
+    <p:bldLst>
+      <p:bldP spid="3" grpId="0" build="p"/>
+    </p:bldLst>
+  </p:timing>
+</p:sld>
+</file>
+
+<file path=ppt/slides/slide14.xml><?xml version="1.0" encoding="utf-8"?>
+<p:sld xmlns:a="http://schemas.openxmlformats.org/drawingml/2006/main" xmlns:r="http://schemas.openxmlformats.org/officeDocument/2006/relationships" xmlns:p="http://schemas.openxmlformats.org/presentationml/2006/main">
+  <p:cSld>
+    <p:spTree>
+      <p:nvGrpSpPr>
+        <p:cNvPr id="1" name=""/>
+        <p:cNvGrpSpPr/>
+        <p:nvPr/>
+      </p:nvGrpSpPr>
+      <p:grpSpPr>
+        <a:xfrm>
+          <a:off x="0" y="0"/>
+          <a:ext cx="0" cy="0"/>
+          <a:chOff x="0" y="0"/>
+          <a:chExt cx="0" cy="0"/>
+        </a:xfrm>
+      </p:grpSpPr>
+      <p:sp>
+        <p:nvSpPr>
+          <p:cNvPr id="3" name="Segnaposto contenuto 2"/>
+          <p:cNvSpPr>
+            <a:spLocks noGrp="1"/>
+          </p:cNvSpPr>
+          <p:nvPr>
+            <p:ph idx="1"/>
+          </p:nvPr>
+        </p:nvSpPr>
+        <p:spPr>
+          <a:xfrm>
+            <a:off x="1187624" y="2571750"/>
+            <a:ext cx="6624736" cy="2448272"/>
+          </a:xfrm>
+        </p:spPr>
+        <p:txBody>
+          <a:bodyPr>
+            <a:normAutofit fontScale="47500" lnSpcReduction="20000"/>
+          </a:bodyPr>
+          <a:lstStyle/>
+          <a:p>
+            <a:pPr>
+              <a:lnSpc>
+                <a:spcPct val="120000"/>
+              </a:lnSpc>
+              <a:spcAft>
+                <a:spcPts val="400"/>
+              </a:spcAft>
+            </a:pPr>
+            <a:r>
+              <a:rPr lang="en-US" dirty="0">
+                <a:latin typeface="Cambria" panose="02040503050406030204" pitchFamily="18" charset="0"/>
+              </a:rPr>
+              <a:t>[</a:t>
+            </a:r>
+            <a:r>
+              <a:rPr lang="en-US" b="1" dirty="0">
+                <a:latin typeface="Cambria" panose="02040503050406030204" pitchFamily="18" charset="0"/>
+              </a:rPr>
+              <a:t>R1</a:t>
+            </a:r>
+            <a:r>
+              <a:rPr lang="en-US" dirty="0">
+                <a:latin typeface="Cambria" panose="02040503050406030204" pitchFamily="18" charset="0"/>
+              </a:rPr>
+              <a:t>] Customers must leave a valid phone number in order to complete the registration phase.</a:t>
+            </a:r>
+            <a:endParaRPr lang="it-IT" dirty="0">
+              <a:latin typeface="Cambria" panose="02040503050406030204" pitchFamily="18" charset="0"/>
+            </a:endParaRPr>
+          </a:p>
+          <a:p>
+            <a:pPr>
+              <a:lnSpc>
+                <a:spcPct val="120000"/>
+              </a:lnSpc>
+              <a:spcAft>
+                <a:spcPts val="400"/>
+              </a:spcAft>
+            </a:pPr>
+            <a:r>
+              <a:rPr lang="en-US" dirty="0">
+                <a:latin typeface="Cambria" panose="02040503050406030204" pitchFamily="18" charset="0"/>
+              </a:rPr>
+              <a:t>[</a:t>
+            </a:r>
+            <a:r>
+              <a:rPr lang="en-US" b="1" dirty="0">
+                <a:latin typeface="Cambria" panose="02040503050406030204" pitchFamily="18" charset="0"/>
+              </a:rPr>
+              <a:t>R2</a:t>
+            </a:r>
+            <a:r>
+              <a:rPr lang="en-US" dirty="0">
+                <a:latin typeface="Cambria" panose="02040503050406030204" pitchFamily="18" charset="0"/>
+              </a:rPr>
+              <a:t>] Taxi drivers must be able to access to the customer’s phone number when the system has paired them.</a:t>
+            </a:r>
+            <a:endParaRPr lang="it-IT" dirty="0">
+              <a:latin typeface="Cambria" panose="02040503050406030204" pitchFamily="18" charset="0"/>
+            </a:endParaRPr>
+          </a:p>
+          <a:p>
+            <a:pPr>
+              <a:lnSpc>
+                <a:spcPct val="120000"/>
+              </a:lnSpc>
+              <a:spcAft>
+                <a:spcPts val="400"/>
+              </a:spcAft>
+            </a:pPr>
+            <a:r>
+              <a:rPr lang="en-US" dirty="0">
+                <a:latin typeface="Cambria" panose="02040503050406030204" pitchFamily="18" charset="0"/>
+              </a:rPr>
+              <a:t>[</a:t>
+            </a:r>
+            <a:r>
+              <a:rPr lang="en-US" b="1" dirty="0">
+                <a:latin typeface="Cambria" panose="02040503050406030204" pitchFamily="18" charset="0"/>
+              </a:rPr>
+              <a:t>R3</a:t>
+            </a:r>
+            <a:r>
+              <a:rPr lang="en-US" dirty="0">
+                <a:latin typeface="Cambria" panose="02040503050406030204" pitchFamily="18" charset="0"/>
+              </a:rPr>
+              <a:t>] Customers must receive the taxi drivers’ contact number after the system has paired them.</a:t>
+            </a:r>
+            <a:endParaRPr lang="it-IT" dirty="0">
+              <a:latin typeface="Cambria" panose="02040503050406030204" pitchFamily="18" charset="0"/>
+            </a:endParaRPr>
+          </a:p>
+          <a:p>
+            <a:pPr>
+              <a:lnSpc>
+                <a:spcPct val="120000"/>
+              </a:lnSpc>
+              <a:spcAft>
+                <a:spcPts val="400"/>
+              </a:spcAft>
+            </a:pPr>
+            <a:r>
+              <a:rPr lang="en-US" dirty="0">
+                <a:latin typeface="Cambria" panose="02040503050406030204" pitchFamily="18" charset="0"/>
+              </a:rPr>
+              <a:t>[</a:t>
+            </a:r>
+            <a:r>
+              <a:rPr lang="en-US" b="1" dirty="0">
+                <a:latin typeface="Cambria" panose="02040503050406030204" pitchFamily="18" charset="0"/>
+              </a:rPr>
+              <a:t>R4</a:t>
+            </a:r>
+            <a:r>
+              <a:rPr lang="en-US" dirty="0">
+                <a:latin typeface="Cambria" panose="02040503050406030204" pitchFamily="18" charset="0"/>
+              </a:rPr>
+              <a:t>] Customers must receive the taxi code in order to be able to recognize its driver.</a:t>
+            </a:r>
+            <a:endParaRPr lang="it-IT" dirty="0">
+              <a:latin typeface="Cambria" panose="02040503050406030204" pitchFamily="18" charset="0"/>
+            </a:endParaRPr>
+          </a:p>
+        </p:txBody>
+      </p:sp>
+      <p:sp>
+        <p:nvSpPr>
+          <p:cNvPr id="5" name="CasellaDiTesto 4"/>
+          <p:cNvSpPr txBox="1"/>
+          <p:nvPr/>
+        </p:nvSpPr>
+        <p:spPr>
+          <a:xfrm>
+            <a:off x="1635919" y="1059582"/>
+            <a:ext cx="5744393" cy="1269578"/>
+          </a:xfrm>
+          <a:prstGeom prst="rect">
+            <a:avLst/>
+          </a:prstGeom>
+          <a:noFill/>
+          <a:ln>
+            <a:solidFill>
+              <a:schemeClr val="tx1"/>
+            </a:solidFill>
+          </a:ln>
+          <a:effectLst>
+            <a:glow rad="63500">
+              <a:schemeClr val="accent3">
+                <a:satMod val="175000"/>
+                <a:alpha val="40000"/>
+              </a:schemeClr>
+            </a:glow>
+          </a:effectLst>
+        </p:spPr>
+        <p:txBody>
+          <a:bodyPr wrap="square" rtlCol="0">
+            <a:spAutoFit/>
+          </a:bodyPr>
+          <a:lstStyle/>
+          <a:p>
+            <a:r>
+              <a:rPr lang="en-US" sz="2100" i="1" dirty="0"/>
+              <a:t>[</a:t>
+            </a:r>
+            <a:r>
+              <a:rPr lang="en-US" sz="2100" b="1" i="1" dirty="0"/>
+              <a:t>G7</a:t>
+            </a:r>
+            <a:r>
+              <a:rPr lang="en-US" sz="2100" i="1" dirty="0"/>
+              <a:t>] Customers and taxi drivers must be able to contact each other after the system has paired them.</a:t>
+            </a:r>
+            <a:endParaRPr lang="it-IT" sz="2100" dirty="0"/>
+          </a:p>
+          <a:p>
+            <a:endParaRPr lang="it-IT" sz="1350" dirty="0"/>
+          </a:p>
+        </p:txBody>
+      </p:sp>
+      <p:sp>
+        <p:nvSpPr>
+          <p:cNvPr id="4" name="Titolo 1"/>
+          <p:cNvSpPr>
+            <a:spLocks noGrp="1"/>
+          </p:cNvSpPr>
+          <p:nvPr>
+            <p:ph type="title"/>
+          </p:nvPr>
+        </p:nvSpPr>
+        <p:spPr>
+          <a:xfrm>
+            <a:off x="395536" y="195486"/>
+            <a:ext cx="8280920" cy="836305"/>
+          </a:xfrm>
+        </p:spPr>
+        <p:txBody>
+          <a:bodyPr>
+            <a:normAutofit fontScale="90000"/>
+          </a:bodyPr>
+          <a:lstStyle/>
+          <a:p>
+            <a:pPr algn="ctr"/>
+            <a:r>
+              <a:rPr lang="en-US" dirty="0" smtClean="0">
+                <a:solidFill>
+                  <a:schemeClr val="accent2">
+                    <a:lumMod val="75000"/>
+                  </a:schemeClr>
+                </a:solidFill>
+                <a:latin typeface="Georgia" panose="02040502050405020303" pitchFamily="18" charset="0"/>
+              </a:rPr>
+              <a:t>Goals and functional requirements</a:t>
+            </a:r>
+            <a:endParaRPr lang="en-US" dirty="0">
+              <a:solidFill>
+                <a:schemeClr val="accent2">
+                  <a:lumMod val="75000"/>
+                </a:schemeClr>
+              </a:solidFill>
+              <a:latin typeface="Georgia" panose="02040502050405020303" pitchFamily="18" charset="0"/>
+            </a:endParaRPr>
+          </a:p>
+        </p:txBody>
+      </p:sp>
+    </p:spTree>
+    <p:extLst>
+      <p:ext uri="{BB962C8B-B14F-4D97-AF65-F5344CB8AC3E}">
+        <p14:creationId xmlns:p14="http://schemas.microsoft.com/office/powerpoint/2010/main" val="3555223006"/>
+      </p:ext>
+    </p:extLst>
+  </p:cSld>
+  <p:clrMapOvr>
+    <a:masterClrMapping/>
+  </p:clrMapOvr>
+  <p:timing>
+    <p:tnLst>
+      <p:par>
+        <p:cTn id="1" dur="indefinite" restart="never" nodeType="tmRoot">
+          <p:childTnLst>
+            <p:seq concurrent="1" nextAc="seek">
+              <p:cTn id="2" dur="indefinite" nodeType="mainSeq">
+                <p:childTnLst>
+                  <p:par>
+                    <p:cTn id="3" fill="hold">
+                      <p:stCondLst>
+                        <p:cond delay="indefinite"/>
+                      </p:stCondLst>
+                      <p:childTnLst>
+                        <p:par>
+                          <p:cTn id="4" fill="hold">
+                            <p:stCondLst>
+                              <p:cond delay="0"/>
+                            </p:stCondLst>
+                            <p:childTnLst>
+                              <p:par>
+                                <p:cTn id="5" presetID="10" presetClass="entr" presetSubtype="0" fill="hold" grpId="0" nodeType="clickEffect">
+                                  <p:stCondLst>
+                                    <p:cond delay="0"/>
+                                  </p:stCondLst>
+                                  <p:childTnLst>
+                                    <p:set>
+                                      <p:cBhvr>
+                                        <p:cTn id="6" dur="1" fill="hold">
+                                          <p:stCondLst>
+                                            <p:cond delay="0"/>
+                                          </p:stCondLst>
+                                        </p:cTn>
+                                        <p:tgtEl>
+                                          <p:spTgt spid="3">
+                                            <p:txEl>
+                                              <p:pRg st="0" end="0"/>
+                                            </p:txEl>
+                                          </p:spTgt>
+                                        </p:tgtEl>
+                                        <p:attrNameLst>
+                                          <p:attrName>style.visibility</p:attrName>
+                                        </p:attrNameLst>
+                                      </p:cBhvr>
+                                      <p:to>
+                                        <p:strVal val="visible"/>
+                                      </p:to>
+                                    </p:set>
+                                    <p:animEffect transition="in" filter="fade">
+                                      <p:cBhvr>
+                                        <p:cTn id="7" dur="500"/>
+                                        <p:tgtEl>
+                                          <p:spTgt spid="3">
+                                            <p:txEl>
+                                              <p:pRg st="0" end="0"/>
+                                            </p:txEl>
+                                          </p:spTgt>
+                                        </p:tgtEl>
+                                      </p:cBhvr>
+                                    </p:animEffect>
+                                  </p:childTnLst>
+                                </p:cTn>
+                              </p:par>
+                            </p:childTnLst>
+                          </p:cTn>
+                        </p:par>
+                      </p:childTnLst>
+                    </p:cTn>
+                  </p:par>
+                  <p:par>
+                    <p:cTn id="8" fill="hold">
+                      <p:stCondLst>
+                        <p:cond delay="indefinite"/>
+                      </p:stCondLst>
+                      <p:childTnLst>
+                        <p:par>
+                          <p:cTn id="9" fill="hold">
+                            <p:stCondLst>
+                              <p:cond delay="0"/>
+                            </p:stCondLst>
+                            <p:childTnLst>
+                              <p:par>
+                                <p:cTn id="10" presetID="10" presetClass="entr" presetSubtype="0" fill="hold" grpId="0" nodeType="clickEffect">
+                                  <p:stCondLst>
+                                    <p:cond delay="0"/>
+                                  </p:stCondLst>
+                                  <p:childTnLst>
+                                    <p:set>
+                                      <p:cBhvr>
+                                        <p:cTn id="11" dur="1" fill="hold">
+                                          <p:stCondLst>
+                                            <p:cond delay="0"/>
+                                          </p:stCondLst>
+                                        </p:cTn>
+                                        <p:tgtEl>
+                                          <p:spTgt spid="3">
+                                            <p:txEl>
+                                              <p:pRg st="1" end="1"/>
+                                            </p:txEl>
+                                          </p:spTgt>
+                                        </p:tgtEl>
+                                        <p:attrNameLst>
+                                          <p:attrName>style.visibility</p:attrName>
+                                        </p:attrNameLst>
+                                      </p:cBhvr>
+                                      <p:to>
+                                        <p:strVal val="visible"/>
+                                      </p:to>
+                                    </p:set>
+                                    <p:animEffect transition="in" filter="fade">
+                                      <p:cBhvr>
+                                        <p:cTn id="12" dur="500"/>
+                                        <p:tgtEl>
+                                          <p:spTgt spid="3">
+                                            <p:txEl>
+                                              <p:pRg st="1" end="1"/>
+                                            </p:txEl>
+                                          </p:spTgt>
+                                        </p:tgtEl>
+                                      </p:cBhvr>
+                                    </p:animEffect>
+                                  </p:childTnLst>
+                                </p:cTn>
+                              </p:par>
+                            </p:childTnLst>
+                          </p:cTn>
+                        </p:par>
+                      </p:childTnLst>
+                    </p:cTn>
+                  </p:par>
+                  <p:par>
+                    <p:cTn id="13" fill="hold">
+                      <p:stCondLst>
+                        <p:cond delay="indefinite"/>
+                      </p:stCondLst>
+                      <p:childTnLst>
+                        <p:par>
+                          <p:cTn id="14" fill="hold">
+                            <p:stCondLst>
+                              <p:cond delay="0"/>
+                            </p:stCondLst>
+                            <p:childTnLst>
+                              <p:par>
+                                <p:cTn id="15" presetID="10" presetClass="entr" presetSubtype="0" fill="hold" grpId="0" nodeType="clickEffect">
+                                  <p:stCondLst>
+                                    <p:cond delay="0"/>
+                                  </p:stCondLst>
+                                  <p:childTnLst>
+                                    <p:set>
+                                      <p:cBhvr>
+                                        <p:cTn id="16" dur="1" fill="hold">
+                                          <p:stCondLst>
+                                            <p:cond delay="0"/>
+                                          </p:stCondLst>
+                                        </p:cTn>
+                                        <p:tgtEl>
+                                          <p:spTgt spid="3">
+                                            <p:txEl>
+                                              <p:pRg st="2" end="2"/>
+                                            </p:txEl>
+                                          </p:spTgt>
+                                        </p:tgtEl>
+                                        <p:attrNameLst>
+                                          <p:attrName>style.visibility</p:attrName>
+                                        </p:attrNameLst>
+                                      </p:cBhvr>
+                                      <p:to>
+                                        <p:strVal val="visible"/>
+                                      </p:to>
+                                    </p:set>
+                                    <p:animEffect transition="in" filter="fade">
+                                      <p:cBhvr>
+                                        <p:cTn id="17" dur="500"/>
+                                        <p:tgtEl>
+                                          <p:spTgt spid="3">
+                                            <p:txEl>
+                                              <p:pRg st="2" end="2"/>
+                                            </p:txEl>
+                                          </p:spTgt>
+                                        </p:tgtEl>
+                                      </p:cBhvr>
+                                    </p:animEffect>
+                                  </p:childTnLst>
+                                </p:cTn>
+                              </p:par>
+                            </p:childTnLst>
+                          </p:cTn>
+                        </p:par>
+                      </p:childTnLst>
+                    </p:cTn>
+                  </p:par>
+                  <p:par>
+                    <p:cTn id="18" fill="hold">
+                      <p:stCondLst>
+                        <p:cond delay="indefinite"/>
+                      </p:stCondLst>
+                      <p:childTnLst>
+                        <p:par>
+                          <p:cTn id="19" fill="hold">
+                            <p:stCondLst>
+                              <p:cond delay="0"/>
+                            </p:stCondLst>
+                            <p:childTnLst>
+                              <p:par>
+                                <p:cTn id="20" presetID="10" presetClass="entr" presetSubtype="0" fill="hold" grpId="0" nodeType="clickEffect">
+                                  <p:stCondLst>
+                                    <p:cond delay="0"/>
+                                  </p:stCondLst>
+                                  <p:childTnLst>
+                                    <p:set>
+                                      <p:cBhvr>
+                                        <p:cTn id="21" dur="1" fill="hold">
+                                          <p:stCondLst>
+                                            <p:cond delay="0"/>
+                                          </p:stCondLst>
+                                        </p:cTn>
+                                        <p:tgtEl>
+                                          <p:spTgt spid="3">
+                                            <p:txEl>
+                                              <p:pRg st="3" end="3"/>
+                                            </p:txEl>
+                                          </p:spTgt>
+                                        </p:tgtEl>
+                                        <p:attrNameLst>
+                                          <p:attrName>style.visibility</p:attrName>
+                                        </p:attrNameLst>
+                                      </p:cBhvr>
+                                      <p:to>
+                                        <p:strVal val="visible"/>
+                                      </p:to>
+                                    </p:set>
+                                    <p:animEffect transition="in" filter="fade">
+                                      <p:cBhvr>
+                                        <p:cTn id="22" dur="500"/>
+                                        <p:tgtEl>
+                                          <p:spTgt spid="3">
+                                            <p:txEl>
+                                              <p:pRg st="3" end="3"/>
+                                            </p:txEl>
+                                          </p:spTgt>
+                                        </p:tgtEl>
+                                      </p:cBhvr>
+                                    </p:animEffect>
+                                  </p:childTnLst>
+                                </p:cTn>
+                              </p:par>
+                            </p:childTnLst>
+                          </p:cTn>
+                        </p:par>
+                      </p:childTnLst>
+                    </p:cTn>
+                  </p:par>
+                </p:childTnLst>
+              </p:cTn>
+              <p:prevCondLst>
+                <p:cond evt="onPrev" delay="0">
+                  <p:tgtEl>
+                    <p:sldTgt/>
+                  </p:tgtEl>
+                </p:cond>
+              </p:prevCondLst>
+              <p:nextCondLst>
+                <p:cond evt="onNext" delay="0">
+                  <p:tgtEl>
+                    <p:sldTgt/>
+                  </p:tgtEl>
+                </p:cond>
+              </p:nextCondLst>
+            </p:seq>
+          </p:childTnLst>
+        </p:cTn>
+      </p:par>
+    </p:tnLst>
+    <p:bldLst>
+      <p:bldP spid="3" grpId="0" build="p"/>
+    </p:bldLst>
+  </p:timing>
+</p:sld>
+</file>
+
+<file path=ppt/slides/slide15.xml><?xml version="1.0" encoding="utf-8"?>
+<p:sld xmlns:a="http://schemas.openxmlformats.org/drawingml/2006/main" xmlns:r="http://schemas.openxmlformats.org/officeDocument/2006/relationships" xmlns:p="http://schemas.openxmlformats.org/presentationml/2006/main">
+  <p:cSld>
+    <p:spTree>
+      <p:nvGrpSpPr>
+        <p:cNvPr id="1" name=""/>
+        <p:cNvGrpSpPr/>
+        <p:nvPr/>
+      </p:nvGrpSpPr>
+      <p:grpSpPr>
+        <a:xfrm>
+          <a:off x="0" y="0"/>
+          <a:ext cx="0" cy="0"/>
+          <a:chOff x="0" y="0"/>
+          <a:chExt cx="0" cy="0"/>
+        </a:xfrm>
+      </p:grpSpPr>
+      <p:sp>
+        <p:nvSpPr>
+          <p:cNvPr id="3" name="Segnaposto contenuto 2"/>
+          <p:cNvSpPr>
+            <a:spLocks noGrp="1"/>
+          </p:cNvSpPr>
+          <p:nvPr>
+            <p:ph idx="1"/>
+          </p:nvPr>
+        </p:nvSpPr>
+        <p:spPr>
+          <a:xfrm>
             <a:off x="1609785" y="2355726"/>
-            <a:ext cx="5915025" cy="1514348"/>
+            <a:ext cx="5915025" cy="2592288"/>
           </a:xfrm>
         </p:spPr>
         <p:txBody>
@@ -4938,7 +6556,33 @@
               <a:rPr lang="en-US" sz="2400" dirty="0">
                 <a:latin typeface="Cambria" panose="02040503050406030204" pitchFamily="18" charset="0"/>
               </a:rPr>
-              <a:t>request or reservation only if it has not been assigned to a taxi driver yet.</a:t>
+              <a:t>request or reservation only if it has not been assigned to a taxi driver yet</a:t>
+            </a:r>
+            <a:r>
+              <a:rPr lang="en-US" sz="2400" dirty="0" smtClean="0">
+                <a:latin typeface="Cambria" panose="02040503050406030204" pitchFamily="18" charset="0"/>
+              </a:rPr>
+              <a:t>.</a:t>
+            </a:r>
+          </a:p>
+          <a:p>
+            <a:r>
+              <a:rPr lang="en-US" sz="2400" dirty="0">
+                <a:latin typeface="Cambria" panose="02040503050406030204" pitchFamily="18" charset="0"/>
+              </a:rPr>
+              <a:t>[</a:t>
+            </a:r>
+            <a:r>
+              <a:rPr lang="en-US" sz="2400" b="1" dirty="0">
+                <a:latin typeface="Cambria" panose="02040503050406030204" pitchFamily="18" charset="0"/>
+              </a:rPr>
+              <a:t>R2</a:t>
+            </a:r>
+            <a:r>
+              <a:rPr lang="en-US" sz="2400" dirty="0">
+                <a:latin typeface="Cambria" panose="02040503050406030204" pitchFamily="18" charset="0"/>
+              </a:rPr>
+              <a:t>] Customers must be able to visualize the list of all their requests and reservations. </a:t>
             </a:r>
             <a:endParaRPr lang="it-IT" sz="2400" dirty="0">
               <a:latin typeface="Cambria" panose="02040503050406030204" pitchFamily="18" charset="0"/>
@@ -5124,6 +6768,67 @@
                       </p:childTnLst>
                     </p:cTn>
                   </p:par>
+                  <p:par>
+                    <p:cTn id="8" fill="hold">
+                      <p:stCondLst>
+                        <p:cond delay="indefinite"/>
+                      </p:stCondLst>
+                      <p:childTnLst>
+                        <p:par>
+                          <p:cTn id="9" fill="hold">
+                            <p:stCondLst>
+                              <p:cond delay="0"/>
+                            </p:stCondLst>
+                            <p:childTnLst>
+                              <p:par>
+                                <p:cTn id="10" presetID="10" presetClass="entr" presetSubtype="0" fill="hold" grpId="0" nodeType="clickEffect">
+                                  <p:stCondLst>
+                                    <p:cond delay="0"/>
+                                  </p:stCondLst>
+                                  <p:childTnLst>
+                                    <p:set>
+                                      <p:cBhvr>
+                                        <p:cTn id="11" dur="1" fill="hold">
+                                          <p:stCondLst>
+                                            <p:cond delay="0"/>
+                                          </p:stCondLst>
+                                        </p:cTn>
+                                        <p:tgtEl>
+                                          <p:spTgt spid="3">
+                                            <p:txEl>
+                                              <p:pRg st="1" end="1"/>
+                                            </p:txEl>
+                                          </p:spTgt>
+                                        </p:tgtEl>
+                                        <p:attrNameLst>
+                                          <p:attrName>style.visibility</p:attrName>
+                                        </p:attrNameLst>
+                                      </p:cBhvr>
+                                      <p:to>
+                                        <p:strVal val="visible"/>
+                                      </p:to>
+                                    </p:set>
+                                    <p:animEffect transition="in" filter="fade">
+                                      <p:cBhvr>
+                                        <p:cTn id="12" dur="500"/>
+                                        <p:tgtEl>
+                                          <p:spTgt spid="3">
+                                            <p:txEl>
+                                              <p:pRg st="1" end="1"/>
+                                            </p:txEl>
+                                          </p:spTgt>
+                                        </p:tgtEl>
+                                      </p:cBhvr>
+                                    </p:animEffect>
+                                  </p:childTnLst>
+                                </p:cTn>
+                              </p:par>
+                            </p:childTnLst>
+                          </p:cTn>
+                        </p:par>
+                      </p:childTnLst>
+                    </p:cTn>
+                  </p:par>
                 </p:childTnLst>
               </p:cTn>
               <p:prevCondLst>
@@ -5152,7 +6857,791 @@
 </p:sld>
 </file>
 
-<file path=ppt/slides/slide13.xml><?xml version="1.0" encoding="utf-8"?>
+<file path=ppt/slides/slide16.xml><?xml version="1.0" encoding="utf-8"?>
+<p:sld xmlns:a="http://schemas.openxmlformats.org/drawingml/2006/main" xmlns:r="http://schemas.openxmlformats.org/officeDocument/2006/relationships" xmlns:p="http://schemas.openxmlformats.org/presentationml/2006/main">
+  <p:cSld>
+    <p:spTree>
+      <p:nvGrpSpPr>
+        <p:cNvPr id="1" name=""/>
+        <p:cNvGrpSpPr/>
+        <p:nvPr/>
+      </p:nvGrpSpPr>
+      <p:grpSpPr>
+        <a:xfrm>
+          <a:off x="0" y="0"/>
+          <a:ext cx="0" cy="0"/>
+          <a:chOff x="0" y="0"/>
+          <a:chExt cx="0" cy="0"/>
+        </a:xfrm>
+      </p:grpSpPr>
+      <p:sp>
+        <p:nvSpPr>
+          <p:cNvPr id="4" name="Titolo 1"/>
+          <p:cNvSpPr>
+            <a:spLocks noGrp="1"/>
+          </p:cNvSpPr>
+          <p:nvPr>
+            <p:ph type="title"/>
+          </p:nvPr>
+        </p:nvSpPr>
+        <p:spPr>
+          <a:xfrm>
+            <a:off x="611560" y="273846"/>
+            <a:ext cx="8064895" cy="757945"/>
+          </a:xfrm>
+        </p:spPr>
+        <p:txBody>
+          <a:bodyPr>
+            <a:normAutofit fontScale="90000"/>
+          </a:bodyPr>
+          <a:lstStyle/>
+          <a:p>
+            <a:pPr algn="ctr"/>
+            <a:r>
+              <a:rPr lang="en-US" dirty="0" smtClean="0">
+                <a:solidFill>
+                  <a:schemeClr val="accent2">
+                    <a:lumMod val="75000"/>
+                  </a:schemeClr>
+                </a:solidFill>
+                <a:latin typeface="Georgia" panose="02040502050405020303" pitchFamily="18" charset="0"/>
+              </a:rPr>
+              <a:t>Goals and functional requirements</a:t>
+            </a:r>
+            <a:endParaRPr lang="en-US" dirty="0">
+              <a:solidFill>
+                <a:schemeClr val="accent2">
+                  <a:lumMod val="75000"/>
+                </a:schemeClr>
+              </a:solidFill>
+              <a:latin typeface="Georgia" panose="02040502050405020303" pitchFamily="18" charset="0"/>
+            </a:endParaRPr>
+          </a:p>
+        </p:txBody>
+      </p:sp>
+      <p:sp>
+        <p:nvSpPr>
+          <p:cNvPr id="5" name="CasellaDiTesto 4"/>
+          <p:cNvSpPr txBox="1"/>
+          <p:nvPr/>
+        </p:nvSpPr>
+        <p:spPr>
+          <a:xfrm>
+            <a:off x="1631217" y="1155184"/>
+            <a:ext cx="5872163" cy="738664"/>
+          </a:xfrm>
+          <a:prstGeom prst="rect">
+            <a:avLst/>
+          </a:prstGeom>
+          <a:noFill/>
+          <a:ln>
+            <a:solidFill>
+              <a:schemeClr val="tx1"/>
+            </a:solidFill>
+          </a:ln>
+          <a:effectLst>
+            <a:glow rad="63500">
+              <a:schemeClr val="accent3">
+                <a:satMod val="175000"/>
+                <a:alpha val="40000"/>
+              </a:schemeClr>
+            </a:glow>
+          </a:effectLst>
+        </p:spPr>
+        <p:txBody>
+          <a:bodyPr wrap="square" rtlCol="0">
+            <a:spAutoFit/>
+          </a:bodyPr>
+          <a:lstStyle/>
+          <a:p>
+            <a:r>
+              <a:rPr lang="en-US" sz="2100" i="1" dirty="0" smtClean="0"/>
+              <a:t>[</a:t>
+            </a:r>
+            <a:r>
+              <a:rPr lang="en-US" sz="2100" b="1" i="1" dirty="0" smtClean="0"/>
+              <a:t>G9</a:t>
+            </a:r>
+            <a:r>
+              <a:rPr lang="en-US" sz="2100" i="1" dirty="0" smtClean="0"/>
+              <a:t>] Administrators </a:t>
+            </a:r>
+            <a:r>
+              <a:rPr lang="en-US" sz="2100" i="1" dirty="0"/>
+              <a:t>must be able to manage taxi drivers’ information and customers’ ride. </a:t>
+            </a:r>
+            <a:endParaRPr lang="it-IT" sz="2100" dirty="0"/>
+          </a:p>
+        </p:txBody>
+      </p:sp>
+      <p:sp>
+        <p:nvSpPr>
+          <p:cNvPr id="6" name="Segnaposto contenuto 2"/>
+          <p:cNvSpPr>
+            <a:spLocks noGrp="1"/>
+          </p:cNvSpPr>
+          <p:nvPr>
+            <p:ph idx="1"/>
+          </p:nvPr>
+        </p:nvSpPr>
+        <p:spPr>
+          <a:xfrm>
+            <a:off x="1259632" y="2211710"/>
+            <a:ext cx="6840760" cy="2664296"/>
+          </a:xfrm>
+        </p:spPr>
+        <p:txBody>
+          <a:bodyPr>
+            <a:noAutofit/>
+          </a:bodyPr>
+          <a:lstStyle/>
+          <a:p>
+            <a:r>
+              <a:rPr lang="en-US" sz="1900" dirty="0">
+                <a:latin typeface="Cambria" panose="02040503050406030204" pitchFamily="18" charset="0"/>
+              </a:rPr>
+              <a:t>[</a:t>
+            </a:r>
+            <a:r>
+              <a:rPr lang="en-US" sz="1900" b="1" dirty="0">
+                <a:latin typeface="Cambria" panose="02040503050406030204" pitchFamily="18" charset="0"/>
+              </a:rPr>
+              <a:t>R1</a:t>
+            </a:r>
+            <a:r>
+              <a:rPr lang="en-US" sz="1900" dirty="0">
+                <a:latin typeface="Cambria" panose="02040503050406030204" pitchFamily="18" charset="0"/>
+              </a:rPr>
+              <a:t>] Administrators must be able to create a taxi driver’s account. </a:t>
+            </a:r>
+          </a:p>
+          <a:p>
+            <a:r>
+              <a:rPr lang="en-US" sz="1900" dirty="0">
+                <a:latin typeface="Cambria" panose="02040503050406030204" pitchFamily="18" charset="0"/>
+              </a:rPr>
+              <a:t>[</a:t>
+            </a:r>
+            <a:r>
+              <a:rPr lang="en-US" sz="1900" b="1" dirty="0">
+                <a:latin typeface="Cambria" panose="02040503050406030204" pitchFamily="18" charset="0"/>
+              </a:rPr>
+              <a:t>R2</a:t>
+            </a:r>
+            <a:r>
+              <a:rPr lang="en-US" sz="1900" dirty="0">
+                <a:latin typeface="Cambria" panose="02040503050406030204" pitchFamily="18" charset="0"/>
+              </a:rPr>
+              <a:t>] Administrators must be able to delete a taxi driver’s account. </a:t>
+            </a:r>
+          </a:p>
+          <a:p>
+            <a:r>
+              <a:rPr lang="en-US" sz="1900" dirty="0">
+                <a:latin typeface="Cambria" panose="02040503050406030204" pitchFamily="18" charset="0"/>
+              </a:rPr>
+              <a:t>[</a:t>
+            </a:r>
+            <a:r>
+              <a:rPr lang="en-US" sz="1900" b="1" dirty="0">
+                <a:latin typeface="Cambria" panose="02040503050406030204" pitchFamily="18" charset="0"/>
+              </a:rPr>
+              <a:t>R3</a:t>
+            </a:r>
+            <a:r>
+              <a:rPr lang="en-US" sz="1900" dirty="0">
+                <a:latin typeface="Cambria" panose="02040503050406030204" pitchFamily="18" charset="0"/>
+              </a:rPr>
+              <a:t>] Administrators must be able to change the status of taxi driver. </a:t>
+            </a:r>
+          </a:p>
+          <a:p>
+            <a:r>
+              <a:rPr lang="en-US" sz="1900" dirty="0">
+                <a:latin typeface="Cambria" panose="02040503050406030204" pitchFamily="18" charset="0"/>
+              </a:rPr>
+              <a:t>[</a:t>
+            </a:r>
+            <a:r>
+              <a:rPr lang="en-US" sz="1900" b="1" dirty="0">
+                <a:latin typeface="Cambria" panose="02040503050406030204" pitchFamily="18" charset="0"/>
+              </a:rPr>
+              <a:t>R4</a:t>
+            </a:r>
+            <a:r>
+              <a:rPr lang="en-US" sz="1900" dirty="0">
+                <a:latin typeface="Cambria" panose="02040503050406030204" pitchFamily="18" charset="0"/>
+              </a:rPr>
+              <a:t>] Administrators must be able to change the status of a ride. </a:t>
+            </a:r>
+            <a:endParaRPr lang="it-IT" sz="1900" dirty="0">
+              <a:latin typeface="Cambria" panose="02040503050406030204" pitchFamily="18" charset="0"/>
+            </a:endParaRPr>
+          </a:p>
+        </p:txBody>
+      </p:sp>
+    </p:spTree>
+    <p:extLst>
+      <p:ext uri="{BB962C8B-B14F-4D97-AF65-F5344CB8AC3E}">
+        <p14:creationId xmlns:p14="http://schemas.microsoft.com/office/powerpoint/2010/main" val="21096939"/>
+      </p:ext>
+    </p:extLst>
+  </p:cSld>
+  <p:clrMapOvr>
+    <a:masterClrMapping/>
+  </p:clrMapOvr>
+  <p:timing>
+    <p:tnLst>
+      <p:par>
+        <p:cTn id="1" dur="indefinite" restart="never" nodeType="tmRoot">
+          <p:childTnLst>
+            <p:seq concurrent="1" nextAc="seek">
+              <p:cTn id="2" dur="indefinite" nodeType="mainSeq">
+                <p:childTnLst>
+                  <p:par>
+                    <p:cTn id="3" fill="hold">
+                      <p:stCondLst>
+                        <p:cond delay="indefinite"/>
+                      </p:stCondLst>
+                      <p:childTnLst>
+                        <p:par>
+                          <p:cTn id="4" fill="hold">
+                            <p:stCondLst>
+                              <p:cond delay="0"/>
+                            </p:stCondLst>
+                            <p:childTnLst>
+                              <p:par>
+                                <p:cTn id="5" presetID="10" presetClass="entr" presetSubtype="0" fill="hold" grpId="0" nodeType="clickEffect">
+                                  <p:stCondLst>
+                                    <p:cond delay="0"/>
+                                  </p:stCondLst>
+                                  <p:childTnLst>
+                                    <p:set>
+                                      <p:cBhvr>
+                                        <p:cTn id="6" dur="1" fill="hold">
+                                          <p:stCondLst>
+                                            <p:cond delay="0"/>
+                                          </p:stCondLst>
+                                        </p:cTn>
+                                        <p:tgtEl>
+                                          <p:spTgt spid="6">
+                                            <p:txEl>
+                                              <p:pRg st="0" end="0"/>
+                                            </p:txEl>
+                                          </p:spTgt>
+                                        </p:tgtEl>
+                                        <p:attrNameLst>
+                                          <p:attrName>style.visibility</p:attrName>
+                                        </p:attrNameLst>
+                                      </p:cBhvr>
+                                      <p:to>
+                                        <p:strVal val="visible"/>
+                                      </p:to>
+                                    </p:set>
+                                    <p:animEffect transition="in" filter="fade">
+                                      <p:cBhvr>
+                                        <p:cTn id="7" dur="500"/>
+                                        <p:tgtEl>
+                                          <p:spTgt spid="6">
+                                            <p:txEl>
+                                              <p:pRg st="0" end="0"/>
+                                            </p:txEl>
+                                          </p:spTgt>
+                                        </p:tgtEl>
+                                      </p:cBhvr>
+                                    </p:animEffect>
+                                  </p:childTnLst>
+                                </p:cTn>
+                              </p:par>
+                            </p:childTnLst>
+                          </p:cTn>
+                        </p:par>
+                      </p:childTnLst>
+                    </p:cTn>
+                  </p:par>
+                  <p:par>
+                    <p:cTn id="8" fill="hold">
+                      <p:stCondLst>
+                        <p:cond delay="indefinite"/>
+                      </p:stCondLst>
+                      <p:childTnLst>
+                        <p:par>
+                          <p:cTn id="9" fill="hold">
+                            <p:stCondLst>
+                              <p:cond delay="0"/>
+                            </p:stCondLst>
+                            <p:childTnLst>
+                              <p:par>
+                                <p:cTn id="10" presetID="10" presetClass="entr" presetSubtype="0" fill="hold" grpId="0" nodeType="clickEffect">
+                                  <p:stCondLst>
+                                    <p:cond delay="0"/>
+                                  </p:stCondLst>
+                                  <p:childTnLst>
+                                    <p:set>
+                                      <p:cBhvr>
+                                        <p:cTn id="11" dur="1" fill="hold">
+                                          <p:stCondLst>
+                                            <p:cond delay="0"/>
+                                          </p:stCondLst>
+                                        </p:cTn>
+                                        <p:tgtEl>
+                                          <p:spTgt spid="6">
+                                            <p:txEl>
+                                              <p:pRg st="1" end="1"/>
+                                            </p:txEl>
+                                          </p:spTgt>
+                                        </p:tgtEl>
+                                        <p:attrNameLst>
+                                          <p:attrName>style.visibility</p:attrName>
+                                        </p:attrNameLst>
+                                      </p:cBhvr>
+                                      <p:to>
+                                        <p:strVal val="visible"/>
+                                      </p:to>
+                                    </p:set>
+                                    <p:animEffect transition="in" filter="fade">
+                                      <p:cBhvr>
+                                        <p:cTn id="12" dur="500"/>
+                                        <p:tgtEl>
+                                          <p:spTgt spid="6">
+                                            <p:txEl>
+                                              <p:pRg st="1" end="1"/>
+                                            </p:txEl>
+                                          </p:spTgt>
+                                        </p:tgtEl>
+                                      </p:cBhvr>
+                                    </p:animEffect>
+                                  </p:childTnLst>
+                                </p:cTn>
+                              </p:par>
+                            </p:childTnLst>
+                          </p:cTn>
+                        </p:par>
+                      </p:childTnLst>
+                    </p:cTn>
+                  </p:par>
+                  <p:par>
+                    <p:cTn id="13" fill="hold">
+                      <p:stCondLst>
+                        <p:cond delay="indefinite"/>
+                      </p:stCondLst>
+                      <p:childTnLst>
+                        <p:par>
+                          <p:cTn id="14" fill="hold">
+                            <p:stCondLst>
+                              <p:cond delay="0"/>
+                            </p:stCondLst>
+                            <p:childTnLst>
+                              <p:par>
+                                <p:cTn id="15" presetID="10" presetClass="entr" presetSubtype="0" fill="hold" grpId="0" nodeType="clickEffect">
+                                  <p:stCondLst>
+                                    <p:cond delay="0"/>
+                                  </p:stCondLst>
+                                  <p:childTnLst>
+                                    <p:set>
+                                      <p:cBhvr>
+                                        <p:cTn id="16" dur="1" fill="hold">
+                                          <p:stCondLst>
+                                            <p:cond delay="0"/>
+                                          </p:stCondLst>
+                                        </p:cTn>
+                                        <p:tgtEl>
+                                          <p:spTgt spid="6">
+                                            <p:txEl>
+                                              <p:pRg st="2" end="2"/>
+                                            </p:txEl>
+                                          </p:spTgt>
+                                        </p:tgtEl>
+                                        <p:attrNameLst>
+                                          <p:attrName>style.visibility</p:attrName>
+                                        </p:attrNameLst>
+                                      </p:cBhvr>
+                                      <p:to>
+                                        <p:strVal val="visible"/>
+                                      </p:to>
+                                    </p:set>
+                                    <p:animEffect transition="in" filter="fade">
+                                      <p:cBhvr>
+                                        <p:cTn id="17" dur="500"/>
+                                        <p:tgtEl>
+                                          <p:spTgt spid="6">
+                                            <p:txEl>
+                                              <p:pRg st="2" end="2"/>
+                                            </p:txEl>
+                                          </p:spTgt>
+                                        </p:tgtEl>
+                                      </p:cBhvr>
+                                    </p:animEffect>
+                                  </p:childTnLst>
+                                </p:cTn>
+                              </p:par>
+                            </p:childTnLst>
+                          </p:cTn>
+                        </p:par>
+                      </p:childTnLst>
+                    </p:cTn>
+                  </p:par>
+                  <p:par>
+                    <p:cTn id="18" fill="hold">
+                      <p:stCondLst>
+                        <p:cond delay="indefinite"/>
+                      </p:stCondLst>
+                      <p:childTnLst>
+                        <p:par>
+                          <p:cTn id="19" fill="hold">
+                            <p:stCondLst>
+                              <p:cond delay="0"/>
+                            </p:stCondLst>
+                            <p:childTnLst>
+                              <p:par>
+                                <p:cTn id="20" presetID="10" presetClass="entr" presetSubtype="0" fill="hold" grpId="0" nodeType="clickEffect">
+                                  <p:stCondLst>
+                                    <p:cond delay="0"/>
+                                  </p:stCondLst>
+                                  <p:childTnLst>
+                                    <p:set>
+                                      <p:cBhvr>
+                                        <p:cTn id="21" dur="1" fill="hold">
+                                          <p:stCondLst>
+                                            <p:cond delay="0"/>
+                                          </p:stCondLst>
+                                        </p:cTn>
+                                        <p:tgtEl>
+                                          <p:spTgt spid="6">
+                                            <p:txEl>
+                                              <p:pRg st="3" end="3"/>
+                                            </p:txEl>
+                                          </p:spTgt>
+                                        </p:tgtEl>
+                                        <p:attrNameLst>
+                                          <p:attrName>style.visibility</p:attrName>
+                                        </p:attrNameLst>
+                                      </p:cBhvr>
+                                      <p:to>
+                                        <p:strVal val="visible"/>
+                                      </p:to>
+                                    </p:set>
+                                    <p:animEffect transition="in" filter="fade">
+                                      <p:cBhvr>
+                                        <p:cTn id="22" dur="500"/>
+                                        <p:tgtEl>
+                                          <p:spTgt spid="6">
+                                            <p:txEl>
+                                              <p:pRg st="3" end="3"/>
+                                            </p:txEl>
+                                          </p:spTgt>
+                                        </p:tgtEl>
+                                      </p:cBhvr>
+                                    </p:animEffect>
+                                  </p:childTnLst>
+                                </p:cTn>
+                              </p:par>
+                            </p:childTnLst>
+                          </p:cTn>
+                        </p:par>
+                      </p:childTnLst>
+                    </p:cTn>
+                  </p:par>
+                </p:childTnLst>
+              </p:cTn>
+              <p:prevCondLst>
+                <p:cond evt="onPrev" delay="0">
+                  <p:tgtEl>
+                    <p:sldTgt/>
+                  </p:tgtEl>
+                </p:cond>
+              </p:prevCondLst>
+              <p:nextCondLst>
+                <p:cond evt="onNext" delay="0">
+                  <p:tgtEl>
+                    <p:sldTgt/>
+                  </p:tgtEl>
+                </p:cond>
+              </p:nextCondLst>
+            </p:seq>
+          </p:childTnLst>
+        </p:cTn>
+      </p:par>
+    </p:tnLst>
+    <p:bldLst>
+      <p:bldP spid="6" grpId="0" build="p"/>
+    </p:bldLst>
+  </p:timing>
+</p:sld>
+</file>
+
+<file path=ppt/slides/slide17.xml><?xml version="1.0" encoding="utf-8"?>
+<p:sld xmlns:a="http://schemas.openxmlformats.org/drawingml/2006/main" xmlns:r="http://schemas.openxmlformats.org/officeDocument/2006/relationships" xmlns:p="http://schemas.openxmlformats.org/presentationml/2006/main">
+  <p:cSld>
+    <p:spTree>
+      <p:nvGrpSpPr>
+        <p:cNvPr id="1" name=""/>
+        <p:cNvGrpSpPr/>
+        <p:nvPr/>
+      </p:nvGrpSpPr>
+      <p:grpSpPr>
+        <a:xfrm>
+          <a:off x="0" y="0"/>
+          <a:ext cx="0" cy="0"/>
+          <a:chOff x="0" y="0"/>
+          <a:chExt cx="0" cy="0"/>
+        </a:xfrm>
+      </p:grpSpPr>
+      <p:sp>
+        <p:nvSpPr>
+          <p:cNvPr id="4" name="Titolo 1"/>
+          <p:cNvSpPr>
+            <a:spLocks noGrp="1"/>
+          </p:cNvSpPr>
+          <p:nvPr>
+            <p:ph type="title"/>
+          </p:nvPr>
+        </p:nvSpPr>
+        <p:spPr>
+          <a:xfrm>
+            <a:off x="611560" y="273846"/>
+            <a:ext cx="8064895" cy="757945"/>
+          </a:xfrm>
+        </p:spPr>
+        <p:txBody>
+          <a:bodyPr>
+            <a:normAutofit fontScale="90000"/>
+          </a:bodyPr>
+          <a:lstStyle/>
+          <a:p>
+            <a:pPr algn="ctr"/>
+            <a:r>
+              <a:rPr lang="en-US" dirty="0" smtClean="0">
+                <a:solidFill>
+                  <a:schemeClr val="accent2">
+                    <a:lumMod val="75000"/>
+                  </a:schemeClr>
+                </a:solidFill>
+                <a:latin typeface="Georgia" panose="02040502050405020303" pitchFamily="18" charset="0"/>
+              </a:rPr>
+              <a:t>Goals and functional requirements</a:t>
+            </a:r>
+            <a:endParaRPr lang="en-US" dirty="0">
+              <a:solidFill>
+                <a:schemeClr val="accent2">
+                  <a:lumMod val="75000"/>
+                </a:schemeClr>
+              </a:solidFill>
+              <a:latin typeface="Georgia" panose="02040502050405020303" pitchFamily="18" charset="0"/>
+            </a:endParaRPr>
+          </a:p>
+        </p:txBody>
+      </p:sp>
+      <p:sp>
+        <p:nvSpPr>
+          <p:cNvPr id="5" name="CasellaDiTesto 4"/>
+          <p:cNvSpPr txBox="1"/>
+          <p:nvPr/>
+        </p:nvSpPr>
+        <p:spPr>
+          <a:xfrm>
+            <a:off x="1631217" y="1155184"/>
+            <a:ext cx="5872163" cy="830997"/>
+          </a:xfrm>
+          <a:prstGeom prst="rect">
+            <a:avLst/>
+          </a:prstGeom>
+          <a:noFill/>
+          <a:ln>
+            <a:solidFill>
+              <a:schemeClr val="tx1"/>
+            </a:solidFill>
+          </a:ln>
+          <a:effectLst>
+            <a:glow rad="63500">
+              <a:schemeClr val="accent3">
+                <a:satMod val="175000"/>
+                <a:alpha val="40000"/>
+              </a:schemeClr>
+            </a:glow>
+          </a:effectLst>
+        </p:spPr>
+        <p:txBody>
+          <a:bodyPr wrap="square" rtlCol="0">
+            <a:spAutoFit/>
+          </a:bodyPr>
+          <a:lstStyle/>
+          <a:p>
+            <a:r>
+              <a:rPr lang="en-US" sz="2400" i="1" dirty="0"/>
+              <a:t>[</a:t>
+            </a:r>
+            <a:r>
+              <a:rPr lang="en-US" sz="2400" b="1" i="1" dirty="0"/>
+              <a:t>G10</a:t>
+            </a:r>
+            <a:r>
+              <a:rPr lang="en-US" sz="2400" i="1" dirty="0"/>
+              <a:t>] Customers and taxi driver must be able to report issues and obtain assistance. </a:t>
+            </a:r>
+            <a:endParaRPr lang="it-IT" sz="2100" dirty="0"/>
+          </a:p>
+        </p:txBody>
+      </p:sp>
+      <p:sp>
+        <p:nvSpPr>
+          <p:cNvPr id="6" name="Segnaposto contenuto 2"/>
+          <p:cNvSpPr>
+            <a:spLocks noGrp="1"/>
+          </p:cNvSpPr>
+          <p:nvPr>
+            <p:ph idx="1"/>
+          </p:nvPr>
+        </p:nvSpPr>
+        <p:spPr>
+          <a:xfrm>
+            <a:off x="1259632" y="2211710"/>
+            <a:ext cx="6840760" cy="2664296"/>
+          </a:xfrm>
+        </p:spPr>
+        <p:txBody>
+          <a:bodyPr>
+            <a:noAutofit/>
+          </a:bodyPr>
+          <a:lstStyle/>
+          <a:p>
+            <a:endParaRPr lang="en-US" sz="2000" dirty="0" smtClean="0">
+              <a:latin typeface="Cambria" panose="02040503050406030204" pitchFamily="18" charset="0"/>
+            </a:endParaRPr>
+          </a:p>
+          <a:p>
+            <a:r>
+              <a:rPr lang="en-US" sz="2000" dirty="0" smtClean="0">
+                <a:latin typeface="Cambria" panose="02040503050406030204" pitchFamily="18" charset="0"/>
+              </a:rPr>
+              <a:t>[</a:t>
+            </a:r>
+            <a:r>
+              <a:rPr lang="en-US" sz="2000" b="1" dirty="0">
+                <a:latin typeface="Cambria" panose="02040503050406030204" pitchFamily="18" charset="0"/>
+              </a:rPr>
+              <a:t>R1</a:t>
+            </a:r>
+            <a:r>
+              <a:rPr lang="en-US" sz="2000" dirty="0">
+                <a:latin typeface="Cambria" panose="02040503050406030204" pitchFamily="18" charset="0"/>
+              </a:rPr>
+              <a:t>] Customers and taxi drivers must be able to visualize, both in the mobile and web application, a support phone number which they can call to obtain assistance. </a:t>
+            </a:r>
+            <a:endParaRPr lang="it-IT" sz="1900" dirty="0">
+              <a:latin typeface="Cambria" panose="02040503050406030204" pitchFamily="18" charset="0"/>
+            </a:endParaRPr>
+          </a:p>
+        </p:txBody>
+      </p:sp>
+    </p:spTree>
+    <p:extLst>
+      <p:ext uri="{BB962C8B-B14F-4D97-AF65-F5344CB8AC3E}">
+        <p14:creationId xmlns:p14="http://schemas.microsoft.com/office/powerpoint/2010/main" val="42620623"/>
+      </p:ext>
+    </p:extLst>
+  </p:cSld>
+  <p:clrMapOvr>
+    <a:masterClrMapping/>
+  </p:clrMapOvr>
+  <p:timing>
+    <p:tnLst>
+      <p:par>
+        <p:cTn id="1" dur="indefinite" restart="never" nodeType="tmRoot">
+          <p:childTnLst>
+            <p:seq concurrent="1" nextAc="seek">
+              <p:cTn id="2" dur="indefinite" nodeType="mainSeq">
+                <p:childTnLst>
+                  <p:par>
+                    <p:cTn id="3" fill="hold">
+                      <p:stCondLst>
+                        <p:cond delay="indefinite"/>
+                      </p:stCondLst>
+                      <p:childTnLst>
+                        <p:par>
+                          <p:cTn id="4" fill="hold">
+                            <p:stCondLst>
+                              <p:cond delay="0"/>
+                            </p:stCondLst>
+                            <p:childTnLst>
+                              <p:par>
+                                <p:cTn id="5" presetID="10" presetClass="entr" presetSubtype="0" fill="hold" grpId="0" nodeType="clickEffect">
+                                  <p:stCondLst>
+                                    <p:cond delay="0"/>
+                                  </p:stCondLst>
+                                  <p:childTnLst>
+                                    <p:set>
+                                      <p:cBhvr>
+                                        <p:cTn id="6" dur="1" fill="hold">
+                                          <p:stCondLst>
+                                            <p:cond delay="0"/>
+                                          </p:stCondLst>
+                                        </p:cTn>
+                                        <p:tgtEl>
+                                          <p:spTgt spid="6">
+                                            <p:txEl>
+                                              <p:pRg st="1" end="1"/>
+                                            </p:txEl>
+                                          </p:spTgt>
+                                        </p:tgtEl>
+                                        <p:attrNameLst>
+                                          <p:attrName>style.visibility</p:attrName>
+                                        </p:attrNameLst>
+                                      </p:cBhvr>
+                                      <p:to>
+                                        <p:strVal val="visible"/>
+                                      </p:to>
+                                    </p:set>
+                                    <p:animEffect transition="in" filter="fade">
+                                      <p:cBhvr>
+                                        <p:cTn id="7" dur="500"/>
+                                        <p:tgtEl>
+                                          <p:spTgt spid="6">
+                                            <p:txEl>
+                                              <p:pRg st="1" end="1"/>
+                                            </p:txEl>
+                                          </p:spTgt>
+                                        </p:tgtEl>
+                                      </p:cBhvr>
+                                    </p:animEffect>
+                                  </p:childTnLst>
+                                </p:cTn>
+                              </p:par>
+                            </p:childTnLst>
+                          </p:cTn>
+                        </p:par>
+                      </p:childTnLst>
+                    </p:cTn>
+                  </p:par>
+                </p:childTnLst>
+              </p:cTn>
+              <p:prevCondLst>
+                <p:cond evt="onPrev" delay="0">
+                  <p:tgtEl>
+                    <p:sldTgt/>
+                  </p:tgtEl>
+                </p:cond>
+              </p:prevCondLst>
+              <p:nextCondLst>
+                <p:cond evt="onNext" delay="0">
+                  <p:tgtEl>
+                    <p:sldTgt/>
+                  </p:tgtEl>
+                </p:cond>
+              </p:nextCondLst>
+            </p:seq>
+          </p:childTnLst>
+        </p:cTn>
+      </p:par>
+    </p:tnLst>
+    <p:bldLst>
+      <p:bldP spid="6" grpId="0" build="p"/>
+    </p:bldLst>
+  </p:timing>
+</p:sld>
+</file>
+
+<file path=ppt/slides/slide18.xml><?xml version="1.0" encoding="utf-8"?>
 <p:sld xmlns:a="http://schemas.openxmlformats.org/drawingml/2006/main" xmlns:r="http://schemas.openxmlformats.org/officeDocument/2006/relationships" xmlns:p="http://schemas.openxmlformats.org/presentationml/2006/main">
   <p:cSld>
     <p:spTree>
@@ -5386,7 +7875,7 @@
 </p:sld>
 </file>
 
-<file path=ppt/slides/slide14.xml><?xml version="1.0" encoding="utf-8"?>
+<file path=ppt/slides/slide19.xml><?xml version="1.0" encoding="utf-8"?>
 <p:sld xmlns:a="http://schemas.openxmlformats.org/drawingml/2006/main" xmlns:r="http://schemas.openxmlformats.org/officeDocument/2006/relationships" xmlns:p="http://schemas.openxmlformats.org/presentationml/2006/main">
   <p:cSld>
     <p:spTree>
@@ -5850,7 +8339,959 @@
 </p:sld>
 </file>
 
-<file path=ppt/slides/slide15.xml><?xml version="1.0" encoding="utf-8"?>
+<file path=ppt/slides/slide2.xml><?xml version="1.0" encoding="utf-8"?>
+<p:sld xmlns:a="http://schemas.openxmlformats.org/drawingml/2006/main" xmlns:r="http://schemas.openxmlformats.org/officeDocument/2006/relationships" xmlns:p="http://schemas.openxmlformats.org/presentationml/2006/main">
+  <p:cSld>
+    <p:spTree>
+      <p:nvGrpSpPr>
+        <p:cNvPr id="1" name=""/>
+        <p:cNvGrpSpPr/>
+        <p:nvPr/>
+      </p:nvGrpSpPr>
+      <p:grpSpPr>
+        <a:xfrm>
+          <a:off x="0" y="0"/>
+          <a:ext cx="0" cy="0"/>
+          <a:chOff x="0" y="0"/>
+          <a:chExt cx="0" cy="0"/>
+        </a:xfrm>
+      </p:grpSpPr>
+      <p:sp>
+        <p:nvSpPr>
+          <p:cNvPr id="2" name="Titolo 4"/>
+          <p:cNvSpPr txBox="1">
+            <a:spLocks/>
+          </p:cNvSpPr>
+          <p:nvPr/>
+        </p:nvSpPr>
+        <p:spPr>
+          <a:xfrm>
+            <a:off x="457200" y="205979"/>
+            <a:ext cx="8229600" cy="857250"/>
+          </a:xfrm>
+          <a:prstGeom prst="rect">
+            <a:avLst/>
+          </a:prstGeom>
+        </p:spPr>
+        <p:txBody>
+          <a:bodyPr/>
+          <a:lstStyle>
+            <a:lvl1pPr algn="ctr" defTabSz="914400" rtl="0" eaLnBrk="1" latinLnBrk="0" hangingPunct="1">
+              <a:spcBef>
+                <a:spcPct val="0"/>
+              </a:spcBef>
+              <a:buNone/>
+              <a:defRPr sz="4400" kern="1200">
+                <a:solidFill>
+                  <a:schemeClr val="tx1"/>
+                </a:solidFill>
+                <a:latin typeface="+mj-lt"/>
+                <a:ea typeface="+mj-ea"/>
+                <a:cs typeface="+mj-cs"/>
+              </a:defRPr>
+            </a:lvl1pPr>
+          </a:lstStyle>
+          <a:p>
+            <a:r>
+              <a:rPr lang="en-US" sz="4200" dirty="0" smtClean="0">
+                <a:solidFill>
+                  <a:schemeClr val="accent2">
+                    <a:lumMod val="75000"/>
+                  </a:schemeClr>
+                </a:solidFill>
+                <a:latin typeface="Cambria" panose="02040503050406030204" pitchFamily="18" charset="0"/>
+              </a:rPr>
+              <a:t>Overview of MyTaxiService project</a:t>
+            </a:r>
+            <a:endParaRPr lang="en-US" sz="4200" dirty="0">
+              <a:solidFill>
+                <a:schemeClr val="accent2">
+                  <a:lumMod val="75000"/>
+                </a:schemeClr>
+              </a:solidFill>
+              <a:latin typeface="Cambria" panose="02040503050406030204" pitchFamily="18" charset="0"/>
+            </a:endParaRPr>
+          </a:p>
+        </p:txBody>
+      </p:sp>
+      <p:sp>
+        <p:nvSpPr>
+          <p:cNvPr id="3" name="CasellaDiTesto 2"/>
+          <p:cNvSpPr txBox="1"/>
+          <p:nvPr/>
+        </p:nvSpPr>
+        <p:spPr>
+          <a:xfrm>
+            <a:off x="628650" y="1195251"/>
+            <a:ext cx="2215158" cy="692497"/>
+          </a:xfrm>
+          <a:prstGeom prst="rect">
+            <a:avLst/>
+          </a:prstGeom>
+        </p:spPr>
+        <p:style>
+          <a:lnRef idx="2">
+            <a:schemeClr val="accent5">
+              <a:shade val="50000"/>
+            </a:schemeClr>
+          </a:lnRef>
+          <a:fillRef idx="1">
+            <a:schemeClr val="accent5"/>
+          </a:fillRef>
+          <a:effectRef idx="0">
+            <a:schemeClr val="accent5"/>
+          </a:effectRef>
+          <a:fontRef idx="minor">
+            <a:schemeClr val="lt1"/>
+          </a:fontRef>
+        </p:style>
+        <p:txBody>
+          <a:bodyPr wrap="square" rtlCol="0">
+            <a:spAutoFit/>
+          </a:bodyPr>
+          <a:lstStyle/>
+          <a:p>
+            <a:r>
+              <a:rPr lang="en-US" sz="1300" dirty="0" smtClean="0"/>
+              <a:t>The system</a:t>
+            </a:r>
+            <a:r>
+              <a:rPr lang="en-US" sz="1300" dirty="0" smtClean="0"/>
+              <a:t> have been </a:t>
+            </a:r>
+            <a:r>
+              <a:rPr lang="en-US" sz="1300" dirty="0" smtClean="0"/>
+              <a:t>designed from an </a:t>
+            </a:r>
+            <a:r>
+              <a:rPr lang="en-US" sz="1300" b="1" dirty="0" smtClean="0"/>
+              <a:t>HIGH-LEVEL</a:t>
+            </a:r>
+            <a:r>
+              <a:rPr lang="en-US" sz="1300" dirty="0" smtClean="0"/>
+              <a:t> point of view.</a:t>
+            </a:r>
+            <a:endParaRPr lang="en-US" sz="1300" dirty="0"/>
+          </a:p>
+        </p:txBody>
+      </p:sp>
+      <p:sp>
+        <p:nvSpPr>
+          <p:cNvPr id="4" name="Freccia a destra 3"/>
+          <p:cNvSpPr/>
+          <p:nvPr/>
+        </p:nvSpPr>
+        <p:spPr>
+          <a:xfrm>
+            <a:off x="3095897" y="1397808"/>
+            <a:ext cx="2632166" cy="274238"/>
+          </a:xfrm>
+          <a:prstGeom prst="rightArrow">
+            <a:avLst/>
+          </a:prstGeom>
+        </p:spPr>
+        <p:style>
+          <a:lnRef idx="2">
+            <a:schemeClr val="accent1">
+              <a:shade val="50000"/>
+            </a:schemeClr>
+          </a:lnRef>
+          <a:fillRef idx="1">
+            <a:schemeClr val="accent1"/>
+          </a:fillRef>
+          <a:effectRef idx="0">
+            <a:schemeClr val="accent1"/>
+          </a:effectRef>
+          <a:fontRef idx="minor">
+            <a:schemeClr val="lt1"/>
+          </a:fontRef>
+        </p:style>
+        <p:txBody>
+          <a:bodyPr rtlCol="0" anchor="ctr"/>
+          <a:lstStyle/>
+          <a:p>
+            <a:pPr algn="ctr"/>
+            <a:endParaRPr lang="en-US" sz="1350"/>
+          </a:p>
+        </p:txBody>
+      </p:sp>
+      <p:sp>
+        <p:nvSpPr>
+          <p:cNvPr id="5" name="CasellaDiTesto 4"/>
+          <p:cNvSpPr txBox="1">
+            <a:spLocks/>
+          </p:cNvSpPr>
+          <p:nvPr/>
+        </p:nvSpPr>
+        <p:spPr>
+          <a:xfrm>
+            <a:off x="6000475" y="1131590"/>
+            <a:ext cx="2697481" cy="989784"/>
+          </a:xfrm>
+          <a:prstGeom prst="rect">
+            <a:avLst/>
+          </a:prstGeom>
+        </p:spPr>
+        <p:style>
+          <a:lnRef idx="2">
+            <a:schemeClr val="accent2">
+              <a:shade val="50000"/>
+            </a:schemeClr>
+          </a:lnRef>
+          <a:fillRef idx="1">
+            <a:schemeClr val="accent2"/>
+          </a:fillRef>
+          <a:effectRef idx="0">
+            <a:schemeClr val="accent2"/>
+          </a:effectRef>
+          <a:fontRef idx="minor">
+            <a:schemeClr val="lt1"/>
+          </a:fontRef>
+        </p:style>
+        <p:txBody>
+          <a:bodyPr wrap="square" rtlCol="0" anchor="ctr">
+            <a:noAutofit/>
+          </a:bodyPr>
+          <a:lstStyle/>
+          <a:p>
+            <a:pPr algn="ctr"/>
+            <a:r>
+              <a:rPr lang="en-US" sz="1300" dirty="0"/>
+              <a:t>No constraints on the </a:t>
+            </a:r>
+            <a:r>
+              <a:rPr lang="en-US" sz="1300" b="1" dirty="0"/>
+              <a:t>implementation</a:t>
+            </a:r>
+            <a:r>
+              <a:rPr lang="en-US" sz="1300" dirty="0"/>
+              <a:t> (language or algorithms)</a:t>
+            </a:r>
+            <a:endParaRPr lang="en-US" sz="1300" dirty="0"/>
+          </a:p>
+        </p:txBody>
+      </p:sp>
+      <p:sp>
+        <p:nvSpPr>
+          <p:cNvPr id="6" name="CasellaDiTesto 5"/>
+          <p:cNvSpPr txBox="1"/>
+          <p:nvPr/>
+        </p:nvSpPr>
+        <p:spPr>
+          <a:xfrm>
+            <a:off x="624713" y="2534903"/>
+            <a:ext cx="2215158" cy="692497"/>
+          </a:xfrm>
+          <a:prstGeom prst="rect">
+            <a:avLst/>
+          </a:prstGeom>
+        </p:spPr>
+        <p:style>
+          <a:lnRef idx="2">
+            <a:schemeClr val="accent5">
+              <a:shade val="50000"/>
+            </a:schemeClr>
+          </a:lnRef>
+          <a:fillRef idx="1">
+            <a:schemeClr val="accent5"/>
+          </a:fillRef>
+          <a:effectRef idx="0">
+            <a:schemeClr val="accent5"/>
+          </a:effectRef>
+          <a:fontRef idx="minor">
+            <a:schemeClr val="lt1"/>
+          </a:fontRef>
+        </p:style>
+        <p:txBody>
+          <a:bodyPr wrap="square" rtlCol="0">
+            <a:spAutoFit/>
+          </a:bodyPr>
+          <a:lstStyle/>
+          <a:p>
+            <a:r>
+              <a:rPr lang="en-US" sz="1300" dirty="0" smtClean="0"/>
+              <a:t>MyTaxiService is just an </a:t>
+            </a:r>
+            <a:r>
+              <a:rPr lang="en-US" sz="1300" b="1" dirty="0" smtClean="0"/>
+              <a:t>interface</a:t>
+            </a:r>
+            <a:r>
+              <a:rPr lang="en-US" sz="1300" dirty="0" smtClean="0"/>
+              <a:t> between </a:t>
+            </a:r>
+            <a:r>
+              <a:rPr lang="en-US" sz="1300" b="1" dirty="0" smtClean="0"/>
+              <a:t>customers</a:t>
+            </a:r>
+            <a:r>
+              <a:rPr lang="en-US" sz="1300" dirty="0" smtClean="0"/>
+              <a:t> and </a:t>
+            </a:r>
+            <a:r>
+              <a:rPr lang="en-US" sz="1300" b="1" dirty="0" smtClean="0"/>
+              <a:t>taxi drivers</a:t>
+            </a:r>
+            <a:r>
+              <a:rPr lang="en-US" sz="1300" dirty="0" smtClean="0"/>
+              <a:t>.</a:t>
+            </a:r>
+            <a:endParaRPr lang="en-US" sz="1300" dirty="0"/>
+          </a:p>
+        </p:txBody>
+      </p:sp>
+      <p:sp>
+        <p:nvSpPr>
+          <p:cNvPr id="7" name="CasellaDiTesto 6"/>
+          <p:cNvSpPr txBox="1"/>
+          <p:nvPr/>
+        </p:nvSpPr>
+        <p:spPr>
+          <a:xfrm>
+            <a:off x="624713" y="3723878"/>
+            <a:ext cx="2215158" cy="492443"/>
+          </a:xfrm>
+          <a:prstGeom prst="rect">
+            <a:avLst/>
+          </a:prstGeom>
+        </p:spPr>
+        <p:style>
+          <a:lnRef idx="2">
+            <a:schemeClr val="accent5">
+              <a:shade val="50000"/>
+            </a:schemeClr>
+          </a:lnRef>
+          <a:fillRef idx="1">
+            <a:schemeClr val="accent5"/>
+          </a:fillRef>
+          <a:effectRef idx="0">
+            <a:schemeClr val="accent5"/>
+          </a:effectRef>
+          <a:fontRef idx="minor">
+            <a:schemeClr val="lt1"/>
+          </a:fontRef>
+        </p:style>
+        <p:txBody>
+          <a:bodyPr wrap="square" rtlCol="0">
+            <a:spAutoFit/>
+          </a:bodyPr>
+          <a:lstStyle/>
+          <a:p>
+            <a:r>
+              <a:rPr lang="en-US" sz="1300" dirty="0" smtClean="0"/>
+              <a:t>Idea: keep what, in the real taxi service, already </a:t>
+            </a:r>
+            <a:r>
+              <a:rPr lang="en-US" sz="1300" b="1" dirty="0" smtClean="0"/>
+              <a:t>works</a:t>
+            </a:r>
+            <a:r>
+              <a:rPr lang="en-US" sz="1300" dirty="0" smtClean="0"/>
+              <a:t>.</a:t>
+            </a:r>
+            <a:endParaRPr lang="en-US" sz="1300" dirty="0"/>
+          </a:p>
+        </p:txBody>
+      </p:sp>
+      <p:sp>
+        <p:nvSpPr>
+          <p:cNvPr id="8" name="Freccia a destra 7"/>
+          <p:cNvSpPr/>
+          <p:nvPr/>
+        </p:nvSpPr>
+        <p:spPr>
+          <a:xfrm>
+            <a:off x="3080132" y="3344985"/>
+            <a:ext cx="2632166" cy="274238"/>
+          </a:xfrm>
+          <a:prstGeom prst="rightArrow">
+            <a:avLst/>
+          </a:prstGeom>
+        </p:spPr>
+        <p:style>
+          <a:lnRef idx="2">
+            <a:schemeClr val="accent1">
+              <a:shade val="50000"/>
+            </a:schemeClr>
+          </a:lnRef>
+          <a:fillRef idx="1">
+            <a:schemeClr val="accent1"/>
+          </a:fillRef>
+          <a:effectRef idx="0">
+            <a:schemeClr val="accent1"/>
+          </a:effectRef>
+          <a:fontRef idx="minor">
+            <a:schemeClr val="lt1"/>
+          </a:fontRef>
+        </p:style>
+        <p:txBody>
+          <a:bodyPr rtlCol="0" anchor="ctr"/>
+          <a:lstStyle/>
+          <a:p>
+            <a:pPr algn="ctr"/>
+            <a:endParaRPr lang="en-US" sz="1350"/>
+          </a:p>
+        </p:txBody>
+      </p:sp>
+      <p:sp>
+        <p:nvSpPr>
+          <p:cNvPr id="9" name="CasellaDiTesto 8"/>
+          <p:cNvSpPr txBox="1">
+            <a:spLocks/>
+          </p:cNvSpPr>
+          <p:nvPr/>
+        </p:nvSpPr>
+        <p:spPr>
+          <a:xfrm>
+            <a:off x="6000475" y="2500782"/>
+            <a:ext cx="2686325" cy="845768"/>
+          </a:xfrm>
+          <a:prstGeom prst="rect">
+            <a:avLst/>
+          </a:prstGeom>
+        </p:spPr>
+        <p:style>
+          <a:lnRef idx="2">
+            <a:schemeClr val="accent2">
+              <a:shade val="50000"/>
+            </a:schemeClr>
+          </a:lnRef>
+          <a:fillRef idx="1">
+            <a:schemeClr val="accent2"/>
+          </a:fillRef>
+          <a:effectRef idx="0">
+            <a:schemeClr val="accent2"/>
+          </a:effectRef>
+          <a:fontRef idx="minor">
+            <a:schemeClr val="lt1"/>
+          </a:fontRef>
+        </p:style>
+        <p:txBody>
+          <a:bodyPr wrap="square" rtlCol="0" anchor="ctr">
+            <a:noAutofit/>
+          </a:bodyPr>
+          <a:lstStyle/>
+          <a:p>
+            <a:pPr algn="ctr"/>
+            <a:r>
+              <a:rPr lang="en-US" sz="1300" b="1" dirty="0" smtClean="0"/>
+              <a:t>Payment</a:t>
+            </a:r>
+            <a:r>
+              <a:rPr lang="en-US" sz="1300" dirty="0"/>
+              <a:t> </a:t>
+            </a:r>
+            <a:r>
+              <a:rPr lang="en-US" sz="1300" dirty="0" smtClean="0"/>
+              <a:t>and </a:t>
+            </a:r>
+            <a:r>
+              <a:rPr lang="en-US" sz="1300" b="1" dirty="0" smtClean="0"/>
+              <a:t>unexpected </a:t>
+            </a:r>
+            <a:r>
+              <a:rPr lang="en-US" sz="1300" b="1" dirty="0" err="1" smtClean="0"/>
+              <a:t>behaviour</a:t>
+            </a:r>
+            <a:r>
+              <a:rPr lang="en-US" sz="1300" b="1" dirty="0" smtClean="0"/>
+              <a:t> </a:t>
+            </a:r>
+            <a:r>
+              <a:rPr lang="en-US" sz="1300" dirty="0" smtClean="0"/>
+              <a:t>of customers have not been modelled.</a:t>
+            </a:r>
+            <a:endParaRPr lang="en-US" sz="1300" dirty="0"/>
+          </a:p>
+        </p:txBody>
+      </p:sp>
+      <p:sp>
+        <p:nvSpPr>
+          <p:cNvPr id="10" name="CasellaDiTesto 9"/>
+          <p:cNvSpPr txBox="1">
+            <a:spLocks/>
+          </p:cNvSpPr>
+          <p:nvPr/>
+        </p:nvSpPr>
+        <p:spPr>
+          <a:xfrm>
+            <a:off x="5989319" y="3619223"/>
+            <a:ext cx="2697481" cy="989784"/>
+          </a:xfrm>
+          <a:prstGeom prst="rect">
+            <a:avLst/>
+          </a:prstGeom>
+        </p:spPr>
+        <p:style>
+          <a:lnRef idx="2">
+            <a:schemeClr val="accent2">
+              <a:shade val="50000"/>
+            </a:schemeClr>
+          </a:lnRef>
+          <a:fillRef idx="1">
+            <a:schemeClr val="accent2"/>
+          </a:fillRef>
+          <a:effectRef idx="0">
+            <a:schemeClr val="accent2"/>
+          </a:effectRef>
+          <a:fontRef idx="minor">
+            <a:schemeClr val="lt1"/>
+          </a:fontRef>
+        </p:style>
+        <p:txBody>
+          <a:bodyPr wrap="square" rtlCol="0" anchor="ctr">
+            <a:noAutofit/>
+          </a:bodyPr>
+          <a:lstStyle/>
+          <a:p>
+            <a:pPr algn="ctr"/>
+            <a:r>
+              <a:rPr lang="en-US" sz="1300" b="1" dirty="0" smtClean="0"/>
+              <a:t>No</a:t>
+            </a:r>
+            <a:r>
+              <a:rPr lang="en-US" sz="1300" dirty="0" smtClean="0"/>
+              <a:t> need for complex algorithm to model the </a:t>
+            </a:r>
+            <a:r>
+              <a:rPr lang="en-US" sz="1300" b="1" dirty="0" smtClean="0"/>
+              <a:t>taxi redistribution </a:t>
+            </a:r>
+            <a:r>
+              <a:rPr lang="en-US" sz="1300" dirty="0" smtClean="0"/>
+              <a:t>(high density area -&gt; low density area)</a:t>
+            </a:r>
+            <a:endParaRPr lang="en-US" sz="1300" dirty="0"/>
+          </a:p>
+        </p:txBody>
+      </p:sp>
+    </p:spTree>
+    <p:extLst>
+      <p:ext uri="{BB962C8B-B14F-4D97-AF65-F5344CB8AC3E}">
+        <p14:creationId xmlns:p14="http://schemas.microsoft.com/office/powerpoint/2010/main" val="327552386"/>
+      </p:ext>
+    </p:extLst>
+  </p:cSld>
+  <p:clrMapOvr>
+    <a:masterClrMapping/>
+  </p:clrMapOvr>
+  <p:transition spd="med">
+    <p:pull/>
+  </p:transition>
+  <p:timing>
+    <p:tnLst>
+      <p:par>
+        <p:cTn id="1" dur="indefinite" restart="never" nodeType="tmRoot">
+          <p:childTnLst>
+            <p:seq concurrent="1" nextAc="seek">
+              <p:cTn id="2" dur="indefinite" nodeType="mainSeq">
+                <p:childTnLst>
+                  <p:par>
+                    <p:cTn id="3" fill="hold">
+                      <p:stCondLst>
+                        <p:cond delay="indefinite"/>
+                      </p:stCondLst>
+                      <p:childTnLst>
+                        <p:par>
+                          <p:cTn id="4" fill="hold">
+                            <p:stCondLst>
+                              <p:cond delay="0"/>
+                            </p:stCondLst>
+                            <p:childTnLst>
+                              <p:par>
+                                <p:cTn id="5" presetID="10" presetClass="entr" presetSubtype="0" fill="hold" grpId="0" nodeType="clickEffect">
+                                  <p:stCondLst>
+                                    <p:cond delay="0"/>
+                                  </p:stCondLst>
+                                  <p:childTnLst>
+                                    <p:set>
+                                      <p:cBhvr>
+                                        <p:cTn id="6" dur="1" fill="hold">
+                                          <p:stCondLst>
+                                            <p:cond delay="0"/>
+                                          </p:stCondLst>
+                                        </p:cTn>
+                                        <p:tgtEl>
+                                          <p:spTgt spid="3"/>
+                                        </p:tgtEl>
+                                        <p:attrNameLst>
+                                          <p:attrName>style.visibility</p:attrName>
+                                        </p:attrNameLst>
+                                      </p:cBhvr>
+                                      <p:to>
+                                        <p:strVal val="visible"/>
+                                      </p:to>
+                                    </p:set>
+                                    <p:animEffect transition="in" filter="fade">
+                                      <p:cBhvr>
+                                        <p:cTn id="7" dur="500"/>
+                                        <p:tgtEl>
+                                          <p:spTgt spid="3"/>
+                                        </p:tgtEl>
+                                      </p:cBhvr>
+                                    </p:animEffect>
+                                  </p:childTnLst>
+                                </p:cTn>
+                              </p:par>
+                            </p:childTnLst>
+                          </p:cTn>
+                        </p:par>
+                      </p:childTnLst>
+                    </p:cTn>
+                  </p:par>
+                  <p:par>
+                    <p:cTn id="8" fill="hold">
+                      <p:stCondLst>
+                        <p:cond delay="indefinite"/>
+                      </p:stCondLst>
+                      <p:childTnLst>
+                        <p:par>
+                          <p:cTn id="9" fill="hold">
+                            <p:stCondLst>
+                              <p:cond delay="0"/>
+                            </p:stCondLst>
+                            <p:childTnLst>
+                              <p:par>
+                                <p:cTn id="10" presetID="10" presetClass="entr" presetSubtype="0" fill="hold" grpId="0" nodeType="clickEffect">
+                                  <p:stCondLst>
+                                    <p:cond delay="0"/>
+                                  </p:stCondLst>
+                                  <p:childTnLst>
+                                    <p:set>
+                                      <p:cBhvr>
+                                        <p:cTn id="11" dur="1" fill="hold">
+                                          <p:stCondLst>
+                                            <p:cond delay="0"/>
+                                          </p:stCondLst>
+                                        </p:cTn>
+                                        <p:tgtEl>
+                                          <p:spTgt spid="4"/>
+                                        </p:tgtEl>
+                                        <p:attrNameLst>
+                                          <p:attrName>style.visibility</p:attrName>
+                                        </p:attrNameLst>
+                                      </p:cBhvr>
+                                      <p:to>
+                                        <p:strVal val="visible"/>
+                                      </p:to>
+                                    </p:set>
+                                    <p:animEffect transition="in" filter="fade">
+                                      <p:cBhvr>
+                                        <p:cTn id="12" dur="500"/>
+                                        <p:tgtEl>
+                                          <p:spTgt spid="4"/>
+                                        </p:tgtEl>
+                                      </p:cBhvr>
+                                    </p:animEffect>
+                                  </p:childTnLst>
+                                </p:cTn>
+                              </p:par>
+                              <p:par>
+                                <p:cTn id="13" presetID="10" presetClass="entr" presetSubtype="0" fill="hold" grpId="0" nodeType="withEffect">
+                                  <p:stCondLst>
+                                    <p:cond delay="0"/>
+                                  </p:stCondLst>
+                                  <p:childTnLst>
+                                    <p:set>
+                                      <p:cBhvr>
+                                        <p:cTn id="14" dur="1" fill="hold">
+                                          <p:stCondLst>
+                                            <p:cond delay="0"/>
+                                          </p:stCondLst>
+                                        </p:cTn>
+                                        <p:tgtEl>
+                                          <p:spTgt spid="5"/>
+                                        </p:tgtEl>
+                                        <p:attrNameLst>
+                                          <p:attrName>style.visibility</p:attrName>
+                                        </p:attrNameLst>
+                                      </p:cBhvr>
+                                      <p:to>
+                                        <p:strVal val="visible"/>
+                                      </p:to>
+                                    </p:set>
+                                    <p:animEffect transition="in" filter="fade">
+                                      <p:cBhvr>
+                                        <p:cTn id="15" dur="500"/>
+                                        <p:tgtEl>
+                                          <p:spTgt spid="5"/>
+                                        </p:tgtEl>
+                                      </p:cBhvr>
+                                    </p:animEffect>
+                                  </p:childTnLst>
+                                </p:cTn>
+                              </p:par>
+                            </p:childTnLst>
+                          </p:cTn>
+                        </p:par>
+                      </p:childTnLst>
+                    </p:cTn>
+                  </p:par>
+                  <p:par>
+                    <p:cTn id="16" fill="hold">
+                      <p:stCondLst>
+                        <p:cond delay="indefinite"/>
+                      </p:stCondLst>
+                      <p:childTnLst>
+                        <p:par>
+                          <p:cTn id="17" fill="hold">
+                            <p:stCondLst>
+                              <p:cond delay="0"/>
+                            </p:stCondLst>
+                            <p:childTnLst>
+                              <p:par>
+                                <p:cTn id="18" presetID="10" presetClass="entr" presetSubtype="0" fill="hold" grpId="0" nodeType="clickEffect">
+                                  <p:stCondLst>
+                                    <p:cond delay="0"/>
+                                  </p:stCondLst>
+                                  <p:childTnLst>
+                                    <p:set>
+                                      <p:cBhvr>
+                                        <p:cTn id="19" dur="1" fill="hold">
+                                          <p:stCondLst>
+                                            <p:cond delay="0"/>
+                                          </p:stCondLst>
+                                        </p:cTn>
+                                        <p:tgtEl>
+                                          <p:spTgt spid="6"/>
+                                        </p:tgtEl>
+                                        <p:attrNameLst>
+                                          <p:attrName>style.visibility</p:attrName>
+                                        </p:attrNameLst>
+                                      </p:cBhvr>
+                                      <p:to>
+                                        <p:strVal val="visible"/>
+                                      </p:to>
+                                    </p:set>
+                                    <p:animEffect transition="in" filter="fade">
+                                      <p:cBhvr>
+                                        <p:cTn id="20" dur="500"/>
+                                        <p:tgtEl>
+                                          <p:spTgt spid="6"/>
+                                        </p:tgtEl>
+                                      </p:cBhvr>
+                                    </p:animEffect>
+                                  </p:childTnLst>
+                                </p:cTn>
+                              </p:par>
+                            </p:childTnLst>
+                          </p:cTn>
+                        </p:par>
+                      </p:childTnLst>
+                    </p:cTn>
+                  </p:par>
+                  <p:par>
+                    <p:cTn id="21" fill="hold">
+                      <p:stCondLst>
+                        <p:cond delay="indefinite"/>
+                      </p:stCondLst>
+                      <p:childTnLst>
+                        <p:par>
+                          <p:cTn id="22" fill="hold">
+                            <p:stCondLst>
+                              <p:cond delay="0"/>
+                            </p:stCondLst>
+                            <p:childTnLst>
+                              <p:par>
+                                <p:cTn id="23" presetID="10" presetClass="entr" presetSubtype="0" fill="hold" grpId="0" nodeType="clickEffect">
+                                  <p:stCondLst>
+                                    <p:cond delay="0"/>
+                                  </p:stCondLst>
+                                  <p:childTnLst>
+                                    <p:set>
+                                      <p:cBhvr>
+                                        <p:cTn id="24" dur="1" fill="hold">
+                                          <p:stCondLst>
+                                            <p:cond delay="0"/>
+                                          </p:stCondLst>
+                                        </p:cTn>
+                                        <p:tgtEl>
+                                          <p:spTgt spid="7"/>
+                                        </p:tgtEl>
+                                        <p:attrNameLst>
+                                          <p:attrName>style.visibility</p:attrName>
+                                        </p:attrNameLst>
+                                      </p:cBhvr>
+                                      <p:to>
+                                        <p:strVal val="visible"/>
+                                      </p:to>
+                                    </p:set>
+                                    <p:animEffect transition="in" filter="fade">
+                                      <p:cBhvr>
+                                        <p:cTn id="25" dur="500"/>
+                                        <p:tgtEl>
+                                          <p:spTgt spid="7"/>
+                                        </p:tgtEl>
+                                      </p:cBhvr>
+                                    </p:animEffect>
+                                  </p:childTnLst>
+                                </p:cTn>
+                              </p:par>
+                            </p:childTnLst>
+                          </p:cTn>
+                        </p:par>
+                      </p:childTnLst>
+                    </p:cTn>
+                  </p:par>
+                  <p:par>
+                    <p:cTn id="26" fill="hold">
+                      <p:stCondLst>
+                        <p:cond delay="indefinite"/>
+                      </p:stCondLst>
+                      <p:childTnLst>
+                        <p:par>
+                          <p:cTn id="27" fill="hold">
+                            <p:stCondLst>
+                              <p:cond delay="0"/>
+                            </p:stCondLst>
+                            <p:childTnLst>
+                              <p:par>
+                                <p:cTn id="28" presetID="10" presetClass="entr" presetSubtype="0" fill="hold" grpId="0" nodeType="clickEffect">
+                                  <p:stCondLst>
+                                    <p:cond delay="0"/>
+                                  </p:stCondLst>
+                                  <p:childTnLst>
+                                    <p:set>
+                                      <p:cBhvr>
+                                        <p:cTn id="29" dur="1" fill="hold">
+                                          <p:stCondLst>
+                                            <p:cond delay="0"/>
+                                          </p:stCondLst>
+                                        </p:cTn>
+                                        <p:tgtEl>
+                                          <p:spTgt spid="8"/>
+                                        </p:tgtEl>
+                                        <p:attrNameLst>
+                                          <p:attrName>style.visibility</p:attrName>
+                                        </p:attrNameLst>
+                                      </p:cBhvr>
+                                      <p:to>
+                                        <p:strVal val="visible"/>
+                                      </p:to>
+                                    </p:set>
+                                    <p:animEffect transition="in" filter="fade">
+                                      <p:cBhvr>
+                                        <p:cTn id="30" dur="500"/>
+                                        <p:tgtEl>
+                                          <p:spTgt spid="8"/>
+                                        </p:tgtEl>
+                                      </p:cBhvr>
+                                    </p:animEffect>
+                                  </p:childTnLst>
+                                </p:cTn>
+                              </p:par>
+                              <p:par>
+                                <p:cTn id="31" presetID="10" presetClass="entr" presetSubtype="0" fill="hold" grpId="0" nodeType="withEffect">
+                                  <p:stCondLst>
+                                    <p:cond delay="0"/>
+                                  </p:stCondLst>
+                                  <p:childTnLst>
+                                    <p:set>
+                                      <p:cBhvr>
+                                        <p:cTn id="32" dur="1" fill="hold">
+                                          <p:stCondLst>
+                                            <p:cond delay="0"/>
+                                          </p:stCondLst>
+                                        </p:cTn>
+                                        <p:tgtEl>
+                                          <p:spTgt spid="9"/>
+                                        </p:tgtEl>
+                                        <p:attrNameLst>
+                                          <p:attrName>style.visibility</p:attrName>
+                                        </p:attrNameLst>
+                                      </p:cBhvr>
+                                      <p:to>
+                                        <p:strVal val="visible"/>
+                                      </p:to>
+                                    </p:set>
+                                    <p:animEffect transition="in" filter="fade">
+                                      <p:cBhvr>
+                                        <p:cTn id="33" dur="500"/>
+                                        <p:tgtEl>
+                                          <p:spTgt spid="9"/>
+                                        </p:tgtEl>
+                                      </p:cBhvr>
+                                    </p:animEffect>
+                                  </p:childTnLst>
+                                </p:cTn>
+                              </p:par>
+                              <p:par>
+                                <p:cTn id="34" presetID="10" presetClass="entr" presetSubtype="0" fill="hold" grpId="0" nodeType="withEffect">
+                                  <p:stCondLst>
+                                    <p:cond delay="0"/>
+                                  </p:stCondLst>
+                                  <p:childTnLst>
+                                    <p:set>
+                                      <p:cBhvr>
+                                        <p:cTn id="35" dur="1" fill="hold">
+                                          <p:stCondLst>
+                                            <p:cond delay="0"/>
+                                          </p:stCondLst>
+                                        </p:cTn>
+                                        <p:tgtEl>
+                                          <p:spTgt spid="10"/>
+                                        </p:tgtEl>
+                                        <p:attrNameLst>
+                                          <p:attrName>style.visibility</p:attrName>
+                                        </p:attrNameLst>
+                                      </p:cBhvr>
+                                      <p:to>
+                                        <p:strVal val="visible"/>
+                                      </p:to>
+                                    </p:set>
+                                    <p:animEffect transition="in" filter="fade">
+                                      <p:cBhvr>
+                                        <p:cTn id="36" dur="500"/>
+                                        <p:tgtEl>
+                                          <p:spTgt spid="10"/>
+                                        </p:tgtEl>
+                                      </p:cBhvr>
+                                    </p:animEffect>
+                                  </p:childTnLst>
+                                </p:cTn>
+                              </p:par>
+                            </p:childTnLst>
+                          </p:cTn>
+                        </p:par>
+                      </p:childTnLst>
+                    </p:cTn>
+                  </p:par>
+                </p:childTnLst>
+              </p:cTn>
+              <p:prevCondLst>
+                <p:cond evt="onPrev" delay="0">
+                  <p:tgtEl>
+                    <p:sldTgt/>
+                  </p:tgtEl>
+                </p:cond>
+              </p:prevCondLst>
+              <p:nextCondLst>
+                <p:cond evt="onNext" delay="0">
+                  <p:tgtEl>
+                    <p:sldTgt/>
+                  </p:tgtEl>
+                </p:cond>
+              </p:nextCondLst>
+            </p:seq>
+          </p:childTnLst>
+        </p:cTn>
+      </p:par>
+    </p:tnLst>
+    <p:bldLst>
+      <p:bldP spid="3" grpId="0" animBg="1"/>
+      <p:bldP spid="4" grpId="0" animBg="1"/>
+      <p:bldP spid="5" grpId="0" animBg="1"/>
+      <p:bldP spid="6" grpId="0" animBg="1"/>
+      <p:bldP spid="7" grpId="0" animBg="1"/>
+      <p:bldP spid="8" grpId="0" animBg="1"/>
+      <p:bldP spid="9" grpId="0" animBg="1"/>
+      <p:bldP spid="10" grpId="0" animBg="1"/>
+    </p:bldLst>
+  </p:timing>
+</p:sld>
+</file>
+
+<file path=ppt/slides/slide20.xml><?xml version="1.0" encoding="utf-8"?>
 <p:sld xmlns:a="http://schemas.openxmlformats.org/drawingml/2006/main" xmlns:r="http://schemas.openxmlformats.org/officeDocument/2006/relationships" xmlns:p="http://schemas.openxmlformats.org/presentationml/2006/main">
   <p:cSld>
     <p:spTree>
@@ -6607,7 +10048,7 @@
 </p:sld>
 </file>
 
-<file path=ppt/slides/slide16.xml><?xml version="1.0" encoding="utf-8"?>
+<file path=ppt/slides/slide21.xml><?xml version="1.0" encoding="utf-8"?>
 <p:sld xmlns:a="http://schemas.openxmlformats.org/drawingml/2006/main" xmlns:r="http://schemas.openxmlformats.org/officeDocument/2006/relationships" xmlns:p="http://schemas.openxmlformats.org/presentationml/2006/main">
   <p:cSld>
     <p:spTree>
@@ -7448,7 +10889,7 @@
 </p:sld>
 </file>
 
-<file path=ppt/slides/slide17.xml><?xml version="1.0" encoding="utf-8"?>
+<file path=ppt/slides/slide22.xml><?xml version="1.0" encoding="utf-8"?>
 <p:sld xmlns:a="http://schemas.openxmlformats.org/drawingml/2006/main" xmlns:r="http://schemas.openxmlformats.org/officeDocument/2006/relationships" xmlns:p="http://schemas.openxmlformats.org/presentationml/2006/main">
   <p:cSld>
     <p:spTree>
@@ -7699,7 +11140,82 @@
 </p:sld>
 </file>
 
-<file path=ppt/slides/slide18.xml><?xml version="1.0" encoding="utf-8"?>
+<file path=ppt/slides/slide23.xml><?xml version="1.0" encoding="utf-8"?>
+<p:sld xmlns:a="http://schemas.openxmlformats.org/drawingml/2006/main" xmlns:r="http://schemas.openxmlformats.org/officeDocument/2006/relationships" xmlns:p="http://schemas.openxmlformats.org/presentationml/2006/main">
+  <p:cSld>
+    <p:spTree>
+      <p:nvGrpSpPr>
+        <p:cNvPr id="1" name=""/>
+        <p:cNvGrpSpPr/>
+        <p:nvPr/>
+      </p:nvGrpSpPr>
+      <p:grpSpPr>
+        <a:xfrm>
+          <a:off x="0" y="0"/>
+          <a:ext cx="0" cy="0"/>
+          <a:chOff x="0" y="0"/>
+          <a:chExt cx="0" cy="0"/>
+        </a:xfrm>
+      </p:grpSpPr>
+      <p:sp>
+        <p:nvSpPr>
+          <p:cNvPr id="2" name="Titolo 1"/>
+          <p:cNvSpPr>
+            <a:spLocks noGrp="1"/>
+          </p:cNvSpPr>
+          <p:nvPr>
+            <p:ph type="title"/>
+          </p:nvPr>
+        </p:nvSpPr>
+        <p:spPr/>
+        <p:txBody>
+          <a:bodyPr/>
+          <a:lstStyle/>
+          <a:p>
+            <a:endParaRPr lang="en-US"/>
+          </a:p>
+        </p:txBody>
+      </p:sp>
+      <p:sp>
+        <p:nvSpPr>
+          <p:cNvPr id="3" name="Segnaposto contenuto 2"/>
+          <p:cNvSpPr>
+            <a:spLocks noGrp="1"/>
+          </p:cNvSpPr>
+          <p:nvPr>
+            <p:ph idx="1"/>
+          </p:nvPr>
+        </p:nvSpPr>
+        <p:spPr/>
+        <p:txBody>
+          <a:bodyPr/>
+          <a:lstStyle/>
+          <a:p>
+            <a:endParaRPr lang="en-US"/>
+          </a:p>
+        </p:txBody>
+      </p:sp>
+    </p:spTree>
+    <p:extLst>
+      <p:ext uri="{BB962C8B-B14F-4D97-AF65-F5344CB8AC3E}">
+        <p14:creationId xmlns:p14="http://schemas.microsoft.com/office/powerpoint/2010/main" val="1889708067"/>
+      </p:ext>
+    </p:extLst>
+  </p:cSld>
+  <p:clrMapOvr>
+    <a:masterClrMapping/>
+  </p:clrMapOvr>
+  <p:timing>
+    <p:tnLst>
+      <p:par>
+        <p:cTn id="1" dur="indefinite" restart="never" nodeType="tmRoot"/>
+      </p:par>
+    </p:tnLst>
+  </p:timing>
+</p:sld>
+</file>
+
+<file path=ppt/slides/slide24.xml><?xml version="1.0" encoding="utf-8"?>
 <p:sld xmlns:a="http://schemas.openxmlformats.org/drawingml/2006/main" xmlns:r="http://schemas.openxmlformats.org/officeDocument/2006/relationships" xmlns:p="http://schemas.openxmlformats.org/presentationml/2006/main">
   <p:cSld>
     <p:spTree>
@@ -7799,7 +11315,7 @@
 </p:sld>
 </file>
 
-<file path=ppt/slides/slide19.xml><?xml version="1.0" encoding="utf-8"?>
+<file path=ppt/slides/slide25.xml><?xml version="1.0" encoding="utf-8"?>
 <p:sld xmlns:a="http://schemas.openxmlformats.org/drawingml/2006/main" xmlns:r="http://schemas.openxmlformats.org/officeDocument/2006/relationships" xmlns:p="http://schemas.openxmlformats.org/presentationml/2006/main">
   <p:cSld>
     <p:spTree>
@@ -8966,107 +12482,7 @@
 </p:sld>
 </file>
 
-<file path=ppt/slides/slide2.xml><?xml version="1.0" encoding="utf-8"?>
-<p:sld xmlns:a="http://schemas.openxmlformats.org/drawingml/2006/main" xmlns:r="http://schemas.openxmlformats.org/officeDocument/2006/relationships" xmlns:p="http://schemas.openxmlformats.org/presentationml/2006/main">
-  <p:cSld>
-    <p:spTree>
-      <p:nvGrpSpPr>
-        <p:cNvPr id="1" name=""/>
-        <p:cNvGrpSpPr/>
-        <p:nvPr/>
-      </p:nvGrpSpPr>
-      <p:grpSpPr>
-        <a:xfrm>
-          <a:off x="0" y="0"/>
-          <a:ext cx="0" cy="0"/>
-          <a:chOff x="0" y="0"/>
-          <a:chExt cx="0" cy="0"/>
-        </a:xfrm>
-      </p:grpSpPr>
-      <p:sp>
-        <p:nvSpPr>
-          <p:cNvPr id="4" name="Titolo 3"/>
-          <p:cNvSpPr>
-            <a:spLocks noGrp="1"/>
-          </p:cNvSpPr>
-          <p:nvPr>
-            <p:ph type="title"/>
-          </p:nvPr>
-        </p:nvSpPr>
-        <p:spPr>
-          <a:xfrm>
-            <a:off x="467544" y="1059582"/>
-            <a:ext cx="8229600" cy="857250"/>
-          </a:xfrm>
-        </p:spPr>
-        <p:txBody>
-          <a:bodyPr>
-            <a:noAutofit/>
-          </a:bodyPr>
-          <a:lstStyle/>
-          <a:p>
-            <a:r>
-              <a:rPr lang="it-IT" sz="8000" dirty="0" err="1">
-                <a:solidFill>
-                  <a:schemeClr val="accent2">
-                    <a:lumMod val="75000"/>
-                  </a:schemeClr>
-                </a:solidFill>
-                <a:effectLst>
-                  <a:outerShdw blurRad="38100" dist="38100" dir="2700000" algn="tl">
-                    <a:srgbClr val="000000">
-                      <a:alpha val="43137"/>
-                    </a:srgbClr>
-                  </a:outerShdw>
-                </a:effectLst>
-                <a:latin typeface="Adobe Fangsong Std R" pitchFamily="18" charset="-128"/>
-                <a:ea typeface="Adobe Fangsong Std R" pitchFamily="18" charset="-128"/>
-              </a:rPr>
-              <a:t>Requirements</a:t>
-            </a:r>
-            <a:endParaRPr lang="it-IT" sz="8000" dirty="0">
-              <a:solidFill>
-                <a:schemeClr val="accent2">
-                  <a:lumMod val="75000"/>
-                </a:schemeClr>
-              </a:solidFill>
-              <a:effectLst>
-                <a:outerShdw blurRad="38100" dist="38100" dir="2700000" algn="tl">
-                  <a:srgbClr val="000000">
-                    <a:alpha val="43137"/>
-                  </a:srgbClr>
-                </a:outerShdw>
-              </a:effectLst>
-              <a:latin typeface="Adobe Fangsong Std R" pitchFamily="18" charset="-128"/>
-              <a:ea typeface="Adobe Fangsong Std R" pitchFamily="18" charset="-128"/>
-            </a:endParaRPr>
-          </a:p>
-        </p:txBody>
-      </p:sp>
-    </p:spTree>
-    <p:extLst>
-      <p:ext uri="{BB962C8B-B14F-4D97-AF65-F5344CB8AC3E}">
-        <p14:creationId xmlns:p14="http://schemas.microsoft.com/office/powerpoint/2010/main" val="1762743943"/>
-      </p:ext>
-    </p:extLst>
-  </p:cSld>
-  <p:clrMapOvr>
-    <a:masterClrMapping/>
-  </p:clrMapOvr>
-  <p:transition spd="med">
-    <p:pull/>
-  </p:transition>
-  <p:timing>
-    <p:tnLst>
-      <p:par>
-        <p:cTn id="1" dur="indefinite" restart="never" nodeType="tmRoot"/>
-      </p:par>
-    </p:tnLst>
-  </p:timing>
-</p:sld>
-</file>
-
-<file path=ppt/slides/slide20.xml><?xml version="1.0" encoding="utf-8"?>
+<file path=ppt/slides/slide26.xml><?xml version="1.0" encoding="utf-8"?>
 <p:sld xmlns:a="http://schemas.openxmlformats.org/drawingml/2006/main" xmlns:r="http://schemas.openxmlformats.org/officeDocument/2006/relationships" xmlns:p="http://schemas.openxmlformats.org/presentationml/2006/main">
   <p:cSld>
     <p:spTree>
@@ -9642,7 +13058,7 @@
 </p:sld>
 </file>
 
-<file path=ppt/slides/slide21.xml><?xml version="1.0" encoding="utf-8"?>
+<file path=ppt/slides/slide27.xml><?xml version="1.0" encoding="utf-8"?>
 <p:sld xmlns:a="http://schemas.openxmlformats.org/drawingml/2006/main" xmlns:r="http://schemas.openxmlformats.org/officeDocument/2006/relationships" xmlns:p="http://schemas.openxmlformats.org/presentationml/2006/main">
   <p:cSld>
     <p:spTree>
@@ -10223,7 +13639,7 @@
 </p:sld>
 </file>
 
-<file path=ppt/slides/slide22.xml><?xml version="1.0" encoding="utf-8"?>
+<file path=ppt/slides/slide28.xml><?xml version="1.0" encoding="utf-8"?>
 <p:sld xmlns:a="http://schemas.openxmlformats.org/drawingml/2006/main" xmlns:r="http://schemas.openxmlformats.org/officeDocument/2006/relationships" xmlns:p="http://schemas.openxmlformats.org/presentationml/2006/main">
   <p:cSld>
     <p:spTree>
@@ -10990,7 +14406,7 @@
 </p:sld>
 </file>
 
-<file path=ppt/slides/slide23.xml><?xml version="1.0" encoding="utf-8"?>
+<file path=ppt/slides/slide29.xml><?xml version="1.0" encoding="utf-8"?>
 <p:sld xmlns:a="http://schemas.openxmlformats.org/drawingml/2006/main" xmlns:r="http://schemas.openxmlformats.org/officeDocument/2006/relationships" xmlns:p="http://schemas.openxmlformats.org/presentationml/2006/main">
   <p:cSld>
     <p:spTree>
@@ -11406,7 +14822,107 @@
 </p:sld>
 </file>
 
-<file path=ppt/slides/slide24.xml><?xml version="1.0" encoding="utf-8"?>
+<file path=ppt/slides/slide3.xml><?xml version="1.0" encoding="utf-8"?>
+<p:sld xmlns:a="http://schemas.openxmlformats.org/drawingml/2006/main" xmlns:r="http://schemas.openxmlformats.org/officeDocument/2006/relationships" xmlns:p="http://schemas.openxmlformats.org/presentationml/2006/main">
+  <p:cSld>
+    <p:spTree>
+      <p:nvGrpSpPr>
+        <p:cNvPr id="1" name=""/>
+        <p:cNvGrpSpPr/>
+        <p:nvPr/>
+      </p:nvGrpSpPr>
+      <p:grpSpPr>
+        <a:xfrm>
+          <a:off x="0" y="0"/>
+          <a:ext cx="0" cy="0"/>
+          <a:chOff x="0" y="0"/>
+          <a:chExt cx="0" cy="0"/>
+        </a:xfrm>
+      </p:grpSpPr>
+      <p:sp>
+        <p:nvSpPr>
+          <p:cNvPr id="4" name="Titolo 3"/>
+          <p:cNvSpPr>
+            <a:spLocks noGrp="1"/>
+          </p:cNvSpPr>
+          <p:nvPr>
+            <p:ph type="title"/>
+          </p:nvPr>
+        </p:nvSpPr>
+        <p:spPr>
+          <a:xfrm>
+            <a:off x="467544" y="1059582"/>
+            <a:ext cx="8229600" cy="857250"/>
+          </a:xfrm>
+        </p:spPr>
+        <p:txBody>
+          <a:bodyPr>
+            <a:noAutofit/>
+          </a:bodyPr>
+          <a:lstStyle/>
+          <a:p>
+            <a:r>
+              <a:rPr lang="it-IT" sz="8000" dirty="0" err="1">
+                <a:solidFill>
+                  <a:schemeClr val="accent2">
+                    <a:lumMod val="75000"/>
+                  </a:schemeClr>
+                </a:solidFill>
+                <a:effectLst>
+                  <a:outerShdw blurRad="38100" dist="38100" dir="2700000" algn="tl">
+                    <a:srgbClr val="000000">
+                      <a:alpha val="43137"/>
+                    </a:srgbClr>
+                  </a:outerShdw>
+                </a:effectLst>
+                <a:latin typeface="Adobe Fangsong Std R" pitchFamily="18" charset="-128"/>
+                <a:ea typeface="Adobe Fangsong Std R" pitchFamily="18" charset="-128"/>
+              </a:rPr>
+              <a:t>Requirements</a:t>
+            </a:r>
+            <a:endParaRPr lang="it-IT" sz="8000" dirty="0">
+              <a:solidFill>
+                <a:schemeClr val="accent2">
+                  <a:lumMod val="75000"/>
+                </a:schemeClr>
+              </a:solidFill>
+              <a:effectLst>
+                <a:outerShdw blurRad="38100" dist="38100" dir="2700000" algn="tl">
+                  <a:srgbClr val="000000">
+                    <a:alpha val="43137"/>
+                  </a:srgbClr>
+                </a:outerShdw>
+              </a:effectLst>
+              <a:latin typeface="Adobe Fangsong Std R" pitchFamily="18" charset="-128"/>
+              <a:ea typeface="Adobe Fangsong Std R" pitchFamily="18" charset="-128"/>
+            </a:endParaRPr>
+          </a:p>
+        </p:txBody>
+      </p:sp>
+    </p:spTree>
+    <p:extLst>
+      <p:ext uri="{BB962C8B-B14F-4D97-AF65-F5344CB8AC3E}">
+        <p14:creationId xmlns:p14="http://schemas.microsoft.com/office/powerpoint/2010/main" val="1762743943"/>
+      </p:ext>
+    </p:extLst>
+  </p:cSld>
+  <p:clrMapOvr>
+    <a:masterClrMapping/>
+  </p:clrMapOvr>
+  <p:transition spd="slow">
+    <p:cover/>
+  </p:transition>
+  <p:timing>
+    <p:tnLst>
+      <p:par>
+        <p:cTn id="1" dur="indefinite" restart="never" nodeType="tmRoot"/>
+      </p:par>
+    </p:tnLst>
+  </p:timing>
+</p:sld>
+</file>
+
+<file path=ppt/slides/slide30.xml><?xml version="1.0" encoding="utf-8"?>
 <p:sld xmlns:a="http://schemas.openxmlformats.org/drawingml/2006/main" xmlns:r="http://schemas.openxmlformats.org/officeDocument/2006/relationships" xmlns:p="http://schemas.openxmlformats.org/presentationml/2006/main">
   <p:cSld>
     <p:spTree>
@@ -12137,7 +15653,7 @@
 </p:sld>
 </file>
 
-<file path=ppt/slides/slide25.xml><?xml version="1.0" encoding="utf-8"?>
+<file path=ppt/slides/slide31.xml><?xml version="1.0" encoding="utf-8"?>
 <p:sld xmlns:a="http://schemas.openxmlformats.org/drawingml/2006/main" xmlns:r="http://schemas.openxmlformats.org/officeDocument/2006/relationships" xmlns:p="http://schemas.openxmlformats.org/presentationml/2006/main">
   <p:cSld>
     <p:spTree>
@@ -13486,7 +17002,7 @@
 </p:sld>
 </file>
 
-<file path=ppt/slides/slide26.xml><?xml version="1.0" encoding="utf-8"?>
+<file path=ppt/slides/slide32.xml><?xml version="1.0" encoding="utf-8"?>
 <p:sld xmlns:a="http://schemas.openxmlformats.org/drawingml/2006/main" xmlns:r="http://schemas.openxmlformats.org/officeDocument/2006/relationships" xmlns:p="http://schemas.openxmlformats.org/presentationml/2006/main">
   <p:cSld>
     <p:spTree>
@@ -14469,7 +17985,7 @@
 </p:sld>
 </file>
 
-<file path=ppt/slides/slide27.xml><?xml version="1.0" encoding="utf-8"?>
+<file path=ppt/slides/slide33.xml><?xml version="1.0" encoding="utf-8"?>
 <p:sld xmlns:a="http://schemas.openxmlformats.org/drawingml/2006/main" xmlns:r="http://schemas.openxmlformats.org/officeDocument/2006/relationships" xmlns:p="http://schemas.openxmlformats.org/presentationml/2006/main">
   <p:cSld>
     <p:spTree>
@@ -14656,7 +18172,7 @@
 </p:sld>
 </file>
 
-<file path=ppt/slides/slide28.xml><?xml version="1.0" encoding="utf-8"?>
+<file path=ppt/slides/slide34.xml><?xml version="1.0" encoding="utf-8"?>
 <p:sld xmlns:a="http://schemas.openxmlformats.org/drawingml/2006/main" xmlns:r="http://schemas.openxmlformats.org/officeDocument/2006/relationships" xmlns:p="http://schemas.openxmlformats.org/presentationml/2006/main">
   <p:cSld>
     <p:spTree>
@@ -14849,7 +18365,7 @@
 </p:sld>
 </file>
 
-<file path=ppt/slides/slide29.xml><?xml version="1.0" encoding="utf-8"?>
+<file path=ppt/slides/slide35.xml><?xml version="1.0" encoding="utf-8"?>
 <p:sld xmlns:a="http://schemas.openxmlformats.org/drawingml/2006/main" xmlns:r="http://schemas.openxmlformats.org/officeDocument/2006/relationships" xmlns:p="http://schemas.openxmlformats.org/presentationml/2006/main">
   <p:cSld>
     <p:spTree>
@@ -14949,578 +18465,7 @@
 </p:sld>
 </file>
 
-<file path=ppt/slides/slide3.xml><?xml version="1.0" encoding="utf-8"?>
-<p:sld xmlns:a="http://schemas.openxmlformats.org/drawingml/2006/main" xmlns:r="http://schemas.openxmlformats.org/officeDocument/2006/relationships" xmlns:p="http://schemas.openxmlformats.org/presentationml/2006/main">
-  <p:cSld>
-    <p:spTree>
-      <p:nvGrpSpPr>
-        <p:cNvPr id="1" name=""/>
-        <p:cNvGrpSpPr/>
-        <p:nvPr/>
-      </p:nvGrpSpPr>
-      <p:grpSpPr>
-        <a:xfrm>
-          <a:off x="0" y="0"/>
-          <a:ext cx="0" cy="0"/>
-          <a:chOff x="0" y="0"/>
-          <a:chExt cx="0" cy="0"/>
-        </a:xfrm>
-      </p:grpSpPr>
-      <p:sp>
-        <p:nvSpPr>
-          <p:cNvPr id="5" name="Titolo 4"/>
-          <p:cNvSpPr>
-            <a:spLocks noGrp="1"/>
-          </p:cNvSpPr>
-          <p:nvPr>
-            <p:ph type="title"/>
-          </p:nvPr>
-        </p:nvSpPr>
-        <p:spPr/>
-        <p:txBody>
-          <a:bodyPr/>
-          <a:lstStyle/>
-          <a:p>
-            <a:r>
-              <a:rPr lang="it-IT" dirty="0" smtClean="0">
-                <a:solidFill>
-                  <a:schemeClr val="accent2">
-                    <a:lumMod val="75000"/>
-                  </a:schemeClr>
-                </a:solidFill>
-                <a:latin typeface="Cambria" panose="02040503050406030204" pitchFamily="18" charset="0"/>
-              </a:rPr>
-              <a:t>Domain </a:t>
-            </a:r>
-            <a:r>
-              <a:rPr lang="it-IT" dirty="0" err="1" smtClean="0">
-                <a:solidFill>
-                  <a:schemeClr val="accent2">
-                    <a:lumMod val="75000"/>
-                  </a:schemeClr>
-                </a:solidFill>
-                <a:latin typeface="Cambria" panose="02040503050406030204" pitchFamily="18" charset="0"/>
-              </a:rPr>
-              <a:t>Assumptions</a:t>
-            </a:r>
-            <a:endParaRPr lang="it-IT" dirty="0">
-              <a:solidFill>
-                <a:schemeClr val="accent2">
-                  <a:lumMod val="75000"/>
-                </a:schemeClr>
-              </a:solidFill>
-              <a:latin typeface="Cambria" panose="02040503050406030204" pitchFamily="18" charset="0"/>
-            </a:endParaRPr>
-          </a:p>
-        </p:txBody>
-      </p:sp>
-      <p:sp>
-        <p:nvSpPr>
-          <p:cNvPr id="6" name="Segnaposto contenuto 5"/>
-          <p:cNvSpPr>
-            <a:spLocks noGrp="1"/>
-          </p:cNvSpPr>
-          <p:nvPr>
-            <p:ph idx="1"/>
-          </p:nvPr>
-        </p:nvSpPr>
-        <p:spPr/>
-        <p:txBody>
-          <a:bodyPr>
-            <a:normAutofit fontScale="92500" lnSpcReduction="10000"/>
-          </a:bodyPr>
-          <a:lstStyle/>
-          <a:p>
-            <a:r>
-              <a:rPr lang="en-US" dirty="0" smtClean="0">
-                <a:latin typeface="Cambria" panose="02040503050406030204" pitchFamily="18" charset="0"/>
-              </a:rPr>
-              <a:t> </a:t>
-            </a:r>
-            <a:r>
-              <a:rPr lang="en-US" sz="1900" b="1" dirty="0">
-                <a:latin typeface="Cambria" panose="02040503050406030204" pitchFamily="18" charset="0"/>
-              </a:rPr>
-              <a:t>Requests</a:t>
-            </a:r>
-            <a:r>
-              <a:rPr lang="en-US" sz="1900" dirty="0">
-                <a:latin typeface="Cambria" panose="02040503050406030204" pitchFamily="18" charset="0"/>
-              </a:rPr>
-              <a:t> and </a:t>
-            </a:r>
-            <a:r>
-              <a:rPr lang="en-US" sz="1900" b="1" dirty="0">
-                <a:latin typeface="Cambria" panose="02040503050406030204" pitchFamily="18" charset="0"/>
-              </a:rPr>
-              <a:t>reservations</a:t>
-            </a:r>
-            <a:r>
-              <a:rPr lang="en-US" sz="1900" dirty="0">
-                <a:latin typeface="Cambria" panose="02040503050406030204" pitchFamily="18" charset="0"/>
-              </a:rPr>
-              <a:t> can be </a:t>
-            </a:r>
-            <a:r>
-              <a:rPr lang="en-US" sz="1900" b="1" dirty="0">
-                <a:latin typeface="Cambria" panose="02040503050406030204" pitchFamily="18" charset="0"/>
-              </a:rPr>
-              <a:t>cancelled</a:t>
-            </a:r>
-            <a:r>
-              <a:rPr lang="en-US" sz="1900" dirty="0">
-                <a:latin typeface="Cambria" panose="02040503050406030204" pitchFamily="18" charset="0"/>
-              </a:rPr>
-              <a:t> if and only if no taxi have been </a:t>
-            </a:r>
-            <a:r>
-              <a:rPr lang="en-US" sz="1900" b="1" dirty="0">
-                <a:latin typeface="Cambria" panose="02040503050406030204" pitchFamily="18" charset="0"/>
-              </a:rPr>
-              <a:t>assigned</a:t>
-            </a:r>
-            <a:r>
-              <a:rPr lang="en-US" sz="1900" dirty="0">
-                <a:latin typeface="Cambria" panose="02040503050406030204" pitchFamily="18" charset="0"/>
-              </a:rPr>
-              <a:t> to the customer. </a:t>
-            </a:r>
-            <a:endParaRPr lang="en-US" sz="1900" dirty="0" smtClean="0">
-              <a:latin typeface="Cambria" panose="02040503050406030204" pitchFamily="18" charset="0"/>
-            </a:endParaRPr>
-          </a:p>
-          <a:p>
-            <a:endParaRPr lang="en-US" sz="1900" dirty="0">
-              <a:latin typeface="Cambria" panose="02040503050406030204" pitchFamily="18" charset="0"/>
-            </a:endParaRPr>
-          </a:p>
-          <a:p>
-            <a:r>
-              <a:rPr lang="en-US" sz="1900" dirty="0" smtClean="0">
-                <a:latin typeface="Cambria" panose="02040503050406030204" pitchFamily="18" charset="0"/>
-              </a:rPr>
-              <a:t> Customers are not allowed make more than </a:t>
-            </a:r>
-            <a:r>
-              <a:rPr lang="en-US" sz="1900" b="1" dirty="0" smtClean="0">
-                <a:latin typeface="Cambria" panose="02040503050406030204" pitchFamily="18" charset="0"/>
-              </a:rPr>
-              <a:t>one request </a:t>
-            </a:r>
-            <a:r>
-              <a:rPr lang="en-US" sz="1900" dirty="0" smtClean="0">
-                <a:latin typeface="Cambria" panose="02040503050406030204" pitchFamily="18" charset="0"/>
-              </a:rPr>
-              <a:t>if the previous has not been fulfilled yet.</a:t>
-            </a:r>
-          </a:p>
-          <a:p>
-            <a:pPr marL="0" indent="0">
-              <a:buNone/>
-            </a:pPr>
-            <a:endParaRPr lang="en-US" sz="1900" dirty="0" smtClean="0">
-              <a:latin typeface="Cambria" panose="02040503050406030204" pitchFamily="18" charset="0"/>
-            </a:endParaRPr>
-          </a:p>
-          <a:p>
-            <a:r>
-              <a:rPr lang="en-US" sz="1900" dirty="0" smtClean="0">
-                <a:latin typeface="Cambria" panose="02040503050406030204" pitchFamily="18" charset="0"/>
-              </a:rPr>
-              <a:t> </a:t>
-            </a:r>
-            <a:r>
-              <a:rPr lang="en-US" sz="1900" b="1" dirty="0" smtClean="0">
-                <a:latin typeface="Cambria" panose="02040503050406030204" pitchFamily="18" charset="0"/>
-              </a:rPr>
-              <a:t>Unlimited</a:t>
-            </a:r>
-            <a:r>
-              <a:rPr lang="en-US" sz="1900" dirty="0" smtClean="0">
-                <a:latin typeface="Cambria" panose="02040503050406030204" pitchFamily="18" charset="0"/>
-              </a:rPr>
-              <a:t> taxi reservations can be performed.                                             However, impracticable reservations identified at runtime will be </a:t>
-            </a:r>
-            <a:r>
-              <a:rPr lang="en-US" sz="1900" b="1" dirty="0" smtClean="0">
-                <a:latin typeface="Cambria" panose="02040503050406030204" pitchFamily="18" charset="0"/>
-              </a:rPr>
-              <a:t>cancelled.</a:t>
-            </a:r>
-          </a:p>
-          <a:p>
-            <a:endParaRPr lang="en-US" sz="1900" b="1" dirty="0" smtClean="0">
-              <a:latin typeface="Cambria" panose="02040503050406030204" pitchFamily="18" charset="0"/>
-            </a:endParaRPr>
-          </a:p>
-          <a:p>
-            <a:r>
-              <a:rPr lang="en-US" sz="1900" dirty="0">
-                <a:latin typeface="Cambria" panose="02040503050406030204" pitchFamily="18" charset="0"/>
-              </a:rPr>
-              <a:t>T</a:t>
-            </a:r>
-            <a:r>
-              <a:rPr lang="en-US" sz="1900" dirty="0" smtClean="0">
-                <a:latin typeface="Cambria" panose="02040503050406030204" pitchFamily="18" charset="0"/>
-              </a:rPr>
-              <a:t>he </a:t>
-            </a:r>
-            <a:r>
-              <a:rPr lang="en-US" sz="1900" dirty="0">
-                <a:latin typeface="Cambria" panose="02040503050406030204" pitchFamily="18" charset="0"/>
-              </a:rPr>
-              <a:t>taxi company has a </a:t>
-            </a:r>
-            <a:r>
-              <a:rPr lang="en-US" sz="1900" b="1" dirty="0">
-                <a:latin typeface="Cambria" panose="02040503050406030204" pitchFamily="18" charset="0"/>
-              </a:rPr>
-              <a:t>call center </a:t>
-            </a:r>
-            <a:r>
-              <a:rPr lang="en-US" sz="1900" dirty="0">
-                <a:latin typeface="Cambria" panose="02040503050406030204" pitchFamily="18" charset="0"/>
-              </a:rPr>
-              <a:t>that customer and taxi drivers can contact to </a:t>
-            </a:r>
-            <a:r>
-              <a:rPr lang="en-US" sz="1900" b="1" dirty="0">
-                <a:latin typeface="Cambria" panose="02040503050406030204" pitchFamily="18" charset="0"/>
-              </a:rPr>
-              <a:t>report</a:t>
-            </a:r>
-            <a:r>
-              <a:rPr lang="en-US" sz="1900" dirty="0">
-                <a:latin typeface="Cambria" panose="02040503050406030204" pitchFamily="18" charset="0"/>
-              </a:rPr>
-              <a:t> </a:t>
-            </a:r>
-            <a:r>
-              <a:rPr lang="en-US" sz="1900" b="1" dirty="0">
-                <a:latin typeface="Cambria" panose="02040503050406030204" pitchFamily="18" charset="0"/>
-              </a:rPr>
-              <a:t>issues</a:t>
-            </a:r>
-            <a:r>
-              <a:rPr lang="en-US" sz="1900" dirty="0">
-                <a:latin typeface="Cambria" panose="02040503050406030204" pitchFamily="18" charset="0"/>
-              </a:rPr>
-              <a:t> that cannot be resolved </a:t>
-            </a:r>
-            <a:r>
-              <a:rPr lang="en-US" sz="1900" dirty="0" smtClean="0">
-                <a:latin typeface="Cambria" panose="02040503050406030204" pitchFamily="18" charset="0"/>
-              </a:rPr>
-              <a:t>otherwise.</a:t>
-            </a:r>
-            <a:endParaRPr lang="it-IT" sz="1900" dirty="0">
-              <a:latin typeface="Cambria" panose="02040503050406030204" pitchFamily="18" charset="0"/>
-            </a:endParaRPr>
-          </a:p>
-          <a:p>
-            <a:endParaRPr lang="en-US" sz="2400" dirty="0">
-              <a:latin typeface="Cambria" panose="02040503050406030204" pitchFamily="18" charset="0"/>
-            </a:endParaRPr>
-          </a:p>
-          <a:p>
-            <a:endParaRPr lang="it-IT" sz="2400" dirty="0">
-              <a:latin typeface="Georgia" panose="02040502050405020303" pitchFamily="18" charset="0"/>
-            </a:endParaRPr>
-          </a:p>
-        </p:txBody>
-      </p:sp>
-    </p:spTree>
-    <p:extLst>
-      <p:ext uri="{BB962C8B-B14F-4D97-AF65-F5344CB8AC3E}">
-        <p14:creationId xmlns:p14="http://schemas.microsoft.com/office/powerpoint/2010/main" val="3415700722"/>
-      </p:ext>
-    </p:extLst>
-  </p:cSld>
-  <p:clrMapOvr>
-    <a:masterClrMapping/>
-  </p:clrMapOvr>
-  <p:transition spd="med">
-    <p:pull/>
-  </p:transition>
-  <p:timing>
-    <p:tnLst>
-      <p:par>
-        <p:cTn id="1" dur="indefinite" restart="never" nodeType="tmRoot">
-          <p:childTnLst>
-            <p:seq concurrent="1" nextAc="seek">
-              <p:cTn id="2" dur="indefinite" nodeType="mainSeq">
-                <p:childTnLst>
-                  <p:par>
-                    <p:cTn id="3" fill="hold">
-                      <p:stCondLst>
-                        <p:cond delay="indefinite"/>
-                      </p:stCondLst>
-                      <p:childTnLst>
-                        <p:par>
-                          <p:cTn id="4" fill="hold">
-                            <p:stCondLst>
-                              <p:cond delay="0"/>
-                            </p:stCondLst>
-                            <p:childTnLst>
-                              <p:par>
-                                <p:cTn id="5" presetID="10" presetClass="entr" presetSubtype="0" fill="hold" nodeType="clickEffect">
-                                  <p:stCondLst>
-                                    <p:cond delay="0"/>
-                                  </p:stCondLst>
-                                  <p:childTnLst>
-                                    <p:set>
-                                      <p:cBhvr>
-                                        <p:cTn id="6" dur="1" fill="hold">
-                                          <p:stCondLst>
-                                            <p:cond delay="0"/>
-                                          </p:stCondLst>
-                                        </p:cTn>
-                                        <p:tgtEl>
-                                          <p:spTgt spid="6">
-                                            <p:txEl>
-                                              <p:pRg st="0" end="0"/>
-                                            </p:txEl>
-                                          </p:spTgt>
-                                        </p:tgtEl>
-                                        <p:attrNameLst>
-                                          <p:attrName>style.visibility</p:attrName>
-                                        </p:attrNameLst>
-                                      </p:cBhvr>
-                                      <p:to>
-                                        <p:strVal val="visible"/>
-                                      </p:to>
-                                    </p:set>
-                                    <p:animEffect transition="in" filter="fade">
-                                      <p:cBhvr>
-                                        <p:cTn id="7" dur="500"/>
-                                        <p:tgtEl>
-                                          <p:spTgt spid="6">
-                                            <p:txEl>
-                                              <p:pRg st="0" end="0"/>
-                                            </p:txEl>
-                                          </p:spTgt>
-                                        </p:tgtEl>
-                                      </p:cBhvr>
-                                    </p:animEffect>
-                                  </p:childTnLst>
-                                </p:cTn>
-                              </p:par>
-                            </p:childTnLst>
-                          </p:cTn>
-                        </p:par>
-                      </p:childTnLst>
-                    </p:cTn>
-                  </p:par>
-                  <p:par>
-                    <p:cTn id="8" fill="hold">
-                      <p:stCondLst>
-                        <p:cond delay="indefinite"/>
-                      </p:stCondLst>
-                      <p:childTnLst>
-                        <p:par>
-                          <p:cTn id="9" fill="hold">
-                            <p:stCondLst>
-                              <p:cond delay="0"/>
-                            </p:stCondLst>
-                            <p:childTnLst>
-                              <p:par>
-                                <p:cTn id="10" presetID="10" presetClass="entr" presetSubtype="0" fill="hold" nodeType="clickEffect">
-                                  <p:stCondLst>
-                                    <p:cond delay="0"/>
-                                  </p:stCondLst>
-                                  <p:childTnLst>
-                                    <p:set>
-                                      <p:cBhvr>
-                                        <p:cTn id="11" dur="1" fill="hold">
-                                          <p:stCondLst>
-                                            <p:cond delay="0"/>
-                                          </p:stCondLst>
-                                        </p:cTn>
-                                        <p:tgtEl>
-                                          <p:spTgt spid="6">
-                                            <p:txEl>
-                                              <p:pRg st="2" end="2"/>
-                                            </p:txEl>
-                                          </p:spTgt>
-                                        </p:tgtEl>
-                                        <p:attrNameLst>
-                                          <p:attrName>style.visibility</p:attrName>
-                                        </p:attrNameLst>
-                                      </p:cBhvr>
-                                      <p:to>
-                                        <p:strVal val="visible"/>
-                                      </p:to>
-                                    </p:set>
-                                    <p:animEffect transition="in" filter="fade">
-                                      <p:cBhvr>
-                                        <p:cTn id="12" dur="500"/>
-                                        <p:tgtEl>
-                                          <p:spTgt spid="6">
-                                            <p:txEl>
-                                              <p:pRg st="2" end="2"/>
-                                            </p:txEl>
-                                          </p:spTgt>
-                                        </p:tgtEl>
-                                      </p:cBhvr>
-                                    </p:animEffect>
-                                  </p:childTnLst>
-                                </p:cTn>
-                              </p:par>
-                            </p:childTnLst>
-                          </p:cTn>
-                        </p:par>
-                      </p:childTnLst>
-                    </p:cTn>
-                  </p:par>
-                  <p:par>
-                    <p:cTn id="13" fill="hold">
-                      <p:stCondLst>
-                        <p:cond delay="indefinite"/>
-                      </p:stCondLst>
-                      <p:childTnLst>
-                        <p:par>
-                          <p:cTn id="14" fill="hold">
-                            <p:stCondLst>
-                              <p:cond delay="0"/>
-                            </p:stCondLst>
-                            <p:childTnLst>
-                              <p:par>
-                                <p:cTn id="15" presetID="10" presetClass="entr" presetSubtype="0" fill="hold" nodeType="clickEffect">
-                                  <p:stCondLst>
-                                    <p:cond delay="0"/>
-                                  </p:stCondLst>
-                                  <p:childTnLst>
-                                    <p:set>
-                                      <p:cBhvr>
-                                        <p:cTn id="16" dur="1" fill="hold">
-                                          <p:stCondLst>
-                                            <p:cond delay="0"/>
-                                          </p:stCondLst>
-                                        </p:cTn>
-                                        <p:tgtEl>
-                                          <p:spTgt spid="6">
-                                            <p:txEl>
-                                              <p:pRg st="4" end="4"/>
-                                            </p:txEl>
-                                          </p:spTgt>
-                                        </p:tgtEl>
-                                        <p:attrNameLst>
-                                          <p:attrName>style.visibility</p:attrName>
-                                        </p:attrNameLst>
-                                      </p:cBhvr>
-                                      <p:to>
-                                        <p:strVal val="visible"/>
-                                      </p:to>
-                                    </p:set>
-                                    <p:animEffect transition="in" filter="fade">
-                                      <p:cBhvr>
-                                        <p:cTn id="17" dur="500"/>
-                                        <p:tgtEl>
-                                          <p:spTgt spid="6">
-                                            <p:txEl>
-                                              <p:pRg st="4" end="4"/>
-                                            </p:txEl>
-                                          </p:spTgt>
-                                        </p:tgtEl>
-                                      </p:cBhvr>
-                                    </p:animEffect>
-                                  </p:childTnLst>
-                                </p:cTn>
-                              </p:par>
-                            </p:childTnLst>
-                          </p:cTn>
-                        </p:par>
-                      </p:childTnLst>
-                    </p:cTn>
-                  </p:par>
-                  <p:par>
-                    <p:cTn id="18" fill="hold">
-                      <p:stCondLst>
-                        <p:cond delay="indefinite"/>
-                      </p:stCondLst>
-                      <p:childTnLst>
-                        <p:par>
-                          <p:cTn id="19" fill="hold">
-                            <p:stCondLst>
-                              <p:cond delay="0"/>
-                            </p:stCondLst>
-                            <p:childTnLst>
-                              <p:par>
-                                <p:cTn id="20" presetID="10" presetClass="entr" presetSubtype="0" fill="hold" nodeType="clickEffect">
-                                  <p:stCondLst>
-                                    <p:cond delay="0"/>
-                                  </p:stCondLst>
-                                  <p:childTnLst>
-                                    <p:set>
-                                      <p:cBhvr>
-                                        <p:cTn id="21" dur="1" fill="hold">
-                                          <p:stCondLst>
-                                            <p:cond delay="0"/>
-                                          </p:stCondLst>
-                                        </p:cTn>
-                                        <p:tgtEl>
-                                          <p:spTgt spid="6">
-                                            <p:txEl>
-                                              <p:pRg st="6" end="6"/>
-                                            </p:txEl>
-                                          </p:spTgt>
-                                        </p:tgtEl>
-                                        <p:attrNameLst>
-                                          <p:attrName>style.visibility</p:attrName>
-                                        </p:attrNameLst>
-                                      </p:cBhvr>
-                                      <p:to>
-                                        <p:strVal val="visible"/>
-                                      </p:to>
-                                    </p:set>
-                                    <p:animEffect transition="in" filter="fade">
-                                      <p:cBhvr>
-                                        <p:cTn id="22" dur="500"/>
-                                        <p:tgtEl>
-                                          <p:spTgt spid="6">
-                                            <p:txEl>
-                                              <p:pRg st="6" end="6"/>
-                                            </p:txEl>
-                                          </p:spTgt>
-                                        </p:tgtEl>
-                                      </p:cBhvr>
-                                    </p:animEffect>
-                                  </p:childTnLst>
-                                </p:cTn>
-                              </p:par>
-                            </p:childTnLst>
-                          </p:cTn>
-                        </p:par>
-                      </p:childTnLst>
-                    </p:cTn>
-                  </p:par>
-                </p:childTnLst>
-              </p:cTn>
-              <p:prevCondLst>
-                <p:cond evt="onPrev" delay="0">
-                  <p:tgtEl>
-                    <p:sldTgt/>
-                  </p:tgtEl>
-                </p:cond>
-              </p:prevCondLst>
-              <p:nextCondLst>
-                <p:cond evt="onNext" delay="0">
-                  <p:tgtEl>
-                    <p:sldTgt/>
-                  </p:tgtEl>
-                </p:cond>
-              </p:nextCondLst>
-            </p:seq>
-          </p:childTnLst>
-        </p:cTn>
-      </p:par>
-    </p:tnLst>
-  </p:timing>
-</p:sld>
-</file>
-
-<file path=ppt/slides/slide30.xml><?xml version="1.0" encoding="utf-8"?>
+<file path=ppt/slides/slide36.xml><?xml version="1.0" encoding="utf-8"?>
 <p:sld xmlns:a="http://schemas.openxmlformats.org/drawingml/2006/main" xmlns:r="http://schemas.openxmlformats.org/officeDocument/2006/relationships" xmlns:p="http://schemas.openxmlformats.org/presentationml/2006/main">
   <p:cSld>
     <p:spTree>
@@ -16041,7 +18986,7 @@
 </p:sld>
 </file>
 
-<file path=ppt/slides/slide31.xml><?xml version="1.0" encoding="utf-8"?>
+<file path=ppt/slides/slide37.xml><?xml version="1.0" encoding="utf-8"?>
 <p:sld xmlns:a="http://schemas.openxmlformats.org/drawingml/2006/main" xmlns:r="http://schemas.openxmlformats.org/officeDocument/2006/relationships" xmlns:p="http://schemas.openxmlformats.org/presentationml/2006/main">
   <p:cSld>
     <p:spTree>
@@ -16596,7 +19541,7 @@
 </p:sld>
 </file>
 
-<file path=ppt/slides/slide32.xml><?xml version="1.0" encoding="utf-8"?>
+<file path=ppt/slides/slide38.xml><?xml version="1.0" encoding="utf-8"?>
 <p:sld xmlns:a="http://schemas.openxmlformats.org/drawingml/2006/main" xmlns:r="http://schemas.openxmlformats.org/officeDocument/2006/relationships" xmlns:p="http://schemas.openxmlformats.org/presentationml/2006/main">
   <p:cSld>
     <p:spTree>
@@ -17253,7 +20198,7 @@
 </p:sld>
 </file>
 
-<file path=ppt/slides/slide33.xml><?xml version="1.0" encoding="utf-8"?>
+<file path=ppt/slides/slide39.xml><?xml version="1.0" encoding="utf-8"?>
 <p:sld xmlns:a="http://schemas.openxmlformats.org/drawingml/2006/main" xmlns:r="http://schemas.openxmlformats.org/officeDocument/2006/relationships" xmlns:p="http://schemas.openxmlformats.org/presentationml/2006/main">
   <p:cSld>
     <p:spTree>
@@ -17945,7 +20890,651 @@
 </p:sld>
 </file>
 
-<file path=ppt/slides/slide34.xml><?xml version="1.0" encoding="utf-8"?>
+<file path=ppt/slides/slide4.xml><?xml version="1.0" encoding="utf-8"?>
+<p:sld xmlns:a="http://schemas.openxmlformats.org/drawingml/2006/main" xmlns:r="http://schemas.openxmlformats.org/officeDocument/2006/relationships" xmlns:p="http://schemas.openxmlformats.org/presentationml/2006/main">
+  <p:cSld>
+    <p:spTree>
+      <p:nvGrpSpPr>
+        <p:cNvPr id="1" name=""/>
+        <p:cNvGrpSpPr/>
+        <p:nvPr/>
+      </p:nvGrpSpPr>
+      <p:grpSpPr>
+        <a:xfrm>
+          <a:off x="0" y="0"/>
+          <a:ext cx="0" cy="0"/>
+          <a:chOff x="0" y="0"/>
+          <a:chExt cx="0" cy="0"/>
+        </a:xfrm>
+      </p:grpSpPr>
+      <p:sp>
+        <p:nvSpPr>
+          <p:cNvPr id="2" name="Titolo 4"/>
+          <p:cNvSpPr txBox="1">
+            <a:spLocks/>
+          </p:cNvSpPr>
+          <p:nvPr/>
+        </p:nvSpPr>
+        <p:spPr>
+          <a:xfrm>
+            <a:off x="457200" y="205979"/>
+            <a:ext cx="8229600" cy="857250"/>
+          </a:xfrm>
+          <a:prstGeom prst="rect">
+            <a:avLst/>
+          </a:prstGeom>
+        </p:spPr>
+        <p:txBody>
+          <a:bodyPr/>
+          <a:lstStyle>
+            <a:lvl1pPr algn="ctr" defTabSz="914400" rtl="0" eaLnBrk="1" latinLnBrk="0" hangingPunct="1">
+              <a:spcBef>
+                <a:spcPct val="0"/>
+              </a:spcBef>
+              <a:buNone/>
+              <a:defRPr sz="4400" kern="1200">
+                <a:solidFill>
+                  <a:schemeClr val="tx1"/>
+                </a:solidFill>
+                <a:latin typeface="+mj-lt"/>
+                <a:ea typeface="+mj-ea"/>
+                <a:cs typeface="+mj-cs"/>
+              </a:defRPr>
+            </a:lvl1pPr>
+          </a:lstStyle>
+          <a:p>
+            <a:r>
+              <a:rPr lang="it-IT" dirty="0" smtClean="0">
+                <a:solidFill>
+                  <a:schemeClr val="accent2">
+                    <a:lumMod val="75000"/>
+                  </a:schemeClr>
+                </a:solidFill>
+                <a:latin typeface="Cambria" panose="02040503050406030204" pitchFamily="18" charset="0"/>
+              </a:rPr>
+              <a:t>Domain </a:t>
+            </a:r>
+            <a:r>
+              <a:rPr lang="it-IT" dirty="0" err="1" smtClean="0">
+                <a:solidFill>
+                  <a:schemeClr val="accent2">
+                    <a:lumMod val="75000"/>
+                  </a:schemeClr>
+                </a:solidFill>
+                <a:latin typeface="Cambria" panose="02040503050406030204" pitchFamily="18" charset="0"/>
+              </a:rPr>
+              <a:t>Assumptions</a:t>
+            </a:r>
+            <a:endParaRPr lang="it-IT" dirty="0">
+              <a:solidFill>
+                <a:schemeClr val="accent2">
+                  <a:lumMod val="75000"/>
+                </a:schemeClr>
+              </a:solidFill>
+              <a:latin typeface="Cambria" panose="02040503050406030204" pitchFamily="18" charset="0"/>
+            </a:endParaRPr>
+          </a:p>
+        </p:txBody>
+      </p:sp>
+      <p:sp>
+        <p:nvSpPr>
+          <p:cNvPr id="3" name="Segnaposto contenuto 5"/>
+          <p:cNvSpPr txBox="1">
+            <a:spLocks/>
+          </p:cNvSpPr>
+          <p:nvPr/>
+        </p:nvSpPr>
+        <p:spPr>
+          <a:xfrm>
+            <a:off x="457200" y="1200151"/>
+            <a:ext cx="8229600" cy="3394472"/>
+          </a:xfrm>
+          <a:prstGeom prst="rect">
+            <a:avLst/>
+          </a:prstGeom>
+        </p:spPr>
+        <p:txBody>
+          <a:bodyPr>
+            <a:normAutofit/>
+          </a:bodyPr>
+          <a:lstStyle>
+            <a:lvl1pPr marL="342900" indent="-342900" algn="l" defTabSz="914400" rtl="0" eaLnBrk="1" latinLnBrk="0" hangingPunct="1">
+              <a:spcBef>
+                <a:spcPct val="20000"/>
+              </a:spcBef>
+              <a:buFont typeface="Arial" panose="020B0604020202020204" pitchFamily="34" charset="0"/>
+              <a:buChar char="•"/>
+              <a:defRPr sz="3200" kern="1200">
+                <a:solidFill>
+                  <a:schemeClr val="tx1"/>
+                </a:solidFill>
+                <a:latin typeface="+mn-lt"/>
+                <a:ea typeface="+mn-ea"/>
+                <a:cs typeface="+mn-cs"/>
+              </a:defRPr>
+            </a:lvl1pPr>
+            <a:lvl2pPr marL="742950" indent="-285750" algn="l" defTabSz="914400" rtl="0" eaLnBrk="1" latinLnBrk="0" hangingPunct="1">
+              <a:spcBef>
+                <a:spcPct val="20000"/>
+              </a:spcBef>
+              <a:buFont typeface="Arial" panose="020B0604020202020204" pitchFamily="34" charset="0"/>
+              <a:buChar char="–"/>
+              <a:defRPr sz="2800" kern="1200">
+                <a:solidFill>
+                  <a:schemeClr val="tx1"/>
+                </a:solidFill>
+                <a:latin typeface="+mn-lt"/>
+                <a:ea typeface="+mn-ea"/>
+                <a:cs typeface="+mn-cs"/>
+              </a:defRPr>
+            </a:lvl2pPr>
+            <a:lvl3pPr marL="1143000" indent="-228600" algn="l" defTabSz="914400" rtl="0" eaLnBrk="1" latinLnBrk="0" hangingPunct="1">
+              <a:spcBef>
+                <a:spcPct val="20000"/>
+              </a:spcBef>
+              <a:buFont typeface="Arial" panose="020B0604020202020204" pitchFamily="34" charset="0"/>
+              <a:buChar char="•"/>
+              <a:defRPr sz="2400" kern="1200">
+                <a:solidFill>
+                  <a:schemeClr val="tx1"/>
+                </a:solidFill>
+                <a:latin typeface="+mn-lt"/>
+                <a:ea typeface="+mn-ea"/>
+                <a:cs typeface="+mn-cs"/>
+              </a:defRPr>
+            </a:lvl3pPr>
+            <a:lvl4pPr marL="1600200" indent="-228600" algn="l" defTabSz="914400" rtl="0" eaLnBrk="1" latinLnBrk="0" hangingPunct="1">
+              <a:spcBef>
+                <a:spcPct val="20000"/>
+              </a:spcBef>
+              <a:buFont typeface="Arial" panose="020B0604020202020204" pitchFamily="34" charset="0"/>
+              <a:buChar char="–"/>
+              <a:defRPr sz="2000" kern="1200">
+                <a:solidFill>
+                  <a:schemeClr val="tx1"/>
+                </a:solidFill>
+                <a:latin typeface="+mn-lt"/>
+                <a:ea typeface="+mn-ea"/>
+                <a:cs typeface="+mn-cs"/>
+              </a:defRPr>
+            </a:lvl4pPr>
+            <a:lvl5pPr marL="2057400" indent="-228600" algn="l" defTabSz="914400" rtl="0" eaLnBrk="1" latinLnBrk="0" hangingPunct="1">
+              <a:spcBef>
+                <a:spcPct val="20000"/>
+              </a:spcBef>
+              <a:buFont typeface="Arial" panose="020B0604020202020204" pitchFamily="34" charset="0"/>
+              <a:buChar char="»"/>
+              <a:defRPr sz="2000" kern="1200">
+                <a:solidFill>
+                  <a:schemeClr val="tx1"/>
+                </a:solidFill>
+                <a:latin typeface="+mn-lt"/>
+                <a:ea typeface="+mn-ea"/>
+                <a:cs typeface="+mn-cs"/>
+              </a:defRPr>
+            </a:lvl5pPr>
+            <a:lvl6pPr marL="2514600" indent="-228600" algn="l" defTabSz="914400" rtl="0" eaLnBrk="1" latinLnBrk="0" hangingPunct="1">
+              <a:spcBef>
+                <a:spcPct val="20000"/>
+              </a:spcBef>
+              <a:buFont typeface="Arial" panose="020B0604020202020204" pitchFamily="34" charset="0"/>
+              <a:buChar char="•"/>
+              <a:defRPr sz="2000" kern="1200">
+                <a:solidFill>
+                  <a:schemeClr val="tx1"/>
+                </a:solidFill>
+                <a:latin typeface="+mn-lt"/>
+                <a:ea typeface="+mn-ea"/>
+                <a:cs typeface="+mn-cs"/>
+              </a:defRPr>
+            </a:lvl6pPr>
+            <a:lvl7pPr marL="2971800" indent="-228600" algn="l" defTabSz="914400" rtl="0" eaLnBrk="1" latinLnBrk="0" hangingPunct="1">
+              <a:spcBef>
+                <a:spcPct val="20000"/>
+              </a:spcBef>
+              <a:buFont typeface="Arial" panose="020B0604020202020204" pitchFamily="34" charset="0"/>
+              <a:buChar char="•"/>
+              <a:defRPr sz="2000" kern="1200">
+                <a:solidFill>
+                  <a:schemeClr val="tx1"/>
+                </a:solidFill>
+                <a:latin typeface="+mn-lt"/>
+                <a:ea typeface="+mn-ea"/>
+                <a:cs typeface="+mn-cs"/>
+              </a:defRPr>
+            </a:lvl7pPr>
+            <a:lvl8pPr marL="3429000" indent="-228600" algn="l" defTabSz="914400" rtl="0" eaLnBrk="1" latinLnBrk="0" hangingPunct="1">
+              <a:spcBef>
+                <a:spcPct val="20000"/>
+              </a:spcBef>
+              <a:buFont typeface="Arial" panose="020B0604020202020204" pitchFamily="34" charset="0"/>
+              <a:buChar char="•"/>
+              <a:defRPr sz="2000" kern="1200">
+                <a:solidFill>
+                  <a:schemeClr val="tx1"/>
+                </a:solidFill>
+                <a:latin typeface="+mn-lt"/>
+                <a:ea typeface="+mn-ea"/>
+                <a:cs typeface="+mn-cs"/>
+              </a:defRPr>
+            </a:lvl8pPr>
+            <a:lvl9pPr marL="3886200" indent="-228600" algn="l" defTabSz="914400" rtl="0" eaLnBrk="1" latinLnBrk="0" hangingPunct="1">
+              <a:spcBef>
+                <a:spcPct val="20000"/>
+              </a:spcBef>
+              <a:buFont typeface="Arial" panose="020B0604020202020204" pitchFamily="34" charset="0"/>
+              <a:buChar char="•"/>
+              <a:defRPr sz="2000" kern="1200">
+                <a:solidFill>
+                  <a:schemeClr val="tx1"/>
+                </a:solidFill>
+                <a:latin typeface="+mn-lt"/>
+                <a:ea typeface="+mn-ea"/>
+                <a:cs typeface="+mn-cs"/>
+              </a:defRPr>
+            </a:lvl9pPr>
+          </a:lstStyle>
+          <a:p>
+            <a:r>
+              <a:rPr lang="en-US" sz="1900" dirty="0" smtClean="0">
+                <a:latin typeface="Cambria" panose="02040503050406030204" pitchFamily="18" charset="0"/>
+              </a:rPr>
+              <a:t> </a:t>
+            </a:r>
+            <a:r>
+              <a:rPr lang="en-US" sz="2000" dirty="0">
+                <a:latin typeface="Cambria" panose="02040503050406030204" pitchFamily="18" charset="0"/>
+              </a:rPr>
+              <a:t> A </a:t>
+            </a:r>
+            <a:r>
+              <a:rPr lang="en-US" sz="2000" b="1" dirty="0">
+                <a:latin typeface="Cambria" panose="02040503050406030204" pitchFamily="18" charset="0"/>
+              </a:rPr>
+              <a:t>taxi driver account cannot</a:t>
+            </a:r>
+            <a:r>
+              <a:rPr lang="en-US" sz="2000" dirty="0">
+                <a:latin typeface="Cambria" panose="02040503050406030204" pitchFamily="18" charset="0"/>
+              </a:rPr>
+              <a:t> be used as a </a:t>
+            </a:r>
+            <a:r>
+              <a:rPr lang="en-US" sz="2000" b="1" dirty="0">
+                <a:latin typeface="Cambria" panose="02040503050406030204" pitchFamily="18" charset="0"/>
+              </a:rPr>
+              <a:t>customer</a:t>
+            </a:r>
+            <a:r>
+              <a:rPr lang="en-US" sz="2000" dirty="0">
+                <a:latin typeface="Cambria" panose="02040503050406030204" pitchFamily="18" charset="0"/>
+              </a:rPr>
+              <a:t> </a:t>
+            </a:r>
+            <a:r>
+              <a:rPr lang="en-US" sz="2000" b="1" dirty="0">
+                <a:latin typeface="Cambria" panose="02040503050406030204" pitchFamily="18" charset="0"/>
+              </a:rPr>
+              <a:t>account</a:t>
+            </a:r>
+            <a:r>
+              <a:rPr lang="en-US" sz="2000" dirty="0">
+                <a:latin typeface="Cambria" panose="02040503050406030204" pitchFamily="18" charset="0"/>
+              </a:rPr>
+              <a:t>, and vice versa. This means that if a taxi driver wants to access the customer’s services, he will need to create a customer account. </a:t>
+            </a:r>
+            <a:endParaRPr lang="en-US" sz="2000" dirty="0" smtClean="0">
+              <a:latin typeface="Cambria" panose="02040503050406030204" pitchFamily="18" charset="0"/>
+            </a:endParaRPr>
+          </a:p>
+          <a:p>
+            <a:endParaRPr lang="en-US" sz="2000" dirty="0">
+              <a:latin typeface="Cambria" panose="02040503050406030204" pitchFamily="18" charset="0"/>
+            </a:endParaRPr>
+          </a:p>
+          <a:p>
+            <a:r>
+              <a:rPr lang="en-US" sz="2000" dirty="0">
+                <a:latin typeface="Cambria" panose="02040503050406030204" pitchFamily="18" charset="0"/>
+              </a:rPr>
+              <a:t>Web and mobile </a:t>
+            </a:r>
+            <a:r>
+              <a:rPr lang="en-US" sz="2000" b="1" dirty="0">
+                <a:latin typeface="Cambria" panose="02040503050406030204" pitchFamily="18" charset="0"/>
+              </a:rPr>
+              <a:t>registration</a:t>
+            </a:r>
+            <a:r>
+              <a:rPr lang="en-US" sz="2000" dirty="0">
+                <a:latin typeface="Cambria" panose="02040503050406030204" pitchFamily="18" charset="0"/>
+              </a:rPr>
+              <a:t> are intended for </a:t>
+            </a:r>
+            <a:r>
+              <a:rPr lang="en-US" sz="2000" b="1" dirty="0">
+                <a:latin typeface="Cambria" panose="02040503050406030204" pitchFamily="18" charset="0"/>
+              </a:rPr>
+              <a:t>customers</a:t>
+            </a:r>
+            <a:r>
+              <a:rPr lang="en-US" sz="2000" dirty="0">
+                <a:latin typeface="Cambria" panose="02040503050406030204" pitchFamily="18" charset="0"/>
+              </a:rPr>
+              <a:t> </a:t>
+            </a:r>
+            <a:r>
+              <a:rPr lang="en-US" sz="2000" b="1" dirty="0">
+                <a:latin typeface="Cambria" panose="02040503050406030204" pitchFamily="18" charset="0"/>
+              </a:rPr>
+              <a:t>only</a:t>
+            </a:r>
+            <a:r>
+              <a:rPr lang="en-US" sz="2000" dirty="0">
+                <a:latin typeface="Cambria" panose="02040503050406030204" pitchFamily="18" charset="0"/>
+              </a:rPr>
+              <a:t>.                                                       Taxi drivers’ account are created by an </a:t>
+            </a:r>
+            <a:r>
+              <a:rPr lang="en-US" sz="2000" b="1" dirty="0">
+                <a:latin typeface="Cambria" panose="02040503050406030204" pitchFamily="18" charset="0"/>
+              </a:rPr>
+              <a:t>administrator</a:t>
+            </a:r>
+            <a:r>
+              <a:rPr lang="en-US" sz="2000" dirty="0" smtClean="0">
+                <a:latin typeface="Cambria" panose="02040503050406030204" pitchFamily="18" charset="0"/>
+              </a:rPr>
+              <a:t>.</a:t>
+            </a:r>
+          </a:p>
+          <a:p>
+            <a:pPr marL="0" indent="0">
+              <a:buNone/>
+            </a:pPr>
+            <a:endParaRPr lang="en-US" sz="1900" dirty="0" smtClean="0">
+              <a:latin typeface="Cambria" panose="02040503050406030204" pitchFamily="18" charset="0"/>
+            </a:endParaRPr>
+          </a:p>
+          <a:p>
+            <a:r>
+              <a:rPr lang="en-US" sz="2000" dirty="0" smtClean="0">
+                <a:latin typeface="Cambria" panose="02040503050406030204" pitchFamily="18" charset="0"/>
+              </a:rPr>
+              <a:t>Taxi drivers’ </a:t>
+            </a:r>
+            <a:r>
+              <a:rPr lang="en-US" sz="2000" b="1" dirty="0" smtClean="0">
+                <a:latin typeface="Cambria" panose="02040503050406030204" pitchFamily="18" charset="0"/>
+              </a:rPr>
+              <a:t>status</a:t>
+            </a:r>
+            <a:r>
+              <a:rPr lang="en-US" sz="2000" dirty="0" smtClean="0">
+                <a:latin typeface="Cambria" panose="02040503050406030204" pitchFamily="18" charset="0"/>
+              </a:rPr>
+              <a:t> must be updated </a:t>
+            </a:r>
+            <a:r>
+              <a:rPr lang="en-US" sz="2000" b="1" dirty="0" smtClean="0">
+                <a:latin typeface="Cambria" panose="02040503050406030204" pitchFamily="18" charset="0"/>
+              </a:rPr>
+              <a:t>manually</a:t>
+            </a:r>
+            <a:r>
+              <a:rPr lang="en-US" sz="2000" dirty="0" smtClean="0">
+                <a:latin typeface="Cambria" panose="02040503050406030204" pitchFamily="18" charset="0"/>
+              </a:rPr>
+              <a:t>, except when the driver accept a ride request by a MTS customer.</a:t>
+            </a:r>
+          </a:p>
+          <a:p>
+            <a:endParaRPr lang="it-IT" sz="1900" dirty="0" smtClean="0">
+              <a:latin typeface="Cambria" panose="02040503050406030204" pitchFamily="18" charset="0"/>
+            </a:endParaRPr>
+          </a:p>
+          <a:p>
+            <a:endParaRPr lang="en-US" sz="2400" dirty="0" smtClean="0">
+              <a:latin typeface="Cambria" panose="02040503050406030204" pitchFamily="18" charset="0"/>
+            </a:endParaRPr>
+          </a:p>
+          <a:p>
+            <a:endParaRPr lang="it-IT" sz="2400" dirty="0">
+              <a:latin typeface="Georgia" panose="02040502050405020303" pitchFamily="18" charset="0"/>
+            </a:endParaRPr>
+          </a:p>
+        </p:txBody>
+      </p:sp>
+    </p:spTree>
+    <p:extLst>
+      <p:ext uri="{BB962C8B-B14F-4D97-AF65-F5344CB8AC3E}">
+        <p14:creationId xmlns:p14="http://schemas.microsoft.com/office/powerpoint/2010/main" val="2611293922"/>
+      </p:ext>
+    </p:extLst>
+  </p:cSld>
+  <p:clrMapOvr>
+    <a:masterClrMapping/>
+  </p:clrMapOvr>
+  <p:transition spd="med">
+    <p:pull/>
+  </p:transition>
+  <p:timing>
+    <p:tnLst>
+      <p:par>
+        <p:cTn id="1" dur="indefinite" restart="never" nodeType="tmRoot">
+          <p:childTnLst>
+            <p:seq concurrent="1" nextAc="seek">
+              <p:cTn id="2" dur="indefinite" nodeType="mainSeq">
+                <p:childTnLst>
+                  <p:par>
+                    <p:cTn id="3" fill="hold">
+                      <p:stCondLst>
+                        <p:cond delay="indefinite"/>
+                      </p:stCondLst>
+                      <p:childTnLst>
+                        <p:par>
+                          <p:cTn id="4" fill="hold">
+                            <p:stCondLst>
+                              <p:cond delay="0"/>
+                            </p:stCondLst>
+                            <p:childTnLst>
+                              <p:par>
+                                <p:cTn id="5" presetID="10" presetClass="entr" presetSubtype="0" fill="hold" nodeType="clickEffect">
+                                  <p:stCondLst>
+                                    <p:cond delay="0"/>
+                                  </p:stCondLst>
+                                  <p:childTnLst>
+                                    <p:set>
+                                      <p:cBhvr>
+                                        <p:cTn id="6" dur="1" fill="hold">
+                                          <p:stCondLst>
+                                            <p:cond delay="0"/>
+                                          </p:stCondLst>
+                                        </p:cTn>
+                                        <p:tgtEl>
+                                          <p:spTgt spid="3">
+                                            <p:txEl>
+                                              <p:pRg st="0" end="0"/>
+                                            </p:txEl>
+                                          </p:spTgt>
+                                        </p:tgtEl>
+                                        <p:attrNameLst>
+                                          <p:attrName>style.visibility</p:attrName>
+                                        </p:attrNameLst>
+                                      </p:cBhvr>
+                                      <p:to>
+                                        <p:strVal val="visible"/>
+                                      </p:to>
+                                    </p:set>
+                                    <p:animEffect transition="in" filter="fade">
+                                      <p:cBhvr>
+                                        <p:cTn id="7" dur="500"/>
+                                        <p:tgtEl>
+                                          <p:spTgt spid="3">
+                                            <p:txEl>
+                                              <p:pRg st="0" end="0"/>
+                                            </p:txEl>
+                                          </p:spTgt>
+                                        </p:tgtEl>
+                                      </p:cBhvr>
+                                    </p:animEffect>
+                                  </p:childTnLst>
+                                </p:cTn>
+                              </p:par>
+                            </p:childTnLst>
+                          </p:cTn>
+                        </p:par>
+                      </p:childTnLst>
+                    </p:cTn>
+                  </p:par>
+                  <p:par>
+                    <p:cTn id="8" fill="hold">
+                      <p:stCondLst>
+                        <p:cond delay="indefinite"/>
+                      </p:stCondLst>
+                      <p:childTnLst>
+                        <p:par>
+                          <p:cTn id="9" fill="hold">
+                            <p:stCondLst>
+                              <p:cond delay="0"/>
+                            </p:stCondLst>
+                            <p:childTnLst>
+                              <p:par>
+                                <p:cTn id="10" presetID="10" presetClass="entr" presetSubtype="0" fill="hold" nodeType="clickEffect">
+                                  <p:stCondLst>
+                                    <p:cond delay="0"/>
+                                  </p:stCondLst>
+                                  <p:childTnLst>
+                                    <p:set>
+                                      <p:cBhvr>
+                                        <p:cTn id="11" dur="1" fill="hold">
+                                          <p:stCondLst>
+                                            <p:cond delay="0"/>
+                                          </p:stCondLst>
+                                        </p:cTn>
+                                        <p:tgtEl>
+                                          <p:spTgt spid="3">
+                                            <p:txEl>
+                                              <p:pRg st="2" end="2"/>
+                                            </p:txEl>
+                                          </p:spTgt>
+                                        </p:tgtEl>
+                                        <p:attrNameLst>
+                                          <p:attrName>style.visibility</p:attrName>
+                                        </p:attrNameLst>
+                                      </p:cBhvr>
+                                      <p:to>
+                                        <p:strVal val="visible"/>
+                                      </p:to>
+                                    </p:set>
+                                    <p:animEffect transition="in" filter="fade">
+                                      <p:cBhvr>
+                                        <p:cTn id="12" dur="500"/>
+                                        <p:tgtEl>
+                                          <p:spTgt spid="3">
+                                            <p:txEl>
+                                              <p:pRg st="2" end="2"/>
+                                            </p:txEl>
+                                          </p:spTgt>
+                                        </p:tgtEl>
+                                      </p:cBhvr>
+                                    </p:animEffect>
+                                  </p:childTnLst>
+                                </p:cTn>
+                              </p:par>
+                            </p:childTnLst>
+                          </p:cTn>
+                        </p:par>
+                      </p:childTnLst>
+                    </p:cTn>
+                  </p:par>
+                  <p:par>
+                    <p:cTn id="13" fill="hold">
+                      <p:stCondLst>
+                        <p:cond delay="indefinite"/>
+                      </p:stCondLst>
+                      <p:childTnLst>
+                        <p:par>
+                          <p:cTn id="14" fill="hold">
+                            <p:stCondLst>
+                              <p:cond delay="0"/>
+                            </p:stCondLst>
+                            <p:childTnLst>
+                              <p:par>
+                                <p:cTn id="15" presetID="10" presetClass="entr" presetSubtype="0" fill="hold" nodeType="clickEffect">
+                                  <p:stCondLst>
+                                    <p:cond delay="0"/>
+                                  </p:stCondLst>
+                                  <p:childTnLst>
+                                    <p:set>
+                                      <p:cBhvr>
+                                        <p:cTn id="16" dur="1" fill="hold">
+                                          <p:stCondLst>
+                                            <p:cond delay="0"/>
+                                          </p:stCondLst>
+                                        </p:cTn>
+                                        <p:tgtEl>
+                                          <p:spTgt spid="3">
+                                            <p:txEl>
+                                              <p:pRg st="4" end="4"/>
+                                            </p:txEl>
+                                          </p:spTgt>
+                                        </p:tgtEl>
+                                        <p:attrNameLst>
+                                          <p:attrName>style.visibility</p:attrName>
+                                        </p:attrNameLst>
+                                      </p:cBhvr>
+                                      <p:to>
+                                        <p:strVal val="visible"/>
+                                      </p:to>
+                                    </p:set>
+                                    <p:animEffect transition="in" filter="fade">
+                                      <p:cBhvr>
+                                        <p:cTn id="17" dur="500"/>
+                                        <p:tgtEl>
+                                          <p:spTgt spid="3">
+                                            <p:txEl>
+                                              <p:pRg st="4" end="4"/>
+                                            </p:txEl>
+                                          </p:spTgt>
+                                        </p:tgtEl>
+                                      </p:cBhvr>
+                                    </p:animEffect>
+                                  </p:childTnLst>
+                                </p:cTn>
+                              </p:par>
+                            </p:childTnLst>
+                          </p:cTn>
+                        </p:par>
+                      </p:childTnLst>
+                    </p:cTn>
+                  </p:par>
+                </p:childTnLst>
+              </p:cTn>
+              <p:prevCondLst>
+                <p:cond evt="onPrev" delay="0">
+                  <p:tgtEl>
+                    <p:sldTgt/>
+                  </p:tgtEl>
+                </p:cond>
+              </p:prevCondLst>
+              <p:nextCondLst>
+                <p:cond evt="onNext" delay="0">
+                  <p:tgtEl>
+                    <p:sldTgt/>
+                  </p:tgtEl>
+                </p:cond>
+              </p:nextCondLst>
+            </p:seq>
+          </p:childTnLst>
+        </p:cTn>
+      </p:par>
+    </p:tnLst>
+  </p:timing>
+</p:sld>
+</file>
+
+<file path=ppt/slides/slide40.xml><?xml version="1.0" encoding="utf-8"?>
 <p:sld xmlns:a="http://schemas.openxmlformats.org/drawingml/2006/main" xmlns:r="http://schemas.openxmlformats.org/officeDocument/2006/relationships" xmlns:p="http://schemas.openxmlformats.org/presentationml/2006/main">
   <p:cSld>
     <p:spTree>
@@ -18435,7 +22024,7 @@
 </p:sld>
 </file>
 
-<file path=ppt/slides/slide35.xml><?xml version="1.0" encoding="utf-8"?>
+<file path=ppt/slides/slide41.xml><?xml version="1.0" encoding="utf-8"?>
 <p:sld xmlns:a="http://schemas.openxmlformats.org/drawingml/2006/main" xmlns:r="http://schemas.openxmlformats.org/officeDocument/2006/relationships" xmlns:p="http://schemas.openxmlformats.org/presentationml/2006/main">
   <p:cSld>
     <p:spTree>
@@ -18784,7 +22373,7 @@
 </p:sld>
 </file>
 
-<file path=ppt/slides/slide36.xml><?xml version="1.0" encoding="utf-8"?>
+<file path=ppt/slides/slide42.xml><?xml version="1.0" encoding="utf-8"?>
 <p:sld xmlns:a="http://schemas.openxmlformats.org/drawingml/2006/main" xmlns:r="http://schemas.openxmlformats.org/officeDocument/2006/relationships" xmlns:p="http://schemas.openxmlformats.org/presentationml/2006/main">
   <p:cSld>
     <p:spTree>
@@ -19040,7 +22629,7 @@
 </p:sld>
 </file>
 
-<file path=ppt/slides/slide37.xml><?xml version="1.0" encoding="utf-8"?>
+<file path=ppt/slides/slide43.xml><?xml version="1.0" encoding="utf-8"?>
 <p:sld xmlns:a="http://schemas.openxmlformats.org/drawingml/2006/main" xmlns:r="http://schemas.openxmlformats.org/officeDocument/2006/relationships" xmlns:p="http://schemas.openxmlformats.org/presentationml/2006/main">
   <p:cSld>
     <p:spTree>
@@ -19744,7 +23333,7 @@
 </p:sld>
 </file>
 
-<file path=ppt/slides/slide38.xml><?xml version="1.0" encoding="utf-8"?>
+<file path=ppt/slides/slide44.xml><?xml version="1.0" encoding="utf-8"?>
 <p:sld xmlns:a="http://schemas.openxmlformats.org/drawingml/2006/main" xmlns:r="http://schemas.openxmlformats.org/officeDocument/2006/relationships" xmlns:p="http://schemas.openxmlformats.org/presentationml/2006/main">
   <p:cSld>
     <p:spTree>
@@ -19882,7 +23471,7 @@
 </p:sld>
 </file>
 
-<file path=ppt/slides/slide39.xml><?xml version="1.0" encoding="utf-8"?>
+<file path=ppt/slides/slide45.xml><?xml version="1.0" encoding="utf-8"?>
 <p:sld xmlns:a="http://schemas.openxmlformats.org/drawingml/2006/main" xmlns:r="http://schemas.openxmlformats.org/officeDocument/2006/relationships" xmlns:p="http://schemas.openxmlformats.org/presentationml/2006/main">
   <p:cSld>
     <p:spTree>
@@ -21351,602 +24940,7 @@
 </p:sld>
 </file>
 
-<file path=ppt/slides/slide4.xml><?xml version="1.0" encoding="utf-8"?>
-<p:sld xmlns:a="http://schemas.openxmlformats.org/drawingml/2006/main" xmlns:r="http://schemas.openxmlformats.org/officeDocument/2006/relationships" xmlns:p="http://schemas.openxmlformats.org/presentationml/2006/main">
-  <p:cSld>
-    <p:spTree>
-      <p:nvGrpSpPr>
-        <p:cNvPr id="1" name=""/>
-        <p:cNvGrpSpPr/>
-        <p:nvPr/>
-      </p:nvGrpSpPr>
-      <p:grpSpPr>
-        <a:xfrm>
-          <a:off x="0" y="0"/>
-          <a:ext cx="0" cy="0"/>
-          <a:chOff x="0" y="0"/>
-          <a:chExt cx="0" cy="0"/>
-        </a:xfrm>
-      </p:grpSpPr>
-      <p:sp>
-        <p:nvSpPr>
-          <p:cNvPr id="2" name="Titolo 1"/>
-          <p:cNvSpPr>
-            <a:spLocks noGrp="1"/>
-          </p:cNvSpPr>
-          <p:nvPr>
-            <p:ph type="title"/>
-          </p:nvPr>
-        </p:nvSpPr>
-        <p:spPr/>
-        <p:txBody>
-          <a:bodyPr/>
-          <a:lstStyle/>
-          <a:p>
-            <a:r>
-              <a:rPr lang="it-IT" dirty="0" smtClean="0">
-                <a:solidFill>
-                  <a:schemeClr val="accent2">
-                    <a:lumMod val="75000"/>
-                  </a:schemeClr>
-                </a:solidFill>
-                <a:latin typeface="Georgia" panose="02040502050405020303" pitchFamily="18" charset="0"/>
-              </a:rPr>
-              <a:t>Domain </a:t>
-            </a:r>
-            <a:r>
-              <a:rPr lang="it-IT" dirty="0" err="1" smtClean="0">
-                <a:solidFill>
-                  <a:schemeClr val="accent2">
-                    <a:lumMod val="75000"/>
-                  </a:schemeClr>
-                </a:solidFill>
-                <a:latin typeface="Georgia" panose="02040502050405020303" pitchFamily="18" charset="0"/>
-              </a:rPr>
-              <a:t>Assumptions</a:t>
-            </a:r>
-            <a:endParaRPr lang="it-IT" dirty="0">
-              <a:solidFill>
-                <a:schemeClr val="accent2">
-                  <a:lumMod val="75000"/>
-                </a:schemeClr>
-              </a:solidFill>
-              <a:latin typeface="Georgia" panose="02040502050405020303" pitchFamily="18" charset="0"/>
-            </a:endParaRPr>
-          </a:p>
-        </p:txBody>
-      </p:sp>
-      <p:sp>
-        <p:nvSpPr>
-          <p:cNvPr id="3" name="Segnaposto contenuto 2"/>
-          <p:cNvSpPr>
-            <a:spLocks noGrp="1"/>
-          </p:cNvSpPr>
-          <p:nvPr>
-            <p:ph idx="1"/>
-          </p:nvPr>
-        </p:nvSpPr>
-        <p:spPr>
-          <a:xfrm>
-            <a:off x="457200" y="1200150"/>
-            <a:ext cx="8229600" cy="3459831"/>
-          </a:xfrm>
-        </p:spPr>
-        <p:txBody>
-          <a:bodyPr>
-            <a:normAutofit fontScale="47500" lnSpcReduction="20000"/>
-          </a:bodyPr>
-          <a:lstStyle/>
-          <a:p>
-            <a:r>
-              <a:rPr lang="en-US" dirty="0" smtClean="0">
-                <a:latin typeface="Cambria" panose="02040503050406030204" pitchFamily="18" charset="0"/>
-              </a:rPr>
-              <a:t>Taxi drivers’ </a:t>
-            </a:r>
-            <a:r>
-              <a:rPr lang="en-US" b="1" dirty="0" smtClean="0">
-                <a:latin typeface="Cambria" panose="02040503050406030204" pitchFamily="18" charset="0"/>
-              </a:rPr>
-              <a:t>status</a:t>
-            </a:r>
-            <a:r>
-              <a:rPr lang="en-US" dirty="0" smtClean="0">
-                <a:latin typeface="Cambria" panose="02040503050406030204" pitchFamily="18" charset="0"/>
-              </a:rPr>
-              <a:t> must be updated </a:t>
-            </a:r>
-            <a:r>
-              <a:rPr lang="en-US" b="1" dirty="0" smtClean="0">
-                <a:latin typeface="Cambria" panose="02040503050406030204" pitchFamily="18" charset="0"/>
-              </a:rPr>
-              <a:t>manually</a:t>
-            </a:r>
-            <a:r>
-              <a:rPr lang="en-US" dirty="0" smtClean="0">
-                <a:latin typeface="Cambria" panose="02040503050406030204" pitchFamily="18" charset="0"/>
-              </a:rPr>
-              <a:t>, except when the driver accept a ride request by a MTS customer.</a:t>
-            </a:r>
-          </a:p>
-          <a:p>
-            <a:endParaRPr lang="en-US" dirty="0" smtClean="0">
-              <a:latin typeface="Cambria" panose="02040503050406030204" pitchFamily="18" charset="0"/>
-            </a:endParaRPr>
-          </a:p>
-          <a:p>
-            <a:r>
-              <a:rPr lang="en-US" dirty="0" smtClean="0">
-                <a:latin typeface="Cambria" panose="02040503050406030204" pitchFamily="18" charset="0"/>
-              </a:rPr>
-              <a:t> </a:t>
-            </a:r>
-            <a:r>
-              <a:rPr lang="en-US" b="1" dirty="0" smtClean="0">
-                <a:latin typeface="Cambria" panose="02040503050406030204" pitchFamily="18" charset="0"/>
-              </a:rPr>
-              <a:t>Payment</a:t>
-            </a:r>
-            <a:r>
-              <a:rPr lang="en-US" dirty="0" smtClean="0">
-                <a:latin typeface="Cambria" panose="02040503050406030204" pitchFamily="18" charset="0"/>
-              </a:rPr>
-              <a:t> and </a:t>
-            </a:r>
-            <a:r>
-              <a:rPr lang="en-US" b="1" dirty="0" smtClean="0">
-                <a:latin typeface="Cambria" panose="02040503050406030204" pitchFamily="18" charset="0"/>
-              </a:rPr>
-              <a:t>specific duties </a:t>
-            </a:r>
-            <a:r>
-              <a:rPr lang="en-US" dirty="0" smtClean="0">
-                <a:latin typeface="Cambria" panose="02040503050406030204" pitchFamily="18" charset="0"/>
-              </a:rPr>
-              <a:t>related to the taxi service are </a:t>
-            </a:r>
-            <a:r>
-              <a:rPr lang="en-US" b="1" dirty="0" smtClean="0">
-                <a:latin typeface="Cambria" panose="02040503050406030204" pitchFamily="18" charset="0"/>
-              </a:rPr>
-              <a:t>not</a:t>
-            </a:r>
-            <a:r>
-              <a:rPr lang="en-US" dirty="0" smtClean="0">
-                <a:latin typeface="Cambria" panose="02040503050406030204" pitchFamily="18" charset="0"/>
-              </a:rPr>
-              <a:t> </a:t>
-            </a:r>
-            <a:r>
-              <a:rPr lang="en-US" b="1" dirty="0" smtClean="0">
-                <a:latin typeface="Cambria" panose="02040503050406030204" pitchFamily="18" charset="0"/>
-              </a:rPr>
-              <a:t>considered</a:t>
-            </a:r>
-            <a:r>
-              <a:rPr lang="en-US" dirty="0" smtClean="0">
-                <a:latin typeface="Cambria" panose="02040503050406030204" pitchFamily="18" charset="0"/>
-              </a:rPr>
-              <a:t> and managed by the application. </a:t>
-            </a:r>
-            <a:r>
-              <a:rPr lang="en-US" dirty="0" err="1" smtClean="0">
-                <a:latin typeface="Cambria" panose="02040503050406030204" pitchFamily="18" charset="0"/>
-              </a:rPr>
-              <a:t>MyTaxiService</a:t>
-            </a:r>
-            <a:r>
-              <a:rPr lang="en-US" dirty="0" smtClean="0">
-                <a:latin typeface="Cambria" panose="02040503050406030204" pitchFamily="18" charset="0"/>
-              </a:rPr>
-              <a:t> is meant to be only an interface between customers and taxi drivers.</a:t>
-            </a:r>
-            <a:endParaRPr lang="en-US" dirty="0">
-              <a:latin typeface="Cambria" panose="02040503050406030204" pitchFamily="18" charset="0"/>
-            </a:endParaRPr>
-          </a:p>
-          <a:p>
-            <a:endParaRPr lang="en-US" dirty="0">
-              <a:latin typeface="Cambria" panose="02040503050406030204" pitchFamily="18" charset="0"/>
-            </a:endParaRPr>
-          </a:p>
-          <a:p>
-            <a:r>
-              <a:rPr lang="en-US" dirty="0" smtClean="0">
-                <a:latin typeface="Cambria" panose="02040503050406030204" pitchFamily="18" charset="0"/>
-              </a:rPr>
-              <a:t>  A </a:t>
-            </a:r>
-            <a:r>
-              <a:rPr lang="en-US" b="1" dirty="0" smtClean="0">
-                <a:latin typeface="Cambria" panose="02040503050406030204" pitchFamily="18" charset="0"/>
-              </a:rPr>
-              <a:t>taxi driver account cannot</a:t>
-            </a:r>
-            <a:r>
-              <a:rPr lang="en-US" dirty="0" smtClean="0">
-                <a:latin typeface="Cambria" panose="02040503050406030204" pitchFamily="18" charset="0"/>
-              </a:rPr>
-              <a:t> be used as a </a:t>
-            </a:r>
-            <a:r>
-              <a:rPr lang="en-US" b="1" dirty="0" smtClean="0">
-                <a:latin typeface="Cambria" panose="02040503050406030204" pitchFamily="18" charset="0"/>
-              </a:rPr>
-              <a:t>customer</a:t>
-            </a:r>
-            <a:r>
-              <a:rPr lang="en-US" dirty="0" smtClean="0">
-                <a:latin typeface="Cambria" panose="02040503050406030204" pitchFamily="18" charset="0"/>
-              </a:rPr>
-              <a:t> </a:t>
-            </a:r>
-            <a:r>
-              <a:rPr lang="en-US" b="1" dirty="0" smtClean="0">
-                <a:latin typeface="Cambria" panose="02040503050406030204" pitchFamily="18" charset="0"/>
-              </a:rPr>
-              <a:t>account</a:t>
-            </a:r>
-            <a:r>
-              <a:rPr lang="en-US" dirty="0" smtClean="0">
-                <a:latin typeface="Cambria" panose="02040503050406030204" pitchFamily="18" charset="0"/>
-              </a:rPr>
-              <a:t>, and vice versa. This means that if a taxi driver wants to access the customer’s services, he will need to create a customer account. </a:t>
-            </a:r>
-          </a:p>
-          <a:p>
-            <a:endParaRPr lang="en-US" dirty="0">
-              <a:latin typeface="Cambria" panose="02040503050406030204" pitchFamily="18" charset="0"/>
-            </a:endParaRPr>
-          </a:p>
-          <a:p>
-            <a:r>
-              <a:rPr lang="en-US" sz="3300" dirty="0">
-                <a:latin typeface="Cambria" panose="02040503050406030204" pitchFamily="18" charset="0"/>
-              </a:rPr>
-              <a:t>The taxi service company is using a (possibly external) </a:t>
-            </a:r>
-            <a:r>
-              <a:rPr lang="en-US" sz="3300" b="1" dirty="0">
-                <a:latin typeface="Cambria" panose="02040503050406030204" pitchFamily="18" charset="0"/>
-              </a:rPr>
-              <a:t>email service</a:t>
-            </a:r>
-            <a:r>
-              <a:rPr lang="en-US" sz="3300" dirty="0">
-                <a:latin typeface="Cambria" panose="02040503050406030204" pitchFamily="18" charset="0"/>
-              </a:rPr>
-              <a:t>, which can provide </a:t>
-            </a:r>
-            <a:r>
-              <a:rPr lang="en-US" sz="3300" b="1" dirty="0">
-                <a:latin typeface="Cambria" panose="02040503050406030204" pitchFamily="18" charset="0"/>
-              </a:rPr>
-              <a:t>email accounts </a:t>
-            </a:r>
-            <a:r>
-              <a:rPr lang="en-US" sz="3300" dirty="0">
-                <a:latin typeface="Cambria" panose="02040503050406030204" pitchFamily="18" charset="0"/>
-              </a:rPr>
-              <a:t>to be given to taxi drivers </a:t>
-            </a:r>
-            <a:r>
-              <a:rPr lang="en-US" sz="3300" dirty="0" smtClean="0">
-                <a:latin typeface="Cambria" panose="02040503050406030204" pitchFamily="18" charset="0"/>
-              </a:rPr>
-              <a:t>and (eventually) other </a:t>
-            </a:r>
-            <a:r>
-              <a:rPr lang="en-US" sz="3300" dirty="0">
-                <a:latin typeface="Cambria" panose="02040503050406030204" pitchFamily="18" charset="0"/>
-              </a:rPr>
-              <a:t>member of the </a:t>
-            </a:r>
-            <a:r>
-              <a:rPr lang="en-US" sz="3300" dirty="0" smtClean="0">
-                <a:latin typeface="Cambria" panose="02040503050406030204" pitchFamily="18" charset="0"/>
-              </a:rPr>
-              <a:t>company.</a:t>
-            </a:r>
-            <a:endParaRPr lang="en-US" sz="3300" dirty="0">
-              <a:latin typeface="Cambria" panose="02040503050406030204" pitchFamily="18" charset="0"/>
-            </a:endParaRPr>
-          </a:p>
-          <a:p>
-            <a:endParaRPr lang="it-IT" dirty="0">
-              <a:latin typeface="Cambria" panose="02040503050406030204" pitchFamily="18" charset="0"/>
-            </a:endParaRPr>
-          </a:p>
-        </p:txBody>
-      </p:sp>
-    </p:spTree>
-    <p:extLst>
-      <p:ext uri="{BB962C8B-B14F-4D97-AF65-F5344CB8AC3E}">
-        <p14:creationId xmlns:p14="http://schemas.microsoft.com/office/powerpoint/2010/main" val="3013443210"/>
-      </p:ext>
-    </p:extLst>
-  </p:cSld>
-  <p:clrMapOvr>
-    <a:masterClrMapping/>
-  </p:clrMapOvr>
-  <p:timing>
-    <p:tnLst>
-      <p:par>
-        <p:cTn id="1" dur="indefinite" restart="never" nodeType="tmRoot">
-          <p:childTnLst>
-            <p:seq concurrent="1" nextAc="seek">
-              <p:cTn id="2" dur="indefinite" nodeType="mainSeq">
-                <p:childTnLst>
-                  <p:par>
-                    <p:cTn id="3" fill="hold">
-                      <p:stCondLst>
-                        <p:cond delay="indefinite"/>
-                      </p:stCondLst>
-                      <p:childTnLst>
-                        <p:par>
-                          <p:cTn id="4" fill="hold">
-                            <p:stCondLst>
-                              <p:cond delay="0"/>
-                            </p:stCondLst>
-                            <p:childTnLst>
-                              <p:par>
-                                <p:cTn id="5" presetID="10" presetClass="entr" presetSubtype="0" fill="hold" nodeType="clickEffect">
-                                  <p:stCondLst>
-                                    <p:cond delay="0"/>
-                                  </p:stCondLst>
-                                  <p:childTnLst>
-                                    <p:set>
-                                      <p:cBhvr>
-                                        <p:cTn id="6" dur="1" fill="hold">
-                                          <p:stCondLst>
-                                            <p:cond delay="0"/>
-                                          </p:stCondLst>
-                                        </p:cTn>
-                                        <p:tgtEl>
-                                          <p:spTgt spid="3">
-                                            <p:txEl>
-                                              <p:pRg st="0" end="0"/>
-                                            </p:txEl>
-                                          </p:spTgt>
-                                        </p:tgtEl>
-                                        <p:attrNameLst>
-                                          <p:attrName>style.visibility</p:attrName>
-                                        </p:attrNameLst>
-                                      </p:cBhvr>
-                                      <p:to>
-                                        <p:strVal val="visible"/>
-                                      </p:to>
-                                    </p:set>
-                                    <p:animEffect transition="in" filter="fade">
-                                      <p:cBhvr>
-                                        <p:cTn id="7" dur="500"/>
-                                        <p:tgtEl>
-                                          <p:spTgt spid="3">
-                                            <p:txEl>
-                                              <p:pRg st="0" end="0"/>
-                                            </p:txEl>
-                                          </p:spTgt>
-                                        </p:tgtEl>
-                                      </p:cBhvr>
-                                    </p:animEffect>
-                                  </p:childTnLst>
-                                </p:cTn>
-                              </p:par>
-                            </p:childTnLst>
-                          </p:cTn>
-                        </p:par>
-                      </p:childTnLst>
-                    </p:cTn>
-                  </p:par>
-                  <p:par>
-                    <p:cTn id="8" fill="hold">
-                      <p:stCondLst>
-                        <p:cond delay="indefinite"/>
-                      </p:stCondLst>
-                      <p:childTnLst>
-                        <p:par>
-                          <p:cTn id="9" fill="hold">
-                            <p:stCondLst>
-                              <p:cond delay="0"/>
-                            </p:stCondLst>
-                            <p:childTnLst>
-                              <p:par>
-                                <p:cTn id="10" presetID="10" presetClass="entr" presetSubtype="0" fill="hold" nodeType="clickEffect">
-                                  <p:stCondLst>
-                                    <p:cond delay="0"/>
-                                  </p:stCondLst>
-                                  <p:childTnLst>
-                                    <p:set>
-                                      <p:cBhvr>
-                                        <p:cTn id="11" dur="1" fill="hold">
-                                          <p:stCondLst>
-                                            <p:cond delay="0"/>
-                                          </p:stCondLst>
-                                        </p:cTn>
-                                        <p:tgtEl>
-                                          <p:spTgt spid="3">
-                                            <p:txEl>
-                                              <p:pRg st="2" end="2"/>
-                                            </p:txEl>
-                                          </p:spTgt>
-                                        </p:tgtEl>
-                                        <p:attrNameLst>
-                                          <p:attrName>style.visibility</p:attrName>
-                                        </p:attrNameLst>
-                                      </p:cBhvr>
-                                      <p:to>
-                                        <p:strVal val="visible"/>
-                                      </p:to>
-                                    </p:set>
-                                    <p:animEffect transition="in" filter="fade">
-                                      <p:cBhvr>
-                                        <p:cTn id="12" dur="500"/>
-                                        <p:tgtEl>
-                                          <p:spTgt spid="3">
-                                            <p:txEl>
-                                              <p:pRg st="2" end="2"/>
-                                            </p:txEl>
-                                          </p:spTgt>
-                                        </p:tgtEl>
-                                      </p:cBhvr>
-                                    </p:animEffect>
-                                  </p:childTnLst>
-                                </p:cTn>
-                              </p:par>
-                            </p:childTnLst>
-                          </p:cTn>
-                        </p:par>
-                      </p:childTnLst>
-                    </p:cTn>
-                  </p:par>
-                  <p:par>
-                    <p:cTn id="13" fill="hold">
-                      <p:stCondLst>
-                        <p:cond delay="indefinite"/>
-                      </p:stCondLst>
-                      <p:childTnLst>
-                        <p:par>
-                          <p:cTn id="14" fill="hold">
-                            <p:stCondLst>
-                              <p:cond delay="0"/>
-                            </p:stCondLst>
-                            <p:childTnLst>
-                              <p:par>
-                                <p:cTn id="15" presetID="10" presetClass="entr" presetSubtype="0" fill="hold" nodeType="clickEffect">
-                                  <p:stCondLst>
-                                    <p:cond delay="0"/>
-                                  </p:stCondLst>
-                                  <p:childTnLst>
-                                    <p:set>
-                                      <p:cBhvr>
-                                        <p:cTn id="16" dur="1" fill="hold">
-                                          <p:stCondLst>
-                                            <p:cond delay="0"/>
-                                          </p:stCondLst>
-                                        </p:cTn>
-                                        <p:tgtEl>
-                                          <p:spTgt spid="3">
-                                            <p:txEl>
-                                              <p:pRg st="4" end="4"/>
-                                            </p:txEl>
-                                          </p:spTgt>
-                                        </p:tgtEl>
-                                        <p:attrNameLst>
-                                          <p:attrName>style.visibility</p:attrName>
-                                        </p:attrNameLst>
-                                      </p:cBhvr>
-                                      <p:to>
-                                        <p:strVal val="visible"/>
-                                      </p:to>
-                                    </p:set>
-                                    <p:animEffect transition="in" filter="fade">
-                                      <p:cBhvr>
-                                        <p:cTn id="17" dur="500"/>
-                                        <p:tgtEl>
-                                          <p:spTgt spid="3">
-                                            <p:txEl>
-                                              <p:pRg st="4" end="4"/>
-                                            </p:txEl>
-                                          </p:spTgt>
-                                        </p:tgtEl>
-                                      </p:cBhvr>
-                                    </p:animEffect>
-                                  </p:childTnLst>
-                                </p:cTn>
-                              </p:par>
-                            </p:childTnLst>
-                          </p:cTn>
-                        </p:par>
-                      </p:childTnLst>
-                    </p:cTn>
-                  </p:par>
-                  <p:par>
-                    <p:cTn id="18" fill="hold">
-                      <p:stCondLst>
-                        <p:cond delay="indefinite"/>
-                      </p:stCondLst>
-                      <p:childTnLst>
-                        <p:par>
-                          <p:cTn id="19" fill="hold">
-                            <p:stCondLst>
-                              <p:cond delay="0"/>
-                            </p:stCondLst>
-                            <p:childTnLst>
-                              <p:par>
-                                <p:cTn id="20" presetID="10" presetClass="entr" presetSubtype="0" fill="hold" nodeType="clickEffect">
-                                  <p:stCondLst>
-                                    <p:cond delay="0"/>
-                                  </p:stCondLst>
-                                  <p:childTnLst>
-                                    <p:set>
-                                      <p:cBhvr>
-                                        <p:cTn id="21" dur="1" fill="hold">
-                                          <p:stCondLst>
-                                            <p:cond delay="0"/>
-                                          </p:stCondLst>
-                                        </p:cTn>
-                                        <p:tgtEl>
-                                          <p:spTgt spid="3">
-                                            <p:txEl>
-                                              <p:pRg st="6" end="6"/>
-                                            </p:txEl>
-                                          </p:spTgt>
-                                        </p:tgtEl>
-                                        <p:attrNameLst>
-                                          <p:attrName>style.visibility</p:attrName>
-                                        </p:attrNameLst>
-                                      </p:cBhvr>
-                                      <p:to>
-                                        <p:strVal val="visible"/>
-                                      </p:to>
-                                    </p:set>
-                                    <p:animEffect transition="in" filter="fade">
-                                      <p:cBhvr>
-                                        <p:cTn id="22" dur="500"/>
-                                        <p:tgtEl>
-                                          <p:spTgt spid="3">
-                                            <p:txEl>
-                                              <p:pRg st="6" end="6"/>
-                                            </p:txEl>
-                                          </p:spTgt>
-                                        </p:tgtEl>
-                                      </p:cBhvr>
-                                    </p:animEffect>
-                                  </p:childTnLst>
-                                </p:cTn>
-                              </p:par>
-                            </p:childTnLst>
-                          </p:cTn>
-                        </p:par>
-                      </p:childTnLst>
-                    </p:cTn>
-                  </p:par>
-                </p:childTnLst>
-              </p:cTn>
-              <p:prevCondLst>
-                <p:cond evt="onPrev" delay="0">
-                  <p:tgtEl>
-                    <p:sldTgt/>
-                  </p:tgtEl>
-                </p:cond>
-              </p:prevCondLst>
-              <p:nextCondLst>
-                <p:cond evt="onNext" delay="0">
-                  <p:tgtEl>
-                    <p:sldTgt/>
-                  </p:tgtEl>
-                </p:cond>
-              </p:nextCondLst>
-            </p:seq>
-          </p:childTnLst>
-        </p:cTn>
-      </p:par>
-    </p:tnLst>
-  </p:timing>
-</p:sld>
-</file>
-
-<file path=ppt/slides/slide40.xml><?xml version="1.0" encoding="utf-8"?>
+<file path=ppt/slides/slide46.xml><?xml version="1.0" encoding="utf-8"?>
 <p:sld xmlns:a="http://schemas.openxmlformats.org/drawingml/2006/main" xmlns:r="http://schemas.openxmlformats.org/officeDocument/2006/relationships" xmlns:p="http://schemas.openxmlformats.org/presentationml/2006/main">
   <p:cSld>
     <p:spTree>
@@ -22019,8 +25013,8 @@
           </a:p>
         </p:txBody>
       </p:sp>
-      <mc:AlternateContent xmlns:mc="http://schemas.openxmlformats.org/markup-compatibility/2006" xmlns:a14="http://schemas.microsoft.com/office/drawing/2010/main">
-        <mc:Choice Requires="a14">
+      <mc:AlternateContent xmlns:mc="http://schemas.openxmlformats.org/markup-compatibility/2006">
+        <mc:Choice xmlns:a14="http://schemas.microsoft.com/office/drawing/2010/main" Requires="a14">
           <p:sp>
             <p:nvSpPr>
               <p:cNvPr id="5" name="CasellaDiTesto 4"/>
@@ -22030,7 +25024,7 @@
             <p:spPr>
               <a:xfrm>
                 <a:off x="568234" y="1529274"/>
-                <a:ext cx="7765868" cy="2377574"/>
+                <a:ext cx="7765868" cy="2608406"/>
               </a:xfrm>
               <a:prstGeom prst="rect">
                 <a:avLst/>
@@ -22181,7 +25175,7 @@
                 <a:endParaRPr lang="en-US" sz="1500" dirty="0"/>
               </a:p>
               <a:p>
-                <a:endParaRPr lang="en-US" sz="1500" dirty="0">
+                <a:endParaRPr lang="en-US" sz="1500" dirty="0" smtClean="0">
                   <a:latin typeface="Cambria" panose="02040503050406030204" pitchFamily="18" charset="0"/>
                 </a:endParaRPr>
               </a:p>
@@ -22190,10 +25184,22 @@
                   <a:latin typeface="Cambria" panose="02040503050406030204" pitchFamily="18" charset="0"/>
                 </a:endParaRPr>
               </a:p>
+              <a:p>
+                <a:pPr algn="ctr"/>
+                <a:r>
+                  <a:rPr lang="en-US" sz="1500" dirty="0" smtClean="0">
+                    <a:latin typeface="Cambria" panose="02040503050406030204" pitchFamily="18" charset="0"/>
+                  </a:rPr>
+                  <a:t>For an unexperienced team, the SLOC may be even higher.</a:t>
+                </a:r>
+                <a:endParaRPr lang="en-US" sz="1500" dirty="0">
+                  <a:latin typeface="Cambria" panose="02040503050406030204" pitchFamily="18" charset="0"/>
+                </a:endParaRPr>
+              </a:p>
             </p:txBody>
           </p:sp>
         </mc:Choice>
-        <mc:Fallback xmlns="">
+        <mc:Fallback>
           <p:sp>
             <p:nvSpPr>
               <p:cNvPr id="5" name="CasellaDiTesto 4"/>
@@ -22204,8 +25210,8 @@
             </p:nvSpPr>
             <p:spPr>
               <a:xfrm>
-                <a:off x="757645" y="2039031"/>
-                <a:ext cx="10354491" cy="3170099"/>
+                <a:off x="568234" y="1529274"/>
+                <a:ext cx="7765868" cy="2608406"/>
               </a:xfrm>
               <a:prstGeom prst="rect">
                 <a:avLst/>
@@ -22213,7 +25219,7 @@
               <a:blipFill rotWithShape="0">
                 <a:blip r:embed="rId2"/>
                 <a:stretch>
-                  <a:fillRect t="-960"/>
+                  <a:fillRect t="-935" b="-1869"/>
                 </a:stretch>
               </a:blipFill>
             </p:spPr>
@@ -22458,6 +25464,67 @@
                       </p:childTnLst>
                     </p:cTn>
                   </p:par>
+                  <p:par>
+                    <p:cTn id="19" fill="hold">
+                      <p:stCondLst>
+                        <p:cond delay="indefinite"/>
+                      </p:stCondLst>
+                      <p:childTnLst>
+                        <p:par>
+                          <p:cTn id="20" fill="hold">
+                            <p:stCondLst>
+                              <p:cond delay="0"/>
+                            </p:stCondLst>
+                            <p:childTnLst>
+                              <p:par>
+                                <p:cTn id="21" presetID="10" presetClass="entr" presetSubtype="0" fill="hold" nodeType="clickEffect">
+                                  <p:stCondLst>
+                                    <p:cond delay="0"/>
+                                  </p:stCondLst>
+                                  <p:childTnLst>
+                                    <p:set>
+                                      <p:cBhvr>
+                                        <p:cTn id="22" dur="1" fill="hold">
+                                          <p:stCondLst>
+                                            <p:cond delay="0"/>
+                                          </p:stCondLst>
+                                        </p:cTn>
+                                        <p:tgtEl>
+                                          <p:spTgt spid="5">
+                                            <p:txEl>
+                                              <p:pRg st="10" end="10"/>
+                                            </p:txEl>
+                                          </p:spTgt>
+                                        </p:tgtEl>
+                                        <p:attrNameLst>
+                                          <p:attrName>style.visibility</p:attrName>
+                                        </p:attrNameLst>
+                                      </p:cBhvr>
+                                      <p:to>
+                                        <p:strVal val="visible"/>
+                                      </p:to>
+                                    </p:set>
+                                    <p:animEffect transition="in" filter="fade">
+                                      <p:cBhvr>
+                                        <p:cTn id="23" dur="500"/>
+                                        <p:tgtEl>
+                                          <p:spTgt spid="5">
+                                            <p:txEl>
+                                              <p:pRg st="10" end="10"/>
+                                            </p:txEl>
+                                          </p:spTgt>
+                                        </p:tgtEl>
+                                      </p:cBhvr>
+                                    </p:animEffect>
+                                  </p:childTnLst>
+                                </p:cTn>
+                              </p:par>
+                            </p:childTnLst>
+                          </p:cTn>
+                        </p:par>
+                      </p:childTnLst>
+                    </p:cTn>
+                  </p:par>
                 </p:childTnLst>
               </p:cTn>
               <p:prevCondLst>
@@ -22483,7 +25550,7 @@
 </p:sld>
 </file>
 
-<file path=ppt/slides/slide41.xml><?xml version="1.0" encoding="utf-8"?>
+<file path=ppt/slides/slide47.xml><?xml version="1.0" encoding="utf-8"?>
 <p:sld xmlns:a="http://schemas.openxmlformats.org/drawingml/2006/main" xmlns:r="http://schemas.openxmlformats.org/officeDocument/2006/relationships" xmlns:p="http://schemas.openxmlformats.org/presentationml/2006/main">
   <p:cSld>
     <p:spTree>
@@ -22564,8 +25631,8 @@
           </a:p>
         </p:txBody>
       </p:sp>
-      <mc:AlternateContent xmlns:mc="http://schemas.openxmlformats.org/markup-compatibility/2006" xmlns:a14="http://schemas.microsoft.com/office/drawing/2010/main">
-        <mc:Choice Requires="a14">
+      <mc:AlternateContent xmlns:mc="http://schemas.openxmlformats.org/markup-compatibility/2006">
+        <mc:Choice xmlns:a14="http://schemas.microsoft.com/office/drawing/2010/main" Requires="a14">
           <p:sp>
             <p:nvSpPr>
               <p:cNvPr id="3" name="Rettangolo 2"/>
@@ -22684,7 +25751,7 @@
                         <m:sSupPr>
                           <m:ctrlPr>
                             <a:rPr lang="en-US" sz="1500" i="1">
-                              <a:latin typeface="Cambria Math"/>
+                              <a:latin typeface="Cambria Math" panose="02040503050406030204" pitchFamily="18" charset="0"/>
                             </a:rPr>
                           </m:ctrlPr>
                         </m:sSupPr>
@@ -22772,7 +25839,7 @@
                         <m:sSupPr>
                           <m:ctrlPr>
                             <a:rPr lang="en-US" sz="1500" i="1">
-                              <a:latin typeface="Cambria Math"/>
+                              <a:latin typeface="Cambria Math" panose="02040503050406030204" pitchFamily="18" charset="0"/>
                             </a:rPr>
                           </m:ctrlPr>
                         </m:sSupPr>
@@ -22837,7 +25904,7 @@
                         <m:sSubPr>
                           <m:ctrlPr>
                             <a:rPr lang="en-US" sz="1500" i="1">
-                              <a:latin typeface="Cambria Math"/>
+                              <a:latin typeface="Cambria Math" panose="02040503050406030204" pitchFamily="18" charset="0"/>
                             </a:rPr>
                           </m:ctrlPr>
                         </m:sSubPr>
@@ -22868,7 +25935,7 @@
                         <m:fPr>
                           <m:ctrlPr>
                             <a:rPr lang="en-US" sz="1500" i="1">
-                              <a:latin typeface="Cambria Math"/>
+                              <a:latin typeface="Cambria Math" panose="02040503050406030204" pitchFamily="18" charset="0"/>
                             </a:rPr>
                           </m:ctrlPr>
                         </m:fPr>
@@ -22916,10 +25983,28 @@
               </a:p>
               <a:p>
                 <a:r>
+                  <a:rPr lang="en-US" sz="1500" dirty="0" smtClean="0">
+                    <a:latin typeface="Cambria" panose="02040503050406030204" pitchFamily="18" charset="0"/>
+                  </a:rPr>
+                  <a:t>This </a:t>
+                </a:r>
+                <a:r>
                   <a:rPr lang="en-US" sz="1500" dirty="0">
                     <a:latin typeface="Cambria" panose="02040503050406030204" pitchFamily="18" charset="0"/>
                   </a:rPr>
-                  <a:t>The estimation seems quite realistic.</a:t>
+                  <a:t>estimation </a:t>
+                </a:r>
+                <a:r>
+                  <a:rPr lang="en-US" sz="1500" dirty="0" smtClean="0">
+                    <a:latin typeface="Cambria" panose="02040503050406030204" pitchFamily="18" charset="0"/>
+                  </a:rPr>
+                  <a:t>may be quite </a:t>
+                </a:r>
+                <a:r>
+                  <a:rPr lang="en-US" sz="1500" dirty="0">
+                    <a:latin typeface="Cambria" panose="02040503050406030204" pitchFamily="18" charset="0"/>
+                  </a:rPr>
+                  <a:t>realistic.</a:t>
                 </a:r>
               </a:p>
               <a:p>
@@ -22928,7 +26013,7 @@
             </p:txBody>
           </p:sp>
         </mc:Choice>
-        <mc:Fallback xmlns="">
+        <mc:Fallback>
           <p:sp>
             <p:nvSpPr>
               <p:cNvPr id="3" name="Rettangolo 2"/>
@@ -22945,7 +26030,7 @@
               <a:prstGeom prst="rect">
                 <a:avLst/>
               </a:prstGeom>
-              <a:blipFill rotWithShape="1">
+              <a:blipFill rotWithShape="0">
                 <a:blip r:embed="rId2"/>
                 <a:stretch>
                   <a:fillRect l="-543" t="-686"/>
@@ -22957,7 +26042,7 @@
               <a:lstStyle/>
               <a:p>
                 <a:r>
-                  <a:rPr lang="it-IT">
+                  <a:rPr lang="en-US">
                     <a:noFill/>
                   </a:rPr>
                   <a:t> </a:t>
@@ -23384,7 +26469,7 @@
 </p:sld>
 </file>
 
-<file path=ppt/slides/slide42.xml><?xml version="1.0" encoding="utf-8"?>
+<file path=ppt/slides/slide48.xml><?xml version="1.0" encoding="utf-8"?>
 <p:sld xmlns:a="http://schemas.openxmlformats.org/drawingml/2006/main" xmlns:r="http://schemas.openxmlformats.org/officeDocument/2006/relationships" xmlns:p="http://schemas.openxmlformats.org/presentationml/2006/main">
   <p:cSld>
     <p:spTree>
@@ -23525,6 +26610,367 @@
       </p:grpSpPr>
       <p:sp>
         <p:nvSpPr>
+          <p:cNvPr id="4" name="CasellaDiTesto 3"/>
+          <p:cNvSpPr txBox="1"/>
+          <p:nvPr/>
+        </p:nvSpPr>
+        <p:spPr>
+          <a:xfrm>
+            <a:off x="2195736" y="267494"/>
+            <a:ext cx="4465133" cy="369332"/>
+          </a:xfrm>
+          <a:prstGeom prst="rect">
+            <a:avLst/>
+          </a:prstGeom>
+          <a:noFill/>
+        </p:spPr>
+        <p:txBody>
+          <a:bodyPr wrap="none" rtlCol="0">
+            <a:spAutoFit/>
+          </a:bodyPr>
+          <a:lstStyle/>
+          <a:p>
+            <a:r>
+              <a:rPr lang="en-US" dirty="0" smtClean="0">
+                <a:latin typeface="Cambria" panose="02040503050406030204" pitchFamily="18" charset="0"/>
+              </a:rPr>
+              <a:t>About the possible </a:t>
+            </a:r>
+            <a:r>
+              <a:rPr lang="en-US" b="1" dirty="0" smtClean="0">
+                <a:latin typeface="Cambria" panose="02040503050406030204" pitchFamily="18" charset="0"/>
+              </a:rPr>
+              <a:t>status</a:t>
+            </a:r>
+            <a:r>
+              <a:rPr lang="en-US" dirty="0" smtClean="0">
+                <a:latin typeface="Cambria" panose="02040503050406030204" pitchFamily="18" charset="0"/>
+              </a:rPr>
+              <a:t> of taxi drivers…</a:t>
+            </a:r>
+            <a:endParaRPr lang="en-US" dirty="0">
+              <a:latin typeface="Cambria" panose="02040503050406030204" pitchFamily="18" charset="0"/>
+            </a:endParaRPr>
+          </a:p>
+        </p:txBody>
+      </p:sp>
+      <p:sp>
+        <p:nvSpPr>
+          <p:cNvPr id="6" name="CasellaDiTesto 5"/>
+          <p:cNvSpPr txBox="1"/>
+          <p:nvPr/>
+        </p:nvSpPr>
+        <p:spPr>
+          <a:xfrm>
+            <a:off x="395536" y="4443958"/>
+            <a:ext cx="8610755" cy="369332"/>
+          </a:xfrm>
+          <a:prstGeom prst="rect">
+            <a:avLst/>
+          </a:prstGeom>
+          <a:noFill/>
+        </p:spPr>
+        <p:txBody>
+          <a:bodyPr wrap="none" rtlCol="0">
+            <a:spAutoFit/>
+          </a:bodyPr>
+          <a:lstStyle/>
+          <a:p>
+            <a:r>
+              <a:rPr lang="en-US" dirty="0" smtClean="0">
+                <a:latin typeface="Cambria" panose="02040503050406030204" pitchFamily="18" charset="0"/>
+              </a:rPr>
+              <a:t>Where</a:t>
+            </a:r>
+            <a:r>
+              <a:rPr lang="en-US" b="1" dirty="0" smtClean="0">
+                <a:latin typeface="Cambria" panose="02040503050406030204" pitchFamily="18" charset="0"/>
+              </a:rPr>
+              <a:t> “ride request”</a:t>
+            </a:r>
+            <a:r>
+              <a:rPr lang="en-US" dirty="0" smtClean="0">
+                <a:latin typeface="Cambria" panose="02040503050406030204" pitchFamily="18" charset="0"/>
+              </a:rPr>
+              <a:t> may even come from standard customers or MTS reservations.</a:t>
+            </a:r>
+            <a:endParaRPr lang="en-US" b="1" dirty="0">
+              <a:latin typeface="Cambria" panose="02040503050406030204" pitchFamily="18" charset="0"/>
+            </a:endParaRPr>
+          </a:p>
+        </p:txBody>
+      </p:sp>
+      <p:pic>
+        <p:nvPicPr>
+          <p:cNvPr id="1026" name="Picture 2" descr="State Diagram Taxi Driver Status"/>
+          <p:cNvPicPr>
+            <a:picLocks noChangeAspect="1" noChangeArrowheads="1"/>
+          </p:cNvPicPr>
+          <p:nvPr/>
+        </p:nvPicPr>
+        <p:blipFill>
+          <a:blip r:embed="rId2">
+            <a:extLst>
+              <a:ext uri="{28A0092B-C50C-407E-A947-70E740481C1C}">
+                <a14:useLocalDpi xmlns:a14="http://schemas.microsoft.com/office/drawing/2010/main" val="0"/>
+              </a:ext>
+            </a:extLst>
+          </a:blip>
+          <a:srcRect/>
+          <a:stretch>
+            <a:fillRect/>
+          </a:stretch>
+        </p:blipFill>
+        <p:spPr bwMode="auto">
+          <a:xfrm>
+            <a:off x="1691680" y="699542"/>
+            <a:ext cx="5299660" cy="3744416"/>
+          </a:xfrm>
+          <a:prstGeom prst="rect">
+            <a:avLst/>
+          </a:prstGeom>
+          <a:noFill/>
+          <a:ln>
+            <a:noFill/>
+          </a:ln>
+          <a:extLst>
+            <a:ext uri="{909E8E84-426E-40DD-AFC4-6F175D3DCCD1}">
+              <a14:hiddenFill xmlns:a14="http://schemas.microsoft.com/office/drawing/2010/main">
+                <a:solidFill>
+                  <a:srgbClr val="FFFFFF"/>
+                </a:solidFill>
+              </a14:hiddenFill>
+            </a:ext>
+            <a:ext uri="{91240B29-F687-4F45-9708-019B960494DF}">
+              <a14:hiddenLine xmlns:a14="http://schemas.microsoft.com/office/drawing/2010/main" w="9525">
+                <a:solidFill>
+                  <a:srgbClr val="000000"/>
+                </a:solidFill>
+                <a:miter lim="800000"/>
+                <a:headEnd/>
+                <a:tailEnd/>
+              </a14:hiddenLine>
+            </a:ext>
+          </a:extLst>
+        </p:spPr>
+      </p:pic>
+    </p:spTree>
+    <p:extLst>
+      <p:ext uri="{BB962C8B-B14F-4D97-AF65-F5344CB8AC3E}">
+        <p14:creationId xmlns:p14="http://schemas.microsoft.com/office/powerpoint/2010/main" val="4080469829"/>
+      </p:ext>
+    </p:extLst>
+  </p:cSld>
+  <p:clrMapOvr>
+    <a:masterClrMapping/>
+  </p:clrMapOvr>
+  <p:timing>
+    <p:tnLst>
+      <p:par>
+        <p:cTn id="1" dur="indefinite" restart="never" nodeType="tmRoot">
+          <p:childTnLst>
+            <p:seq concurrent="1" nextAc="seek">
+              <p:cTn id="2" dur="indefinite" nodeType="mainSeq">
+                <p:childTnLst>
+                  <p:par>
+                    <p:cTn id="3" fill="hold">
+                      <p:stCondLst>
+                        <p:cond delay="indefinite"/>
+                      </p:stCondLst>
+                      <p:childTnLst>
+                        <p:par>
+                          <p:cTn id="4" fill="hold">
+                            <p:stCondLst>
+                              <p:cond delay="0"/>
+                            </p:stCondLst>
+                            <p:childTnLst>
+                              <p:par>
+                                <p:cTn id="5" presetID="53" presetClass="entr" presetSubtype="16" fill="hold" nodeType="clickEffect">
+                                  <p:stCondLst>
+                                    <p:cond delay="0"/>
+                                  </p:stCondLst>
+                                  <p:childTnLst>
+                                    <p:set>
+                                      <p:cBhvr>
+                                        <p:cTn id="6" dur="1" fill="hold">
+                                          <p:stCondLst>
+                                            <p:cond delay="0"/>
+                                          </p:stCondLst>
+                                        </p:cTn>
+                                        <p:tgtEl>
+                                          <p:spTgt spid="1026"/>
+                                        </p:tgtEl>
+                                        <p:attrNameLst>
+                                          <p:attrName>style.visibility</p:attrName>
+                                        </p:attrNameLst>
+                                      </p:cBhvr>
+                                      <p:to>
+                                        <p:strVal val="visible"/>
+                                      </p:to>
+                                    </p:set>
+                                    <p:anim calcmode="lin" valueType="num">
+                                      <p:cBhvr>
+                                        <p:cTn id="7" dur="500" fill="hold"/>
+                                        <p:tgtEl>
+                                          <p:spTgt spid="1026"/>
+                                        </p:tgtEl>
+                                        <p:attrNameLst>
+                                          <p:attrName>ppt_w</p:attrName>
+                                        </p:attrNameLst>
+                                      </p:cBhvr>
+                                      <p:tavLst>
+                                        <p:tav tm="0">
+                                          <p:val>
+                                            <p:fltVal val="0"/>
+                                          </p:val>
+                                        </p:tav>
+                                        <p:tav tm="100000">
+                                          <p:val>
+                                            <p:strVal val="#ppt_w"/>
+                                          </p:val>
+                                        </p:tav>
+                                      </p:tavLst>
+                                    </p:anim>
+                                    <p:anim calcmode="lin" valueType="num">
+                                      <p:cBhvr>
+                                        <p:cTn id="8" dur="500" fill="hold"/>
+                                        <p:tgtEl>
+                                          <p:spTgt spid="1026"/>
+                                        </p:tgtEl>
+                                        <p:attrNameLst>
+                                          <p:attrName>ppt_h</p:attrName>
+                                        </p:attrNameLst>
+                                      </p:cBhvr>
+                                      <p:tavLst>
+                                        <p:tav tm="0">
+                                          <p:val>
+                                            <p:fltVal val="0"/>
+                                          </p:val>
+                                        </p:tav>
+                                        <p:tav tm="100000">
+                                          <p:val>
+                                            <p:strVal val="#ppt_h"/>
+                                          </p:val>
+                                        </p:tav>
+                                      </p:tavLst>
+                                    </p:anim>
+                                    <p:animEffect transition="in" filter="fade">
+                                      <p:cBhvr>
+                                        <p:cTn id="9" dur="500"/>
+                                        <p:tgtEl>
+                                          <p:spTgt spid="1026"/>
+                                        </p:tgtEl>
+                                      </p:cBhvr>
+                                    </p:animEffect>
+                                  </p:childTnLst>
+                                </p:cTn>
+                              </p:par>
+                            </p:childTnLst>
+                          </p:cTn>
+                        </p:par>
+                      </p:childTnLst>
+                    </p:cTn>
+                  </p:par>
+                  <p:par>
+                    <p:cTn id="10" fill="hold">
+                      <p:stCondLst>
+                        <p:cond delay="indefinite"/>
+                      </p:stCondLst>
+                      <p:childTnLst>
+                        <p:par>
+                          <p:cTn id="11" fill="hold">
+                            <p:stCondLst>
+                              <p:cond delay="0"/>
+                            </p:stCondLst>
+                            <p:childTnLst>
+                              <p:par>
+                                <p:cTn id="12" presetID="10" presetClass="entr" presetSubtype="0" fill="hold" grpId="0" nodeType="clickEffect">
+                                  <p:stCondLst>
+                                    <p:cond delay="0"/>
+                                  </p:stCondLst>
+                                  <p:childTnLst>
+                                    <p:set>
+                                      <p:cBhvr>
+                                        <p:cTn id="13" dur="1" fill="hold">
+                                          <p:stCondLst>
+                                            <p:cond delay="0"/>
+                                          </p:stCondLst>
+                                        </p:cTn>
+                                        <p:tgtEl>
+                                          <p:spTgt spid="6"/>
+                                        </p:tgtEl>
+                                        <p:attrNameLst>
+                                          <p:attrName>style.visibility</p:attrName>
+                                        </p:attrNameLst>
+                                      </p:cBhvr>
+                                      <p:to>
+                                        <p:strVal val="visible"/>
+                                      </p:to>
+                                    </p:set>
+                                    <p:animEffect transition="in" filter="fade">
+                                      <p:cBhvr>
+                                        <p:cTn id="14" dur="500"/>
+                                        <p:tgtEl>
+                                          <p:spTgt spid="6"/>
+                                        </p:tgtEl>
+                                      </p:cBhvr>
+                                    </p:animEffect>
+                                  </p:childTnLst>
+                                </p:cTn>
+                              </p:par>
+                            </p:childTnLst>
+                          </p:cTn>
+                        </p:par>
+                      </p:childTnLst>
+                    </p:cTn>
+                  </p:par>
+                </p:childTnLst>
+              </p:cTn>
+              <p:prevCondLst>
+                <p:cond evt="onPrev" delay="0">
+                  <p:tgtEl>
+                    <p:sldTgt/>
+                  </p:tgtEl>
+                </p:cond>
+              </p:prevCondLst>
+              <p:nextCondLst>
+                <p:cond evt="onNext" delay="0">
+                  <p:tgtEl>
+                    <p:sldTgt/>
+                  </p:tgtEl>
+                </p:cond>
+              </p:nextCondLst>
+            </p:seq>
+          </p:childTnLst>
+        </p:cTn>
+      </p:par>
+    </p:tnLst>
+    <p:bldLst>
+      <p:bldP spid="6" grpId="0"/>
+    </p:bldLst>
+  </p:timing>
+</p:sld>
+</file>
+
+<file path=ppt/slides/slide6.xml><?xml version="1.0" encoding="utf-8"?>
+<p:sld xmlns:a="http://schemas.openxmlformats.org/drawingml/2006/main" xmlns:r="http://schemas.openxmlformats.org/officeDocument/2006/relationships" xmlns:p="http://schemas.openxmlformats.org/presentationml/2006/main">
+  <p:cSld>
+    <p:spTree>
+      <p:nvGrpSpPr>
+        <p:cNvPr id="1" name=""/>
+        <p:cNvGrpSpPr/>
+        <p:nvPr/>
+      </p:nvGrpSpPr>
+      <p:grpSpPr>
+        <a:xfrm>
+          <a:off x="0" y="0"/>
+          <a:ext cx="0" cy="0"/>
+          <a:chOff x="0" y="0"/>
+          <a:chExt cx="0" cy="0"/>
+        </a:xfrm>
+      </p:grpSpPr>
+      <p:sp>
+        <p:nvSpPr>
           <p:cNvPr id="2" name="Titolo 1"/>
           <p:cNvSpPr>
             <a:spLocks noGrp="1"/>
@@ -23581,16 +27027,526 @@
             <p:ph idx="1"/>
           </p:nvPr>
         </p:nvSpPr>
-        <p:spPr/>
+        <p:spPr>
+          <a:xfrm>
+            <a:off x="457200" y="1200150"/>
+            <a:ext cx="8229600" cy="3459831"/>
+          </a:xfrm>
+        </p:spPr>
         <p:txBody>
           <a:bodyPr>
             <a:normAutofit fontScale="47500" lnSpcReduction="20000"/>
           </a:bodyPr>
           <a:lstStyle/>
           <a:p>
+            <a:endParaRPr lang="en-US" dirty="0" smtClean="0">
+              <a:latin typeface="Cambria" panose="02040503050406030204" pitchFamily="18" charset="0"/>
+            </a:endParaRPr>
+          </a:p>
+          <a:p>
+            <a:r>
+              <a:rPr lang="en-US" sz="4400" dirty="0" smtClean="0">
+                <a:latin typeface="Cambria" panose="02040503050406030204" pitchFamily="18" charset="0"/>
+              </a:rPr>
+              <a:t> </a:t>
+            </a:r>
+            <a:r>
+              <a:rPr lang="en-US" sz="4400" b="1" dirty="0" smtClean="0">
+                <a:latin typeface="Cambria" panose="02040503050406030204" pitchFamily="18" charset="0"/>
+              </a:rPr>
+              <a:t>Payment</a:t>
+            </a:r>
+            <a:r>
+              <a:rPr lang="en-US" sz="4400" dirty="0" smtClean="0">
+                <a:latin typeface="Cambria" panose="02040503050406030204" pitchFamily="18" charset="0"/>
+              </a:rPr>
+              <a:t> and </a:t>
+            </a:r>
+            <a:r>
+              <a:rPr lang="en-US" sz="4400" b="1" dirty="0" smtClean="0">
+                <a:latin typeface="Cambria" panose="02040503050406030204" pitchFamily="18" charset="0"/>
+              </a:rPr>
+              <a:t>specific duties </a:t>
+            </a:r>
+            <a:r>
+              <a:rPr lang="en-US" sz="4400" dirty="0" smtClean="0">
+                <a:latin typeface="Cambria" panose="02040503050406030204" pitchFamily="18" charset="0"/>
+              </a:rPr>
+              <a:t>related to the taxi service are </a:t>
+            </a:r>
+            <a:r>
+              <a:rPr lang="en-US" sz="4400" b="1" dirty="0" smtClean="0">
+                <a:latin typeface="Cambria" panose="02040503050406030204" pitchFamily="18" charset="0"/>
+              </a:rPr>
+              <a:t>not</a:t>
+            </a:r>
+            <a:r>
+              <a:rPr lang="en-US" sz="4400" dirty="0" smtClean="0">
+                <a:latin typeface="Cambria" panose="02040503050406030204" pitchFamily="18" charset="0"/>
+              </a:rPr>
+              <a:t> </a:t>
+            </a:r>
+            <a:r>
+              <a:rPr lang="en-US" sz="4400" b="1" dirty="0" smtClean="0">
+                <a:latin typeface="Cambria" panose="02040503050406030204" pitchFamily="18" charset="0"/>
+              </a:rPr>
+              <a:t>considered</a:t>
+            </a:r>
+            <a:r>
+              <a:rPr lang="en-US" sz="4400" dirty="0" smtClean="0">
+                <a:latin typeface="Cambria" panose="02040503050406030204" pitchFamily="18" charset="0"/>
+              </a:rPr>
+              <a:t> and managed by the application. </a:t>
+            </a:r>
+            <a:r>
+              <a:rPr lang="en-US" sz="4400" dirty="0" err="1" smtClean="0">
+                <a:latin typeface="Cambria" panose="02040503050406030204" pitchFamily="18" charset="0"/>
+              </a:rPr>
+              <a:t>MyTaxiService</a:t>
+            </a:r>
+            <a:r>
+              <a:rPr lang="en-US" sz="4400" dirty="0" smtClean="0">
+                <a:latin typeface="Cambria" panose="02040503050406030204" pitchFamily="18" charset="0"/>
+              </a:rPr>
+              <a:t> is meant to be only an interface between customers and taxi drivers.</a:t>
+            </a:r>
+            <a:endParaRPr lang="en-US" sz="4400" dirty="0">
+              <a:latin typeface="Cambria" panose="02040503050406030204" pitchFamily="18" charset="0"/>
+            </a:endParaRPr>
+          </a:p>
+          <a:p>
             <a:pPr marL="0" indent="0">
               <a:buNone/>
             </a:pPr>
+            <a:endParaRPr lang="en-US" sz="4400" dirty="0">
+              <a:latin typeface="Cambria" panose="02040503050406030204" pitchFamily="18" charset="0"/>
+            </a:endParaRPr>
+          </a:p>
+          <a:p>
+            <a:r>
+              <a:rPr lang="en-US" sz="4400" dirty="0">
+                <a:latin typeface="Cambria" panose="02040503050406030204" pitchFamily="18" charset="0"/>
+              </a:rPr>
+              <a:t>The taxi service company is using a (possibly external) </a:t>
+            </a:r>
+            <a:r>
+              <a:rPr lang="en-US" sz="4400" b="1" dirty="0">
+                <a:latin typeface="Cambria" panose="02040503050406030204" pitchFamily="18" charset="0"/>
+              </a:rPr>
+              <a:t>email service</a:t>
+            </a:r>
+            <a:r>
+              <a:rPr lang="en-US" sz="4400" dirty="0">
+                <a:latin typeface="Cambria" panose="02040503050406030204" pitchFamily="18" charset="0"/>
+              </a:rPr>
+              <a:t>, which can provide </a:t>
+            </a:r>
+            <a:r>
+              <a:rPr lang="en-US" sz="4400" b="1" dirty="0">
+                <a:latin typeface="Cambria" panose="02040503050406030204" pitchFamily="18" charset="0"/>
+              </a:rPr>
+              <a:t>email accounts </a:t>
+            </a:r>
+            <a:r>
+              <a:rPr lang="en-US" sz="4400" dirty="0">
+                <a:latin typeface="Cambria" panose="02040503050406030204" pitchFamily="18" charset="0"/>
+              </a:rPr>
+              <a:t>to be given to taxi drivers </a:t>
+            </a:r>
+            <a:r>
+              <a:rPr lang="en-US" sz="4400" dirty="0" smtClean="0">
+                <a:latin typeface="Cambria" panose="02040503050406030204" pitchFamily="18" charset="0"/>
+              </a:rPr>
+              <a:t>and (eventually) other </a:t>
+            </a:r>
+            <a:r>
+              <a:rPr lang="en-US" sz="4400" dirty="0">
+                <a:latin typeface="Cambria" panose="02040503050406030204" pitchFamily="18" charset="0"/>
+              </a:rPr>
+              <a:t>member of the </a:t>
+            </a:r>
+            <a:r>
+              <a:rPr lang="en-US" sz="4400" dirty="0" smtClean="0">
+                <a:latin typeface="Cambria" panose="02040503050406030204" pitchFamily="18" charset="0"/>
+              </a:rPr>
+              <a:t>company.</a:t>
+            </a:r>
+            <a:endParaRPr lang="en-US" sz="4400" dirty="0">
+              <a:latin typeface="Cambria" panose="02040503050406030204" pitchFamily="18" charset="0"/>
+            </a:endParaRPr>
+          </a:p>
+          <a:p>
+            <a:endParaRPr lang="it-IT" sz="4400" dirty="0" smtClean="0">
+              <a:latin typeface="Cambria" panose="02040503050406030204" pitchFamily="18" charset="0"/>
+            </a:endParaRPr>
+          </a:p>
+          <a:p>
+            <a:r>
+              <a:rPr lang="en-US" sz="4400" dirty="0">
+                <a:latin typeface="Cambria" panose="02040503050406030204" pitchFamily="18" charset="0"/>
+              </a:rPr>
+              <a:t>The taxi company has a </a:t>
+            </a:r>
+            <a:r>
+              <a:rPr lang="en-US" sz="4400" b="1" dirty="0">
+                <a:latin typeface="Cambria" panose="02040503050406030204" pitchFamily="18" charset="0"/>
+              </a:rPr>
+              <a:t>call center </a:t>
+            </a:r>
+            <a:r>
+              <a:rPr lang="en-US" sz="4400" dirty="0">
+                <a:latin typeface="Cambria" panose="02040503050406030204" pitchFamily="18" charset="0"/>
+              </a:rPr>
+              <a:t>that customer and taxi drivers can contact to </a:t>
+            </a:r>
+            <a:r>
+              <a:rPr lang="en-US" sz="4400" b="1" dirty="0">
+                <a:latin typeface="Cambria" panose="02040503050406030204" pitchFamily="18" charset="0"/>
+              </a:rPr>
+              <a:t>report</a:t>
+            </a:r>
+            <a:r>
+              <a:rPr lang="en-US" sz="4400" dirty="0">
+                <a:latin typeface="Cambria" panose="02040503050406030204" pitchFamily="18" charset="0"/>
+              </a:rPr>
+              <a:t> </a:t>
+            </a:r>
+            <a:r>
+              <a:rPr lang="en-US" sz="4400" b="1" dirty="0">
+                <a:latin typeface="Cambria" panose="02040503050406030204" pitchFamily="18" charset="0"/>
+              </a:rPr>
+              <a:t>issues</a:t>
+            </a:r>
+            <a:r>
+              <a:rPr lang="en-US" sz="4400" dirty="0">
+                <a:latin typeface="Cambria" panose="02040503050406030204" pitchFamily="18" charset="0"/>
+              </a:rPr>
+              <a:t> that cannot be resolved otherwise.</a:t>
+            </a:r>
+          </a:p>
+          <a:p>
+            <a:endParaRPr lang="it-IT" dirty="0">
+              <a:latin typeface="Cambria" panose="02040503050406030204" pitchFamily="18" charset="0"/>
+            </a:endParaRPr>
+          </a:p>
+        </p:txBody>
+      </p:sp>
+    </p:spTree>
+    <p:extLst>
+      <p:ext uri="{BB962C8B-B14F-4D97-AF65-F5344CB8AC3E}">
+        <p14:creationId xmlns:p14="http://schemas.microsoft.com/office/powerpoint/2010/main" val="3013443210"/>
+      </p:ext>
+    </p:extLst>
+  </p:cSld>
+  <p:clrMapOvr>
+    <a:masterClrMapping/>
+  </p:clrMapOvr>
+  <p:timing>
+    <p:tnLst>
+      <p:par>
+        <p:cTn id="1" dur="indefinite" restart="never" nodeType="tmRoot">
+          <p:childTnLst>
+            <p:seq concurrent="1" nextAc="seek">
+              <p:cTn id="2" dur="indefinite" nodeType="mainSeq">
+                <p:childTnLst>
+                  <p:par>
+                    <p:cTn id="3" fill="hold">
+                      <p:stCondLst>
+                        <p:cond delay="indefinite"/>
+                      </p:stCondLst>
+                      <p:childTnLst>
+                        <p:par>
+                          <p:cTn id="4" fill="hold">
+                            <p:stCondLst>
+                              <p:cond delay="0"/>
+                            </p:stCondLst>
+                            <p:childTnLst>
+                              <p:par>
+                                <p:cTn id="5" presetID="10" presetClass="entr" presetSubtype="0" fill="hold" nodeType="clickEffect">
+                                  <p:stCondLst>
+                                    <p:cond delay="0"/>
+                                  </p:stCondLst>
+                                  <p:childTnLst>
+                                    <p:set>
+                                      <p:cBhvr>
+                                        <p:cTn id="6" dur="1" fill="hold">
+                                          <p:stCondLst>
+                                            <p:cond delay="0"/>
+                                          </p:stCondLst>
+                                        </p:cTn>
+                                        <p:tgtEl>
+                                          <p:spTgt spid="3">
+                                            <p:txEl>
+                                              <p:pRg st="1" end="1"/>
+                                            </p:txEl>
+                                          </p:spTgt>
+                                        </p:tgtEl>
+                                        <p:attrNameLst>
+                                          <p:attrName>style.visibility</p:attrName>
+                                        </p:attrNameLst>
+                                      </p:cBhvr>
+                                      <p:to>
+                                        <p:strVal val="visible"/>
+                                      </p:to>
+                                    </p:set>
+                                    <p:animEffect transition="in" filter="fade">
+                                      <p:cBhvr>
+                                        <p:cTn id="7" dur="500"/>
+                                        <p:tgtEl>
+                                          <p:spTgt spid="3">
+                                            <p:txEl>
+                                              <p:pRg st="1" end="1"/>
+                                            </p:txEl>
+                                          </p:spTgt>
+                                        </p:tgtEl>
+                                      </p:cBhvr>
+                                    </p:animEffect>
+                                  </p:childTnLst>
+                                </p:cTn>
+                              </p:par>
+                            </p:childTnLst>
+                          </p:cTn>
+                        </p:par>
+                      </p:childTnLst>
+                    </p:cTn>
+                  </p:par>
+                  <p:par>
+                    <p:cTn id="8" fill="hold">
+                      <p:stCondLst>
+                        <p:cond delay="indefinite"/>
+                      </p:stCondLst>
+                      <p:childTnLst>
+                        <p:par>
+                          <p:cTn id="9" fill="hold">
+                            <p:stCondLst>
+                              <p:cond delay="0"/>
+                            </p:stCondLst>
+                            <p:childTnLst>
+                              <p:par>
+                                <p:cTn id="10" presetID="10" presetClass="entr" presetSubtype="0" fill="hold" nodeType="clickEffect">
+                                  <p:stCondLst>
+                                    <p:cond delay="0"/>
+                                  </p:stCondLst>
+                                  <p:childTnLst>
+                                    <p:set>
+                                      <p:cBhvr>
+                                        <p:cTn id="11" dur="1" fill="hold">
+                                          <p:stCondLst>
+                                            <p:cond delay="0"/>
+                                          </p:stCondLst>
+                                        </p:cTn>
+                                        <p:tgtEl>
+                                          <p:spTgt spid="3">
+                                            <p:txEl>
+                                              <p:pRg st="3" end="3"/>
+                                            </p:txEl>
+                                          </p:spTgt>
+                                        </p:tgtEl>
+                                        <p:attrNameLst>
+                                          <p:attrName>style.visibility</p:attrName>
+                                        </p:attrNameLst>
+                                      </p:cBhvr>
+                                      <p:to>
+                                        <p:strVal val="visible"/>
+                                      </p:to>
+                                    </p:set>
+                                    <p:animEffect transition="in" filter="fade">
+                                      <p:cBhvr>
+                                        <p:cTn id="12" dur="500"/>
+                                        <p:tgtEl>
+                                          <p:spTgt spid="3">
+                                            <p:txEl>
+                                              <p:pRg st="3" end="3"/>
+                                            </p:txEl>
+                                          </p:spTgt>
+                                        </p:tgtEl>
+                                      </p:cBhvr>
+                                    </p:animEffect>
+                                  </p:childTnLst>
+                                </p:cTn>
+                              </p:par>
+                            </p:childTnLst>
+                          </p:cTn>
+                        </p:par>
+                      </p:childTnLst>
+                    </p:cTn>
+                  </p:par>
+                  <p:par>
+                    <p:cTn id="13" fill="hold">
+                      <p:stCondLst>
+                        <p:cond delay="indefinite"/>
+                      </p:stCondLst>
+                      <p:childTnLst>
+                        <p:par>
+                          <p:cTn id="14" fill="hold">
+                            <p:stCondLst>
+                              <p:cond delay="0"/>
+                            </p:stCondLst>
+                            <p:childTnLst>
+                              <p:par>
+                                <p:cTn id="15" presetID="10" presetClass="entr" presetSubtype="0" fill="hold" nodeType="clickEffect">
+                                  <p:stCondLst>
+                                    <p:cond delay="0"/>
+                                  </p:stCondLst>
+                                  <p:childTnLst>
+                                    <p:set>
+                                      <p:cBhvr>
+                                        <p:cTn id="16" dur="1" fill="hold">
+                                          <p:stCondLst>
+                                            <p:cond delay="0"/>
+                                          </p:stCondLst>
+                                        </p:cTn>
+                                        <p:tgtEl>
+                                          <p:spTgt spid="3">
+                                            <p:txEl>
+                                              <p:pRg st="5" end="5"/>
+                                            </p:txEl>
+                                          </p:spTgt>
+                                        </p:tgtEl>
+                                        <p:attrNameLst>
+                                          <p:attrName>style.visibility</p:attrName>
+                                        </p:attrNameLst>
+                                      </p:cBhvr>
+                                      <p:to>
+                                        <p:strVal val="visible"/>
+                                      </p:to>
+                                    </p:set>
+                                    <p:animEffect transition="in" filter="fade">
+                                      <p:cBhvr>
+                                        <p:cTn id="17" dur="500"/>
+                                        <p:tgtEl>
+                                          <p:spTgt spid="3">
+                                            <p:txEl>
+                                              <p:pRg st="5" end="5"/>
+                                            </p:txEl>
+                                          </p:spTgt>
+                                        </p:tgtEl>
+                                      </p:cBhvr>
+                                    </p:animEffect>
+                                  </p:childTnLst>
+                                </p:cTn>
+                              </p:par>
+                            </p:childTnLst>
+                          </p:cTn>
+                        </p:par>
+                      </p:childTnLst>
+                    </p:cTn>
+                  </p:par>
+                </p:childTnLst>
+              </p:cTn>
+              <p:prevCondLst>
+                <p:cond evt="onPrev" delay="0">
+                  <p:tgtEl>
+                    <p:sldTgt/>
+                  </p:tgtEl>
+                </p:cond>
+              </p:prevCondLst>
+              <p:nextCondLst>
+                <p:cond evt="onNext" delay="0">
+                  <p:tgtEl>
+                    <p:sldTgt/>
+                  </p:tgtEl>
+                </p:cond>
+              </p:nextCondLst>
+            </p:seq>
+          </p:childTnLst>
+        </p:cTn>
+      </p:par>
+    </p:tnLst>
+  </p:timing>
+</p:sld>
+</file>
+
+<file path=ppt/slides/slide7.xml><?xml version="1.0" encoding="utf-8"?>
+<p:sld xmlns:a="http://schemas.openxmlformats.org/drawingml/2006/main" xmlns:r="http://schemas.openxmlformats.org/officeDocument/2006/relationships" xmlns:p="http://schemas.openxmlformats.org/presentationml/2006/main">
+  <p:cSld>
+    <p:spTree>
+      <p:nvGrpSpPr>
+        <p:cNvPr id="1" name=""/>
+        <p:cNvGrpSpPr/>
+        <p:nvPr/>
+      </p:nvGrpSpPr>
+      <p:grpSpPr>
+        <a:xfrm>
+          <a:off x="0" y="0"/>
+          <a:ext cx="0" cy="0"/>
+          <a:chOff x="0" y="0"/>
+          <a:chExt cx="0" cy="0"/>
+        </a:xfrm>
+      </p:grpSpPr>
+      <p:sp>
+        <p:nvSpPr>
+          <p:cNvPr id="2" name="Titolo 1"/>
+          <p:cNvSpPr>
+            <a:spLocks noGrp="1"/>
+          </p:cNvSpPr>
+          <p:nvPr>
+            <p:ph type="title"/>
+          </p:nvPr>
+        </p:nvSpPr>
+        <p:spPr/>
+        <p:txBody>
+          <a:bodyPr/>
+          <a:lstStyle/>
+          <a:p>
+            <a:r>
+              <a:rPr lang="it-IT" dirty="0" smtClean="0">
+                <a:solidFill>
+                  <a:schemeClr val="accent2">
+                    <a:lumMod val="75000"/>
+                  </a:schemeClr>
+                </a:solidFill>
+                <a:latin typeface="Georgia" panose="02040502050405020303" pitchFamily="18" charset="0"/>
+              </a:rPr>
+              <a:t>Domain </a:t>
+            </a:r>
+            <a:r>
+              <a:rPr lang="it-IT" dirty="0" err="1" smtClean="0">
+                <a:solidFill>
+                  <a:schemeClr val="accent2">
+                    <a:lumMod val="75000"/>
+                  </a:schemeClr>
+                </a:solidFill>
+                <a:latin typeface="Georgia" panose="02040502050405020303" pitchFamily="18" charset="0"/>
+              </a:rPr>
+              <a:t>Assumptions</a:t>
+            </a:r>
+            <a:endParaRPr lang="it-IT" dirty="0">
+              <a:solidFill>
+                <a:schemeClr val="accent2">
+                  <a:lumMod val="75000"/>
+                </a:schemeClr>
+              </a:solidFill>
+              <a:latin typeface="Georgia" panose="02040502050405020303" pitchFamily="18" charset="0"/>
+            </a:endParaRPr>
+          </a:p>
+        </p:txBody>
+      </p:sp>
+      <p:sp>
+        <p:nvSpPr>
+          <p:cNvPr id="3" name="Segnaposto contenuto 2"/>
+          <p:cNvSpPr>
+            <a:spLocks noGrp="1"/>
+          </p:cNvSpPr>
+          <p:nvPr>
+            <p:ph idx="1"/>
+          </p:nvPr>
+        </p:nvSpPr>
+        <p:spPr>
+          <a:xfrm>
+            <a:off x="457200" y="1200150"/>
+            <a:ext cx="8229600" cy="3531839"/>
+          </a:xfrm>
+        </p:spPr>
+        <p:txBody>
+          <a:bodyPr>
+            <a:normAutofit fontScale="47500" lnSpcReduction="20000"/>
+          </a:bodyPr>
+          <a:lstStyle/>
+          <a:p>
+            <a:pPr marL="0" indent="0">
+              <a:buNone/>
+            </a:pPr>
             <a:r>
               <a:rPr lang="en-US" dirty="0" smtClean="0">
                 <a:latin typeface="Cambria" panose="02040503050406030204" pitchFamily="18" charset="0"/>
@@ -23732,62 +27688,6 @@
             </a:endParaRPr>
           </a:p>
           <a:p>
-            <a:r>
-              <a:rPr lang="en-US" sz="3800" dirty="0" smtClean="0">
-                <a:latin typeface="Cambria" panose="02040503050406030204" pitchFamily="18" charset="0"/>
-              </a:rPr>
-              <a:t>Web and mobile </a:t>
-            </a:r>
-            <a:r>
-              <a:rPr lang="en-US" sz="3800" b="1" dirty="0" smtClean="0">
-                <a:latin typeface="Cambria" panose="02040503050406030204" pitchFamily="18" charset="0"/>
-              </a:rPr>
-              <a:t>registration</a:t>
-            </a:r>
-            <a:r>
-              <a:rPr lang="en-US" sz="3800" dirty="0" smtClean="0">
-                <a:latin typeface="Cambria" panose="02040503050406030204" pitchFamily="18" charset="0"/>
-              </a:rPr>
-              <a:t> are intended for </a:t>
-            </a:r>
-            <a:r>
-              <a:rPr lang="en-US" sz="3800" b="1" dirty="0" smtClean="0">
-                <a:latin typeface="Cambria" panose="02040503050406030204" pitchFamily="18" charset="0"/>
-              </a:rPr>
-              <a:t>customers</a:t>
-            </a:r>
-            <a:r>
-              <a:rPr lang="en-US" sz="3800" dirty="0" smtClean="0">
-                <a:latin typeface="Cambria" panose="02040503050406030204" pitchFamily="18" charset="0"/>
-              </a:rPr>
-              <a:t> </a:t>
-            </a:r>
-            <a:r>
-              <a:rPr lang="en-US" sz="3800" b="1" dirty="0" smtClean="0">
-                <a:latin typeface="Cambria" panose="02040503050406030204" pitchFamily="18" charset="0"/>
-              </a:rPr>
-              <a:t>only</a:t>
-            </a:r>
-            <a:r>
-              <a:rPr lang="en-US" sz="3800" dirty="0" smtClean="0">
-                <a:latin typeface="Cambria" panose="02040503050406030204" pitchFamily="18" charset="0"/>
-              </a:rPr>
-              <a:t>.                                                       Taxi drivers’ account are created by an </a:t>
-            </a:r>
-            <a:r>
-              <a:rPr lang="en-US" sz="3800" b="1" dirty="0" smtClean="0">
-                <a:latin typeface="Cambria" panose="02040503050406030204" pitchFamily="18" charset="0"/>
-              </a:rPr>
-              <a:t>administrator</a:t>
-            </a:r>
-            <a:r>
-              <a:rPr lang="en-US" sz="3800" dirty="0" smtClean="0">
-                <a:latin typeface="Cambria" panose="02040503050406030204" pitchFamily="18" charset="0"/>
-              </a:rPr>
-              <a:t>.</a:t>
-            </a:r>
-          </a:p>
-          <a:p>
             <a:endParaRPr lang="en-US" sz="3800" dirty="0" smtClean="0">
               <a:latin typeface="Cambria" panose="02040503050406030204" pitchFamily="18" charset="0"/>
             </a:endParaRPr>
@@ -23857,8 +27757,47 @@
               <a:rPr lang="en-US" sz="3800" dirty="0" smtClean="0">
                 <a:latin typeface="Cambria" panose="02040503050406030204" pitchFamily="18" charset="0"/>
               </a:rPr>
-              <a:t>etc.</a:t>
-            </a:r>
+              <a:t>etc</a:t>
+            </a:r>
+            <a:r>
+              <a:rPr lang="en-US" sz="3800" dirty="0" smtClean="0">
+                <a:latin typeface="Cambria" panose="02040503050406030204" pitchFamily="18" charset="0"/>
+              </a:rPr>
+              <a:t>.</a:t>
+            </a:r>
+          </a:p>
+          <a:p>
+            <a:endParaRPr lang="en-US" sz="3800" dirty="0">
+              <a:latin typeface="Cambria" panose="02040503050406030204" pitchFamily="18" charset="0"/>
+            </a:endParaRPr>
+          </a:p>
+          <a:p>
+            <a:r>
+              <a:rPr lang="en-US" sz="4000" dirty="0">
+                <a:latin typeface="Cambria" panose="02040503050406030204" pitchFamily="18" charset="0"/>
+              </a:rPr>
+              <a:t> </a:t>
+            </a:r>
+            <a:r>
+              <a:rPr lang="en-US" sz="4000" b="1" dirty="0">
+                <a:latin typeface="Cambria" panose="02040503050406030204" pitchFamily="18" charset="0"/>
+              </a:rPr>
+              <a:t>Unlimited</a:t>
+            </a:r>
+            <a:r>
+              <a:rPr lang="en-US" sz="4000" dirty="0">
+                <a:latin typeface="Cambria" panose="02040503050406030204" pitchFamily="18" charset="0"/>
+              </a:rPr>
+              <a:t> taxi reservations can be performed.                                             However, impracticable reservations identified at runtime will be </a:t>
+            </a:r>
+            <a:r>
+              <a:rPr lang="en-US" sz="4000" b="1" dirty="0">
+                <a:latin typeface="Cambria" panose="02040503050406030204" pitchFamily="18" charset="0"/>
+              </a:rPr>
+              <a:t>cancelled.</a:t>
+            </a:r>
+          </a:p>
+          <a:p>
             <a:endParaRPr lang="it-IT" sz="3800" dirty="0">
               <a:latin typeface="Cambria" panose="02040503050406030204" pitchFamily="18" charset="0"/>
             </a:endParaRPr>
@@ -23972,7 +27911,7 @@
                                         <p:tgtEl>
                                           <p:spTgt spid="3">
                                             <p:txEl>
-                                              <p:pRg st="3" end="3"/>
+                                              <p:pRg st="4" end="4"/>
                                             </p:txEl>
                                           </p:spTgt>
                                         </p:tgtEl>
@@ -23990,7 +27929,7 @@
                                         <p:tgtEl>
                                           <p:spTgt spid="3">
                                             <p:txEl>
-                                              <p:pRg st="3" end="3"/>
+                                              <p:pRg st="4" end="4"/>
                                             </p:txEl>
                                           </p:spTgt>
                                         </p:tgtEl>
@@ -24033,7 +27972,7 @@
                                         <p:tgtEl>
                                           <p:spTgt spid="3">
                                             <p:txEl>
-                                              <p:pRg st="5" end="5"/>
+                                              <p:pRg st="6" end="6"/>
                                             </p:txEl>
                                           </p:spTgt>
                                         </p:tgtEl>
@@ -24051,7 +27990,7 @@
                                         <p:tgtEl>
                                           <p:spTgt spid="3">
                                             <p:txEl>
-                                              <p:pRg st="5" end="5"/>
+                                              <p:pRg st="6" end="6"/>
                                             </p:txEl>
                                           </p:spTgt>
                                         </p:tgtEl>
@@ -24091,7 +28030,243 @@
 </p:sld>
 </file>
 
-<file path=ppt/slides/slide6.xml><?xml version="1.0" encoding="utf-8"?>
+<file path=ppt/slides/slide8.xml><?xml version="1.0" encoding="utf-8"?>
+<p:sld xmlns:a="http://schemas.openxmlformats.org/drawingml/2006/main" xmlns:r="http://schemas.openxmlformats.org/officeDocument/2006/relationships" xmlns:p="http://schemas.openxmlformats.org/presentationml/2006/main">
+  <p:cSld>
+    <p:spTree>
+      <p:nvGrpSpPr>
+        <p:cNvPr id="1" name=""/>
+        <p:cNvGrpSpPr/>
+        <p:nvPr/>
+      </p:nvGrpSpPr>
+      <p:grpSpPr>
+        <a:xfrm>
+          <a:off x="0" y="0"/>
+          <a:ext cx="0" cy="0"/>
+          <a:chOff x="0" y="0"/>
+          <a:chExt cx="0" cy="0"/>
+        </a:xfrm>
+      </p:grpSpPr>
+      <p:sp>
+        <p:nvSpPr>
+          <p:cNvPr id="4" name="CasellaDiTesto 3"/>
+          <p:cNvSpPr txBox="1"/>
+          <p:nvPr/>
+        </p:nvSpPr>
+        <p:spPr>
+          <a:xfrm>
+            <a:off x="2195736" y="267494"/>
+            <a:ext cx="3714415" cy="369332"/>
+          </a:xfrm>
+          <a:prstGeom prst="rect">
+            <a:avLst/>
+          </a:prstGeom>
+          <a:noFill/>
+        </p:spPr>
+        <p:txBody>
+          <a:bodyPr wrap="none" rtlCol="0">
+            <a:spAutoFit/>
+          </a:bodyPr>
+          <a:lstStyle/>
+          <a:p>
+            <a:r>
+              <a:rPr lang="en-US" dirty="0" smtClean="0">
+                <a:latin typeface="Cambria" panose="02040503050406030204" pitchFamily="18" charset="0"/>
+              </a:rPr>
+              <a:t>About the possible </a:t>
+            </a:r>
+            <a:r>
+              <a:rPr lang="en-US" b="1" dirty="0" smtClean="0">
+                <a:latin typeface="Cambria" panose="02040503050406030204" pitchFamily="18" charset="0"/>
+              </a:rPr>
+              <a:t>status</a:t>
+            </a:r>
+            <a:r>
+              <a:rPr lang="en-US" dirty="0" smtClean="0">
+                <a:latin typeface="Cambria" panose="02040503050406030204" pitchFamily="18" charset="0"/>
+              </a:rPr>
+              <a:t> of a ride…</a:t>
+            </a:r>
+            <a:endParaRPr lang="en-US" dirty="0">
+              <a:latin typeface="Cambria" panose="02040503050406030204" pitchFamily="18" charset="0"/>
+            </a:endParaRPr>
+          </a:p>
+        </p:txBody>
+      </p:sp>
+      <p:pic>
+        <p:nvPicPr>
+          <p:cNvPr id="5" name="Immagine 4" descr="C:\Users\Alessandro\Desktop\Ale\GitHubSynch\myTaxyService-SE2-PozziRomani\OtherStuff\Diagrams\State Diagram Ride Status.png"/>
+          <p:cNvPicPr/>
+          <p:nvPr/>
+        </p:nvPicPr>
+        <p:blipFill rotWithShape="1">
+          <a:blip r:embed="rId2">
+            <a:extLst>
+              <a:ext uri="{28A0092B-C50C-407E-A947-70E740481C1C}">
+                <a14:useLocalDpi xmlns:a14="http://schemas.microsoft.com/office/drawing/2010/main" val="0"/>
+              </a:ext>
+            </a:extLst>
+          </a:blip>
+          <a:srcRect l="-1" r="436" b="3738"/>
+          <a:stretch/>
+        </p:blipFill>
+        <p:spPr bwMode="auto">
+          <a:xfrm>
+            <a:off x="1547664" y="771550"/>
+            <a:ext cx="5203188" cy="3960440"/>
+          </a:xfrm>
+          <a:prstGeom prst="rect">
+            <a:avLst/>
+          </a:prstGeom>
+          <a:noFill/>
+          <a:ln>
+            <a:noFill/>
+          </a:ln>
+        </p:spPr>
+      </p:pic>
+    </p:spTree>
+    <p:extLst>
+      <p:ext uri="{BB962C8B-B14F-4D97-AF65-F5344CB8AC3E}">
+        <p14:creationId xmlns:p14="http://schemas.microsoft.com/office/powerpoint/2010/main" val="712934742"/>
+      </p:ext>
+    </p:extLst>
+  </p:cSld>
+  <p:clrMapOvr>
+    <a:masterClrMapping/>
+  </p:clrMapOvr>
+  <p:timing>
+    <p:tnLst>
+      <p:par>
+        <p:cTn id="1" dur="indefinite" restart="never" nodeType="tmRoot">
+          <p:childTnLst>
+            <p:seq concurrent="1" nextAc="seek">
+              <p:cTn id="2" dur="indefinite" nodeType="mainSeq">
+                <p:childTnLst>
+                  <p:par>
+                    <p:cTn id="3" fill="hold">
+                      <p:stCondLst>
+                        <p:cond delay="indefinite"/>
+                      </p:stCondLst>
+                      <p:childTnLst>
+                        <p:par>
+                          <p:cTn id="4" fill="hold">
+                            <p:stCondLst>
+                              <p:cond delay="0"/>
+                            </p:stCondLst>
+                            <p:childTnLst>
+                              <p:par>
+                                <p:cTn id="5" presetID="53" presetClass="entr" presetSubtype="16" fill="hold" nodeType="clickEffect">
+                                  <p:stCondLst>
+                                    <p:cond delay="0"/>
+                                  </p:stCondLst>
+                                  <p:childTnLst>
+                                    <p:set>
+                                      <p:cBhvr>
+                                        <p:cTn id="6" dur="1" fill="hold">
+                                          <p:stCondLst>
+                                            <p:cond delay="0"/>
+                                          </p:stCondLst>
+                                        </p:cTn>
+                                        <p:tgtEl>
+                                          <p:spTgt spid="5"/>
+                                        </p:tgtEl>
+                                        <p:attrNameLst>
+                                          <p:attrName>style.visibility</p:attrName>
+                                        </p:attrNameLst>
+                                      </p:cBhvr>
+                                      <p:to>
+                                        <p:strVal val="visible"/>
+                                      </p:to>
+                                    </p:set>
+                                    <p:anim calcmode="lin" valueType="num">
+                                      <p:cBhvr>
+                                        <p:cTn id="7" dur="500" fill="hold"/>
+                                        <p:tgtEl>
+                                          <p:spTgt spid="5"/>
+                                        </p:tgtEl>
+                                        <p:attrNameLst>
+                                          <p:attrName>ppt_w</p:attrName>
+                                        </p:attrNameLst>
+                                      </p:cBhvr>
+                                      <p:tavLst>
+                                        <p:tav tm="0">
+                                          <p:val>
+                                            <p:fltVal val="0"/>
+                                          </p:val>
+                                        </p:tav>
+                                        <p:tav tm="100000">
+                                          <p:val>
+                                            <p:strVal val="#ppt_w"/>
+                                          </p:val>
+                                        </p:tav>
+                                      </p:tavLst>
+                                    </p:anim>
+                                    <p:anim calcmode="lin" valueType="num">
+                                      <p:cBhvr>
+                                        <p:cTn id="8" dur="500" fill="hold"/>
+                                        <p:tgtEl>
+                                          <p:spTgt spid="5"/>
+                                        </p:tgtEl>
+                                        <p:attrNameLst>
+                                          <p:attrName>ppt_h</p:attrName>
+                                        </p:attrNameLst>
+                                      </p:cBhvr>
+                                      <p:tavLst>
+                                        <p:tav tm="0">
+                                          <p:val>
+                                            <p:fltVal val="0"/>
+                                          </p:val>
+                                        </p:tav>
+                                        <p:tav tm="100000">
+                                          <p:val>
+                                            <p:strVal val="#ppt_h"/>
+                                          </p:val>
+                                        </p:tav>
+                                      </p:tavLst>
+                                    </p:anim>
+                                    <p:animEffect transition="in" filter="fade">
+                                      <p:cBhvr>
+                                        <p:cTn id="9" dur="500"/>
+                                        <p:tgtEl>
+                                          <p:spTgt spid="5"/>
+                                        </p:tgtEl>
+                                      </p:cBhvr>
+                                    </p:animEffect>
+                                  </p:childTnLst>
+                                </p:cTn>
+                              </p:par>
+                            </p:childTnLst>
+                          </p:cTn>
+                        </p:par>
+                      </p:childTnLst>
+                    </p:cTn>
+                  </p:par>
+                </p:childTnLst>
+              </p:cTn>
+              <p:prevCondLst>
+                <p:cond evt="onPrev" delay="0">
+                  <p:tgtEl>
+                    <p:sldTgt/>
+                  </p:tgtEl>
+                </p:cond>
+              </p:prevCondLst>
+              <p:nextCondLst>
+                <p:cond evt="onNext" delay="0">
+                  <p:tgtEl>
+                    <p:sldTgt/>
+                  </p:tgtEl>
+                </p:cond>
+              </p:nextCondLst>
+            </p:seq>
+          </p:childTnLst>
+        </p:cTn>
+      </p:par>
+    </p:tnLst>
+  </p:timing>
+</p:sld>
+</file>
+
+<file path=ppt/slides/slide9.xml><?xml version="1.0" encoding="utf-8"?>
 <p:sld xmlns:a="http://schemas.openxmlformats.org/drawingml/2006/main" xmlns:r="http://schemas.openxmlformats.org/officeDocument/2006/relationships" xmlns:p="http://schemas.openxmlformats.org/presentationml/2006/main">
   <p:cSld>
     <p:spTree>
@@ -24690,1618 +28865,6 @@
     <p:bldLst>
       <p:bldP spid="3" grpId="0" build="p"/>
       <p:bldP spid="5" grpId="0" animBg="1"/>
-    </p:bldLst>
-  </p:timing>
-</p:sld>
-</file>
-
-<file path=ppt/slides/slide7.xml><?xml version="1.0" encoding="utf-8"?>
-<p:sld xmlns:a="http://schemas.openxmlformats.org/drawingml/2006/main" xmlns:r="http://schemas.openxmlformats.org/officeDocument/2006/relationships" xmlns:p="http://schemas.openxmlformats.org/presentationml/2006/main">
-  <p:cSld>
-    <p:spTree>
-      <p:nvGrpSpPr>
-        <p:cNvPr id="1" name=""/>
-        <p:cNvGrpSpPr/>
-        <p:nvPr/>
-      </p:nvGrpSpPr>
-      <p:grpSpPr>
-        <a:xfrm>
-          <a:off x="0" y="0"/>
-          <a:ext cx="0" cy="0"/>
-          <a:chOff x="0" y="0"/>
-          <a:chExt cx="0" cy="0"/>
-        </a:xfrm>
-      </p:grpSpPr>
-      <p:sp>
-        <p:nvSpPr>
-          <p:cNvPr id="3" name="Segnaposto contenuto 2"/>
-          <p:cNvSpPr>
-            <a:spLocks noGrp="1"/>
-          </p:cNvSpPr>
-          <p:nvPr>
-            <p:ph idx="1"/>
-          </p:nvPr>
-        </p:nvSpPr>
-        <p:spPr>
-          <a:xfrm>
-            <a:off x="1115616" y="2355726"/>
-            <a:ext cx="6912768" cy="2448272"/>
-          </a:xfrm>
-        </p:spPr>
-        <p:txBody>
-          <a:bodyPr>
-            <a:normAutofit fontScale="70000" lnSpcReduction="20000"/>
-          </a:bodyPr>
-          <a:lstStyle/>
-          <a:p>
-            <a:pPr>
-              <a:lnSpc>
-                <a:spcPct val="120000"/>
-              </a:lnSpc>
-              <a:spcAft>
-                <a:spcPts val="200"/>
-              </a:spcAft>
-            </a:pPr>
-            <a:r>
-              <a:rPr lang="en-US" sz="2900" dirty="0">
-                <a:latin typeface="Cambria" panose="02040503050406030204" pitchFamily="18" charset="0"/>
-              </a:rPr>
-              <a:t>[</a:t>
-            </a:r>
-            <a:r>
-              <a:rPr lang="en-US" sz="2900" b="1" dirty="0">
-                <a:latin typeface="Cambria" panose="02040503050406030204" pitchFamily="18" charset="0"/>
-              </a:rPr>
-              <a:t>R1</a:t>
-            </a:r>
-            <a:r>
-              <a:rPr lang="en-US" sz="2900" dirty="0">
-                <a:latin typeface="Cambria" panose="02040503050406030204" pitchFamily="18" charset="0"/>
-              </a:rPr>
-              <a:t>] Only registered customers can request a taxi ride.</a:t>
-            </a:r>
-            <a:endParaRPr lang="it-IT" sz="2900" dirty="0">
-              <a:latin typeface="Cambria" panose="02040503050406030204" pitchFamily="18" charset="0"/>
-            </a:endParaRPr>
-          </a:p>
-          <a:p>
-            <a:pPr>
-              <a:lnSpc>
-                <a:spcPct val="120000"/>
-              </a:lnSpc>
-              <a:spcAft>
-                <a:spcPts val="200"/>
-              </a:spcAft>
-            </a:pPr>
-            <a:r>
-              <a:rPr lang="en-US" sz="2900" dirty="0">
-                <a:latin typeface="Cambria" panose="02040503050406030204" pitchFamily="18" charset="0"/>
-              </a:rPr>
-              <a:t>[</a:t>
-            </a:r>
-            <a:r>
-              <a:rPr lang="en-US" sz="2900" b="1" dirty="0">
-                <a:latin typeface="Cambria" panose="02040503050406030204" pitchFamily="18" charset="0"/>
-              </a:rPr>
-              <a:t>R2</a:t>
-            </a:r>
-            <a:r>
-              <a:rPr lang="en-US" sz="2900" dirty="0">
-                <a:latin typeface="Cambria" panose="02040503050406030204" pitchFamily="18" charset="0"/>
-              </a:rPr>
-              <a:t>] Customers must insert a valid origin location in order to request a ride.</a:t>
-            </a:r>
-            <a:endParaRPr lang="it-IT" sz="2900" dirty="0">
-              <a:latin typeface="Cambria" panose="02040503050406030204" pitchFamily="18" charset="0"/>
-            </a:endParaRPr>
-          </a:p>
-          <a:p>
-            <a:pPr>
-              <a:lnSpc>
-                <a:spcPct val="120000"/>
-              </a:lnSpc>
-              <a:spcAft>
-                <a:spcPts val="200"/>
-              </a:spcAft>
-            </a:pPr>
-            <a:r>
-              <a:rPr lang="en-US" sz="2900" dirty="0">
-                <a:latin typeface="Cambria" panose="02040503050406030204" pitchFamily="18" charset="0"/>
-              </a:rPr>
-              <a:t>[</a:t>
-            </a:r>
-            <a:r>
-              <a:rPr lang="en-US" sz="2900" b="1" dirty="0">
-                <a:latin typeface="Cambria" panose="02040503050406030204" pitchFamily="18" charset="0"/>
-              </a:rPr>
-              <a:t>R3</a:t>
-            </a:r>
-            <a:r>
-              <a:rPr lang="en-US" sz="2900" dirty="0">
-                <a:latin typeface="Cambria" panose="02040503050406030204" pitchFamily="18" charset="0"/>
-              </a:rPr>
-              <a:t>] The system will not allow more than a request if the previous one (either request or reservation) has not been accomplished yet.</a:t>
-            </a:r>
-            <a:endParaRPr lang="it-IT" sz="2900" dirty="0">
-              <a:latin typeface="Cambria" panose="02040503050406030204" pitchFamily="18" charset="0"/>
-            </a:endParaRPr>
-          </a:p>
-          <a:p>
-            <a:endParaRPr lang="it-IT" dirty="0"/>
-          </a:p>
-          <a:p>
-            <a:endParaRPr lang="it-IT" dirty="0"/>
-          </a:p>
-        </p:txBody>
-      </p:sp>
-      <p:sp>
-        <p:nvSpPr>
-          <p:cNvPr id="5" name="CasellaDiTesto 4"/>
-          <p:cNvSpPr txBox="1"/>
-          <p:nvPr/>
-        </p:nvSpPr>
-        <p:spPr>
-          <a:xfrm>
-            <a:off x="1635920" y="1164494"/>
-            <a:ext cx="5872163" cy="946413"/>
-          </a:xfrm>
-          <a:prstGeom prst="rect">
-            <a:avLst/>
-          </a:prstGeom>
-          <a:noFill/>
-          <a:ln>
-            <a:solidFill>
-              <a:schemeClr val="tx1"/>
-            </a:solidFill>
-          </a:ln>
-          <a:effectLst>
-            <a:glow rad="63500">
-              <a:schemeClr val="accent3">
-                <a:satMod val="175000"/>
-                <a:alpha val="40000"/>
-              </a:schemeClr>
-            </a:glow>
-          </a:effectLst>
-        </p:spPr>
-        <p:txBody>
-          <a:bodyPr wrap="square" rtlCol="0">
-            <a:spAutoFit/>
-          </a:bodyPr>
-          <a:lstStyle/>
-          <a:p>
-            <a:r>
-              <a:rPr lang="en-US" sz="2100" i="1" dirty="0"/>
-              <a:t>[</a:t>
-            </a:r>
-            <a:r>
-              <a:rPr lang="en-US" sz="2100" b="1" i="1" dirty="0"/>
-              <a:t>G2</a:t>
-            </a:r>
-            <a:r>
-              <a:rPr lang="en-US" sz="2100" i="1" dirty="0"/>
-              <a:t>] Allow customers to request a taxi ride from an arranged location.</a:t>
-            </a:r>
-          </a:p>
-          <a:p>
-            <a:endParaRPr lang="it-IT" sz="1350" dirty="0"/>
-          </a:p>
-        </p:txBody>
-      </p:sp>
-      <p:sp>
-        <p:nvSpPr>
-          <p:cNvPr id="4" name="Titolo 1"/>
-          <p:cNvSpPr>
-            <a:spLocks noGrp="1"/>
-          </p:cNvSpPr>
-          <p:nvPr>
-            <p:ph type="title"/>
-          </p:nvPr>
-        </p:nvSpPr>
-        <p:spPr>
-          <a:xfrm>
-            <a:off x="503549" y="267494"/>
-            <a:ext cx="8136904" cy="757945"/>
-          </a:xfrm>
-        </p:spPr>
-        <p:txBody>
-          <a:bodyPr>
-            <a:normAutofit fontScale="90000"/>
-          </a:bodyPr>
-          <a:lstStyle/>
-          <a:p>
-            <a:pPr algn="ctr"/>
-            <a:r>
-              <a:rPr lang="en-US" dirty="0" smtClean="0">
-                <a:solidFill>
-                  <a:schemeClr val="accent2">
-                    <a:lumMod val="75000"/>
-                  </a:schemeClr>
-                </a:solidFill>
-                <a:latin typeface="Georgia" panose="02040502050405020303" pitchFamily="18" charset="0"/>
-              </a:rPr>
-              <a:t>Goals and functional requirements</a:t>
-            </a:r>
-            <a:endParaRPr lang="en-US" dirty="0">
-              <a:solidFill>
-                <a:schemeClr val="accent2">
-                  <a:lumMod val="75000"/>
-                </a:schemeClr>
-              </a:solidFill>
-              <a:latin typeface="Georgia" panose="02040502050405020303" pitchFamily="18" charset="0"/>
-            </a:endParaRPr>
-          </a:p>
-        </p:txBody>
-      </p:sp>
-    </p:spTree>
-    <p:extLst>
-      <p:ext uri="{BB962C8B-B14F-4D97-AF65-F5344CB8AC3E}">
-        <p14:creationId xmlns:p14="http://schemas.microsoft.com/office/powerpoint/2010/main" val="1603992044"/>
-      </p:ext>
-    </p:extLst>
-  </p:cSld>
-  <p:clrMapOvr>
-    <a:masterClrMapping/>
-  </p:clrMapOvr>
-  <p:timing>
-    <p:tnLst>
-      <p:par>
-        <p:cTn id="1" dur="indefinite" restart="never" nodeType="tmRoot">
-          <p:childTnLst>
-            <p:seq concurrent="1" nextAc="seek">
-              <p:cTn id="2" dur="indefinite" nodeType="mainSeq">
-                <p:childTnLst>
-                  <p:par>
-                    <p:cTn id="3" fill="hold">
-                      <p:stCondLst>
-                        <p:cond delay="indefinite"/>
-                      </p:stCondLst>
-                      <p:childTnLst>
-                        <p:par>
-                          <p:cTn id="4" fill="hold">
-                            <p:stCondLst>
-                              <p:cond delay="0"/>
-                            </p:stCondLst>
-                            <p:childTnLst>
-                              <p:par>
-                                <p:cTn id="5" presetID="10" presetClass="entr" presetSubtype="0" fill="hold" grpId="0" nodeType="clickEffect">
-                                  <p:stCondLst>
-                                    <p:cond delay="0"/>
-                                  </p:stCondLst>
-                                  <p:childTnLst>
-                                    <p:set>
-                                      <p:cBhvr>
-                                        <p:cTn id="6" dur="1" fill="hold">
-                                          <p:stCondLst>
-                                            <p:cond delay="0"/>
-                                          </p:stCondLst>
-                                        </p:cTn>
-                                        <p:tgtEl>
-                                          <p:spTgt spid="3">
-                                            <p:txEl>
-                                              <p:pRg st="0" end="0"/>
-                                            </p:txEl>
-                                          </p:spTgt>
-                                        </p:tgtEl>
-                                        <p:attrNameLst>
-                                          <p:attrName>style.visibility</p:attrName>
-                                        </p:attrNameLst>
-                                      </p:cBhvr>
-                                      <p:to>
-                                        <p:strVal val="visible"/>
-                                      </p:to>
-                                    </p:set>
-                                    <p:animEffect transition="in" filter="fade">
-                                      <p:cBhvr>
-                                        <p:cTn id="7" dur="500"/>
-                                        <p:tgtEl>
-                                          <p:spTgt spid="3">
-                                            <p:txEl>
-                                              <p:pRg st="0" end="0"/>
-                                            </p:txEl>
-                                          </p:spTgt>
-                                        </p:tgtEl>
-                                      </p:cBhvr>
-                                    </p:animEffect>
-                                  </p:childTnLst>
-                                </p:cTn>
-                              </p:par>
-                            </p:childTnLst>
-                          </p:cTn>
-                        </p:par>
-                      </p:childTnLst>
-                    </p:cTn>
-                  </p:par>
-                  <p:par>
-                    <p:cTn id="8" fill="hold">
-                      <p:stCondLst>
-                        <p:cond delay="indefinite"/>
-                      </p:stCondLst>
-                      <p:childTnLst>
-                        <p:par>
-                          <p:cTn id="9" fill="hold">
-                            <p:stCondLst>
-                              <p:cond delay="0"/>
-                            </p:stCondLst>
-                            <p:childTnLst>
-                              <p:par>
-                                <p:cTn id="10" presetID="10" presetClass="entr" presetSubtype="0" fill="hold" grpId="0" nodeType="clickEffect">
-                                  <p:stCondLst>
-                                    <p:cond delay="0"/>
-                                  </p:stCondLst>
-                                  <p:childTnLst>
-                                    <p:set>
-                                      <p:cBhvr>
-                                        <p:cTn id="11" dur="1" fill="hold">
-                                          <p:stCondLst>
-                                            <p:cond delay="0"/>
-                                          </p:stCondLst>
-                                        </p:cTn>
-                                        <p:tgtEl>
-                                          <p:spTgt spid="3">
-                                            <p:txEl>
-                                              <p:pRg st="1" end="1"/>
-                                            </p:txEl>
-                                          </p:spTgt>
-                                        </p:tgtEl>
-                                        <p:attrNameLst>
-                                          <p:attrName>style.visibility</p:attrName>
-                                        </p:attrNameLst>
-                                      </p:cBhvr>
-                                      <p:to>
-                                        <p:strVal val="visible"/>
-                                      </p:to>
-                                    </p:set>
-                                    <p:animEffect transition="in" filter="fade">
-                                      <p:cBhvr>
-                                        <p:cTn id="12" dur="500"/>
-                                        <p:tgtEl>
-                                          <p:spTgt spid="3">
-                                            <p:txEl>
-                                              <p:pRg st="1" end="1"/>
-                                            </p:txEl>
-                                          </p:spTgt>
-                                        </p:tgtEl>
-                                      </p:cBhvr>
-                                    </p:animEffect>
-                                  </p:childTnLst>
-                                </p:cTn>
-                              </p:par>
-                            </p:childTnLst>
-                          </p:cTn>
-                        </p:par>
-                      </p:childTnLst>
-                    </p:cTn>
-                  </p:par>
-                  <p:par>
-                    <p:cTn id="13" fill="hold">
-                      <p:stCondLst>
-                        <p:cond delay="indefinite"/>
-                      </p:stCondLst>
-                      <p:childTnLst>
-                        <p:par>
-                          <p:cTn id="14" fill="hold">
-                            <p:stCondLst>
-                              <p:cond delay="0"/>
-                            </p:stCondLst>
-                            <p:childTnLst>
-                              <p:par>
-                                <p:cTn id="15" presetID="10" presetClass="entr" presetSubtype="0" fill="hold" grpId="0" nodeType="clickEffect">
-                                  <p:stCondLst>
-                                    <p:cond delay="0"/>
-                                  </p:stCondLst>
-                                  <p:childTnLst>
-                                    <p:set>
-                                      <p:cBhvr>
-                                        <p:cTn id="16" dur="1" fill="hold">
-                                          <p:stCondLst>
-                                            <p:cond delay="0"/>
-                                          </p:stCondLst>
-                                        </p:cTn>
-                                        <p:tgtEl>
-                                          <p:spTgt spid="3">
-                                            <p:txEl>
-                                              <p:pRg st="2" end="2"/>
-                                            </p:txEl>
-                                          </p:spTgt>
-                                        </p:tgtEl>
-                                        <p:attrNameLst>
-                                          <p:attrName>style.visibility</p:attrName>
-                                        </p:attrNameLst>
-                                      </p:cBhvr>
-                                      <p:to>
-                                        <p:strVal val="visible"/>
-                                      </p:to>
-                                    </p:set>
-                                    <p:animEffect transition="in" filter="fade">
-                                      <p:cBhvr>
-                                        <p:cTn id="17" dur="500"/>
-                                        <p:tgtEl>
-                                          <p:spTgt spid="3">
-                                            <p:txEl>
-                                              <p:pRg st="2" end="2"/>
-                                            </p:txEl>
-                                          </p:spTgt>
-                                        </p:tgtEl>
-                                      </p:cBhvr>
-                                    </p:animEffect>
-                                  </p:childTnLst>
-                                </p:cTn>
-                              </p:par>
-                            </p:childTnLst>
-                          </p:cTn>
-                        </p:par>
-                      </p:childTnLst>
-                    </p:cTn>
-                  </p:par>
-                </p:childTnLst>
-              </p:cTn>
-              <p:prevCondLst>
-                <p:cond evt="onPrev" delay="0">
-                  <p:tgtEl>
-                    <p:sldTgt/>
-                  </p:tgtEl>
-                </p:cond>
-              </p:prevCondLst>
-              <p:nextCondLst>
-                <p:cond evt="onNext" delay="0">
-                  <p:tgtEl>
-                    <p:sldTgt/>
-                  </p:tgtEl>
-                </p:cond>
-              </p:nextCondLst>
-            </p:seq>
-          </p:childTnLst>
-        </p:cTn>
-      </p:par>
-    </p:tnLst>
-    <p:bldLst>
-      <p:bldP spid="3" grpId="0" build="p"/>
-    </p:bldLst>
-  </p:timing>
-</p:sld>
-</file>
-
-<file path=ppt/slides/slide8.xml><?xml version="1.0" encoding="utf-8"?>
-<p:sld xmlns:a="http://schemas.openxmlformats.org/drawingml/2006/main" xmlns:r="http://schemas.openxmlformats.org/officeDocument/2006/relationships" xmlns:p="http://schemas.openxmlformats.org/presentationml/2006/main">
-  <p:cSld>
-    <p:spTree>
-      <p:nvGrpSpPr>
-        <p:cNvPr id="1" name=""/>
-        <p:cNvGrpSpPr/>
-        <p:nvPr/>
-      </p:nvGrpSpPr>
-      <p:grpSpPr>
-        <a:xfrm>
-          <a:off x="0" y="0"/>
-          <a:ext cx="0" cy="0"/>
-          <a:chOff x="0" y="0"/>
-          <a:chExt cx="0" cy="0"/>
-        </a:xfrm>
-      </p:grpSpPr>
-      <p:sp>
-        <p:nvSpPr>
-          <p:cNvPr id="3" name="Segnaposto contenuto 2"/>
-          <p:cNvSpPr>
-            <a:spLocks noGrp="1"/>
-          </p:cNvSpPr>
-          <p:nvPr>
-            <p:ph idx="1"/>
-          </p:nvPr>
-        </p:nvSpPr>
-        <p:spPr>
-          <a:xfrm>
-            <a:off x="1043608" y="2355726"/>
-            <a:ext cx="6912767" cy="2601297"/>
-          </a:xfrm>
-        </p:spPr>
-        <p:txBody>
-          <a:bodyPr>
-            <a:normAutofit fontScale="55000" lnSpcReduction="20000"/>
-          </a:bodyPr>
-          <a:lstStyle/>
-          <a:p>
-            <a:pPr>
-              <a:lnSpc>
-                <a:spcPct val="120000"/>
-              </a:lnSpc>
-              <a:spcAft>
-                <a:spcPts val="100"/>
-              </a:spcAft>
-            </a:pPr>
-            <a:r>
-              <a:rPr lang="en-US" dirty="0">
-                <a:latin typeface="Cambria" panose="02040503050406030204" pitchFamily="18" charset="0"/>
-              </a:rPr>
-              <a:t>[</a:t>
-            </a:r>
-            <a:r>
-              <a:rPr lang="en-US" b="1" dirty="0">
-                <a:latin typeface="Cambria" panose="02040503050406030204" pitchFamily="18" charset="0"/>
-              </a:rPr>
-              <a:t>R1</a:t>
-            </a:r>
-            <a:r>
-              <a:rPr lang="en-US" dirty="0">
-                <a:latin typeface="Cambria" panose="02040503050406030204" pitchFamily="18" charset="0"/>
-              </a:rPr>
-              <a:t>] The system should allow taxi reservations for a specific path communicated by the customer.</a:t>
-            </a:r>
-            <a:endParaRPr lang="it-IT" dirty="0">
-              <a:latin typeface="Cambria" panose="02040503050406030204" pitchFamily="18" charset="0"/>
-            </a:endParaRPr>
-          </a:p>
-          <a:p>
-            <a:pPr>
-              <a:lnSpc>
-                <a:spcPct val="120000"/>
-              </a:lnSpc>
-              <a:spcAft>
-                <a:spcPts val="100"/>
-              </a:spcAft>
-            </a:pPr>
-            <a:r>
-              <a:rPr lang="en-US" dirty="0">
-                <a:latin typeface="Cambria" panose="02040503050406030204" pitchFamily="18" charset="0"/>
-              </a:rPr>
-              <a:t>[</a:t>
-            </a:r>
-            <a:r>
-              <a:rPr lang="en-US" b="1" dirty="0">
-                <a:latin typeface="Cambria" panose="02040503050406030204" pitchFamily="18" charset="0"/>
-              </a:rPr>
-              <a:t>R2</a:t>
-            </a:r>
-            <a:r>
-              <a:rPr lang="en-US" dirty="0">
-                <a:latin typeface="Cambria" panose="02040503050406030204" pitchFamily="18" charset="0"/>
-              </a:rPr>
-              <a:t>] The system must not allow overlaps between reservations (or requests) made by the same customer.</a:t>
-            </a:r>
-            <a:endParaRPr lang="it-IT" dirty="0">
-              <a:latin typeface="Cambria" panose="02040503050406030204" pitchFamily="18" charset="0"/>
-            </a:endParaRPr>
-          </a:p>
-          <a:p>
-            <a:pPr>
-              <a:lnSpc>
-                <a:spcPct val="120000"/>
-              </a:lnSpc>
-              <a:spcAft>
-                <a:spcPts val="100"/>
-              </a:spcAft>
-            </a:pPr>
-            <a:r>
-              <a:rPr lang="en-US" dirty="0" smtClean="0">
-                <a:latin typeface="Cambria" panose="02040503050406030204" pitchFamily="18" charset="0"/>
-              </a:rPr>
-              <a:t>[</a:t>
-            </a:r>
-            <a:r>
-              <a:rPr lang="en-US" b="1" dirty="0" smtClean="0">
-                <a:latin typeface="Cambria" panose="02040503050406030204" pitchFamily="18" charset="0"/>
-              </a:rPr>
-              <a:t>R3</a:t>
-            </a:r>
-            <a:r>
-              <a:rPr lang="en-US" dirty="0" smtClean="0">
-                <a:latin typeface="Cambria" panose="02040503050406030204" pitchFamily="18" charset="0"/>
-              </a:rPr>
-              <a:t>] </a:t>
-            </a:r>
-            <a:r>
-              <a:rPr lang="en-US" dirty="0">
-                <a:latin typeface="Cambria" panose="02040503050406030204" pitchFamily="18" charset="0"/>
-              </a:rPr>
-              <a:t>The system allows reservations only 2 hours before the time and date specified by the customer.</a:t>
-            </a:r>
-            <a:endParaRPr lang="it-IT" dirty="0">
-              <a:latin typeface="Cambria" panose="02040503050406030204" pitchFamily="18" charset="0"/>
-            </a:endParaRPr>
-          </a:p>
-          <a:p>
-            <a:pPr>
-              <a:lnSpc>
-                <a:spcPct val="120000"/>
-              </a:lnSpc>
-              <a:spcAft>
-                <a:spcPts val="100"/>
-              </a:spcAft>
-            </a:pPr>
-            <a:r>
-              <a:rPr lang="en-US" dirty="0">
-                <a:latin typeface="Cambria" panose="02040503050406030204" pitchFamily="18" charset="0"/>
-              </a:rPr>
-              <a:t>[</a:t>
-            </a:r>
-            <a:r>
-              <a:rPr lang="en-US" b="1" dirty="0" smtClean="0">
-                <a:latin typeface="Cambria" panose="02040503050406030204" pitchFamily="18" charset="0"/>
-              </a:rPr>
-              <a:t>R4</a:t>
-            </a:r>
-            <a:r>
-              <a:rPr lang="en-US" dirty="0" smtClean="0">
-                <a:latin typeface="Cambria" panose="02040503050406030204" pitchFamily="18" charset="0"/>
-              </a:rPr>
-              <a:t>] </a:t>
-            </a:r>
-            <a:r>
-              <a:rPr lang="en-US" dirty="0">
-                <a:latin typeface="Cambria" panose="02040503050406030204" pitchFamily="18" charset="0"/>
-              </a:rPr>
-              <a:t>The system will assign a taxi driver for the reserved ride 10 minutes before the time and date specified by the customer. </a:t>
-            </a:r>
-            <a:endParaRPr lang="it-IT" dirty="0">
-              <a:latin typeface="Cambria" panose="02040503050406030204" pitchFamily="18" charset="0"/>
-            </a:endParaRPr>
-          </a:p>
-          <a:p>
-            <a:pPr>
-              <a:lnSpc>
-                <a:spcPct val="120000"/>
-              </a:lnSpc>
-            </a:pPr>
-            <a:endParaRPr lang="it-IT" dirty="0"/>
-          </a:p>
-          <a:p>
-            <a:pPr>
-              <a:lnSpc>
-                <a:spcPct val="120000"/>
-              </a:lnSpc>
-            </a:pPr>
-            <a:endParaRPr lang="it-IT" dirty="0"/>
-          </a:p>
-        </p:txBody>
-      </p:sp>
-      <p:sp>
-        <p:nvSpPr>
-          <p:cNvPr id="5" name="CasellaDiTesto 4"/>
-          <p:cNvSpPr txBox="1"/>
-          <p:nvPr/>
-        </p:nvSpPr>
-        <p:spPr>
-          <a:xfrm>
-            <a:off x="1637702" y="1131590"/>
-            <a:ext cx="5872163" cy="946413"/>
-          </a:xfrm>
-          <a:prstGeom prst="rect">
-            <a:avLst/>
-          </a:prstGeom>
-          <a:noFill/>
-          <a:ln>
-            <a:solidFill>
-              <a:schemeClr val="tx1"/>
-            </a:solidFill>
-          </a:ln>
-          <a:effectLst>
-            <a:glow rad="63500">
-              <a:schemeClr val="accent3">
-                <a:satMod val="175000"/>
-                <a:alpha val="40000"/>
-              </a:schemeClr>
-            </a:glow>
-          </a:effectLst>
-        </p:spPr>
-        <p:txBody>
-          <a:bodyPr wrap="square" rtlCol="0">
-            <a:spAutoFit/>
-          </a:bodyPr>
-          <a:lstStyle/>
-          <a:p>
-            <a:r>
-              <a:rPr lang="en-US" sz="2100" i="1" dirty="0"/>
-              <a:t>[</a:t>
-            </a:r>
-            <a:r>
-              <a:rPr lang="en-US" sz="2100" b="1" i="1" dirty="0"/>
-              <a:t>G3</a:t>
-            </a:r>
-            <a:r>
-              <a:rPr lang="en-US" sz="2100" i="1" dirty="0"/>
-              <a:t>] Allow customers to reserve a taxi ride at a specific time with a given origin and destination.</a:t>
-            </a:r>
-          </a:p>
-          <a:p>
-            <a:endParaRPr lang="it-IT" sz="1350" dirty="0"/>
-          </a:p>
-        </p:txBody>
-      </p:sp>
-      <p:sp>
-        <p:nvSpPr>
-          <p:cNvPr id="4" name="Titolo 1"/>
-          <p:cNvSpPr>
-            <a:spLocks noGrp="1"/>
-          </p:cNvSpPr>
-          <p:nvPr>
-            <p:ph type="title"/>
-          </p:nvPr>
-        </p:nvSpPr>
-        <p:spPr>
-          <a:xfrm>
-            <a:off x="577339" y="267494"/>
-            <a:ext cx="7992888" cy="792088"/>
-          </a:xfrm>
-        </p:spPr>
-        <p:txBody>
-          <a:bodyPr>
-            <a:normAutofit fontScale="90000"/>
-          </a:bodyPr>
-          <a:lstStyle/>
-          <a:p>
-            <a:pPr algn="ctr"/>
-            <a:r>
-              <a:rPr lang="en-US" dirty="0" smtClean="0">
-                <a:solidFill>
-                  <a:schemeClr val="accent2">
-                    <a:lumMod val="75000"/>
-                  </a:schemeClr>
-                </a:solidFill>
-                <a:latin typeface="Georgia" panose="02040502050405020303" pitchFamily="18" charset="0"/>
-              </a:rPr>
-              <a:t>Goals and functional requirements</a:t>
-            </a:r>
-            <a:endParaRPr lang="en-US" dirty="0">
-              <a:solidFill>
-                <a:schemeClr val="accent2">
-                  <a:lumMod val="75000"/>
-                </a:schemeClr>
-              </a:solidFill>
-              <a:latin typeface="Georgia" panose="02040502050405020303" pitchFamily="18" charset="0"/>
-            </a:endParaRPr>
-          </a:p>
-        </p:txBody>
-      </p:sp>
-    </p:spTree>
-    <p:extLst>
-      <p:ext uri="{BB962C8B-B14F-4D97-AF65-F5344CB8AC3E}">
-        <p14:creationId xmlns:p14="http://schemas.microsoft.com/office/powerpoint/2010/main" val="2906865442"/>
-      </p:ext>
-    </p:extLst>
-  </p:cSld>
-  <p:clrMapOvr>
-    <a:masterClrMapping/>
-  </p:clrMapOvr>
-  <p:timing>
-    <p:tnLst>
-      <p:par>
-        <p:cTn id="1" dur="indefinite" restart="never" nodeType="tmRoot">
-          <p:childTnLst>
-            <p:seq concurrent="1" nextAc="seek">
-              <p:cTn id="2" dur="indefinite" nodeType="mainSeq">
-                <p:childTnLst>
-                  <p:par>
-                    <p:cTn id="3" fill="hold">
-                      <p:stCondLst>
-                        <p:cond delay="indefinite"/>
-                      </p:stCondLst>
-                      <p:childTnLst>
-                        <p:par>
-                          <p:cTn id="4" fill="hold">
-                            <p:stCondLst>
-                              <p:cond delay="0"/>
-                            </p:stCondLst>
-                            <p:childTnLst>
-                              <p:par>
-                                <p:cTn id="5" presetID="10" presetClass="entr" presetSubtype="0" fill="hold" grpId="0" nodeType="clickEffect">
-                                  <p:stCondLst>
-                                    <p:cond delay="0"/>
-                                  </p:stCondLst>
-                                  <p:childTnLst>
-                                    <p:set>
-                                      <p:cBhvr>
-                                        <p:cTn id="6" dur="1" fill="hold">
-                                          <p:stCondLst>
-                                            <p:cond delay="0"/>
-                                          </p:stCondLst>
-                                        </p:cTn>
-                                        <p:tgtEl>
-                                          <p:spTgt spid="3">
-                                            <p:txEl>
-                                              <p:pRg st="0" end="0"/>
-                                            </p:txEl>
-                                          </p:spTgt>
-                                        </p:tgtEl>
-                                        <p:attrNameLst>
-                                          <p:attrName>style.visibility</p:attrName>
-                                        </p:attrNameLst>
-                                      </p:cBhvr>
-                                      <p:to>
-                                        <p:strVal val="visible"/>
-                                      </p:to>
-                                    </p:set>
-                                    <p:animEffect transition="in" filter="fade">
-                                      <p:cBhvr>
-                                        <p:cTn id="7" dur="500"/>
-                                        <p:tgtEl>
-                                          <p:spTgt spid="3">
-                                            <p:txEl>
-                                              <p:pRg st="0" end="0"/>
-                                            </p:txEl>
-                                          </p:spTgt>
-                                        </p:tgtEl>
-                                      </p:cBhvr>
-                                    </p:animEffect>
-                                  </p:childTnLst>
-                                </p:cTn>
-                              </p:par>
-                            </p:childTnLst>
-                          </p:cTn>
-                        </p:par>
-                      </p:childTnLst>
-                    </p:cTn>
-                  </p:par>
-                  <p:par>
-                    <p:cTn id="8" fill="hold">
-                      <p:stCondLst>
-                        <p:cond delay="indefinite"/>
-                      </p:stCondLst>
-                      <p:childTnLst>
-                        <p:par>
-                          <p:cTn id="9" fill="hold">
-                            <p:stCondLst>
-                              <p:cond delay="0"/>
-                            </p:stCondLst>
-                            <p:childTnLst>
-                              <p:par>
-                                <p:cTn id="10" presetID="10" presetClass="entr" presetSubtype="0" fill="hold" grpId="0" nodeType="clickEffect">
-                                  <p:stCondLst>
-                                    <p:cond delay="0"/>
-                                  </p:stCondLst>
-                                  <p:childTnLst>
-                                    <p:set>
-                                      <p:cBhvr>
-                                        <p:cTn id="11" dur="1" fill="hold">
-                                          <p:stCondLst>
-                                            <p:cond delay="0"/>
-                                          </p:stCondLst>
-                                        </p:cTn>
-                                        <p:tgtEl>
-                                          <p:spTgt spid="3">
-                                            <p:txEl>
-                                              <p:pRg st="1" end="1"/>
-                                            </p:txEl>
-                                          </p:spTgt>
-                                        </p:tgtEl>
-                                        <p:attrNameLst>
-                                          <p:attrName>style.visibility</p:attrName>
-                                        </p:attrNameLst>
-                                      </p:cBhvr>
-                                      <p:to>
-                                        <p:strVal val="visible"/>
-                                      </p:to>
-                                    </p:set>
-                                    <p:animEffect transition="in" filter="fade">
-                                      <p:cBhvr>
-                                        <p:cTn id="12" dur="500"/>
-                                        <p:tgtEl>
-                                          <p:spTgt spid="3">
-                                            <p:txEl>
-                                              <p:pRg st="1" end="1"/>
-                                            </p:txEl>
-                                          </p:spTgt>
-                                        </p:tgtEl>
-                                      </p:cBhvr>
-                                    </p:animEffect>
-                                  </p:childTnLst>
-                                </p:cTn>
-                              </p:par>
-                            </p:childTnLst>
-                          </p:cTn>
-                        </p:par>
-                      </p:childTnLst>
-                    </p:cTn>
-                  </p:par>
-                  <p:par>
-                    <p:cTn id="13" fill="hold">
-                      <p:stCondLst>
-                        <p:cond delay="indefinite"/>
-                      </p:stCondLst>
-                      <p:childTnLst>
-                        <p:par>
-                          <p:cTn id="14" fill="hold">
-                            <p:stCondLst>
-                              <p:cond delay="0"/>
-                            </p:stCondLst>
-                            <p:childTnLst>
-                              <p:par>
-                                <p:cTn id="15" presetID="10" presetClass="entr" presetSubtype="0" fill="hold" grpId="0" nodeType="clickEffect">
-                                  <p:stCondLst>
-                                    <p:cond delay="0"/>
-                                  </p:stCondLst>
-                                  <p:childTnLst>
-                                    <p:set>
-                                      <p:cBhvr>
-                                        <p:cTn id="16" dur="1" fill="hold">
-                                          <p:stCondLst>
-                                            <p:cond delay="0"/>
-                                          </p:stCondLst>
-                                        </p:cTn>
-                                        <p:tgtEl>
-                                          <p:spTgt spid="3">
-                                            <p:txEl>
-                                              <p:pRg st="2" end="2"/>
-                                            </p:txEl>
-                                          </p:spTgt>
-                                        </p:tgtEl>
-                                        <p:attrNameLst>
-                                          <p:attrName>style.visibility</p:attrName>
-                                        </p:attrNameLst>
-                                      </p:cBhvr>
-                                      <p:to>
-                                        <p:strVal val="visible"/>
-                                      </p:to>
-                                    </p:set>
-                                    <p:animEffect transition="in" filter="fade">
-                                      <p:cBhvr>
-                                        <p:cTn id="17" dur="500"/>
-                                        <p:tgtEl>
-                                          <p:spTgt spid="3">
-                                            <p:txEl>
-                                              <p:pRg st="2" end="2"/>
-                                            </p:txEl>
-                                          </p:spTgt>
-                                        </p:tgtEl>
-                                      </p:cBhvr>
-                                    </p:animEffect>
-                                  </p:childTnLst>
-                                </p:cTn>
-                              </p:par>
-                            </p:childTnLst>
-                          </p:cTn>
-                        </p:par>
-                      </p:childTnLst>
-                    </p:cTn>
-                  </p:par>
-                  <p:par>
-                    <p:cTn id="18" fill="hold">
-                      <p:stCondLst>
-                        <p:cond delay="indefinite"/>
-                      </p:stCondLst>
-                      <p:childTnLst>
-                        <p:par>
-                          <p:cTn id="19" fill="hold">
-                            <p:stCondLst>
-                              <p:cond delay="0"/>
-                            </p:stCondLst>
-                            <p:childTnLst>
-                              <p:par>
-                                <p:cTn id="20" presetID="10" presetClass="entr" presetSubtype="0" fill="hold" grpId="0" nodeType="clickEffect">
-                                  <p:stCondLst>
-                                    <p:cond delay="0"/>
-                                  </p:stCondLst>
-                                  <p:childTnLst>
-                                    <p:set>
-                                      <p:cBhvr>
-                                        <p:cTn id="21" dur="1" fill="hold">
-                                          <p:stCondLst>
-                                            <p:cond delay="0"/>
-                                          </p:stCondLst>
-                                        </p:cTn>
-                                        <p:tgtEl>
-                                          <p:spTgt spid="3">
-                                            <p:txEl>
-                                              <p:pRg st="3" end="3"/>
-                                            </p:txEl>
-                                          </p:spTgt>
-                                        </p:tgtEl>
-                                        <p:attrNameLst>
-                                          <p:attrName>style.visibility</p:attrName>
-                                        </p:attrNameLst>
-                                      </p:cBhvr>
-                                      <p:to>
-                                        <p:strVal val="visible"/>
-                                      </p:to>
-                                    </p:set>
-                                    <p:animEffect transition="in" filter="fade">
-                                      <p:cBhvr>
-                                        <p:cTn id="22" dur="500"/>
-                                        <p:tgtEl>
-                                          <p:spTgt spid="3">
-                                            <p:txEl>
-                                              <p:pRg st="3" end="3"/>
-                                            </p:txEl>
-                                          </p:spTgt>
-                                        </p:tgtEl>
-                                      </p:cBhvr>
-                                    </p:animEffect>
-                                  </p:childTnLst>
-                                </p:cTn>
-                              </p:par>
-                            </p:childTnLst>
-                          </p:cTn>
-                        </p:par>
-                      </p:childTnLst>
-                    </p:cTn>
-                  </p:par>
-                </p:childTnLst>
-              </p:cTn>
-              <p:prevCondLst>
-                <p:cond evt="onPrev" delay="0">
-                  <p:tgtEl>
-                    <p:sldTgt/>
-                  </p:tgtEl>
-                </p:cond>
-              </p:prevCondLst>
-              <p:nextCondLst>
-                <p:cond evt="onNext" delay="0">
-                  <p:tgtEl>
-                    <p:sldTgt/>
-                  </p:tgtEl>
-                </p:cond>
-              </p:nextCondLst>
-            </p:seq>
-          </p:childTnLst>
-        </p:cTn>
-      </p:par>
-    </p:tnLst>
-    <p:bldLst>
-      <p:bldP spid="3" grpId="0" build="p"/>
-    </p:bldLst>
-  </p:timing>
-</p:sld>
-</file>
-
-<file path=ppt/slides/slide9.xml><?xml version="1.0" encoding="utf-8"?>
-<p:sld xmlns:a="http://schemas.openxmlformats.org/drawingml/2006/main" xmlns:r="http://schemas.openxmlformats.org/officeDocument/2006/relationships" xmlns:p="http://schemas.openxmlformats.org/presentationml/2006/main">
-  <p:cSld>
-    <p:spTree>
-      <p:nvGrpSpPr>
-        <p:cNvPr id="1" name=""/>
-        <p:cNvGrpSpPr/>
-        <p:nvPr/>
-      </p:nvGrpSpPr>
-      <p:grpSpPr>
-        <a:xfrm>
-          <a:off x="0" y="0"/>
-          <a:ext cx="0" cy="0"/>
-          <a:chOff x="0" y="0"/>
-          <a:chExt cx="0" cy="0"/>
-        </a:xfrm>
-      </p:grpSpPr>
-      <p:sp>
-        <p:nvSpPr>
-          <p:cNvPr id="3" name="Segnaposto contenuto 2"/>
-          <p:cNvSpPr>
-            <a:spLocks noGrp="1"/>
-          </p:cNvSpPr>
-          <p:nvPr>
-            <p:ph idx="1"/>
-          </p:nvPr>
-        </p:nvSpPr>
-        <p:spPr>
-          <a:xfrm>
-            <a:off x="1115616" y="2355726"/>
-            <a:ext cx="6768751" cy="2286199"/>
-          </a:xfrm>
-        </p:spPr>
-        <p:txBody>
-          <a:bodyPr>
-            <a:normAutofit fontScale="40000" lnSpcReduction="20000"/>
-          </a:bodyPr>
-          <a:lstStyle/>
-          <a:p>
-            <a:pPr>
-              <a:lnSpc>
-                <a:spcPct val="120000"/>
-              </a:lnSpc>
-              <a:spcAft>
-                <a:spcPts val="200"/>
-              </a:spcAft>
-            </a:pPr>
-            <a:r>
-              <a:rPr lang="en-US" sz="3400" dirty="0">
-                <a:latin typeface="Cambria" panose="02040503050406030204" pitchFamily="18" charset="0"/>
-              </a:rPr>
-              <a:t>[</a:t>
-            </a:r>
-            <a:r>
-              <a:rPr lang="en-US" sz="3400" b="1" dirty="0">
-                <a:latin typeface="Cambria" panose="02040503050406030204" pitchFamily="18" charset="0"/>
-              </a:rPr>
-              <a:t>R1</a:t>
-            </a:r>
-            <a:r>
-              <a:rPr lang="en-US" sz="3400" dirty="0">
-                <a:latin typeface="Cambria" panose="02040503050406030204" pitchFamily="18" charset="0"/>
-              </a:rPr>
-              <a:t>] Taxi drivers should be able to communicate their current availability state to the system.</a:t>
-            </a:r>
-            <a:endParaRPr lang="it-IT" sz="3400" dirty="0">
-              <a:latin typeface="Cambria" panose="02040503050406030204" pitchFamily="18" charset="0"/>
-            </a:endParaRPr>
-          </a:p>
-          <a:p>
-            <a:pPr>
-              <a:lnSpc>
-                <a:spcPct val="120000"/>
-              </a:lnSpc>
-              <a:spcAft>
-                <a:spcPts val="200"/>
-              </a:spcAft>
-            </a:pPr>
-            <a:r>
-              <a:rPr lang="en-US" sz="3400" dirty="0">
-                <a:latin typeface="Cambria" panose="02040503050406030204" pitchFamily="18" charset="0"/>
-              </a:rPr>
-              <a:t>[</a:t>
-            </a:r>
-            <a:r>
-              <a:rPr lang="en-US" sz="3400" b="1" dirty="0">
-                <a:latin typeface="Cambria" panose="02040503050406030204" pitchFamily="18" charset="0"/>
-              </a:rPr>
-              <a:t>R2</a:t>
-            </a:r>
-            <a:r>
-              <a:rPr lang="en-US" sz="3400" dirty="0">
-                <a:latin typeface="Cambria" panose="02040503050406030204" pitchFamily="18" charset="0"/>
-              </a:rPr>
-              <a:t>] If available, taxi drivers should be able to receive incoming requests.</a:t>
-            </a:r>
-            <a:endParaRPr lang="it-IT" sz="3400" dirty="0">
-              <a:latin typeface="Cambria" panose="02040503050406030204" pitchFamily="18" charset="0"/>
-            </a:endParaRPr>
-          </a:p>
-          <a:p>
-            <a:pPr>
-              <a:lnSpc>
-                <a:spcPct val="120000"/>
-              </a:lnSpc>
-              <a:spcAft>
-                <a:spcPts val="200"/>
-              </a:spcAft>
-            </a:pPr>
-            <a:r>
-              <a:rPr lang="en-US" sz="3400" dirty="0">
-                <a:latin typeface="Cambria" panose="02040503050406030204" pitchFamily="18" charset="0"/>
-              </a:rPr>
-              <a:t>[</a:t>
-            </a:r>
-            <a:r>
-              <a:rPr lang="en-US" sz="3400" b="1" dirty="0">
-                <a:latin typeface="Cambria" panose="02040503050406030204" pitchFamily="18" charset="0"/>
-              </a:rPr>
-              <a:t>R3</a:t>
-            </a:r>
-            <a:r>
-              <a:rPr lang="en-US" sz="3400" dirty="0">
-                <a:latin typeface="Cambria" panose="02040503050406030204" pitchFamily="18" charset="0"/>
-              </a:rPr>
-              <a:t>] After receiving an incoming request, the taxi driver should be able to either confirm or not his intention to take charge of the request.</a:t>
-            </a:r>
-            <a:endParaRPr lang="it-IT" sz="3400" dirty="0">
-              <a:latin typeface="Cambria" panose="02040503050406030204" pitchFamily="18" charset="0"/>
-            </a:endParaRPr>
-          </a:p>
-          <a:p>
-            <a:pPr>
-              <a:lnSpc>
-                <a:spcPct val="120000"/>
-              </a:lnSpc>
-              <a:spcAft>
-                <a:spcPts val="200"/>
-              </a:spcAft>
-            </a:pPr>
-            <a:r>
-              <a:rPr lang="en-US" sz="3400" dirty="0">
-                <a:latin typeface="Cambria" panose="02040503050406030204" pitchFamily="18" charset="0"/>
-              </a:rPr>
-              <a:t>[</a:t>
-            </a:r>
-            <a:r>
-              <a:rPr lang="en-US" sz="3400" b="1" dirty="0">
-                <a:latin typeface="Cambria" panose="02040503050406030204" pitchFamily="18" charset="0"/>
-              </a:rPr>
-              <a:t>R4</a:t>
-            </a:r>
-            <a:r>
-              <a:rPr lang="en-US" sz="3400" dirty="0">
-                <a:latin typeface="Cambria" panose="02040503050406030204" pitchFamily="18" charset="0"/>
-              </a:rPr>
-              <a:t>] Taxi drivers must be able to log in the mobile application with preassigned credential and be identified as drivers</a:t>
-            </a:r>
-            <a:r>
-              <a:rPr lang="en-US" sz="3400" dirty="0" smtClean="0">
-                <a:latin typeface="Cambria" panose="02040503050406030204" pitchFamily="18" charset="0"/>
-              </a:rPr>
-              <a:t>.</a:t>
-            </a:r>
-            <a:endParaRPr lang="it-IT" sz="3400" dirty="0">
-              <a:latin typeface="Cambria" panose="02040503050406030204" pitchFamily="18" charset="0"/>
-            </a:endParaRPr>
-          </a:p>
-          <a:p>
-            <a:pPr>
-              <a:lnSpc>
-                <a:spcPct val="120000"/>
-              </a:lnSpc>
-            </a:pPr>
-            <a:endParaRPr lang="it-IT" dirty="0"/>
-          </a:p>
-        </p:txBody>
-      </p:sp>
-      <p:sp>
-        <p:nvSpPr>
-          <p:cNvPr id="5" name="CasellaDiTesto 4"/>
-          <p:cNvSpPr txBox="1"/>
-          <p:nvPr/>
-        </p:nvSpPr>
-        <p:spPr>
-          <a:xfrm>
-            <a:off x="1547664" y="1062092"/>
-            <a:ext cx="5872163" cy="946413"/>
-          </a:xfrm>
-          <a:prstGeom prst="rect">
-            <a:avLst/>
-          </a:prstGeom>
-          <a:noFill/>
-          <a:ln>
-            <a:solidFill>
-              <a:schemeClr val="tx1"/>
-            </a:solidFill>
-          </a:ln>
-          <a:effectLst>
-            <a:glow rad="63500">
-              <a:schemeClr val="accent3">
-                <a:satMod val="175000"/>
-                <a:alpha val="40000"/>
-              </a:schemeClr>
-            </a:glow>
-          </a:effectLst>
-        </p:spPr>
-        <p:txBody>
-          <a:bodyPr wrap="square" rtlCol="0">
-            <a:spAutoFit/>
-          </a:bodyPr>
-          <a:lstStyle/>
-          <a:p>
-            <a:r>
-              <a:rPr lang="en-US" sz="2100" i="1" dirty="0"/>
-              <a:t>[</a:t>
-            </a:r>
-            <a:r>
-              <a:rPr lang="en-US" sz="2100" b="1" i="1" dirty="0"/>
-              <a:t>G4</a:t>
-            </a:r>
-            <a:r>
-              <a:rPr lang="en-US" sz="2100" i="1" dirty="0"/>
-              <a:t>] Allow taxi drivers to answer a ride request and take care of customers.</a:t>
-            </a:r>
-          </a:p>
-          <a:p>
-            <a:endParaRPr lang="it-IT" sz="1350" dirty="0"/>
-          </a:p>
-        </p:txBody>
-      </p:sp>
-      <p:sp>
-        <p:nvSpPr>
-          <p:cNvPr id="4" name="Titolo 1"/>
-          <p:cNvSpPr>
-            <a:spLocks noGrp="1"/>
-          </p:cNvSpPr>
-          <p:nvPr>
-            <p:ph type="title"/>
-          </p:nvPr>
-        </p:nvSpPr>
-        <p:spPr>
-          <a:xfrm>
-            <a:off x="611560" y="270003"/>
-            <a:ext cx="7992888" cy="792089"/>
-          </a:xfrm>
-        </p:spPr>
-        <p:txBody>
-          <a:bodyPr>
-            <a:normAutofit fontScale="90000"/>
-          </a:bodyPr>
-          <a:lstStyle/>
-          <a:p>
-            <a:pPr algn="ctr"/>
-            <a:r>
-              <a:rPr lang="en-US" dirty="0" smtClean="0">
-                <a:solidFill>
-                  <a:schemeClr val="accent2">
-                    <a:lumMod val="75000"/>
-                  </a:schemeClr>
-                </a:solidFill>
-                <a:latin typeface="Georgia" panose="02040502050405020303" pitchFamily="18" charset="0"/>
-              </a:rPr>
-              <a:t>Goals and functional requirements</a:t>
-            </a:r>
-            <a:endParaRPr lang="en-US" dirty="0">
-              <a:solidFill>
-                <a:schemeClr val="accent2">
-                  <a:lumMod val="75000"/>
-                </a:schemeClr>
-              </a:solidFill>
-              <a:latin typeface="Georgia" panose="02040502050405020303" pitchFamily="18" charset="0"/>
-            </a:endParaRPr>
-          </a:p>
-        </p:txBody>
-      </p:sp>
-    </p:spTree>
-    <p:extLst>
-      <p:ext uri="{BB962C8B-B14F-4D97-AF65-F5344CB8AC3E}">
-        <p14:creationId xmlns:p14="http://schemas.microsoft.com/office/powerpoint/2010/main" val="524833749"/>
-      </p:ext>
-    </p:extLst>
-  </p:cSld>
-  <p:clrMapOvr>
-    <a:masterClrMapping/>
-  </p:clrMapOvr>
-  <p:timing>
-    <p:tnLst>
-      <p:par>
-        <p:cTn id="1" dur="indefinite" restart="never" nodeType="tmRoot">
-          <p:childTnLst>
-            <p:seq concurrent="1" nextAc="seek">
-              <p:cTn id="2" dur="indefinite" nodeType="mainSeq">
-                <p:childTnLst>
-                  <p:par>
-                    <p:cTn id="3" fill="hold">
-                      <p:stCondLst>
-                        <p:cond delay="indefinite"/>
-                      </p:stCondLst>
-                      <p:childTnLst>
-                        <p:par>
-                          <p:cTn id="4" fill="hold">
-                            <p:stCondLst>
-                              <p:cond delay="0"/>
-                            </p:stCondLst>
-                            <p:childTnLst>
-                              <p:par>
-                                <p:cTn id="5" presetID="10" presetClass="entr" presetSubtype="0" fill="hold" grpId="0" nodeType="clickEffect">
-                                  <p:stCondLst>
-                                    <p:cond delay="0"/>
-                                  </p:stCondLst>
-                                  <p:childTnLst>
-                                    <p:set>
-                                      <p:cBhvr>
-                                        <p:cTn id="6" dur="1" fill="hold">
-                                          <p:stCondLst>
-                                            <p:cond delay="0"/>
-                                          </p:stCondLst>
-                                        </p:cTn>
-                                        <p:tgtEl>
-                                          <p:spTgt spid="3">
-                                            <p:txEl>
-                                              <p:pRg st="0" end="0"/>
-                                            </p:txEl>
-                                          </p:spTgt>
-                                        </p:tgtEl>
-                                        <p:attrNameLst>
-                                          <p:attrName>style.visibility</p:attrName>
-                                        </p:attrNameLst>
-                                      </p:cBhvr>
-                                      <p:to>
-                                        <p:strVal val="visible"/>
-                                      </p:to>
-                                    </p:set>
-                                    <p:animEffect transition="in" filter="fade">
-                                      <p:cBhvr>
-                                        <p:cTn id="7" dur="500"/>
-                                        <p:tgtEl>
-                                          <p:spTgt spid="3">
-                                            <p:txEl>
-                                              <p:pRg st="0" end="0"/>
-                                            </p:txEl>
-                                          </p:spTgt>
-                                        </p:tgtEl>
-                                      </p:cBhvr>
-                                    </p:animEffect>
-                                  </p:childTnLst>
-                                </p:cTn>
-                              </p:par>
-                            </p:childTnLst>
-                          </p:cTn>
-                        </p:par>
-                      </p:childTnLst>
-                    </p:cTn>
-                  </p:par>
-                  <p:par>
-                    <p:cTn id="8" fill="hold">
-                      <p:stCondLst>
-                        <p:cond delay="indefinite"/>
-                      </p:stCondLst>
-                      <p:childTnLst>
-                        <p:par>
-                          <p:cTn id="9" fill="hold">
-                            <p:stCondLst>
-                              <p:cond delay="0"/>
-                            </p:stCondLst>
-                            <p:childTnLst>
-                              <p:par>
-                                <p:cTn id="10" presetID="10" presetClass="entr" presetSubtype="0" fill="hold" grpId="0" nodeType="clickEffect">
-                                  <p:stCondLst>
-                                    <p:cond delay="0"/>
-                                  </p:stCondLst>
-                                  <p:childTnLst>
-                                    <p:set>
-                                      <p:cBhvr>
-                                        <p:cTn id="11" dur="1" fill="hold">
-                                          <p:stCondLst>
-                                            <p:cond delay="0"/>
-                                          </p:stCondLst>
-                                        </p:cTn>
-                                        <p:tgtEl>
-                                          <p:spTgt spid="3">
-                                            <p:txEl>
-                                              <p:pRg st="1" end="1"/>
-                                            </p:txEl>
-                                          </p:spTgt>
-                                        </p:tgtEl>
-                                        <p:attrNameLst>
-                                          <p:attrName>style.visibility</p:attrName>
-                                        </p:attrNameLst>
-                                      </p:cBhvr>
-                                      <p:to>
-                                        <p:strVal val="visible"/>
-                                      </p:to>
-                                    </p:set>
-                                    <p:animEffect transition="in" filter="fade">
-                                      <p:cBhvr>
-                                        <p:cTn id="12" dur="500"/>
-                                        <p:tgtEl>
-                                          <p:spTgt spid="3">
-                                            <p:txEl>
-                                              <p:pRg st="1" end="1"/>
-                                            </p:txEl>
-                                          </p:spTgt>
-                                        </p:tgtEl>
-                                      </p:cBhvr>
-                                    </p:animEffect>
-                                  </p:childTnLst>
-                                </p:cTn>
-                              </p:par>
-                            </p:childTnLst>
-                          </p:cTn>
-                        </p:par>
-                      </p:childTnLst>
-                    </p:cTn>
-                  </p:par>
-                  <p:par>
-                    <p:cTn id="13" fill="hold">
-                      <p:stCondLst>
-                        <p:cond delay="indefinite"/>
-                      </p:stCondLst>
-                      <p:childTnLst>
-                        <p:par>
-                          <p:cTn id="14" fill="hold">
-                            <p:stCondLst>
-                              <p:cond delay="0"/>
-                            </p:stCondLst>
-                            <p:childTnLst>
-                              <p:par>
-                                <p:cTn id="15" presetID="10" presetClass="entr" presetSubtype="0" fill="hold" grpId="0" nodeType="clickEffect">
-                                  <p:stCondLst>
-                                    <p:cond delay="0"/>
-                                  </p:stCondLst>
-                                  <p:childTnLst>
-                                    <p:set>
-                                      <p:cBhvr>
-                                        <p:cTn id="16" dur="1" fill="hold">
-                                          <p:stCondLst>
-                                            <p:cond delay="0"/>
-                                          </p:stCondLst>
-                                        </p:cTn>
-                                        <p:tgtEl>
-                                          <p:spTgt spid="3">
-                                            <p:txEl>
-                                              <p:pRg st="2" end="2"/>
-                                            </p:txEl>
-                                          </p:spTgt>
-                                        </p:tgtEl>
-                                        <p:attrNameLst>
-                                          <p:attrName>style.visibility</p:attrName>
-                                        </p:attrNameLst>
-                                      </p:cBhvr>
-                                      <p:to>
-                                        <p:strVal val="visible"/>
-                                      </p:to>
-                                    </p:set>
-                                    <p:animEffect transition="in" filter="fade">
-                                      <p:cBhvr>
-                                        <p:cTn id="17" dur="500"/>
-                                        <p:tgtEl>
-                                          <p:spTgt spid="3">
-                                            <p:txEl>
-                                              <p:pRg st="2" end="2"/>
-                                            </p:txEl>
-                                          </p:spTgt>
-                                        </p:tgtEl>
-                                      </p:cBhvr>
-                                    </p:animEffect>
-                                  </p:childTnLst>
-                                </p:cTn>
-                              </p:par>
-                            </p:childTnLst>
-                          </p:cTn>
-                        </p:par>
-                      </p:childTnLst>
-                    </p:cTn>
-                  </p:par>
-                  <p:par>
-                    <p:cTn id="18" fill="hold">
-                      <p:stCondLst>
-                        <p:cond delay="indefinite"/>
-                      </p:stCondLst>
-                      <p:childTnLst>
-                        <p:par>
-                          <p:cTn id="19" fill="hold">
-                            <p:stCondLst>
-                              <p:cond delay="0"/>
-                            </p:stCondLst>
-                            <p:childTnLst>
-                              <p:par>
-                                <p:cTn id="20" presetID="10" presetClass="entr" presetSubtype="0" fill="hold" grpId="0" nodeType="clickEffect">
-                                  <p:stCondLst>
-                                    <p:cond delay="0"/>
-                                  </p:stCondLst>
-                                  <p:childTnLst>
-                                    <p:set>
-                                      <p:cBhvr>
-                                        <p:cTn id="21" dur="1" fill="hold">
-                                          <p:stCondLst>
-                                            <p:cond delay="0"/>
-                                          </p:stCondLst>
-                                        </p:cTn>
-                                        <p:tgtEl>
-                                          <p:spTgt spid="3">
-                                            <p:txEl>
-                                              <p:pRg st="3" end="3"/>
-                                            </p:txEl>
-                                          </p:spTgt>
-                                        </p:tgtEl>
-                                        <p:attrNameLst>
-                                          <p:attrName>style.visibility</p:attrName>
-                                        </p:attrNameLst>
-                                      </p:cBhvr>
-                                      <p:to>
-                                        <p:strVal val="visible"/>
-                                      </p:to>
-                                    </p:set>
-                                    <p:animEffect transition="in" filter="fade">
-                                      <p:cBhvr>
-                                        <p:cTn id="22" dur="500"/>
-                                        <p:tgtEl>
-                                          <p:spTgt spid="3">
-                                            <p:txEl>
-                                              <p:pRg st="3" end="3"/>
-                                            </p:txEl>
-                                          </p:spTgt>
-                                        </p:tgtEl>
-                                      </p:cBhvr>
-                                    </p:animEffect>
-                                  </p:childTnLst>
-                                </p:cTn>
-                              </p:par>
-                            </p:childTnLst>
-                          </p:cTn>
-                        </p:par>
-                      </p:childTnLst>
-                    </p:cTn>
-                  </p:par>
-                </p:childTnLst>
-              </p:cTn>
-              <p:prevCondLst>
-                <p:cond evt="onPrev" delay="0">
-                  <p:tgtEl>
-                    <p:sldTgt/>
-                  </p:tgtEl>
-                </p:cond>
-              </p:prevCondLst>
-              <p:nextCondLst>
-                <p:cond evt="onNext" delay="0">
-                  <p:tgtEl>
-                    <p:sldTgt/>
-                  </p:tgtEl>
-                </p:cond>
-              </p:nextCondLst>
-            </p:seq>
-          </p:childTnLst>
-        </p:cTn>
-      </p:par>
-    </p:tnLst>
-    <p:bldLst>
-      <p:bldP spid="3" grpId="0" build="p"/>
     </p:bldLst>
   </p:timing>
 </p:sld>

--- a/OtherStuff/FINAL PRESENTATION/MyTaxiService.pptx
+++ b/OtherStuff/FINAL PRESENTATION/MyTaxiService.pptx
@@ -8453,15 +8453,15 @@
           <a:p>
             <a:r>
               <a:rPr lang="en-US" sz="1300" dirty="0" smtClean="0"/>
-              <a:t>The system</a:t>
+              <a:t>The system </a:t>
             </a:r>
             <a:r>
               <a:rPr lang="en-US" sz="1300" dirty="0" smtClean="0"/>
-              <a:t> have been </a:t>
+              <a:t>has </a:t>
             </a:r>
             <a:r>
               <a:rPr lang="en-US" sz="1300" dirty="0" smtClean="0"/>
-              <a:t>designed from an </a:t>
+              <a:t>been designed from an </a:t>
             </a:r>
             <a:r>
               <a:rPr lang="en-US" sz="1300" b="1" dirty="0" smtClean="0"/>
@@ -8567,7 +8567,6 @@
               <a:rPr lang="en-US" sz="1300" dirty="0"/>
               <a:t> (language or algorithms)</a:t>
             </a:r>
-            <a:endParaRPr lang="en-US" sz="1300" dirty="0"/>
           </a:p>
         </p:txBody>
       </p:sp>
@@ -8790,16 +8789,20 @@
               <a:t>unexpected </a:t>
             </a:r>
             <a:r>
-              <a:rPr lang="en-US" sz="1300" b="1" dirty="0" err="1" smtClean="0"/>
-              <a:t>behaviour</a:t>
-            </a:r>
-            <a:r>
               <a:rPr lang="en-US" sz="1300" b="1" dirty="0" smtClean="0"/>
-              <a:t> </a:t>
+              <a:t>behavior </a:t>
             </a:r>
             <a:r>
               <a:rPr lang="en-US" sz="1300" dirty="0" smtClean="0"/>
-              <a:t>of customers have not been modelled.</a:t>
+              <a:t>of customers </a:t>
+            </a:r>
+            <a:r>
+              <a:rPr lang="en-US" sz="1300" dirty="0" smtClean="0"/>
+              <a:t>are </a:t>
+            </a:r>
+            <a:r>
+              <a:rPr lang="en-US" sz="1300" dirty="0" smtClean="0"/>
+              <a:t>not handled by the application.</a:t>
             </a:r>
             <a:endParaRPr lang="en-US" sz="1300" dirty="0"/>
           </a:p>
@@ -8851,7 +8854,15 @@
             </a:r>
             <a:r>
               <a:rPr lang="en-US" sz="1300" dirty="0" smtClean="0"/>
-              <a:t> need for complex algorithm to model the </a:t>
+              <a:t> need for complex </a:t>
+            </a:r>
+            <a:r>
+              <a:rPr lang="en-US" sz="1300" dirty="0" smtClean="0"/>
+              <a:t>algorithms </a:t>
+            </a:r>
+            <a:r>
+              <a:rPr lang="en-US" sz="1300" dirty="0" smtClean="0"/>
+              <a:t>to model the </a:t>
             </a:r>
             <a:r>
               <a:rPr lang="en-US" sz="1300" b="1" dirty="0" smtClean="0"/>
@@ -25013,8 +25024,8 @@
           </a:p>
         </p:txBody>
       </p:sp>
-      <mc:AlternateContent xmlns:mc="http://schemas.openxmlformats.org/markup-compatibility/2006">
-        <mc:Choice xmlns:a14="http://schemas.microsoft.com/office/drawing/2010/main" Requires="a14">
+      <mc:AlternateContent xmlns:mc="http://schemas.openxmlformats.org/markup-compatibility/2006" xmlns:a14="http://schemas.microsoft.com/office/drawing/2010/main">
+        <mc:Choice Requires="a14">
           <p:sp>
             <p:nvSpPr>
               <p:cNvPr id="5" name="CasellaDiTesto 4"/>
@@ -25199,7 +25210,7 @@
             </p:txBody>
           </p:sp>
         </mc:Choice>
-        <mc:Fallback>
+        <mc:Fallback xmlns="">
           <p:sp>
             <p:nvSpPr>
               <p:cNvPr id="5" name="CasellaDiTesto 4"/>
@@ -25631,8 +25642,8 @@
           </a:p>
         </p:txBody>
       </p:sp>
-      <mc:AlternateContent xmlns:mc="http://schemas.openxmlformats.org/markup-compatibility/2006">
-        <mc:Choice xmlns:a14="http://schemas.microsoft.com/office/drawing/2010/main" Requires="a14">
+      <mc:AlternateContent xmlns:mc="http://schemas.openxmlformats.org/markup-compatibility/2006" xmlns:a14="http://schemas.microsoft.com/office/drawing/2010/main">
+        <mc:Choice Requires="a14">
           <p:sp>
             <p:nvSpPr>
               <p:cNvPr id="3" name="Rettangolo 2"/>
@@ -26013,7 +26024,7 @@
             </p:txBody>
           </p:sp>
         </mc:Choice>
-        <mc:Fallback>
+        <mc:Fallback xmlns="">
           <p:sp>
             <p:nvSpPr>
               <p:cNvPr id="3" name="Rettangolo 2"/>
@@ -27757,13 +27768,7 @@
               <a:rPr lang="en-US" sz="3800" dirty="0" smtClean="0">
                 <a:latin typeface="Cambria" panose="02040503050406030204" pitchFamily="18" charset="0"/>
               </a:rPr>
-              <a:t>etc</a:t>
-            </a:r>
-            <a:r>
-              <a:rPr lang="en-US" sz="3800" dirty="0" smtClean="0">
-                <a:latin typeface="Cambria" panose="02040503050406030204" pitchFamily="18" charset="0"/>
-              </a:rPr>
-              <a:t>.</a:t>
+              <a:t>etc.</a:t>
             </a:r>
           </a:p>
           <a:p>

--- a/OtherStuff/FINAL PRESENTATION/MyTaxiService.pptx
+++ b/OtherStuff/FINAL PRESENTATION/MyTaxiService.pptx
@@ -5,7 +5,7 @@
     <p:sldMasterId id="2147483648" r:id="rId1"/>
   </p:sldMasterIdLst>
   <p:notesMasterIdLst>
-    <p:notesMasterId r:id="rId50"/>
+    <p:notesMasterId r:id="rId49"/>
   </p:notesMasterIdLst>
   <p:sldIdLst>
     <p:sldId id="296" r:id="rId2"/>
@@ -30,32 +30,31 @@
     <p:sldId id="272" r:id="rId21"/>
     <p:sldId id="273" r:id="rId22"/>
     <p:sldId id="274" r:id="rId23"/>
-    <p:sldId id="304" r:id="rId24"/>
-    <p:sldId id="275" r:id="rId25"/>
-    <p:sldId id="276" r:id="rId26"/>
-    <p:sldId id="277" r:id="rId27"/>
-    <p:sldId id="278" r:id="rId28"/>
-    <p:sldId id="279" r:id="rId29"/>
-    <p:sldId id="280" r:id="rId30"/>
-    <p:sldId id="281" r:id="rId31"/>
-    <p:sldId id="282" r:id="rId32"/>
-    <p:sldId id="283" r:id="rId33"/>
-    <p:sldId id="284" r:id="rId34"/>
-    <p:sldId id="285" r:id="rId35"/>
-    <p:sldId id="287" r:id="rId36"/>
-    <p:sldId id="288" r:id="rId37"/>
-    <p:sldId id="289" r:id="rId38"/>
-    <p:sldId id="290" r:id="rId39"/>
-    <p:sldId id="291" r:id="rId40"/>
-    <p:sldId id="292" r:id="rId41"/>
-    <p:sldId id="293" r:id="rId42"/>
-    <p:sldId id="294" r:id="rId43"/>
-    <p:sldId id="295" r:id="rId44"/>
-    <p:sldId id="297" r:id="rId45"/>
-    <p:sldId id="298" r:id="rId46"/>
-    <p:sldId id="299" r:id="rId47"/>
-    <p:sldId id="300" r:id="rId48"/>
-    <p:sldId id="301" r:id="rId49"/>
+    <p:sldId id="275" r:id="rId24"/>
+    <p:sldId id="276" r:id="rId25"/>
+    <p:sldId id="277" r:id="rId26"/>
+    <p:sldId id="278" r:id="rId27"/>
+    <p:sldId id="279" r:id="rId28"/>
+    <p:sldId id="280" r:id="rId29"/>
+    <p:sldId id="281" r:id="rId30"/>
+    <p:sldId id="282" r:id="rId31"/>
+    <p:sldId id="283" r:id="rId32"/>
+    <p:sldId id="284" r:id="rId33"/>
+    <p:sldId id="285" r:id="rId34"/>
+    <p:sldId id="287" r:id="rId35"/>
+    <p:sldId id="288" r:id="rId36"/>
+    <p:sldId id="289" r:id="rId37"/>
+    <p:sldId id="290" r:id="rId38"/>
+    <p:sldId id="291" r:id="rId39"/>
+    <p:sldId id="292" r:id="rId40"/>
+    <p:sldId id="293" r:id="rId41"/>
+    <p:sldId id="294" r:id="rId42"/>
+    <p:sldId id="295" r:id="rId43"/>
+    <p:sldId id="297" r:id="rId44"/>
+    <p:sldId id="298" r:id="rId45"/>
+    <p:sldId id="299" r:id="rId46"/>
+    <p:sldId id="300" r:id="rId47"/>
+    <p:sldId id="301" r:id="rId48"/>
   </p:sldIdLst>
   <p:sldSz cx="9144000" cy="5143500" type="screen16x9"/>
   <p:notesSz cx="6858000" cy="9144000"/>
@@ -672,7 +671,7 @@
           <a:p>
             <a:fld id="{72EA31CD-A800-429B-9EE1-03AECEAD5F85}" type="slidenum">
               <a:rPr lang="en-US" smtClean="0"/>
-              <a:t>43</a:t>
+              <a:t>42</a:t>
             </a:fld>
             <a:endParaRPr lang="en-US"/>
           </a:p>
@@ -8453,15 +8452,7 @@
           <a:p>
             <a:r>
               <a:rPr lang="en-US" sz="1300" dirty="0" smtClean="0"/>
-              <a:t>The system </a:t>
-            </a:r>
-            <a:r>
-              <a:rPr lang="en-US" sz="1300" dirty="0" smtClean="0"/>
-              <a:t>has </a:t>
-            </a:r>
-            <a:r>
-              <a:rPr lang="en-US" sz="1300" dirty="0" smtClean="0"/>
-              <a:t>been designed from an </a:t>
+              <a:t>The system has been designed from an </a:t>
             </a:r>
             <a:r>
               <a:rPr lang="en-US" sz="1300" b="1" dirty="0" smtClean="0"/>
@@ -8786,23 +8777,11 @@
             </a:r>
             <a:r>
               <a:rPr lang="en-US" sz="1300" b="1" dirty="0" smtClean="0"/>
-              <a:t>unexpected </a:t>
-            </a:r>
-            <a:r>
-              <a:rPr lang="en-US" sz="1300" b="1" dirty="0" smtClean="0"/>
-              <a:t>behavior </a:t>
+              <a:t>unexpected behavior </a:t>
             </a:r>
             <a:r>
               <a:rPr lang="en-US" sz="1300" dirty="0" smtClean="0"/>
-              <a:t>of customers </a:t>
-            </a:r>
-            <a:r>
-              <a:rPr lang="en-US" sz="1300" dirty="0" smtClean="0"/>
-              <a:t>are </a:t>
-            </a:r>
-            <a:r>
-              <a:rPr lang="en-US" sz="1300" dirty="0" smtClean="0"/>
-              <a:t>not handled by the application.</a:t>
+              <a:t>of customers are not handled by the application.</a:t>
             </a:r>
             <a:endParaRPr lang="en-US" sz="1300" dirty="0"/>
           </a:p>
@@ -8854,15 +8833,7 @@
             </a:r>
             <a:r>
               <a:rPr lang="en-US" sz="1300" dirty="0" smtClean="0"/>
-              <a:t> need for complex </a:t>
-            </a:r>
-            <a:r>
-              <a:rPr lang="en-US" sz="1300" dirty="0" smtClean="0"/>
-              <a:t>algorithms </a:t>
-            </a:r>
-            <a:r>
-              <a:rPr lang="en-US" sz="1300" dirty="0" smtClean="0"/>
-              <a:t>to model the </a:t>
+              <a:t> need for complex algorithms to model the </a:t>
             </a:r>
             <a:r>
               <a:rPr lang="en-US" sz="1300" b="1" dirty="0" smtClean="0"/>
@@ -11170,81 +11141,6 @@
       </p:grpSpPr>
       <p:sp>
         <p:nvSpPr>
-          <p:cNvPr id="2" name="Titolo 1"/>
-          <p:cNvSpPr>
-            <a:spLocks noGrp="1"/>
-          </p:cNvSpPr>
-          <p:nvPr>
-            <p:ph type="title"/>
-          </p:nvPr>
-        </p:nvSpPr>
-        <p:spPr/>
-        <p:txBody>
-          <a:bodyPr/>
-          <a:lstStyle/>
-          <a:p>
-            <a:endParaRPr lang="en-US"/>
-          </a:p>
-        </p:txBody>
-      </p:sp>
-      <p:sp>
-        <p:nvSpPr>
-          <p:cNvPr id="3" name="Segnaposto contenuto 2"/>
-          <p:cNvSpPr>
-            <a:spLocks noGrp="1"/>
-          </p:cNvSpPr>
-          <p:nvPr>
-            <p:ph idx="1"/>
-          </p:nvPr>
-        </p:nvSpPr>
-        <p:spPr/>
-        <p:txBody>
-          <a:bodyPr/>
-          <a:lstStyle/>
-          <a:p>
-            <a:endParaRPr lang="en-US"/>
-          </a:p>
-        </p:txBody>
-      </p:sp>
-    </p:spTree>
-    <p:extLst>
-      <p:ext uri="{BB962C8B-B14F-4D97-AF65-F5344CB8AC3E}">
-        <p14:creationId xmlns:p14="http://schemas.microsoft.com/office/powerpoint/2010/main" val="1889708067"/>
-      </p:ext>
-    </p:extLst>
-  </p:cSld>
-  <p:clrMapOvr>
-    <a:masterClrMapping/>
-  </p:clrMapOvr>
-  <p:timing>
-    <p:tnLst>
-      <p:par>
-        <p:cTn id="1" dur="indefinite" restart="never" nodeType="tmRoot"/>
-      </p:par>
-    </p:tnLst>
-  </p:timing>
-</p:sld>
-</file>
-
-<file path=ppt/slides/slide24.xml><?xml version="1.0" encoding="utf-8"?>
-<p:sld xmlns:a="http://schemas.openxmlformats.org/drawingml/2006/main" xmlns:r="http://schemas.openxmlformats.org/officeDocument/2006/relationships" xmlns:p="http://schemas.openxmlformats.org/presentationml/2006/main">
-  <p:cSld>
-    <p:spTree>
-      <p:nvGrpSpPr>
-        <p:cNvPr id="1" name=""/>
-        <p:cNvGrpSpPr/>
-        <p:nvPr/>
-      </p:nvGrpSpPr>
-      <p:grpSpPr>
-        <a:xfrm>
-          <a:off x="0" y="0"/>
-          <a:ext cx="0" cy="0"/>
-          <a:chOff x="0" y="0"/>
-          <a:chExt cx="0" cy="0"/>
-        </a:xfrm>
-      </p:grpSpPr>
-      <p:sp>
-        <p:nvSpPr>
           <p:cNvPr id="5" name="Titolo 4"/>
           <p:cNvSpPr>
             <a:spLocks noGrp="1"/>
@@ -11326,7 +11222,7 @@
 </p:sld>
 </file>
 
-<file path=ppt/slides/slide25.xml><?xml version="1.0" encoding="utf-8"?>
+<file path=ppt/slides/slide24.xml><?xml version="1.0" encoding="utf-8"?>
 <p:sld xmlns:a="http://schemas.openxmlformats.org/drawingml/2006/main" xmlns:r="http://schemas.openxmlformats.org/officeDocument/2006/relationships" xmlns:p="http://schemas.openxmlformats.org/presentationml/2006/main">
   <p:cSld>
     <p:spTree>
@@ -12493,7 +12389,7 @@
 </p:sld>
 </file>
 
-<file path=ppt/slides/slide26.xml><?xml version="1.0" encoding="utf-8"?>
+<file path=ppt/slides/slide25.xml><?xml version="1.0" encoding="utf-8"?>
 <p:sld xmlns:a="http://schemas.openxmlformats.org/drawingml/2006/main" xmlns:r="http://schemas.openxmlformats.org/officeDocument/2006/relationships" xmlns:p="http://schemas.openxmlformats.org/presentationml/2006/main">
   <p:cSld>
     <p:spTree>
@@ -13069,7 +12965,7 @@
 </p:sld>
 </file>
 
-<file path=ppt/slides/slide27.xml><?xml version="1.0" encoding="utf-8"?>
+<file path=ppt/slides/slide26.xml><?xml version="1.0" encoding="utf-8"?>
 <p:sld xmlns:a="http://schemas.openxmlformats.org/drawingml/2006/main" xmlns:r="http://schemas.openxmlformats.org/officeDocument/2006/relationships" xmlns:p="http://schemas.openxmlformats.org/presentationml/2006/main">
   <p:cSld>
     <p:spTree>
@@ -13611,6 +13507,773 @@
                                           <p:spTgt spid="7">
                                             <p:txEl>
                                               <p:pRg st="4" end="4"/>
+                                            </p:txEl>
+                                          </p:spTgt>
+                                        </p:tgtEl>
+                                      </p:cBhvr>
+                                    </p:animEffect>
+                                  </p:childTnLst>
+                                </p:cTn>
+                              </p:par>
+                            </p:childTnLst>
+                          </p:cTn>
+                        </p:par>
+                      </p:childTnLst>
+                    </p:cTn>
+                  </p:par>
+                </p:childTnLst>
+              </p:cTn>
+              <p:prevCondLst>
+                <p:cond evt="onPrev" delay="0">
+                  <p:tgtEl>
+                    <p:sldTgt/>
+                  </p:tgtEl>
+                </p:cond>
+              </p:prevCondLst>
+              <p:nextCondLst>
+                <p:cond evt="onNext" delay="0">
+                  <p:tgtEl>
+                    <p:sldTgt/>
+                  </p:tgtEl>
+                </p:cond>
+              </p:nextCondLst>
+            </p:seq>
+          </p:childTnLst>
+        </p:cTn>
+      </p:par>
+    </p:tnLst>
+  </p:timing>
+</p:sld>
+</file>
+
+<file path=ppt/slides/slide27.xml><?xml version="1.0" encoding="utf-8"?>
+<p:sld xmlns:a="http://schemas.openxmlformats.org/drawingml/2006/main" xmlns:r="http://schemas.openxmlformats.org/officeDocument/2006/relationships" xmlns:p="http://schemas.openxmlformats.org/presentationml/2006/main">
+  <p:cSld>
+    <p:spTree>
+      <p:nvGrpSpPr>
+        <p:cNvPr id="1" name=""/>
+        <p:cNvGrpSpPr/>
+        <p:nvPr/>
+      </p:nvGrpSpPr>
+      <p:grpSpPr>
+        <a:xfrm>
+          <a:off x="0" y="0"/>
+          <a:ext cx="0" cy="0"/>
+          <a:chOff x="0" y="0"/>
+          <a:chExt cx="0" cy="0"/>
+        </a:xfrm>
+      </p:grpSpPr>
+      <p:pic>
+        <p:nvPicPr>
+          <p:cNvPr id="3" name="Immagine 2" descr="Tier image"/>
+          <p:cNvPicPr/>
+          <p:nvPr/>
+        </p:nvPicPr>
+        <p:blipFill>
+          <a:blip r:embed="rId2" cstate="print">
+            <a:extLst>
+              <a:ext uri="{28A0092B-C50C-407E-A947-70E740481C1C}">
+                <a14:useLocalDpi xmlns:a14="http://schemas.microsoft.com/office/drawing/2010/main" val="0"/>
+              </a:ext>
+            </a:extLst>
+          </a:blip>
+          <a:srcRect/>
+          <a:stretch>
+            <a:fillRect/>
+          </a:stretch>
+        </p:blipFill>
+        <p:spPr bwMode="auto">
+          <a:xfrm>
+            <a:off x="628650" y="1039417"/>
+            <a:ext cx="3273743" cy="3640931"/>
+          </a:xfrm>
+          <a:prstGeom prst="rect">
+            <a:avLst/>
+          </a:prstGeom>
+          <a:noFill/>
+        </p:spPr>
+      </p:pic>
+      <p:sp>
+        <p:nvSpPr>
+          <p:cNvPr id="4" name="Rettangolo 3"/>
+          <p:cNvSpPr/>
+          <p:nvPr/>
+        </p:nvSpPr>
+        <p:spPr>
+          <a:xfrm>
+            <a:off x="4236853" y="1179079"/>
+            <a:ext cx="4505366" cy="3841821"/>
+          </a:xfrm>
+          <a:prstGeom prst="rect">
+            <a:avLst/>
+          </a:prstGeom>
+        </p:spPr>
+        <p:txBody>
+          <a:bodyPr wrap="square">
+            <a:spAutoFit/>
+          </a:bodyPr>
+          <a:lstStyle/>
+          <a:p>
+            <a:pPr>
+              <a:lnSpc>
+                <a:spcPct val="107000"/>
+              </a:lnSpc>
+              <a:spcAft>
+                <a:spcPts val="600"/>
+              </a:spcAft>
+            </a:pPr>
+            <a:r>
+              <a:rPr lang="it-IT" sz="1500" b="1" i="1" dirty="0">
+                <a:latin typeface="Cambria" panose="02040503050406030204" pitchFamily="18" charset="0"/>
+                <a:ea typeface="Calibri" panose="020F0502020204030204" pitchFamily="34" charset="0"/>
+                <a:cs typeface="Times New Roman" panose="02020603050405020304" pitchFamily="18" charset="0"/>
+              </a:rPr>
+              <a:t>Middle tier</a:t>
+            </a:r>
+          </a:p>
+          <a:p>
+            <a:pPr marL="257175" indent="-257175">
+              <a:lnSpc>
+                <a:spcPct val="107000"/>
+              </a:lnSpc>
+              <a:spcAft>
+                <a:spcPts val="600"/>
+              </a:spcAft>
+              <a:buFont typeface="Arial" panose="020B0604020202020204" pitchFamily="34" charset="0"/>
+              <a:buChar char="•"/>
+            </a:pPr>
+            <a:r>
+              <a:rPr lang="it-IT" sz="1500" i="1" dirty="0">
+                <a:latin typeface="Cambria" panose="02040503050406030204" pitchFamily="18" charset="0"/>
+                <a:ea typeface="Calibri" panose="020F0502020204030204" pitchFamily="34" charset="0"/>
+                <a:cs typeface="Times New Roman" panose="02020603050405020304" pitchFamily="18" charset="0"/>
+              </a:rPr>
+              <a:t>Application Server</a:t>
+            </a:r>
+          </a:p>
+          <a:p>
+            <a:pPr marL="600075" lvl="1" indent="-257175">
+              <a:lnSpc>
+                <a:spcPct val="107000"/>
+              </a:lnSpc>
+              <a:spcAft>
+                <a:spcPts val="600"/>
+              </a:spcAft>
+              <a:buFont typeface="Arial" panose="020B0604020202020204" pitchFamily="34" charset="0"/>
+              <a:buChar char="•"/>
+            </a:pPr>
+            <a:r>
+              <a:rPr lang="en-US" sz="1500" smtClean="0">
+                <a:latin typeface="Cambria" panose="02040503050406030204" pitchFamily="18" charset="0"/>
+              </a:rPr>
+              <a:t>Contains the </a:t>
+            </a:r>
+            <a:r>
+              <a:rPr lang="en-US" sz="1500" dirty="0">
+                <a:latin typeface="Cambria" panose="02040503050406030204" pitchFamily="18" charset="0"/>
+              </a:rPr>
+              <a:t>business logic</a:t>
+            </a:r>
+          </a:p>
+          <a:p>
+            <a:pPr marL="600075" lvl="1" indent="-257175">
+              <a:lnSpc>
+                <a:spcPct val="107000"/>
+              </a:lnSpc>
+              <a:spcAft>
+                <a:spcPts val="600"/>
+              </a:spcAft>
+              <a:buFont typeface="Arial" panose="020B0604020202020204" pitchFamily="34" charset="0"/>
+              <a:buChar char="•"/>
+            </a:pPr>
+            <a:r>
+              <a:rPr lang="en-US" sz="1500" dirty="0">
+                <a:latin typeface="Cambria" panose="02040503050406030204" pitchFamily="18" charset="0"/>
+              </a:rPr>
+              <a:t>Provide lightweight APIs to be used directly by mobile application clients</a:t>
+            </a:r>
+          </a:p>
+          <a:p>
+            <a:pPr marL="600075" lvl="1" indent="-257175">
+              <a:lnSpc>
+                <a:spcPct val="107000"/>
+              </a:lnSpc>
+              <a:spcAft>
+                <a:spcPts val="600"/>
+              </a:spcAft>
+              <a:buFont typeface="Arial" panose="020B0604020202020204" pitchFamily="34" charset="0"/>
+              <a:buChar char="•"/>
+            </a:pPr>
+            <a:r>
+              <a:rPr lang="en-US" sz="1500" dirty="0">
+                <a:latin typeface="Cambria" panose="02040503050406030204" pitchFamily="18" charset="0"/>
+              </a:rPr>
+              <a:t>Web application clients will access this component indirectly, through the Web Server.</a:t>
+            </a:r>
+            <a:endParaRPr lang="it-IT" sz="1500" dirty="0">
+              <a:latin typeface="Cambria" panose="02040503050406030204" pitchFamily="18" charset="0"/>
+            </a:endParaRPr>
+          </a:p>
+          <a:p>
+            <a:pPr marL="257175" indent="-257175">
+              <a:lnSpc>
+                <a:spcPct val="107000"/>
+              </a:lnSpc>
+              <a:spcAft>
+                <a:spcPts val="600"/>
+              </a:spcAft>
+              <a:buFont typeface="Arial" panose="020B0604020202020204" pitchFamily="34" charset="0"/>
+              <a:buChar char="•"/>
+            </a:pPr>
+            <a:r>
+              <a:rPr lang="it-IT" sz="1500" i="1" dirty="0" err="1">
+                <a:latin typeface="Cambria" panose="02040503050406030204" pitchFamily="18" charset="0"/>
+              </a:rPr>
+              <a:t>Admin’s</a:t>
+            </a:r>
+            <a:r>
+              <a:rPr lang="it-IT" sz="1500" i="1" dirty="0">
+                <a:latin typeface="Cambria" panose="02040503050406030204" pitchFamily="18" charset="0"/>
+              </a:rPr>
+              <a:t> GUI</a:t>
+            </a:r>
+          </a:p>
+          <a:p>
+            <a:pPr marL="600075" lvl="1" indent="-257175">
+              <a:lnSpc>
+                <a:spcPct val="107000"/>
+              </a:lnSpc>
+              <a:spcAft>
+                <a:spcPts val="600"/>
+              </a:spcAft>
+              <a:buFont typeface="Arial" panose="020B0604020202020204" pitchFamily="34" charset="0"/>
+              <a:buChar char="•"/>
+            </a:pPr>
+            <a:r>
+              <a:rPr lang="en-US" sz="1500" dirty="0">
+                <a:latin typeface="Cambria" panose="02040503050406030204" pitchFamily="18" charset="0"/>
+              </a:rPr>
+              <a:t>Specific interface for Administrators</a:t>
+            </a:r>
+          </a:p>
+          <a:p>
+            <a:pPr marL="600075" lvl="1" indent="-257175">
+              <a:lnSpc>
+                <a:spcPct val="107000"/>
+              </a:lnSpc>
+              <a:spcAft>
+                <a:spcPts val="600"/>
+              </a:spcAft>
+              <a:buFont typeface="Arial" panose="020B0604020202020204" pitchFamily="34" charset="0"/>
+              <a:buChar char="•"/>
+            </a:pPr>
+            <a:r>
+              <a:rPr lang="en-US" sz="1500" dirty="0">
+                <a:latin typeface="Cambria" panose="02040503050406030204" pitchFamily="18" charset="0"/>
+              </a:rPr>
+              <a:t>Allows Admins to access to their exclusive functions dialoguing directly with the business logic </a:t>
+            </a:r>
+            <a:endParaRPr lang="it-IT" sz="1500" dirty="0">
+              <a:latin typeface="Cambria" panose="02040503050406030204" pitchFamily="18" charset="0"/>
+            </a:endParaRPr>
+          </a:p>
+        </p:txBody>
+      </p:sp>
+      <p:sp>
+        <p:nvSpPr>
+          <p:cNvPr id="5" name="Titolo 1"/>
+          <p:cNvSpPr txBox="1">
+            <a:spLocks/>
+          </p:cNvSpPr>
+          <p:nvPr/>
+        </p:nvSpPr>
+        <p:spPr>
+          <a:xfrm>
+            <a:off x="467544" y="211420"/>
+            <a:ext cx="8229600" cy="857250"/>
+          </a:xfrm>
+          <a:prstGeom prst="rect">
+            <a:avLst/>
+          </a:prstGeom>
+        </p:spPr>
+        <p:txBody>
+          <a:bodyPr vert="horz" lIns="0" rIns="0" bIns="0" anchor="b">
+            <a:normAutofit/>
+          </a:bodyPr>
+          <a:lstStyle>
+            <a:lvl1pPr algn="l" rtl="0" eaLnBrk="1" latinLnBrk="0" hangingPunct="1">
+              <a:spcBef>
+                <a:spcPct val="0"/>
+              </a:spcBef>
+              <a:buNone/>
+              <a:defRPr kumimoji="0" sz="5000" b="0" kern="1200">
+                <a:ln>
+                  <a:noFill/>
+                </a:ln>
+                <a:solidFill>
+                  <a:schemeClr val="tx2"/>
+                </a:solidFill>
+                <a:effectLst/>
+                <a:latin typeface="+mj-lt"/>
+                <a:ea typeface="+mj-ea"/>
+                <a:cs typeface="+mj-cs"/>
+              </a:defRPr>
+            </a:lvl1pPr>
+          </a:lstStyle>
+          <a:p>
+            <a:pPr algn="ctr"/>
+            <a:r>
+              <a:rPr lang="en-US" sz="4000" dirty="0" smtClean="0">
+                <a:solidFill>
+                  <a:schemeClr val="accent2">
+                    <a:lumMod val="75000"/>
+                  </a:schemeClr>
+                </a:solidFill>
+                <a:latin typeface="Cambria" panose="02040503050406030204" pitchFamily="18" charset="0"/>
+              </a:rPr>
+              <a:t>Three tier architecture</a:t>
+            </a:r>
+            <a:endParaRPr lang="en-US" sz="4000" dirty="0">
+              <a:solidFill>
+                <a:schemeClr val="accent2">
+                  <a:lumMod val="75000"/>
+                </a:schemeClr>
+              </a:solidFill>
+            </a:endParaRPr>
+          </a:p>
+        </p:txBody>
+      </p:sp>
+    </p:spTree>
+    <p:extLst>
+      <p:ext uri="{BB962C8B-B14F-4D97-AF65-F5344CB8AC3E}">
+        <p14:creationId xmlns:p14="http://schemas.microsoft.com/office/powerpoint/2010/main" val="1260407990"/>
+      </p:ext>
+    </p:extLst>
+  </p:cSld>
+  <p:clrMapOvr>
+    <a:masterClrMapping/>
+  </p:clrMapOvr>
+  <p:timing>
+    <p:tnLst>
+      <p:par>
+        <p:cTn id="1" dur="indefinite" restart="never" nodeType="tmRoot">
+          <p:childTnLst>
+            <p:seq concurrent="1" nextAc="seek">
+              <p:cTn id="2" dur="indefinite" nodeType="mainSeq">
+                <p:childTnLst>
+                  <p:par>
+                    <p:cTn id="3" fill="hold">
+                      <p:stCondLst>
+                        <p:cond delay="indefinite"/>
+                      </p:stCondLst>
+                      <p:childTnLst>
+                        <p:par>
+                          <p:cTn id="4" fill="hold">
+                            <p:stCondLst>
+                              <p:cond delay="0"/>
+                            </p:stCondLst>
+                            <p:childTnLst>
+                              <p:par>
+                                <p:cTn id="5" presetID="10" presetClass="entr" presetSubtype="0" fill="hold" nodeType="clickEffect">
+                                  <p:stCondLst>
+                                    <p:cond delay="0"/>
+                                  </p:stCondLst>
+                                  <p:childTnLst>
+                                    <p:set>
+                                      <p:cBhvr>
+                                        <p:cTn id="6" dur="1" fill="hold">
+                                          <p:stCondLst>
+                                            <p:cond delay="0"/>
+                                          </p:stCondLst>
+                                        </p:cTn>
+                                        <p:tgtEl>
+                                          <p:spTgt spid="4">
+                                            <p:txEl>
+                                              <p:pRg st="1" end="1"/>
+                                            </p:txEl>
+                                          </p:spTgt>
+                                        </p:tgtEl>
+                                        <p:attrNameLst>
+                                          <p:attrName>style.visibility</p:attrName>
+                                        </p:attrNameLst>
+                                      </p:cBhvr>
+                                      <p:to>
+                                        <p:strVal val="visible"/>
+                                      </p:to>
+                                    </p:set>
+                                    <p:animEffect transition="in" filter="fade">
+                                      <p:cBhvr>
+                                        <p:cTn id="7" dur="500"/>
+                                        <p:tgtEl>
+                                          <p:spTgt spid="4">
+                                            <p:txEl>
+                                              <p:pRg st="1" end="1"/>
+                                            </p:txEl>
+                                          </p:spTgt>
+                                        </p:tgtEl>
+                                      </p:cBhvr>
+                                    </p:animEffect>
+                                  </p:childTnLst>
+                                </p:cTn>
+                              </p:par>
+                            </p:childTnLst>
+                          </p:cTn>
+                        </p:par>
+                      </p:childTnLst>
+                    </p:cTn>
+                  </p:par>
+                  <p:par>
+                    <p:cTn id="8" fill="hold">
+                      <p:stCondLst>
+                        <p:cond delay="indefinite"/>
+                      </p:stCondLst>
+                      <p:childTnLst>
+                        <p:par>
+                          <p:cTn id="9" fill="hold">
+                            <p:stCondLst>
+                              <p:cond delay="0"/>
+                            </p:stCondLst>
+                            <p:childTnLst>
+                              <p:par>
+                                <p:cTn id="10" presetID="10" presetClass="entr" presetSubtype="0" fill="hold" nodeType="clickEffect">
+                                  <p:stCondLst>
+                                    <p:cond delay="0"/>
+                                  </p:stCondLst>
+                                  <p:childTnLst>
+                                    <p:set>
+                                      <p:cBhvr>
+                                        <p:cTn id="11" dur="1" fill="hold">
+                                          <p:stCondLst>
+                                            <p:cond delay="0"/>
+                                          </p:stCondLst>
+                                        </p:cTn>
+                                        <p:tgtEl>
+                                          <p:spTgt spid="4">
+                                            <p:txEl>
+                                              <p:pRg st="2" end="2"/>
+                                            </p:txEl>
+                                          </p:spTgt>
+                                        </p:tgtEl>
+                                        <p:attrNameLst>
+                                          <p:attrName>style.visibility</p:attrName>
+                                        </p:attrNameLst>
+                                      </p:cBhvr>
+                                      <p:to>
+                                        <p:strVal val="visible"/>
+                                      </p:to>
+                                    </p:set>
+                                    <p:animEffect transition="in" filter="fade">
+                                      <p:cBhvr>
+                                        <p:cTn id="12" dur="500"/>
+                                        <p:tgtEl>
+                                          <p:spTgt spid="4">
+                                            <p:txEl>
+                                              <p:pRg st="2" end="2"/>
+                                            </p:txEl>
+                                          </p:spTgt>
+                                        </p:tgtEl>
+                                      </p:cBhvr>
+                                    </p:animEffect>
+                                  </p:childTnLst>
+                                </p:cTn>
+                              </p:par>
+                            </p:childTnLst>
+                          </p:cTn>
+                        </p:par>
+                      </p:childTnLst>
+                    </p:cTn>
+                  </p:par>
+                  <p:par>
+                    <p:cTn id="13" fill="hold">
+                      <p:stCondLst>
+                        <p:cond delay="indefinite"/>
+                      </p:stCondLst>
+                      <p:childTnLst>
+                        <p:par>
+                          <p:cTn id="14" fill="hold">
+                            <p:stCondLst>
+                              <p:cond delay="0"/>
+                            </p:stCondLst>
+                            <p:childTnLst>
+                              <p:par>
+                                <p:cTn id="15" presetID="10" presetClass="entr" presetSubtype="0" fill="hold" nodeType="clickEffect">
+                                  <p:stCondLst>
+                                    <p:cond delay="0"/>
+                                  </p:stCondLst>
+                                  <p:childTnLst>
+                                    <p:set>
+                                      <p:cBhvr>
+                                        <p:cTn id="16" dur="1" fill="hold">
+                                          <p:stCondLst>
+                                            <p:cond delay="0"/>
+                                          </p:stCondLst>
+                                        </p:cTn>
+                                        <p:tgtEl>
+                                          <p:spTgt spid="4">
+                                            <p:txEl>
+                                              <p:pRg st="3" end="3"/>
+                                            </p:txEl>
+                                          </p:spTgt>
+                                        </p:tgtEl>
+                                        <p:attrNameLst>
+                                          <p:attrName>style.visibility</p:attrName>
+                                        </p:attrNameLst>
+                                      </p:cBhvr>
+                                      <p:to>
+                                        <p:strVal val="visible"/>
+                                      </p:to>
+                                    </p:set>
+                                    <p:animEffect transition="in" filter="fade">
+                                      <p:cBhvr>
+                                        <p:cTn id="17" dur="500"/>
+                                        <p:tgtEl>
+                                          <p:spTgt spid="4">
+                                            <p:txEl>
+                                              <p:pRg st="3" end="3"/>
+                                            </p:txEl>
+                                          </p:spTgt>
+                                        </p:tgtEl>
+                                      </p:cBhvr>
+                                    </p:animEffect>
+                                  </p:childTnLst>
+                                </p:cTn>
+                              </p:par>
+                            </p:childTnLst>
+                          </p:cTn>
+                        </p:par>
+                      </p:childTnLst>
+                    </p:cTn>
+                  </p:par>
+                  <p:par>
+                    <p:cTn id="18" fill="hold">
+                      <p:stCondLst>
+                        <p:cond delay="indefinite"/>
+                      </p:stCondLst>
+                      <p:childTnLst>
+                        <p:par>
+                          <p:cTn id="19" fill="hold">
+                            <p:stCondLst>
+                              <p:cond delay="0"/>
+                            </p:stCondLst>
+                            <p:childTnLst>
+                              <p:par>
+                                <p:cTn id="20" presetID="10" presetClass="entr" presetSubtype="0" fill="hold" nodeType="clickEffect">
+                                  <p:stCondLst>
+                                    <p:cond delay="0"/>
+                                  </p:stCondLst>
+                                  <p:childTnLst>
+                                    <p:set>
+                                      <p:cBhvr>
+                                        <p:cTn id="21" dur="1" fill="hold">
+                                          <p:stCondLst>
+                                            <p:cond delay="0"/>
+                                          </p:stCondLst>
+                                        </p:cTn>
+                                        <p:tgtEl>
+                                          <p:spTgt spid="4">
+                                            <p:txEl>
+                                              <p:pRg st="4" end="4"/>
+                                            </p:txEl>
+                                          </p:spTgt>
+                                        </p:tgtEl>
+                                        <p:attrNameLst>
+                                          <p:attrName>style.visibility</p:attrName>
+                                        </p:attrNameLst>
+                                      </p:cBhvr>
+                                      <p:to>
+                                        <p:strVal val="visible"/>
+                                      </p:to>
+                                    </p:set>
+                                    <p:animEffect transition="in" filter="fade">
+                                      <p:cBhvr>
+                                        <p:cTn id="22" dur="500"/>
+                                        <p:tgtEl>
+                                          <p:spTgt spid="4">
+                                            <p:txEl>
+                                              <p:pRg st="4" end="4"/>
+                                            </p:txEl>
+                                          </p:spTgt>
+                                        </p:tgtEl>
+                                      </p:cBhvr>
+                                    </p:animEffect>
+                                  </p:childTnLst>
+                                </p:cTn>
+                              </p:par>
+                            </p:childTnLst>
+                          </p:cTn>
+                        </p:par>
+                      </p:childTnLst>
+                    </p:cTn>
+                  </p:par>
+                  <p:par>
+                    <p:cTn id="23" fill="hold">
+                      <p:stCondLst>
+                        <p:cond delay="indefinite"/>
+                      </p:stCondLst>
+                      <p:childTnLst>
+                        <p:par>
+                          <p:cTn id="24" fill="hold">
+                            <p:stCondLst>
+                              <p:cond delay="0"/>
+                            </p:stCondLst>
+                            <p:childTnLst>
+                              <p:par>
+                                <p:cTn id="25" presetID="10" presetClass="entr" presetSubtype="0" fill="hold" nodeType="clickEffect">
+                                  <p:stCondLst>
+                                    <p:cond delay="0"/>
+                                  </p:stCondLst>
+                                  <p:childTnLst>
+                                    <p:set>
+                                      <p:cBhvr>
+                                        <p:cTn id="26" dur="1" fill="hold">
+                                          <p:stCondLst>
+                                            <p:cond delay="0"/>
+                                          </p:stCondLst>
+                                        </p:cTn>
+                                        <p:tgtEl>
+                                          <p:spTgt spid="4">
+                                            <p:txEl>
+                                              <p:pRg st="5" end="5"/>
+                                            </p:txEl>
+                                          </p:spTgt>
+                                        </p:tgtEl>
+                                        <p:attrNameLst>
+                                          <p:attrName>style.visibility</p:attrName>
+                                        </p:attrNameLst>
+                                      </p:cBhvr>
+                                      <p:to>
+                                        <p:strVal val="visible"/>
+                                      </p:to>
+                                    </p:set>
+                                    <p:animEffect transition="in" filter="fade">
+                                      <p:cBhvr>
+                                        <p:cTn id="27" dur="500"/>
+                                        <p:tgtEl>
+                                          <p:spTgt spid="4">
+                                            <p:txEl>
+                                              <p:pRg st="5" end="5"/>
+                                            </p:txEl>
+                                          </p:spTgt>
+                                        </p:tgtEl>
+                                      </p:cBhvr>
+                                    </p:animEffect>
+                                  </p:childTnLst>
+                                </p:cTn>
+                              </p:par>
+                            </p:childTnLst>
+                          </p:cTn>
+                        </p:par>
+                      </p:childTnLst>
+                    </p:cTn>
+                  </p:par>
+                  <p:par>
+                    <p:cTn id="28" fill="hold">
+                      <p:stCondLst>
+                        <p:cond delay="indefinite"/>
+                      </p:stCondLst>
+                      <p:childTnLst>
+                        <p:par>
+                          <p:cTn id="29" fill="hold">
+                            <p:stCondLst>
+                              <p:cond delay="0"/>
+                            </p:stCondLst>
+                            <p:childTnLst>
+                              <p:par>
+                                <p:cTn id="30" presetID="10" presetClass="entr" presetSubtype="0" fill="hold" nodeType="clickEffect">
+                                  <p:stCondLst>
+                                    <p:cond delay="0"/>
+                                  </p:stCondLst>
+                                  <p:childTnLst>
+                                    <p:set>
+                                      <p:cBhvr>
+                                        <p:cTn id="31" dur="1" fill="hold">
+                                          <p:stCondLst>
+                                            <p:cond delay="0"/>
+                                          </p:stCondLst>
+                                        </p:cTn>
+                                        <p:tgtEl>
+                                          <p:spTgt spid="4">
+                                            <p:txEl>
+                                              <p:pRg st="6" end="6"/>
+                                            </p:txEl>
+                                          </p:spTgt>
+                                        </p:tgtEl>
+                                        <p:attrNameLst>
+                                          <p:attrName>style.visibility</p:attrName>
+                                        </p:attrNameLst>
+                                      </p:cBhvr>
+                                      <p:to>
+                                        <p:strVal val="visible"/>
+                                      </p:to>
+                                    </p:set>
+                                    <p:animEffect transition="in" filter="fade">
+                                      <p:cBhvr>
+                                        <p:cTn id="32" dur="500"/>
+                                        <p:tgtEl>
+                                          <p:spTgt spid="4">
+                                            <p:txEl>
+                                              <p:pRg st="6" end="6"/>
+                                            </p:txEl>
+                                          </p:spTgt>
+                                        </p:tgtEl>
+                                      </p:cBhvr>
+                                    </p:animEffect>
+                                  </p:childTnLst>
+                                </p:cTn>
+                              </p:par>
+                            </p:childTnLst>
+                          </p:cTn>
+                        </p:par>
+                      </p:childTnLst>
+                    </p:cTn>
+                  </p:par>
+                  <p:par>
+                    <p:cTn id="33" fill="hold">
+                      <p:stCondLst>
+                        <p:cond delay="indefinite"/>
+                      </p:stCondLst>
+                      <p:childTnLst>
+                        <p:par>
+                          <p:cTn id="34" fill="hold">
+                            <p:stCondLst>
+                              <p:cond delay="0"/>
+                            </p:stCondLst>
+                            <p:childTnLst>
+                              <p:par>
+                                <p:cTn id="35" presetID="10" presetClass="entr" presetSubtype="0" fill="hold" nodeType="clickEffect">
+                                  <p:stCondLst>
+                                    <p:cond delay="0"/>
+                                  </p:stCondLst>
+                                  <p:childTnLst>
+                                    <p:set>
+                                      <p:cBhvr>
+                                        <p:cTn id="36" dur="1" fill="hold">
+                                          <p:stCondLst>
+                                            <p:cond delay="0"/>
+                                          </p:stCondLst>
+                                        </p:cTn>
+                                        <p:tgtEl>
+                                          <p:spTgt spid="4">
+                                            <p:txEl>
+                                              <p:pRg st="7" end="7"/>
+                                            </p:txEl>
+                                          </p:spTgt>
+                                        </p:tgtEl>
+                                        <p:attrNameLst>
+                                          <p:attrName>style.visibility</p:attrName>
+                                        </p:attrNameLst>
+                                      </p:cBhvr>
+                                      <p:to>
+                                        <p:strVal val="visible"/>
+                                      </p:to>
+                                    </p:set>
+                                    <p:animEffect transition="in" filter="fade">
+                                      <p:cBhvr>
+                                        <p:cTn id="37" dur="500"/>
+                                        <p:tgtEl>
+                                          <p:spTgt spid="4">
+                                            <p:txEl>
+                                              <p:pRg st="7" end="7"/>
                                             </p:txEl>
                                           </p:spTgt>
                                         </p:tgtEl>
@@ -13706,7 +14369,7 @@
         <p:spPr>
           <a:xfrm>
             <a:off x="4236853" y="1179079"/>
-            <a:ext cx="4505366" cy="3841821"/>
+            <a:ext cx="4505366" cy="1481175"/>
           </a:xfrm>
           <a:prstGeom prst="rect">
             <a:avLst/>
@@ -13732,27 +14395,7 @@
                 <a:ea typeface="Calibri" panose="020F0502020204030204" pitchFamily="34" charset="0"/>
                 <a:cs typeface="Times New Roman" panose="02020603050405020304" pitchFamily="18" charset="0"/>
               </a:rPr>
-              <a:t>Middle tier</a:t>
-            </a:r>
-          </a:p>
-          <a:p>
-            <a:pPr marL="257175" indent="-257175">
-              <a:lnSpc>
-                <a:spcPct val="107000"/>
-              </a:lnSpc>
-              <a:spcAft>
-                <a:spcPts val="600"/>
-              </a:spcAft>
-              <a:buFont typeface="Arial" panose="020B0604020202020204" pitchFamily="34" charset="0"/>
-              <a:buChar char="•"/>
-            </a:pPr>
-            <a:r>
-              <a:rPr lang="it-IT" sz="1500" i="1" dirty="0">
-                <a:latin typeface="Cambria" panose="02040503050406030204" pitchFamily="18" charset="0"/>
-                <a:ea typeface="Calibri" panose="020F0502020204030204" pitchFamily="34" charset="0"/>
-                <a:cs typeface="Times New Roman" panose="02020603050405020304" pitchFamily="18" charset="0"/>
-              </a:rPr>
-              <a:t>Application Server</a:t>
+              <a:t>Bottom tier (Database)</a:t>
             </a:r>
           </a:p>
           <a:p>
@@ -13767,16 +14410,10 @@
               <a:buChar char="•"/>
             </a:pPr>
             <a:r>
-              <a:rPr lang="en-US" sz="1500" smtClean="0">
-                <a:latin typeface="Cambria" panose="02040503050406030204" pitchFamily="18" charset="0"/>
-              </a:rPr>
-              <a:t>Contains the </a:t>
-            </a:r>
-            <a:r>
               <a:rPr lang="en-US" sz="1500" dirty="0">
                 <a:latin typeface="Cambria" panose="02040503050406030204" pitchFamily="18" charset="0"/>
               </a:rPr>
-              <a:t>business logic</a:t>
+              <a:t>Separated from the previous one with a (possibly local) network</a:t>
             </a:r>
           </a:p>
           <a:p>
@@ -13794,88 +14431,7 @@
               <a:rPr lang="en-US" sz="1500" dirty="0">
                 <a:latin typeface="Cambria" panose="02040503050406030204" pitchFamily="18" charset="0"/>
               </a:rPr>
-              <a:t>Provide lightweight APIs to be used directly by mobile application clients</a:t>
-            </a:r>
-          </a:p>
-          <a:p>
-            <a:pPr marL="600075" lvl="1" indent="-257175">
-              <a:lnSpc>
-                <a:spcPct val="107000"/>
-              </a:lnSpc>
-              <a:spcAft>
-                <a:spcPts val="600"/>
-              </a:spcAft>
-              <a:buFont typeface="Arial" panose="020B0604020202020204" pitchFamily="34" charset="0"/>
-              <a:buChar char="•"/>
-            </a:pPr>
-            <a:r>
-              <a:rPr lang="en-US" sz="1500" dirty="0">
-                <a:latin typeface="Cambria" panose="02040503050406030204" pitchFamily="18" charset="0"/>
-              </a:rPr>
-              <a:t>Web application clients will access this component indirectly, through the Web Server.</a:t>
-            </a:r>
-            <a:endParaRPr lang="it-IT" sz="1500" dirty="0">
-              <a:latin typeface="Cambria" panose="02040503050406030204" pitchFamily="18" charset="0"/>
-            </a:endParaRPr>
-          </a:p>
-          <a:p>
-            <a:pPr marL="257175" indent="-257175">
-              <a:lnSpc>
-                <a:spcPct val="107000"/>
-              </a:lnSpc>
-              <a:spcAft>
-                <a:spcPts val="600"/>
-              </a:spcAft>
-              <a:buFont typeface="Arial" panose="020B0604020202020204" pitchFamily="34" charset="0"/>
-              <a:buChar char="•"/>
-            </a:pPr>
-            <a:r>
-              <a:rPr lang="it-IT" sz="1500" i="1" dirty="0" err="1">
-                <a:latin typeface="Cambria" panose="02040503050406030204" pitchFamily="18" charset="0"/>
-              </a:rPr>
-              <a:t>Admin’s</a:t>
-            </a:r>
-            <a:r>
-              <a:rPr lang="it-IT" sz="1500" i="1" dirty="0">
-                <a:latin typeface="Cambria" panose="02040503050406030204" pitchFamily="18" charset="0"/>
-              </a:rPr>
-              <a:t> GUI</a:t>
-            </a:r>
-          </a:p>
-          <a:p>
-            <a:pPr marL="600075" lvl="1" indent="-257175">
-              <a:lnSpc>
-                <a:spcPct val="107000"/>
-              </a:lnSpc>
-              <a:spcAft>
-                <a:spcPts val="600"/>
-              </a:spcAft>
-              <a:buFont typeface="Arial" panose="020B0604020202020204" pitchFamily="34" charset="0"/>
-              <a:buChar char="•"/>
-            </a:pPr>
-            <a:r>
-              <a:rPr lang="en-US" sz="1500" dirty="0">
-                <a:latin typeface="Cambria" panose="02040503050406030204" pitchFamily="18" charset="0"/>
-              </a:rPr>
-              <a:t>Specific interface for Administrators</a:t>
-            </a:r>
-          </a:p>
-          <a:p>
-            <a:pPr marL="600075" lvl="1" indent="-257175">
-              <a:lnSpc>
-                <a:spcPct val="107000"/>
-              </a:lnSpc>
-              <a:spcAft>
-                <a:spcPts val="600"/>
-              </a:spcAft>
-              <a:buFont typeface="Arial" panose="020B0604020202020204" pitchFamily="34" charset="0"/>
-              <a:buChar char="•"/>
-            </a:pPr>
-            <a:r>
-              <a:rPr lang="en-US" sz="1500" dirty="0">
-                <a:latin typeface="Cambria" panose="02040503050406030204" pitchFamily="18" charset="0"/>
-              </a:rPr>
-              <a:t>Allows Admins to access to their exclusive functions dialoguing directly with the business logic </a:t>
+              <a:t>Contains all the data that MyTaxiService needs to store</a:t>
             </a:r>
             <a:endParaRPr lang="it-IT" sz="1500" dirty="0">
               <a:latin typeface="Cambria" panose="02040503050406030204" pitchFamily="18" charset="0"/>
@@ -13950,7 +14506,7 @@
     </p:spTree>
     <p:extLst>
       <p:ext uri="{BB962C8B-B14F-4D97-AF65-F5344CB8AC3E}">
-        <p14:creationId xmlns:p14="http://schemas.microsoft.com/office/powerpoint/2010/main" val="1260407990"/>
+        <p14:creationId xmlns:p14="http://schemas.microsoft.com/office/powerpoint/2010/main" val="2363117302"/>
       </p:ext>
     </p:extLst>
   </p:cSld>
@@ -13993,7 +14549,7 @@
                                         <p:tgtEl>
                                           <p:spTgt spid="4">
                                             <p:txEl>
-                                              <p:pRg st="1" end="1"/>
+                                              <p:pRg st="0" end="0"/>
                                             </p:txEl>
                                           </p:spTgt>
                                         </p:tgtEl>
@@ -14011,7 +14567,7 @@
                                         <p:tgtEl>
                                           <p:spTgt spid="4">
                                             <p:txEl>
-                                              <p:pRg st="1" end="1"/>
+                                              <p:pRg st="0" end="0"/>
                                             </p:txEl>
                                           </p:spTgt>
                                         </p:tgtEl>
@@ -14054,7 +14610,7 @@
                                         <p:tgtEl>
                                           <p:spTgt spid="4">
                                             <p:txEl>
-                                              <p:pRg st="2" end="2"/>
+                                              <p:pRg st="1" end="1"/>
                                             </p:txEl>
                                           </p:spTgt>
                                         </p:tgtEl>
@@ -14072,7 +14628,7 @@
                                         <p:tgtEl>
                                           <p:spTgt spid="4">
                                             <p:txEl>
-                                              <p:pRg st="2" end="2"/>
+                                              <p:pRg st="1" end="1"/>
                                             </p:txEl>
                                           </p:spTgt>
                                         </p:tgtEl>
@@ -14115,7 +14671,7 @@
                                         <p:tgtEl>
                                           <p:spTgt spid="4">
                                             <p:txEl>
-                                              <p:pRg st="3" end="3"/>
+                                              <p:pRg st="2" end="2"/>
                                             </p:txEl>
                                           </p:spTgt>
                                         </p:tgtEl>
@@ -14133,251 +14689,7 @@
                                         <p:tgtEl>
                                           <p:spTgt spid="4">
                                             <p:txEl>
-                                              <p:pRg st="3" end="3"/>
-                                            </p:txEl>
-                                          </p:spTgt>
-                                        </p:tgtEl>
-                                      </p:cBhvr>
-                                    </p:animEffect>
-                                  </p:childTnLst>
-                                </p:cTn>
-                              </p:par>
-                            </p:childTnLst>
-                          </p:cTn>
-                        </p:par>
-                      </p:childTnLst>
-                    </p:cTn>
-                  </p:par>
-                  <p:par>
-                    <p:cTn id="18" fill="hold">
-                      <p:stCondLst>
-                        <p:cond delay="indefinite"/>
-                      </p:stCondLst>
-                      <p:childTnLst>
-                        <p:par>
-                          <p:cTn id="19" fill="hold">
-                            <p:stCondLst>
-                              <p:cond delay="0"/>
-                            </p:stCondLst>
-                            <p:childTnLst>
-                              <p:par>
-                                <p:cTn id="20" presetID="10" presetClass="entr" presetSubtype="0" fill="hold" nodeType="clickEffect">
-                                  <p:stCondLst>
-                                    <p:cond delay="0"/>
-                                  </p:stCondLst>
-                                  <p:childTnLst>
-                                    <p:set>
-                                      <p:cBhvr>
-                                        <p:cTn id="21" dur="1" fill="hold">
-                                          <p:stCondLst>
-                                            <p:cond delay="0"/>
-                                          </p:stCondLst>
-                                        </p:cTn>
-                                        <p:tgtEl>
-                                          <p:spTgt spid="4">
-                                            <p:txEl>
-                                              <p:pRg st="4" end="4"/>
-                                            </p:txEl>
-                                          </p:spTgt>
-                                        </p:tgtEl>
-                                        <p:attrNameLst>
-                                          <p:attrName>style.visibility</p:attrName>
-                                        </p:attrNameLst>
-                                      </p:cBhvr>
-                                      <p:to>
-                                        <p:strVal val="visible"/>
-                                      </p:to>
-                                    </p:set>
-                                    <p:animEffect transition="in" filter="fade">
-                                      <p:cBhvr>
-                                        <p:cTn id="22" dur="500"/>
-                                        <p:tgtEl>
-                                          <p:spTgt spid="4">
-                                            <p:txEl>
-                                              <p:pRg st="4" end="4"/>
-                                            </p:txEl>
-                                          </p:spTgt>
-                                        </p:tgtEl>
-                                      </p:cBhvr>
-                                    </p:animEffect>
-                                  </p:childTnLst>
-                                </p:cTn>
-                              </p:par>
-                            </p:childTnLst>
-                          </p:cTn>
-                        </p:par>
-                      </p:childTnLst>
-                    </p:cTn>
-                  </p:par>
-                  <p:par>
-                    <p:cTn id="23" fill="hold">
-                      <p:stCondLst>
-                        <p:cond delay="indefinite"/>
-                      </p:stCondLst>
-                      <p:childTnLst>
-                        <p:par>
-                          <p:cTn id="24" fill="hold">
-                            <p:stCondLst>
-                              <p:cond delay="0"/>
-                            </p:stCondLst>
-                            <p:childTnLst>
-                              <p:par>
-                                <p:cTn id="25" presetID="10" presetClass="entr" presetSubtype="0" fill="hold" nodeType="clickEffect">
-                                  <p:stCondLst>
-                                    <p:cond delay="0"/>
-                                  </p:stCondLst>
-                                  <p:childTnLst>
-                                    <p:set>
-                                      <p:cBhvr>
-                                        <p:cTn id="26" dur="1" fill="hold">
-                                          <p:stCondLst>
-                                            <p:cond delay="0"/>
-                                          </p:stCondLst>
-                                        </p:cTn>
-                                        <p:tgtEl>
-                                          <p:spTgt spid="4">
-                                            <p:txEl>
-                                              <p:pRg st="5" end="5"/>
-                                            </p:txEl>
-                                          </p:spTgt>
-                                        </p:tgtEl>
-                                        <p:attrNameLst>
-                                          <p:attrName>style.visibility</p:attrName>
-                                        </p:attrNameLst>
-                                      </p:cBhvr>
-                                      <p:to>
-                                        <p:strVal val="visible"/>
-                                      </p:to>
-                                    </p:set>
-                                    <p:animEffect transition="in" filter="fade">
-                                      <p:cBhvr>
-                                        <p:cTn id="27" dur="500"/>
-                                        <p:tgtEl>
-                                          <p:spTgt spid="4">
-                                            <p:txEl>
-                                              <p:pRg st="5" end="5"/>
-                                            </p:txEl>
-                                          </p:spTgt>
-                                        </p:tgtEl>
-                                      </p:cBhvr>
-                                    </p:animEffect>
-                                  </p:childTnLst>
-                                </p:cTn>
-                              </p:par>
-                            </p:childTnLst>
-                          </p:cTn>
-                        </p:par>
-                      </p:childTnLst>
-                    </p:cTn>
-                  </p:par>
-                  <p:par>
-                    <p:cTn id="28" fill="hold">
-                      <p:stCondLst>
-                        <p:cond delay="indefinite"/>
-                      </p:stCondLst>
-                      <p:childTnLst>
-                        <p:par>
-                          <p:cTn id="29" fill="hold">
-                            <p:stCondLst>
-                              <p:cond delay="0"/>
-                            </p:stCondLst>
-                            <p:childTnLst>
-                              <p:par>
-                                <p:cTn id="30" presetID="10" presetClass="entr" presetSubtype="0" fill="hold" nodeType="clickEffect">
-                                  <p:stCondLst>
-                                    <p:cond delay="0"/>
-                                  </p:stCondLst>
-                                  <p:childTnLst>
-                                    <p:set>
-                                      <p:cBhvr>
-                                        <p:cTn id="31" dur="1" fill="hold">
-                                          <p:stCondLst>
-                                            <p:cond delay="0"/>
-                                          </p:stCondLst>
-                                        </p:cTn>
-                                        <p:tgtEl>
-                                          <p:spTgt spid="4">
-                                            <p:txEl>
-                                              <p:pRg st="6" end="6"/>
-                                            </p:txEl>
-                                          </p:spTgt>
-                                        </p:tgtEl>
-                                        <p:attrNameLst>
-                                          <p:attrName>style.visibility</p:attrName>
-                                        </p:attrNameLst>
-                                      </p:cBhvr>
-                                      <p:to>
-                                        <p:strVal val="visible"/>
-                                      </p:to>
-                                    </p:set>
-                                    <p:animEffect transition="in" filter="fade">
-                                      <p:cBhvr>
-                                        <p:cTn id="32" dur="500"/>
-                                        <p:tgtEl>
-                                          <p:spTgt spid="4">
-                                            <p:txEl>
-                                              <p:pRg st="6" end="6"/>
-                                            </p:txEl>
-                                          </p:spTgt>
-                                        </p:tgtEl>
-                                      </p:cBhvr>
-                                    </p:animEffect>
-                                  </p:childTnLst>
-                                </p:cTn>
-                              </p:par>
-                            </p:childTnLst>
-                          </p:cTn>
-                        </p:par>
-                      </p:childTnLst>
-                    </p:cTn>
-                  </p:par>
-                  <p:par>
-                    <p:cTn id="33" fill="hold">
-                      <p:stCondLst>
-                        <p:cond delay="indefinite"/>
-                      </p:stCondLst>
-                      <p:childTnLst>
-                        <p:par>
-                          <p:cTn id="34" fill="hold">
-                            <p:stCondLst>
-                              <p:cond delay="0"/>
-                            </p:stCondLst>
-                            <p:childTnLst>
-                              <p:par>
-                                <p:cTn id="35" presetID="10" presetClass="entr" presetSubtype="0" fill="hold" nodeType="clickEffect">
-                                  <p:stCondLst>
-                                    <p:cond delay="0"/>
-                                  </p:stCondLst>
-                                  <p:childTnLst>
-                                    <p:set>
-                                      <p:cBhvr>
-                                        <p:cTn id="36" dur="1" fill="hold">
-                                          <p:stCondLst>
-                                            <p:cond delay="0"/>
-                                          </p:stCondLst>
-                                        </p:cTn>
-                                        <p:tgtEl>
-                                          <p:spTgt spid="4">
-                                            <p:txEl>
-                                              <p:pRg st="7" end="7"/>
-                                            </p:txEl>
-                                          </p:spTgt>
-                                        </p:tgtEl>
-                                        <p:attrNameLst>
-                                          <p:attrName>style.visibility</p:attrName>
-                                        </p:attrNameLst>
-                                      </p:cBhvr>
-                                      <p:to>
-                                        <p:strVal val="visible"/>
-                                      </p:to>
-                                    </p:set>
-                                    <p:animEffect transition="in" filter="fade">
-                                      <p:cBhvr>
-                                        <p:cTn id="37" dur="500"/>
-                                        <p:tgtEl>
-                                          <p:spTgt spid="4">
-                                            <p:txEl>
-                                              <p:pRg st="7" end="7"/>
+                                              <p:pRg st="2" end="2"/>
                                             </p:txEl>
                                           </p:spTgt>
                                         </p:tgtEl>
@@ -14434,118 +14746,290 @@
           <a:chExt cx="0" cy="0"/>
         </a:xfrm>
       </p:grpSpPr>
-      <p:pic>
-        <p:nvPicPr>
-          <p:cNvPr id="3" name="Immagine 2" descr="Tier image"/>
-          <p:cNvPicPr/>
+      <p:sp>
+        <p:nvSpPr>
+          <p:cNvPr id="3" name="CasellaDiTesto 2"/>
+          <p:cNvSpPr txBox="1"/>
           <p:nvPr/>
-        </p:nvPicPr>
-        <p:blipFill>
-          <a:blip r:embed="rId2" cstate="print">
-            <a:extLst>
-              <a:ext uri="{28A0092B-C50C-407E-A947-70E740481C1C}">
-                <a14:useLocalDpi xmlns:a14="http://schemas.microsoft.com/office/drawing/2010/main" val="0"/>
-              </a:ext>
-            </a:extLst>
-          </a:blip>
-          <a:srcRect/>
-          <a:stretch>
-            <a:fillRect/>
-          </a:stretch>
-        </p:blipFill>
-        <p:spPr bwMode="auto">
+        </p:nvSpPr>
+        <p:spPr>
           <a:xfrm>
-            <a:off x="628650" y="1039417"/>
-            <a:ext cx="3273743" cy="3640931"/>
+            <a:off x="588817" y="1212192"/>
+            <a:ext cx="6206837" cy="300082"/>
           </a:xfrm>
           <a:prstGeom prst="rect">
             <a:avLst/>
           </a:prstGeom>
           <a:noFill/>
         </p:spPr>
-      </p:pic>
+        <p:txBody>
+          <a:bodyPr wrap="square" rtlCol="0">
+            <a:spAutoFit/>
+          </a:bodyPr>
+          <a:lstStyle/>
+          <a:p>
+            <a:r>
+              <a:rPr lang="en-US" sz="1350" dirty="0">
+                <a:latin typeface="Cambria" panose="02040503050406030204" pitchFamily="18" charset="0"/>
+              </a:rPr>
+              <a:t>The core of MTS’s application logic is </a:t>
+            </a:r>
+            <a:r>
+              <a:rPr lang="en-US" sz="1350" b="1" dirty="0">
+                <a:latin typeface="Cambria" panose="02040503050406030204" pitchFamily="18" charset="0"/>
+              </a:rPr>
+              <a:t>event-based</a:t>
+            </a:r>
+            <a:r>
+              <a:rPr lang="en-US" sz="1350" dirty="0">
+                <a:latin typeface="Cambria" panose="02040503050406030204" pitchFamily="18" charset="0"/>
+              </a:rPr>
+              <a:t>:</a:t>
+            </a:r>
+          </a:p>
+        </p:txBody>
+      </p:sp>
       <p:sp>
         <p:nvSpPr>
-          <p:cNvPr id="4" name="Rettangolo 3"/>
+          <p:cNvPr id="9" name="Freccia a destra 8"/>
           <p:cNvSpPr/>
           <p:nvPr/>
         </p:nvSpPr>
         <p:spPr>
           <a:xfrm>
-            <a:off x="4236853" y="1179079"/>
-            <a:ext cx="4505366" cy="1481175"/>
+            <a:off x="3408218" y="2296350"/>
+            <a:ext cx="1614055" cy="401782"/>
+          </a:xfrm>
+          <a:prstGeom prst="rightArrow">
+            <a:avLst/>
+          </a:prstGeom>
+        </p:spPr>
+        <p:style>
+          <a:lnRef idx="2">
+            <a:schemeClr val="accent1">
+              <a:shade val="50000"/>
+            </a:schemeClr>
+          </a:lnRef>
+          <a:fillRef idx="1">
+            <a:schemeClr val="accent1"/>
+          </a:fillRef>
+          <a:effectRef idx="0">
+            <a:schemeClr val="accent1"/>
+          </a:effectRef>
+          <a:fontRef idx="minor">
+            <a:schemeClr val="lt1"/>
+          </a:fontRef>
+        </p:style>
+        <p:txBody>
+          <a:bodyPr rtlCol="0" anchor="ctr"/>
+          <a:lstStyle/>
+          <a:p>
+            <a:pPr algn="ctr"/>
+            <a:r>
+              <a:rPr lang="en-US" sz="1350" dirty="0">
+                <a:latin typeface="Cambria" panose="02040503050406030204" pitchFamily="18" charset="0"/>
+              </a:rPr>
+              <a:t>Generates</a:t>
+            </a:r>
+          </a:p>
+        </p:txBody>
+      </p:sp>
+      <p:sp>
+        <p:nvSpPr>
+          <p:cNvPr id="10" name="CasellaDiTesto 9"/>
+          <p:cNvSpPr txBox="1"/>
+          <p:nvPr/>
+        </p:nvSpPr>
+        <p:spPr>
+          <a:xfrm>
+            <a:off x="858982" y="2047118"/>
+            <a:ext cx="2320637" cy="923330"/>
           </a:xfrm>
           <a:prstGeom prst="rect">
             <a:avLst/>
           </a:prstGeom>
         </p:spPr>
+        <p:style>
+          <a:lnRef idx="2">
+            <a:schemeClr val="accent2">
+              <a:shade val="50000"/>
+            </a:schemeClr>
+          </a:lnRef>
+          <a:fillRef idx="1">
+            <a:schemeClr val="accent2"/>
+          </a:fillRef>
+          <a:effectRef idx="0">
+            <a:schemeClr val="accent2"/>
+          </a:effectRef>
+          <a:fontRef idx="minor">
+            <a:schemeClr val="lt1"/>
+          </a:fontRef>
+        </p:style>
         <p:txBody>
-          <a:bodyPr wrap="square">
+          <a:bodyPr wrap="square" rtlCol="0">
             <a:spAutoFit/>
           </a:bodyPr>
           <a:lstStyle/>
           <a:p>
-            <a:pPr>
-              <a:lnSpc>
-                <a:spcPct val="107000"/>
-              </a:lnSpc>
-              <a:spcAft>
-                <a:spcPts val="600"/>
-              </a:spcAft>
-            </a:pPr>
-            <a:r>
-              <a:rPr lang="it-IT" sz="1500" b="1" i="1" dirty="0">
-                <a:latin typeface="Cambria" panose="02040503050406030204" pitchFamily="18" charset="0"/>
-                <a:ea typeface="Calibri" panose="020F0502020204030204" pitchFamily="34" charset="0"/>
-                <a:cs typeface="Times New Roman" panose="02020603050405020304" pitchFamily="18" charset="0"/>
-              </a:rPr>
-              <a:t>Bottom tier (Database)</a:t>
-            </a:r>
-          </a:p>
-          <a:p>
-            <a:pPr marL="600075" lvl="1" indent="-257175">
-              <a:lnSpc>
-                <a:spcPct val="107000"/>
-              </a:lnSpc>
-              <a:spcAft>
-                <a:spcPts val="600"/>
-              </a:spcAft>
-              <a:buFont typeface="Arial" panose="020B0604020202020204" pitchFamily="34" charset="0"/>
-              <a:buChar char="•"/>
-            </a:pPr>
-            <a:r>
-              <a:rPr lang="en-US" sz="1500" dirty="0">
-                <a:latin typeface="Cambria" panose="02040503050406030204" pitchFamily="18" charset="0"/>
-              </a:rPr>
-              <a:t>Separated from the previous one with a (possibly local) network</a:t>
-            </a:r>
-          </a:p>
-          <a:p>
-            <a:pPr marL="600075" lvl="1" indent="-257175">
-              <a:lnSpc>
-                <a:spcPct val="107000"/>
-              </a:lnSpc>
-              <a:spcAft>
-                <a:spcPts val="600"/>
-              </a:spcAft>
-              <a:buFont typeface="Arial" panose="020B0604020202020204" pitchFamily="34" charset="0"/>
-              <a:buChar char="•"/>
-            </a:pPr>
-            <a:r>
-              <a:rPr lang="en-US" sz="1500" dirty="0">
-                <a:latin typeface="Cambria" panose="02040503050406030204" pitchFamily="18" charset="0"/>
-              </a:rPr>
-              <a:t>Contains all the data that MyTaxiService needs to store</a:t>
-            </a:r>
-            <a:endParaRPr lang="it-IT" sz="1500" dirty="0">
-              <a:latin typeface="Cambria" panose="02040503050406030204" pitchFamily="18" charset="0"/>
-            </a:endParaRPr>
+            <a:r>
+              <a:rPr lang="en-US" sz="1350" dirty="0">
+                <a:latin typeface="Cambria" panose="02040503050406030204" pitchFamily="18" charset="0"/>
+              </a:rPr>
+              <a:t>Significant change of state (users modifying theirs account information, drivers changing status, </a:t>
+            </a:r>
+            <a:r>
+              <a:rPr lang="en-US" sz="1350" dirty="0" err="1">
+                <a:latin typeface="Cambria" panose="02040503050406030204" pitchFamily="18" charset="0"/>
+              </a:rPr>
+              <a:t>etc</a:t>
+            </a:r>
+            <a:r>
+              <a:rPr lang="en-US" sz="1350" dirty="0">
+                <a:latin typeface="Cambria" panose="02040503050406030204" pitchFamily="18" charset="0"/>
+              </a:rPr>
+              <a:t>)</a:t>
+            </a:r>
           </a:p>
         </p:txBody>
       </p:sp>
       <p:sp>
         <p:nvSpPr>
-          <p:cNvPr id="5" name="Titolo 1"/>
+          <p:cNvPr id="11" name="Stella a 12 punte 10"/>
+          <p:cNvSpPr/>
+          <p:nvPr/>
+        </p:nvSpPr>
+        <p:spPr>
+          <a:xfrm>
+            <a:off x="5250872" y="2047117"/>
+            <a:ext cx="1544782" cy="1025237"/>
+          </a:xfrm>
+          <a:prstGeom prst="star12">
+            <a:avLst/>
+          </a:prstGeom>
+          <a:solidFill>
+            <a:srgbClr val="DA5D00"/>
+          </a:solidFill>
+          <a:ln>
+            <a:solidFill>
+              <a:srgbClr val="DA5D00"/>
+            </a:solidFill>
+          </a:ln>
+        </p:spPr>
+        <p:style>
+          <a:lnRef idx="2">
+            <a:schemeClr val="accent2">
+              <a:shade val="50000"/>
+            </a:schemeClr>
+          </a:lnRef>
+          <a:fillRef idx="1">
+            <a:schemeClr val="accent2"/>
+          </a:fillRef>
+          <a:effectRef idx="0">
+            <a:schemeClr val="accent2"/>
+          </a:effectRef>
+          <a:fontRef idx="minor">
+            <a:schemeClr val="lt1"/>
+          </a:fontRef>
+        </p:style>
+        <p:txBody>
+          <a:bodyPr rtlCol="0" anchor="ctr"/>
+          <a:lstStyle/>
+          <a:p>
+            <a:pPr algn="ctr"/>
+            <a:r>
+              <a:rPr lang="en-US" sz="1350" dirty="0">
+                <a:latin typeface="Cambria" panose="02040503050406030204" pitchFamily="18" charset="0"/>
+              </a:rPr>
+              <a:t>Event</a:t>
+            </a:r>
+          </a:p>
+        </p:txBody>
+      </p:sp>
+      <p:sp>
+        <p:nvSpPr>
+          <p:cNvPr id="13" name="Rettangolo 12"/>
+          <p:cNvSpPr/>
+          <p:nvPr/>
+        </p:nvSpPr>
+        <p:spPr>
+          <a:xfrm>
+            <a:off x="6961909" y="2109612"/>
+            <a:ext cx="1302328" cy="900247"/>
+          </a:xfrm>
+          <a:prstGeom prst="rect">
+            <a:avLst/>
+          </a:prstGeom>
+        </p:spPr>
+        <p:style>
+          <a:lnRef idx="1">
+            <a:schemeClr val="accent1"/>
+          </a:lnRef>
+          <a:fillRef idx="2">
+            <a:schemeClr val="accent1"/>
+          </a:fillRef>
+          <a:effectRef idx="1">
+            <a:schemeClr val="accent1"/>
+          </a:effectRef>
+          <a:fontRef idx="minor">
+            <a:schemeClr val="dk1"/>
+          </a:fontRef>
+        </p:style>
+        <p:txBody>
+          <a:bodyPr rtlCol="0" anchor="ctr"/>
+          <a:lstStyle/>
+          <a:p>
+            <a:r>
+              <a:rPr lang="en-US" sz="1350" dirty="0">
+                <a:latin typeface="Cambria" panose="02040503050406030204" pitchFamily="18" charset="0"/>
+              </a:rPr>
+              <a:t>The system will handle it accordingly</a:t>
+            </a:r>
+          </a:p>
+        </p:txBody>
+      </p:sp>
+      <p:sp>
+        <p:nvSpPr>
+          <p:cNvPr id="14" name="CasellaDiTesto 13"/>
+          <p:cNvSpPr txBox="1"/>
+          <p:nvPr/>
+        </p:nvSpPr>
+        <p:spPr>
+          <a:xfrm>
+            <a:off x="628650" y="3740053"/>
+            <a:ext cx="7723909" cy="715581"/>
+          </a:xfrm>
+          <a:prstGeom prst="rect">
+            <a:avLst/>
+          </a:prstGeom>
+          <a:noFill/>
+        </p:spPr>
+        <p:txBody>
+          <a:bodyPr wrap="square" rtlCol="0">
+            <a:spAutoFit/>
+          </a:bodyPr>
+          <a:lstStyle/>
+          <a:p>
+            <a:r>
+              <a:rPr lang="en-US" sz="1350" dirty="0">
+                <a:latin typeface="Cambria" panose="02040503050406030204" pitchFamily="18" charset="0"/>
+              </a:rPr>
+              <a:t>In particular, the managing of the customer’s requests and taxi rides will be modeled with the </a:t>
+            </a:r>
+            <a:r>
+              <a:rPr lang="en-US" sz="1350" b="1" dirty="0">
+                <a:latin typeface="Cambria" panose="02040503050406030204" pitchFamily="18" charset="0"/>
+              </a:rPr>
+              <a:t>publisher-subscribe pattern.</a:t>
+            </a:r>
+          </a:p>
+          <a:p>
+            <a:endParaRPr lang="en-US" sz="1350" dirty="0"/>
+          </a:p>
+        </p:txBody>
+      </p:sp>
+      <p:sp>
+        <p:nvSpPr>
+          <p:cNvPr id="12" name="Titolo 1"/>
           <p:cNvSpPr txBox="1">
             <a:spLocks/>
           </p:cNvSpPr>
@@ -14595,7 +15079,7 @@
                 </a:solidFill>
                 <a:latin typeface="Cambria" panose="02040503050406030204" pitchFamily="18" charset="0"/>
               </a:rPr>
-              <a:t>Three tier architecture</a:t>
+              <a:t>Event-based architecture</a:t>
             </a:r>
             <a:endParaRPr lang="en-US" sz="4000" dirty="0">
               <a:solidFill>
@@ -14610,7 +15094,7 @@
     </p:spTree>
     <p:extLst>
       <p:ext uri="{BB962C8B-B14F-4D97-AF65-F5344CB8AC3E}">
-        <p14:creationId xmlns:p14="http://schemas.microsoft.com/office/powerpoint/2010/main" val="2363117302"/>
+        <p14:creationId xmlns:p14="http://schemas.microsoft.com/office/powerpoint/2010/main" val="3740639774"/>
       </p:ext>
     </p:extLst>
   </p:cSld>
@@ -14638,7 +15122,7 @@
                             </p:stCondLst>
                             <p:childTnLst>
                               <p:par>
-                                <p:cTn id="5" presetID="10" presetClass="entr" presetSubtype="0" fill="hold" nodeType="clickEffect">
+                                <p:cTn id="5" presetID="10" presetClass="entr" presetSubtype="0" fill="hold" grpId="0" nodeType="clickEffect">
                                   <p:stCondLst>
                                     <p:cond delay="0"/>
                                   </p:stCondLst>
@@ -14651,11 +15135,7 @@
                                           </p:stCondLst>
                                         </p:cTn>
                                         <p:tgtEl>
-                                          <p:spTgt spid="4">
-                                            <p:txEl>
-                                              <p:pRg st="0" end="0"/>
-                                            </p:txEl>
-                                          </p:spTgt>
+                                          <p:spTgt spid="3"/>
                                         </p:tgtEl>
                                         <p:attrNameLst>
                                           <p:attrName>style.visibility</p:attrName>
@@ -14669,11 +15149,7 @@
                                       <p:cBhvr>
                                         <p:cTn id="7" dur="500"/>
                                         <p:tgtEl>
-                                          <p:spTgt spid="4">
-                                            <p:txEl>
-                                              <p:pRg st="0" end="0"/>
-                                            </p:txEl>
-                                          </p:spTgt>
+                                          <p:spTgt spid="3"/>
                                         </p:tgtEl>
                                       </p:cBhvr>
                                     </p:animEffect>
@@ -14699,7 +15175,7 @@
                             </p:stCondLst>
                             <p:childTnLst>
                               <p:par>
-                                <p:cTn id="10" presetID="10" presetClass="entr" presetSubtype="0" fill="hold" nodeType="clickEffect">
+                                <p:cTn id="10" presetID="10" presetClass="entr" presetSubtype="0" fill="hold" grpId="0" nodeType="clickEffect">
                                   <p:stCondLst>
                                     <p:cond delay="0"/>
                                   </p:stCondLst>
@@ -14712,11 +15188,7 @@
                                           </p:stCondLst>
                                         </p:cTn>
                                         <p:tgtEl>
-                                          <p:spTgt spid="4">
-                                            <p:txEl>
-                                              <p:pRg st="1" end="1"/>
-                                            </p:txEl>
-                                          </p:spTgt>
+                                          <p:spTgt spid="10"/>
                                         </p:tgtEl>
                                         <p:attrNameLst>
                                           <p:attrName>style.visibility</p:attrName>
@@ -14730,11 +15202,7 @@
                                       <p:cBhvr>
                                         <p:cTn id="12" dur="500"/>
                                         <p:tgtEl>
-                                          <p:spTgt spid="4">
-                                            <p:txEl>
-                                              <p:pRg st="1" end="1"/>
-                                            </p:txEl>
-                                          </p:spTgt>
+                                          <p:spTgt spid="10"/>
                                         </p:tgtEl>
                                       </p:cBhvr>
                                     </p:animEffect>
@@ -14760,7 +15228,7 @@
                             </p:stCondLst>
                             <p:childTnLst>
                               <p:par>
-                                <p:cTn id="15" presetID="10" presetClass="entr" presetSubtype="0" fill="hold" nodeType="clickEffect">
+                                <p:cTn id="15" presetID="10" presetClass="entr" presetSubtype="0" fill="hold" grpId="0" nodeType="clickEffect">
                                   <p:stCondLst>
                                     <p:cond delay="0"/>
                                   </p:stCondLst>
@@ -14773,11 +15241,7 @@
                                           </p:stCondLst>
                                         </p:cTn>
                                         <p:tgtEl>
-                                          <p:spTgt spid="4">
-                                            <p:txEl>
-                                              <p:pRg st="2" end="2"/>
-                                            </p:txEl>
-                                          </p:spTgt>
+                                          <p:spTgt spid="9"/>
                                         </p:tgtEl>
                                         <p:attrNameLst>
                                           <p:attrName>style.visibility</p:attrName>
@@ -14791,11 +15255,166 @@
                                       <p:cBhvr>
                                         <p:cTn id="17" dur="500"/>
                                         <p:tgtEl>
-                                          <p:spTgt spid="4">
-                                            <p:txEl>
-                                              <p:pRg st="2" end="2"/>
-                                            </p:txEl>
-                                          </p:spTgt>
+                                          <p:spTgt spid="9"/>
+                                        </p:tgtEl>
+                                      </p:cBhvr>
+                                    </p:animEffect>
+                                  </p:childTnLst>
+                                </p:cTn>
+                              </p:par>
+                            </p:childTnLst>
+                          </p:cTn>
+                        </p:par>
+                      </p:childTnLst>
+                    </p:cTn>
+                  </p:par>
+                  <p:par>
+                    <p:cTn id="18" fill="hold">
+                      <p:stCondLst>
+                        <p:cond delay="indefinite"/>
+                      </p:stCondLst>
+                      <p:childTnLst>
+                        <p:par>
+                          <p:cTn id="19" fill="hold">
+                            <p:stCondLst>
+                              <p:cond delay="0"/>
+                            </p:stCondLst>
+                            <p:childTnLst>
+                              <p:par>
+                                <p:cTn id="20" presetID="10" presetClass="entr" presetSubtype="0" fill="hold" grpId="0" nodeType="clickEffect">
+                                  <p:stCondLst>
+                                    <p:cond delay="0"/>
+                                  </p:stCondLst>
+                                  <p:childTnLst>
+                                    <p:set>
+                                      <p:cBhvr>
+                                        <p:cTn id="21" dur="1" fill="hold">
+                                          <p:stCondLst>
+                                            <p:cond delay="0"/>
+                                          </p:stCondLst>
+                                        </p:cTn>
+                                        <p:tgtEl>
+                                          <p:spTgt spid="11"/>
+                                        </p:tgtEl>
+                                        <p:attrNameLst>
+                                          <p:attrName>style.visibility</p:attrName>
+                                        </p:attrNameLst>
+                                      </p:cBhvr>
+                                      <p:to>
+                                        <p:strVal val="visible"/>
+                                      </p:to>
+                                    </p:set>
+                                    <p:animEffect transition="in" filter="fade">
+                                      <p:cBhvr>
+                                        <p:cTn id="22" dur="500"/>
+                                        <p:tgtEl>
+                                          <p:spTgt spid="11"/>
+                                        </p:tgtEl>
+                                      </p:cBhvr>
+                                    </p:animEffect>
+                                  </p:childTnLst>
+                                </p:cTn>
+                              </p:par>
+                            </p:childTnLst>
+                          </p:cTn>
+                        </p:par>
+                      </p:childTnLst>
+                    </p:cTn>
+                  </p:par>
+                  <p:par>
+                    <p:cTn id="23" fill="hold">
+                      <p:stCondLst>
+                        <p:cond delay="indefinite"/>
+                      </p:stCondLst>
+                      <p:childTnLst>
+                        <p:par>
+                          <p:cTn id="24" fill="hold">
+                            <p:stCondLst>
+                              <p:cond delay="0"/>
+                            </p:stCondLst>
+                            <p:childTnLst>
+                              <p:par>
+                                <p:cTn id="25" presetID="10" presetClass="entr" presetSubtype="0" fill="hold" grpId="0" nodeType="clickEffect">
+                                  <p:stCondLst>
+                                    <p:cond delay="0"/>
+                                  </p:stCondLst>
+                                  <p:childTnLst>
+                                    <p:set>
+                                      <p:cBhvr>
+                                        <p:cTn id="26" dur="1" fill="hold">
+                                          <p:stCondLst>
+                                            <p:cond delay="0"/>
+                                          </p:stCondLst>
+                                        </p:cTn>
+                                        <p:tgtEl>
+                                          <p:spTgt spid="13"/>
+                                        </p:tgtEl>
+                                        <p:attrNameLst>
+                                          <p:attrName>style.visibility</p:attrName>
+                                        </p:attrNameLst>
+                                      </p:cBhvr>
+                                      <p:to>
+                                        <p:strVal val="visible"/>
+                                      </p:to>
+                                    </p:set>
+                                    <p:animEffect transition="in" filter="fade">
+                                      <p:cBhvr>
+                                        <p:cTn id="27" dur="500"/>
+                                        <p:tgtEl>
+                                          <p:spTgt spid="13"/>
+                                        </p:tgtEl>
+                                      </p:cBhvr>
+                                    </p:animEffect>
+                                  </p:childTnLst>
+                                </p:cTn>
+                              </p:par>
+                            </p:childTnLst>
+                          </p:cTn>
+                        </p:par>
+                      </p:childTnLst>
+                    </p:cTn>
+                  </p:par>
+                  <p:par>
+                    <p:cTn id="28" fill="hold">
+                      <p:stCondLst>
+                        <p:cond delay="indefinite"/>
+                      </p:stCondLst>
+                      <p:childTnLst>
+                        <p:par>
+                          <p:cTn id="29" fill="hold">
+                            <p:stCondLst>
+                              <p:cond delay="0"/>
+                            </p:stCondLst>
+                            <p:childTnLst>
+                              <p:par>
+                                <p:cTn id="30" presetID="10" presetClass="entr" presetSubtype="0" fill="hold" grpId="0" nodeType="clickEffect">
+                                  <p:stCondLst>
+                                    <p:cond delay="0"/>
+                                  </p:stCondLst>
+                                  <p:childTnLst>
+                                    <p:set>
+                                      <p:cBhvr>
+                                        <p:cTn id="31" dur="1" fill="hold">
+                                          <p:stCondLst>
+                                            <p:cond delay="0"/>
+                                          </p:stCondLst>
+                                        </p:cTn>
+                                        <p:tgtEl>
+                                          <p:spTgt spid="14"/>
+                                        </p:tgtEl>
+                                        <p:attrNameLst>
+                                          <p:attrName>style.visibility</p:attrName>
+                                        </p:attrNameLst>
+                                      </p:cBhvr>
+                                      <p:to>
+                                        <p:strVal val="visible"/>
+                                      </p:to>
+                                    </p:set>
+                                    <p:animEffect transition="in" filter="fade">
+                                      <p:cBhvr>
+                                        <p:cTn id="32" dur="500"/>
+                                        <p:tgtEl>
+                                          <p:spTgt spid="14"/>
                                         </p:tgtEl>
                                       </p:cBhvr>
                                     </p:animEffect>
@@ -14829,6 +15448,14 @@
         </p:cTn>
       </p:par>
     </p:tnLst>
+    <p:bldLst>
+      <p:bldP spid="3" grpId="0"/>
+      <p:bldP spid="9" grpId="0" animBg="1"/>
+      <p:bldP spid="10" grpId="0" animBg="1"/>
+      <p:bldP spid="11" grpId="0" animBg="1"/>
+      <p:bldP spid="13" grpId="0" animBg="1"/>
+      <p:bldP spid="14" grpId="0"/>
+    </p:bldLst>
   </p:timing>
 </p:sld>
 </file>
@@ -14952,288 +15579,7 @@
       </p:grpSpPr>
       <p:sp>
         <p:nvSpPr>
-          <p:cNvPr id="3" name="CasellaDiTesto 2"/>
-          <p:cNvSpPr txBox="1"/>
-          <p:nvPr/>
-        </p:nvSpPr>
-        <p:spPr>
-          <a:xfrm>
-            <a:off x="588817" y="1212192"/>
-            <a:ext cx="6206837" cy="300082"/>
-          </a:xfrm>
-          <a:prstGeom prst="rect">
-            <a:avLst/>
-          </a:prstGeom>
-          <a:noFill/>
-        </p:spPr>
-        <p:txBody>
-          <a:bodyPr wrap="square" rtlCol="0">
-            <a:spAutoFit/>
-          </a:bodyPr>
-          <a:lstStyle/>
-          <a:p>
-            <a:r>
-              <a:rPr lang="en-US" sz="1350" dirty="0">
-                <a:latin typeface="Cambria" panose="02040503050406030204" pitchFamily="18" charset="0"/>
-              </a:rPr>
-              <a:t>The core of MTS’s application logic is </a:t>
-            </a:r>
-            <a:r>
-              <a:rPr lang="en-US" sz="1350" b="1" dirty="0">
-                <a:latin typeface="Cambria" panose="02040503050406030204" pitchFamily="18" charset="0"/>
-              </a:rPr>
-              <a:t>event-based</a:t>
-            </a:r>
-            <a:r>
-              <a:rPr lang="en-US" sz="1350" dirty="0">
-                <a:latin typeface="Cambria" panose="02040503050406030204" pitchFamily="18" charset="0"/>
-              </a:rPr>
-              <a:t>:</a:t>
-            </a:r>
-          </a:p>
-        </p:txBody>
-      </p:sp>
-      <p:sp>
-        <p:nvSpPr>
-          <p:cNvPr id="9" name="Freccia a destra 8"/>
-          <p:cNvSpPr/>
-          <p:nvPr/>
-        </p:nvSpPr>
-        <p:spPr>
-          <a:xfrm>
-            <a:off x="3408218" y="2296350"/>
-            <a:ext cx="1614055" cy="401782"/>
-          </a:xfrm>
-          <a:prstGeom prst="rightArrow">
-            <a:avLst/>
-          </a:prstGeom>
-        </p:spPr>
-        <p:style>
-          <a:lnRef idx="2">
-            <a:schemeClr val="accent1">
-              <a:shade val="50000"/>
-            </a:schemeClr>
-          </a:lnRef>
-          <a:fillRef idx="1">
-            <a:schemeClr val="accent1"/>
-          </a:fillRef>
-          <a:effectRef idx="0">
-            <a:schemeClr val="accent1"/>
-          </a:effectRef>
-          <a:fontRef idx="minor">
-            <a:schemeClr val="lt1"/>
-          </a:fontRef>
-        </p:style>
-        <p:txBody>
-          <a:bodyPr rtlCol="0" anchor="ctr"/>
-          <a:lstStyle/>
-          <a:p>
-            <a:pPr algn="ctr"/>
-            <a:r>
-              <a:rPr lang="en-US" sz="1350" dirty="0">
-                <a:latin typeface="Cambria" panose="02040503050406030204" pitchFamily="18" charset="0"/>
-              </a:rPr>
-              <a:t>Generates</a:t>
-            </a:r>
-          </a:p>
-        </p:txBody>
-      </p:sp>
-      <p:sp>
-        <p:nvSpPr>
-          <p:cNvPr id="10" name="CasellaDiTesto 9"/>
-          <p:cNvSpPr txBox="1"/>
-          <p:nvPr/>
-        </p:nvSpPr>
-        <p:spPr>
-          <a:xfrm>
-            <a:off x="858982" y="2047118"/>
-            <a:ext cx="2320637" cy="923330"/>
-          </a:xfrm>
-          <a:prstGeom prst="rect">
-            <a:avLst/>
-          </a:prstGeom>
-        </p:spPr>
-        <p:style>
-          <a:lnRef idx="2">
-            <a:schemeClr val="accent2">
-              <a:shade val="50000"/>
-            </a:schemeClr>
-          </a:lnRef>
-          <a:fillRef idx="1">
-            <a:schemeClr val="accent2"/>
-          </a:fillRef>
-          <a:effectRef idx="0">
-            <a:schemeClr val="accent2"/>
-          </a:effectRef>
-          <a:fontRef idx="minor">
-            <a:schemeClr val="lt1"/>
-          </a:fontRef>
-        </p:style>
-        <p:txBody>
-          <a:bodyPr wrap="square" rtlCol="0">
-            <a:spAutoFit/>
-          </a:bodyPr>
-          <a:lstStyle/>
-          <a:p>
-            <a:r>
-              <a:rPr lang="en-US" sz="1350" dirty="0">
-                <a:latin typeface="Cambria" panose="02040503050406030204" pitchFamily="18" charset="0"/>
-              </a:rPr>
-              <a:t>Significant change of state (users modifying theirs account information, drivers changing status, </a:t>
-            </a:r>
-            <a:r>
-              <a:rPr lang="en-US" sz="1350" dirty="0" err="1">
-                <a:latin typeface="Cambria" panose="02040503050406030204" pitchFamily="18" charset="0"/>
-              </a:rPr>
-              <a:t>etc</a:t>
-            </a:r>
-            <a:r>
-              <a:rPr lang="en-US" sz="1350" dirty="0">
-                <a:latin typeface="Cambria" panose="02040503050406030204" pitchFamily="18" charset="0"/>
-              </a:rPr>
-              <a:t>)</a:t>
-            </a:r>
-          </a:p>
-        </p:txBody>
-      </p:sp>
-      <p:sp>
-        <p:nvSpPr>
-          <p:cNvPr id="11" name="Stella a 12 punte 10"/>
-          <p:cNvSpPr/>
-          <p:nvPr/>
-        </p:nvSpPr>
-        <p:spPr>
-          <a:xfrm>
-            <a:off x="5250872" y="2047117"/>
-            <a:ext cx="1544782" cy="1025237"/>
-          </a:xfrm>
-          <a:prstGeom prst="star12">
-            <a:avLst/>
-          </a:prstGeom>
-          <a:solidFill>
-            <a:srgbClr val="DA5D00"/>
-          </a:solidFill>
-          <a:ln>
-            <a:solidFill>
-              <a:srgbClr val="DA5D00"/>
-            </a:solidFill>
-          </a:ln>
-        </p:spPr>
-        <p:style>
-          <a:lnRef idx="2">
-            <a:schemeClr val="accent2">
-              <a:shade val="50000"/>
-            </a:schemeClr>
-          </a:lnRef>
-          <a:fillRef idx="1">
-            <a:schemeClr val="accent2"/>
-          </a:fillRef>
-          <a:effectRef idx="0">
-            <a:schemeClr val="accent2"/>
-          </a:effectRef>
-          <a:fontRef idx="minor">
-            <a:schemeClr val="lt1"/>
-          </a:fontRef>
-        </p:style>
-        <p:txBody>
-          <a:bodyPr rtlCol="0" anchor="ctr"/>
-          <a:lstStyle/>
-          <a:p>
-            <a:pPr algn="ctr"/>
-            <a:r>
-              <a:rPr lang="en-US" sz="1350" dirty="0">
-                <a:latin typeface="Cambria" panose="02040503050406030204" pitchFamily="18" charset="0"/>
-              </a:rPr>
-              <a:t>Event</a:t>
-            </a:r>
-          </a:p>
-        </p:txBody>
-      </p:sp>
-      <p:sp>
-        <p:nvSpPr>
-          <p:cNvPr id="13" name="Rettangolo 12"/>
-          <p:cNvSpPr/>
-          <p:nvPr/>
-        </p:nvSpPr>
-        <p:spPr>
-          <a:xfrm>
-            <a:off x="6961909" y="2109612"/>
-            <a:ext cx="1302328" cy="900247"/>
-          </a:xfrm>
-          <a:prstGeom prst="rect">
-            <a:avLst/>
-          </a:prstGeom>
-        </p:spPr>
-        <p:style>
-          <a:lnRef idx="1">
-            <a:schemeClr val="accent1"/>
-          </a:lnRef>
-          <a:fillRef idx="2">
-            <a:schemeClr val="accent1"/>
-          </a:fillRef>
-          <a:effectRef idx="1">
-            <a:schemeClr val="accent1"/>
-          </a:effectRef>
-          <a:fontRef idx="minor">
-            <a:schemeClr val="dk1"/>
-          </a:fontRef>
-        </p:style>
-        <p:txBody>
-          <a:bodyPr rtlCol="0" anchor="ctr"/>
-          <a:lstStyle/>
-          <a:p>
-            <a:r>
-              <a:rPr lang="en-US" sz="1350" dirty="0">
-                <a:latin typeface="Cambria" panose="02040503050406030204" pitchFamily="18" charset="0"/>
-              </a:rPr>
-              <a:t>The system will handle it accordingly</a:t>
-            </a:r>
-          </a:p>
-        </p:txBody>
-      </p:sp>
-      <p:sp>
-        <p:nvSpPr>
-          <p:cNvPr id="14" name="CasellaDiTesto 13"/>
-          <p:cNvSpPr txBox="1"/>
-          <p:nvPr/>
-        </p:nvSpPr>
-        <p:spPr>
-          <a:xfrm>
-            <a:off x="628650" y="3740053"/>
-            <a:ext cx="7723909" cy="715581"/>
-          </a:xfrm>
-          <a:prstGeom prst="rect">
-            <a:avLst/>
-          </a:prstGeom>
-          <a:noFill/>
-        </p:spPr>
-        <p:txBody>
-          <a:bodyPr wrap="square" rtlCol="0">
-            <a:spAutoFit/>
-          </a:bodyPr>
-          <a:lstStyle/>
-          <a:p>
-            <a:r>
-              <a:rPr lang="en-US" sz="1350" dirty="0">
-                <a:latin typeface="Cambria" panose="02040503050406030204" pitchFamily="18" charset="0"/>
-              </a:rPr>
-              <a:t>In particular, the managing of the customer’s requests and taxi rides will be modeled with the </a:t>
-            </a:r>
-            <a:r>
-              <a:rPr lang="en-US" sz="1350" b="1" dirty="0">
-                <a:latin typeface="Cambria" panose="02040503050406030204" pitchFamily="18" charset="0"/>
-              </a:rPr>
-              <a:t>publisher-subscribe pattern.</a:t>
-            </a:r>
-          </a:p>
-          <a:p>
-            <a:endParaRPr lang="en-US" sz="1350" dirty="0"/>
-          </a:p>
-        </p:txBody>
-      </p:sp>
-      <p:sp>
-        <p:nvSpPr>
-          <p:cNvPr id="12" name="Titolo 1"/>
+          <p:cNvPr id="2" name="Titolo 1"/>
           <p:cNvSpPr txBox="1">
             <a:spLocks/>
           </p:cNvSpPr>
@@ -15283,7 +15629,7 @@
                 </a:solidFill>
                 <a:latin typeface="Cambria" panose="02040503050406030204" pitchFamily="18" charset="0"/>
               </a:rPr>
-              <a:t>Event-based architecture</a:t>
+              <a:t>Publish-Subscribe pattern</a:t>
             </a:r>
             <a:endParaRPr lang="en-US" sz="4000" dirty="0">
               <a:solidFill>
@@ -15295,10 +15641,569 @@
           </a:p>
         </p:txBody>
       </p:sp>
+      <p:sp>
+        <p:nvSpPr>
+          <p:cNvPr id="3" name="CasellaDiTesto 2"/>
+          <p:cNvSpPr txBox="1"/>
+          <p:nvPr/>
+        </p:nvSpPr>
+        <p:spPr>
+          <a:xfrm>
+            <a:off x="683568" y="1384260"/>
+            <a:ext cx="1368151" cy="720079"/>
+          </a:xfrm>
+          <a:prstGeom prst="rect">
+            <a:avLst/>
+          </a:prstGeom>
+        </p:spPr>
+        <p:style>
+          <a:lnRef idx="2">
+            <a:schemeClr val="accent5">
+              <a:shade val="50000"/>
+            </a:schemeClr>
+          </a:lnRef>
+          <a:fillRef idx="1">
+            <a:schemeClr val="accent5"/>
+          </a:fillRef>
+          <a:effectRef idx="0">
+            <a:schemeClr val="accent5"/>
+          </a:effectRef>
+          <a:fontRef idx="minor">
+            <a:schemeClr val="lt1"/>
+          </a:fontRef>
+        </p:style>
+        <p:txBody>
+          <a:bodyPr wrap="square" rtlCol="0" anchor="ctr">
+            <a:noAutofit/>
+          </a:bodyPr>
+          <a:lstStyle/>
+          <a:p>
+            <a:pPr algn="ctr"/>
+            <a:r>
+              <a:rPr lang="en-US" sz="1350" dirty="0" smtClean="0">
+                <a:latin typeface="Cambria" panose="02040503050406030204" pitchFamily="18" charset="0"/>
+              </a:rPr>
+              <a:t>CUSTOMER</a:t>
+            </a:r>
+          </a:p>
+        </p:txBody>
+      </p:sp>
+      <p:sp>
+        <p:nvSpPr>
+          <p:cNvPr id="4" name="Freccia in giù 3"/>
+          <p:cNvSpPr/>
+          <p:nvPr/>
+        </p:nvSpPr>
+        <p:spPr>
+          <a:xfrm>
+            <a:off x="4391979" y="2283718"/>
+            <a:ext cx="288032" cy="936104"/>
+          </a:xfrm>
+          <a:prstGeom prst="downArrow">
+            <a:avLst/>
+          </a:prstGeom>
+        </p:spPr>
+        <p:style>
+          <a:lnRef idx="2">
+            <a:schemeClr val="accent1">
+              <a:shade val="50000"/>
+            </a:schemeClr>
+          </a:lnRef>
+          <a:fillRef idx="1">
+            <a:schemeClr val="accent1"/>
+          </a:fillRef>
+          <a:effectRef idx="0">
+            <a:schemeClr val="accent1"/>
+          </a:effectRef>
+          <a:fontRef idx="minor">
+            <a:schemeClr val="lt1"/>
+          </a:fontRef>
+        </p:style>
+        <p:txBody>
+          <a:bodyPr rtlCol="0" anchor="ctr"/>
+          <a:lstStyle/>
+          <a:p>
+            <a:pPr algn="ctr"/>
+            <a:endParaRPr lang="en-US" dirty="0"/>
+          </a:p>
+        </p:txBody>
+      </p:sp>
+      <p:sp>
+        <p:nvSpPr>
+          <p:cNvPr id="5" name="CasellaDiTesto 4"/>
+          <p:cNvSpPr txBox="1"/>
+          <p:nvPr/>
+        </p:nvSpPr>
+        <p:spPr>
+          <a:xfrm>
+            <a:off x="2464911" y="1828770"/>
+            <a:ext cx="1057744" cy="307777"/>
+          </a:xfrm>
+          <a:prstGeom prst="rect">
+            <a:avLst/>
+          </a:prstGeom>
+          <a:noFill/>
+        </p:spPr>
+        <p:txBody>
+          <a:bodyPr wrap="square" rtlCol="0">
+            <a:spAutoFit/>
+          </a:bodyPr>
+          <a:lstStyle/>
+          <a:p>
+            <a:r>
+              <a:rPr lang="en-US" sz="1400" dirty="0" smtClean="0">
+                <a:latin typeface="Cambria" panose="02040503050406030204" pitchFamily="18" charset="0"/>
+              </a:rPr>
+              <a:t>Asks for</a:t>
+            </a:r>
+          </a:p>
+        </p:txBody>
+      </p:sp>
+      <p:sp>
+        <p:nvSpPr>
+          <p:cNvPr id="7" name="CasellaDiTesto 6"/>
+          <p:cNvSpPr txBox="1"/>
+          <p:nvPr/>
+        </p:nvSpPr>
+        <p:spPr>
+          <a:xfrm>
+            <a:off x="3851920" y="1384260"/>
+            <a:ext cx="1368151" cy="720079"/>
+          </a:xfrm>
+          <a:prstGeom prst="rect">
+            <a:avLst/>
+          </a:prstGeom>
+          <a:ln/>
+        </p:spPr>
+        <p:style>
+          <a:lnRef idx="2">
+            <a:schemeClr val="accent4">
+              <a:shade val="50000"/>
+            </a:schemeClr>
+          </a:lnRef>
+          <a:fillRef idx="1">
+            <a:schemeClr val="accent4"/>
+          </a:fillRef>
+          <a:effectRef idx="0">
+            <a:schemeClr val="accent4"/>
+          </a:effectRef>
+          <a:fontRef idx="minor">
+            <a:schemeClr val="lt1"/>
+          </a:fontRef>
+        </p:style>
+        <p:txBody>
+          <a:bodyPr wrap="square" rtlCol="0" anchor="ctr">
+            <a:noAutofit/>
+          </a:bodyPr>
+          <a:lstStyle/>
+          <a:p>
+            <a:pPr algn="ctr"/>
+            <a:r>
+              <a:rPr lang="en-US" sz="1350" dirty="0" smtClean="0">
+                <a:latin typeface="Cambria" panose="02040503050406030204" pitchFamily="18" charset="0"/>
+              </a:rPr>
+              <a:t>TAXI RIDE</a:t>
+            </a:r>
+          </a:p>
+        </p:txBody>
+      </p:sp>
+      <p:sp>
+        <p:nvSpPr>
+          <p:cNvPr id="11" name="Freccia a destra 10"/>
+          <p:cNvSpPr/>
+          <p:nvPr/>
+        </p:nvSpPr>
+        <p:spPr>
+          <a:xfrm>
+            <a:off x="2216338" y="1591616"/>
+            <a:ext cx="1491565" cy="277082"/>
+          </a:xfrm>
+          <a:prstGeom prst="rightArrow">
+            <a:avLst/>
+          </a:prstGeom>
+        </p:spPr>
+        <p:style>
+          <a:lnRef idx="2">
+            <a:schemeClr val="accent1">
+              <a:shade val="50000"/>
+            </a:schemeClr>
+          </a:lnRef>
+          <a:fillRef idx="1">
+            <a:schemeClr val="accent1"/>
+          </a:fillRef>
+          <a:effectRef idx="0">
+            <a:schemeClr val="accent1"/>
+          </a:effectRef>
+          <a:fontRef idx="minor">
+            <a:schemeClr val="lt1"/>
+          </a:fontRef>
+        </p:style>
+        <p:txBody>
+          <a:bodyPr rtlCol="0" anchor="ctr"/>
+          <a:lstStyle/>
+          <a:p>
+            <a:pPr algn="ctr"/>
+            <a:endParaRPr lang="en-US" sz="1300" dirty="0"/>
+          </a:p>
+        </p:txBody>
+      </p:sp>
+      <p:sp>
+        <p:nvSpPr>
+          <p:cNvPr id="12" name="Ovale 11"/>
+          <p:cNvSpPr/>
+          <p:nvPr/>
+        </p:nvSpPr>
+        <p:spPr>
+          <a:xfrm>
+            <a:off x="3732444" y="3399201"/>
+            <a:ext cx="1656184" cy="997325"/>
+          </a:xfrm>
+          <a:prstGeom prst="ellipse">
+            <a:avLst/>
+          </a:prstGeom>
+        </p:spPr>
+        <p:style>
+          <a:lnRef idx="2">
+            <a:schemeClr val="accent3">
+              <a:shade val="50000"/>
+            </a:schemeClr>
+          </a:lnRef>
+          <a:fillRef idx="1">
+            <a:schemeClr val="accent3"/>
+          </a:fillRef>
+          <a:effectRef idx="0">
+            <a:schemeClr val="accent3"/>
+          </a:effectRef>
+          <a:fontRef idx="minor">
+            <a:schemeClr val="lt1"/>
+          </a:fontRef>
+        </p:style>
+        <p:txBody>
+          <a:bodyPr rtlCol="0" anchor="ctr"/>
+          <a:lstStyle/>
+          <a:p>
+            <a:pPr algn="ctr"/>
+            <a:r>
+              <a:rPr lang="en-US" dirty="0" smtClean="0"/>
+              <a:t>TOPIC</a:t>
+            </a:r>
+            <a:endParaRPr lang="en-US" dirty="0"/>
+          </a:p>
+        </p:txBody>
+      </p:sp>
+      <p:sp>
+        <p:nvSpPr>
+          <p:cNvPr id="14" name="CasellaDiTesto 13"/>
+          <p:cNvSpPr txBox="1"/>
+          <p:nvPr/>
+        </p:nvSpPr>
+        <p:spPr>
+          <a:xfrm>
+            <a:off x="3419872" y="2365675"/>
+            <a:ext cx="1057744" cy="523220"/>
+          </a:xfrm>
+          <a:prstGeom prst="rect">
+            <a:avLst/>
+          </a:prstGeom>
+          <a:noFill/>
+        </p:spPr>
+        <p:txBody>
+          <a:bodyPr wrap="square" rtlCol="0">
+            <a:spAutoFit/>
+          </a:bodyPr>
+          <a:lstStyle/>
+          <a:p>
+            <a:r>
+              <a:rPr lang="en-US" sz="1400" dirty="0" smtClean="0">
+                <a:latin typeface="Cambria" panose="02040503050406030204" pitchFamily="18" charset="0"/>
+              </a:rPr>
+              <a:t>The system generates </a:t>
+            </a:r>
+          </a:p>
+        </p:txBody>
+      </p:sp>
+      <p:cxnSp>
+        <p:nvCxnSpPr>
+          <p:cNvPr id="16" name="Connettore 7 15"/>
+          <p:cNvCxnSpPr/>
+          <p:nvPr/>
+        </p:nvCxnSpPr>
+        <p:spPr>
+          <a:xfrm rot="10800000">
+            <a:off x="1595953" y="2168755"/>
+            <a:ext cx="2002739" cy="1729108"/>
+          </a:xfrm>
+          <a:prstGeom prst="curvedConnector3">
+            <a:avLst>
+              <a:gd name="adj1" fmla="val 99928"/>
+            </a:avLst>
+          </a:prstGeom>
+          <a:ln>
+            <a:tailEnd type="triangle"/>
+          </a:ln>
+        </p:spPr>
+        <p:style>
+          <a:lnRef idx="3">
+            <a:schemeClr val="accent2"/>
+          </a:lnRef>
+          <a:fillRef idx="0">
+            <a:schemeClr val="accent2"/>
+          </a:fillRef>
+          <a:effectRef idx="2">
+            <a:schemeClr val="accent2"/>
+          </a:effectRef>
+          <a:fontRef idx="minor">
+            <a:schemeClr val="tx1"/>
+          </a:fontRef>
+        </p:style>
+      </p:cxnSp>
+      <p:sp>
+        <p:nvSpPr>
+          <p:cNvPr id="19" name="Rettangolo 18"/>
+          <p:cNvSpPr/>
+          <p:nvPr/>
+        </p:nvSpPr>
+        <p:spPr>
+          <a:xfrm>
+            <a:off x="526370" y="3507854"/>
+            <a:ext cx="1781609" cy="1200018"/>
+          </a:xfrm>
+          <a:prstGeom prst="rect">
+            <a:avLst/>
+          </a:prstGeom>
+        </p:spPr>
+        <p:txBody>
+          <a:bodyPr wrap="square">
+            <a:spAutoFit/>
+          </a:bodyPr>
+          <a:lstStyle/>
+          <a:p>
+            <a:r>
+              <a:rPr lang="en-US" sz="1400" dirty="0" smtClean="0">
+                <a:latin typeface="Cambria" panose="02040503050406030204" pitchFamily="18" charset="0"/>
+              </a:rPr>
+              <a:t>The customer is automatically </a:t>
+            </a:r>
+            <a:r>
+              <a:rPr lang="en-US" sz="1400" b="1" dirty="0" smtClean="0">
+                <a:latin typeface="Cambria" panose="02040503050406030204" pitchFamily="18" charset="0"/>
+              </a:rPr>
+              <a:t>subscribed</a:t>
+            </a:r>
+            <a:r>
+              <a:rPr lang="en-US" sz="1400" dirty="0" smtClean="0">
+                <a:latin typeface="Cambria" panose="02040503050406030204" pitchFamily="18" charset="0"/>
+              </a:rPr>
+              <a:t> to the topic and can receive its notifications</a:t>
+            </a:r>
+            <a:endParaRPr lang="en-US" sz="1400" dirty="0">
+              <a:latin typeface="Cambria" panose="02040503050406030204" pitchFamily="18" charset="0"/>
+            </a:endParaRPr>
+          </a:p>
+        </p:txBody>
+      </p:sp>
+      <p:sp>
+        <p:nvSpPr>
+          <p:cNvPr id="22" name="CasellaDiTesto 21"/>
+          <p:cNvSpPr txBox="1"/>
+          <p:nvPr/>
+        </p:nvSpPr>
+        <p:spPr>
+          <a:xfrm>
+            <a:off x="7164288" y="1384260"/>
+            <a:ext cx="1368151" cy="720079"/>
+          </a:xfrm>
+          <a:prstGeom prst="rect">
+            <a:avLst/>
+          </a:prstGeom>
+        </p:spPr>
+        <p:style>
+          <a:lnRef idx="2">
+            <a:schemeClr val="accent5">
+              <a:shade val="50000"/>
+            </a:schemeClr>
+          </a:lnRef>
+          <a:fillRef idx="1">
+            <a:schemeClr val="accent5"/>
+          </a:fillRef>
+          <a:effectRef idx="0">
+            <a:schemeClr val="accent5"/>
+          </a:effectRef>
+          <a:fontRef idx="minor">
+            <a:schemeClr val="lt1"/>
+          </a:fontRef>
+        </p:style>
+        <p:txBody>
+          <a:bodyPr wrap="square" rtlCol="0" anchor="ctr">
+            <a:noAutofit/>
+          </a:bodyPr>
+          <a:lstStyle/>
+          <a:p>
+            <a:pPr algn="ctr"/>
+            <a:r>
+              <a:rPr lang="en-US" sz="1350" dirty="0" smtClean="0">
+                <a:latin typeface="Cambria" panose="02040503050406030204" pitchFamily="18" charset="0"/>
+              </a:rPr>
+              <a:t>TAXI DRIVER</a:t>
+            </a:r>
+          </a:p>
+        </p:txBody>
+      </p:sp>
+      <p:sp>
+        <p:nvSpPr>
+          <p:cNvPr id="23" name="Freccia a destra 22"/>
+          <p:cNvSpPr/>
+          <p:nvPr/>
+        </p:nvSpPr>
+        <p:spPr>
+          <a:xfrm rot="10800000">
+            <a:off x="5501169" y="1607362"/>
+            <a:ext cx="1447094" cy="251032"/>
+          </a:xfrm>
+          <a:prstGeom prst="rightArrow">
+            <a:avLst/>
+          </a:prstGeom>
+        </p:spPr>
+        <p:style>
+          <a:lnRef idx="2">
+            <a:schemeClr val="accent1">
+              <a:shade val="50000"/>
+            </a:schemeClr>
+          </a:lnRef>
+          <a:fillRef idx="1">
+            <a:schemeClr val="accent1"/>
+          </a:fillRef>
+          <a:effectRef idx="0">
+            <a:schemeClr val="accent1"/>
+          </a:effectRef>
+          <a:fontRef idx="minor">
+            <a:schemeClr val="lt1"/>
+          </a:fontRef>
+        </p:style>
+        <p:txBody>
+          <a:bodyPr rtlCol="0" anchor="ctr"/>
+          <a:lstStyle/>
+          <a:p>
+            <a:pPr algn="ctr"/>
+            <a:endParaRPr lang="en-US"/>
+          </a:p>
+        </p:txBody>
+      </p:sp>
+      <p:sp>
+        <p:nvSpPr>
+          <p:cNvPr id="24" name="CasellaDiTesto 23"/>
+          <p:cNvSpPr txBox="1"/>
+          <p:nvPr/>
+        </p:nvSpPr>
+        <p:spPr>
+          <a:xfrm>
+            <a:off x="5473299" y="1855810"/>
+            <a:ext cx="1897067" cy="738664"/>
+          </a:xfrm>
+          <a:prstGeom prst="rect">
+            <a:avLst/>
+          </a:prstGeom>
+          <a:noFill/>
+        </p:spPr>
+        <p:txBody>
+          <a:bodyPr wrap="square" rtlCol="0">
+            <a:spAutoFit/>
+          </a:bodyPr>
+          <a:lstStyle/>
+          <a:p>
+            <a:r>
+              <a:rPr lang="en-US" sz="1400" dirty="0" smtClean="0">
+                <a:latin typeface="Cambria" panose="02040503050406030204" pitchFamily="18" charset="0"/>
+              </a:rPr>
+              <a:t>Accepts the ride request and gets associated to the ride</a:t>
+            </a:r>
+          </a:p>
+        </p:txBody>
+      </p:sp>
+      <p:cxnSp>
+        <p:nvCxnSpPr>
+          <p:cNvPr id="25" name="Connettore 7 24"/>
+          <p:cNvCxnSpPr/>
+          <p:nvPr/>
+        </p:nvCxnSpPr>
+        <p:spPr>
+          <a:xfrm flipV="1">
+            <a:off x="5522380" y="2225141"/>
+            <a:ext cx="2506006" cy="1714761"/>
+          </a:xfrm>
+          <a:prstGeom prst="curvedConnector3">
+            <a:avLst>
+              <a:gd name="adj1" fmla="val 99614"/>
+            </a:avLst>
+          </a:prstGeom>
+          <a:ln>
+            <a:tailEnd type="triangle"/>
+          </a:ln>
+        </p:spPr>
+        <p:style>
+          <a:lnRef idx="3">
+            <a:schemeClr val="accent2"/>
+          </a:lnRef>
+          <a:fillRef idx="0">
+            <a:schemeClr val="accent2"/>
+          </a:fillRef>
+          <a:effectRef idx="2">
+            <a:schemeClr val="accent2"/>
+          </a:effectRef>
+          <a:fontRef idx="minor">
+            <a:schemeClr val="tx1"/>
+          </a:fontRef>
+        </p:style>
+      </p:cxnSp>
+      <p:sp>
+        <p:nvSpPr>
+          <p:cNvPr id="40" name="Rettangolo 39"/>
+          <p:cNvSpPr/>
+          <p:nvPr/>
+        </p:nvSpPr>
+        <p:spPr>
+          <a:xfrm>
+            <a:off x="7312316" y="3657862"/>
+            <a:ext cx="1781609" cy="738664"/>
+          </a:xfrm>
+          <a:prstGeom prst="rect">
+            <a:avLst/>
+          </a:prstGeom>
+        </p:spPr>
+        <p:txBody>
+          <a:bodyPr wrap="square">
+            <a:spAutoFit/>
+          </a:bodyPr>
+          <a:lstStyle/>
+          <a:p>
+            <a:r>
+              <a:rPr lang="en-US" sz="1400" dirty="0" smtClean="0">
+                <a:latin typeface="Cambria" panose="02040503050406030204" pitchFamily="18" charset="0"/>
+              </a:rPr>
+              <a:t>The driver is </a:t>
+            </a:r>
+            <a:r>
+              <a:rPr lang="en-US" sz="1400" b="1" dirty="0" smtClean="0">
+                <a:latin typeface="Cambria" panose="02040503050406030204" pitchFamily="18" charset="0"/>
+              </a:rPr>
+              <a:t>subscribed</a:t>
+            </a:r>
+            <a:r>
+              <a:rPr lang="en-US" sz="1400" dirty="0" smtClean="0">
+                <a:latin typeface="Cambria" panose="02040503050406030204" pitchFamily="18" charset="0"/>
+              </a:rPr>
+              <a:t> to the same topic too</a:t>
+            </a:r>
+            <a:endParaRPr lang="en-US" sz="1400" dirty="0">
+              <a:latin typeface="Cambria" panose="02040503050406030204" pitchFamily="18" charset="0"/>
+            </a:endParaRPr>
+          </a:p>
+        </p:txBody>
+      </p:sp>
     </p:spTree>
     <p:extLst>
       <p:ext uri="{BB962C8B-B14F-4D97-AF65-F5344CB8AC3E}">
-        <p14:creationId xmlns:p14="http://schemas.microsoft.com/office/powerpoint/2010/main" val="3740639774"/>
+        <p14:creationId xmlns:p14="http://schemas.microsoft.com/office/powerpoint/2010/main" val="3845716448"/>
       </p:ext>
     </p:extLst>
   </p:cSld>
@@ -15392,7 +16297,7 @@
                                           </p:stCondLst>
                                         </p:cTn>
                                         <p:tgtEl>
-                                          <p:spTgt spid="10"/>
+                                          <p:spTgt spid="11"/>
                                         </p:tgtEl>
                                         <p:attrNameLst>
                                           <p:attrName>style.visibility</p:attrName>
@@ -15406,7 +16311,42 @@
                                       <p:cBhvr>
                                         <p:cTn id="12" dur="500"/>
                                         <p:tgtEl>
-                                          <p:spTgt spid="10"/>
+                                          <p:spTgt spid="11"/>
+                                        </p:tgtEl>
+                                      </p:cBhvr>
+                                    </p:animEffect>
+                                  </p:childTnLst>
+                                </p:cTn>
+                              </p:par>
+                              <p:par>
+                                <p:cTn id="13" presetID="10" presetClass="entr" presetSubtype="0" fill="hold" grpId="0" nodeType="withEffect">
+                                  <p:stCondLst>
+                                    <p:cond delay="0"/>
+                                  </p:stCondLst>
+                                  <p:childTnLst>
+                                    <p:set>
+                                      <p:cBhvr>
+                                        <p:cTn id="14" dur="1" fill="hold">
+                                          <p:stCondLst>
+                                            <p:cond delay="0"/>
+                                          </p:stCondLst>
+                                        </p:cTn>
+                                        <p:tgtEl>
+                                          <p:spTgt spid="5"/>
+                                        </p:tgtEl>
+                                        <p:attrNameLst>
+                                          <p:attrName>style.visibility</p:attrName>
+                                        </p:attrNameLst>
+                                      </p:cBhvr>
+                                      <p:to>
+                                        <p:strVal val="visible"/>
+                                      </p:to>
+                                    </p:set>
+                                    <p:animEffect transition="in" filter="fade">
+                                      <p:cBhvr>
+                                        <p:cTn id="15" dur="500"/>
+                                        <p:tgtEl>
+                                          <p:spTgt spid="5"/>
                                         </p:tgtEl>
                                       </p:cBhvr>
                                     </p:animEffect>
@@ -15420,32 +16360,32 @@
                     </p:cTn>
                   </p:par>
                   <p:par>
-                    <p:cTn id="13" fill="hold">
+                    <p:cTn id="16" fill="hold">
                       <p:stCondLst>
                         <p:cond delay="indefinite"/>
                       </p:stCondLst>
                       <p:childTnLst>
                         <p:par>
-                          <p:cTn id="14" fill="hold">
+                          <p:cTn id="17" fill="hold">
                             <p:stCondLst>
                               <p:cond delay="0"/>
                             </p:stCondLst>
                             <p:childTnLst>
                               <p:par>
-                                <p:cTn id="15" presetID="10" presetClass="entr" presetSubtype="0" fill="hold" grpId="0" nodeType="clickEffect">
+                                <p:cTn id="18" presetID="10" presetClass="entr" presetSubtype="0" fill="hold" grpId="0" nodeType="clickEffect">
                                   <p:stCondLst>
                                     <p:cond delay="0"/>
                                   </p:stCondLst>
                                   <p:childTnLst>
                                     <p:set>
                                       <p:cBhvr>
-                                        <p:cTn id="16" dur="1" fill="hold">
+                                        <p:cTn id="19" dur="1" fill="hold">
                                           <p:stCondLst>
                                             <p:cond delay="0"/>
                                           </p:stCondLst>
                                         </p:cTn>
                                         <p:tgtEl>
-                                          <p:spTgt spid="9"/>
+                                          <p:spTgt spid="7"/>
                                         </p:tgtEl>
                                         <p:attrNameLst>
                                           <p:attrName>style.visibility</p:attrName>
@@ -15457,9 +16397,9 @@
                                     </p:set>
                                     <p:animEffect transition="in" filter="fade">
                                       <p:cBhvr>
-                                        <p:cTn id="17" dur="500"/>
-                                        <p:tgtEl>
-                                          <p:spTgt spid="9"/>
+                                        <p:cTn id="20" dur="500"/>
+                                        <p:tgtEl>
+                                          <p:spTgt spid="7"/>
                                         </p:tgtEl>
                                       </p:cBhvr>
                                     </p:animEffect>
@@ -15473,32 +16413,32 @@
                     </p:cTn>
                   </p:par>
                   <p:par>
-                    <p:cTn id="18" fill="hold">
+                    <p:cTn id="21" fill="hold">
                       <p:stCondLst>
                         <p:cond delay="indefinite"/>
                       </p:stCondLst>
                       <p:childTnLst>
                         <p:par>
-                          <p:cTn id="19" fill="hold">
+                          <p:cTn id="22" fill="hold">
                             <p:stCondLst>
                               <p:cond delay="0"/>
                             </p:stCondLst>
                             <p:childTnLst>
                               <p:par>
-                                <p:cTn id="20" presetID="10" presetClass="entr" presetSubtype="0" fill="hold" grpId="0" nodeType="clickEffect">
+                                <p:cTn id="23" presetID="10" presetClass="entr" presetSubtype="0" fill="hold" grpId="0" nodeType="clickEffect">
                                   <p:stCondLst>
                                     <p:cond delay="0"/>
                                   </p:stCondLst>
                                   <p:childTnLst>
                                     <p:set>
                                       <p:cBhvr>
-                                        <p:cTn id="21" dur="1" fill="hold">
+                                        <p:cTn id="24" dur="1" fill="hold">
                                           <p:stCondLst>
                                             <p:cond delay="0"/>
                                           </p:stCondLst>
                                         </p:cTn>
                                         <p:tgtEl>
-                                          <p:spTgt spid="11"/>
+                                          <p:spTgt spid="4"/>
                                         </p:tgtEl>
                                         <p:attrNameLst>
                                           <p:attrName>style.visibility</p:attrName>
@@ -15510,9 +16450,44 @@
                                     </p:set>
                                     <p:animEffect transition="in" filter="fade">
                                       <p:cBhvr>
-                                        <p:cTn id="22" dur="500"/>
-                                        <p:tgtEl>
-                                          <p:spTgt spid="11"/>
+                                        <p:cTn id="25" dur="500"/>
+                                        <p:tgtEl>
+                                          <p:spTgt spid="4"/>
+                                        </p:tgtEl>
+                                      </p:cBhvr>
+                                    </p:animEffect>
+                                  </p:childTnLst>
+                                </p:cTn>
+                              </p:par>
+                              <p:par>
+                                <p:cTn id="26" presetID="10" presetClass="entr" presetSubtype="0" fill="hold" grpId="0" nodeType="withEffect">
+                                  <p:stCondLst>
+                                    <p:cond delay="0"/>
+                                  </p:stCondLst>
+                                  <p:childTnLst>
+                                    <p:set>
+                                      <p:cBhvr>
+                                        <p:cTn id="27" dur="1" fill="hold">
+                                          <p:stCondLst>
+                                            <p:cond delay="0"/>
+                                          </p:stCondLst>
+                                        </p:cTn>
+                                        <p:tgtEl>
+                                          <p:spTgt spid="14"/>
+                                        </p:tgtEl>
+                                        <p:attrNameLst>
+                                          <p:attrName>style.visibility</p:attrName>
+                                        </p:attrNameLst>
+                                      </p:cBhvr>
+                                      <p:to>
+                                        <p:strVal val="visible"/>
+                                      </p:to>
+                                    </p:set>
+                                    <p:animEffect transition="in" filter="fade">
+                                      <p:cBhvr>
+                                        <p:cTn id="28" dur="500"/>
+                                        <p:tgtEl>
+                                          <p:spTgt spid="14"/>
                                         </p:tgtEl>
                                       </p:cBhvr>
                                     </p:animEffect>
@@ -15526,32 +16501,32 @@
                     </p:cTn>
                   </p:par>
                   <p:par>
-                    <p:cTn id="23" fill="hold">
+                    <p:cTn id="29" fill="hold">
                       <p:stCondLst>
                         <p:cond delay="indefinite"/>
                       </p:stCondLst>
                       <p:childTnLst>
                         <p:par>
-                          <p:cTn id="24" fill="hold">
+                          <p:cTn id="30" fill="hold">
                             <p:stCondLst>
                               <p:cond delay="0"/>
                             </p:stCondLst>
                             <p:childTnLst>
                               <p:par>
-                                <p:cTn id="25" presetID="10" presetClass="entr" presetSubtype="0" fill="hold" grpId="0" nodeType="clickEffect">
+                                <p:cTn id="31" presetID="10" presetClass="entr" presetSubtype="0" fill="hold" grpId="0" nodeType="clickEffect">
                                   <p:stCondLst>
                                     <p:cond delay="0"/>
                                   </p:stCondLst>
                                   <p:childTnLst>
                                     <p:set>
                                       <p:cBhvr>
-                                        <p:cTn id="26" dur="1" fill="hold">
+                                        <p:cTn id="32" dur="1" fill="hold">
                                           <p:stCondLst>
                                             <p:cond delay="0"/>
                                           </p:stCondLst>
                                         </p:cTn>
                                         <p:tgtEl>
-                                          <p:spTgt spid="13"/>
+                                          <p:spTgt spid="12"/>
                                         </p:tgtEl>
                                         <p:attrNameLst>
                                           <p:attrName>style.visibility</p:attrName>
@@ -15563,9 +16538,9 @@
                                     </p:set>
                                     <p:animEffect transition="in" filter="fade">
                                       <p:cBhvr>
-                                        <p:cTn id="27" dur="500"/>
-                                        <p:tgtEl>
-                                          <p:spTgt spid="13"/>
+                                        <p:cTn id="33" dur="500"/>
+                                        <p:tgtEl>
+                                          <p:spTgt spid="12"/>
                                         </p:tgtEl>
                                       </p:cBhvr>
                                     </p:animEffect>
@@ -15579,32 +16554,32 @@
                     </p:cTn>
                   </p:par>
                   <p:par>
-                    <p:cTn id="28" fill="hold">
+                    <p:cTn id="34" fill="hold">
                       <p:stCondLst>
                         <p:cond delay="indefinite"/>
                       </p:stCondLst>
                       <p:childTnLst>
                         <p:par>
-                          <p:cTn id="29" fill="hold">
+                          <p:cTn id="35" fill="hold">
                             <p:stCondLst>
                               <p:cond delay="0"/>
                             </p:stCondLst>
                             <p:childTnLst>
                               <p:par>
-                                <p:cTn id="30" presetID="10" presetClass="entr" presetSubtype="0" fill="hold" grpId="0" nodeType="clickEffect">
+                                <p:cTn id="36" presetID="10" presetClass="entr" presetSubtype="0" fill="hold" nodeType="clickEffect">
                                   <p:stCondLst>
                                     <p:cond delay="0"/>
                                   </p:stCondLst>
                                   <p:childTnLst>
                                     <p:set>
                                       <p:cBhvr>
-                                        <p:cTn id="31" dur="1" fill="hold">
+                                        <p:cTn id="37" dur="1" fill="hold">
                                           <p:stCondLst>
                                             <p:cond delay="0"/>
                                           </p:stCondLst>
                                         </p:cTn>
                                         <p:tgtEl>
-                                          <p:spTgt spid="14"/>
+                                          <p:spTgt spid="16"/>
                                         </p:tgtEl>
                                         <p:attrNameLst>
                                           <p:attrName>style.visibility</p:attrName>
@@ -15616,9 +16591,273 @@
                                     </p:set>
                                     <p:animEffect transition="in" filter="fade">
                                       <p:cBhvr>
-                                        <p:cTn id="32" dur="500"/>
-                                        <p:tgtEl>
-                                          <p:spTgt spid="14"/>
+                                        <p:cTn id="38" dur="500"/>
+                                        <p:tgtEl>
+                                          <p:spTgt spid="16"/>
+                                        </p:tgtEl>
+                                      </p:cBhvr>
+                                    </p:animEffect>
+                                  </p:childTnLst>
+                                </p:cTn>
+                              </p:par>
+                              <p:par>
+                                <p:cTn id="39" presetID="10" presetClass="entr" presetSubtype="0" fill="hold" grpId="0" nodeType="withEffect">
+                                  <p:stCondLst>
+                                    <p:cond delay="0"/>
+                                  </p:stCondLst>
+                                  <p:childTnLst>
+                                    <p:set>
+                                      <p:cBhvr>
+                                        <p:cTn id="40" dur="1" fill="hold">
+                                          <p:stCondLst>
+                                            <p:cond delay="0"/>
+                                          </p:stCondLst>
+                                        </p:cTn>
+                                        <p:tgtEl>
+                                          <p:spTgt spid="19"/>
+                                        </p:tgtEl>
+                                        <p:attrNameLst>
+                                          <p:attrName>style.visibility</p:attrName>
+                                        </p:attrNameLst>
+                                      </p:cBhvr>
+                                      <p:to>
+                                        <p:strVal val="visible"/>
+                                      </p:to>
+                                    </p:set>
+                                    <p:animEffect transition="in" filter="fade">
+                                      <p:cBhvr>
+                                        <p:cTn id="41" dur="500"/>
+                                        <p:tgtEl>
+                                          <p:spTgt spid="19"/>
+                                        </p:tgtEl>
+                                      </p:cBhvr>
+                                    </p:animEffect>
+                                  </p:childTnLst>
+                                </p:cTn>
+                              </p:par>
+                            </p:childTnLst>
+                          </p:cTn>
+                        </p:par>
+                      </p:childTnLst>
+                    </p:cTn>
+                  </p:par>
+                  <p:par>
+                    <p:cTn id="42" fill="hold">
+                      <p:stCondLst>
+                        <p:cond delay="indefinite"/>
+                      </p:stCondLst>
+                      <p:childTnLst>
+                        <p:par>
+                          <p:cTn id="43" fill="hold">
+                            <p:stCondLst>
+                              <p:cond delay="0"/>
+                            </p:stCondLst>
+                            <p:childTnLst>
+                              <p:par>
+                                <p:cTn id="44" presetID="10" presetClass="entr" presetSubtype="0" fill="hold" grpId="0" nodeType="clickEffect">
+                                  <p:stCondLst>
+                                    <p:cond delay="0"/>
+                                  </p:stCondLst>
+                                  <p:childTnLst>
+                                    <p:set>
+                                      <p:cBhvr>
+                                        <p:cTn id="45" dur="1" fill="hold">
+                                          <p:stCondLst>
+                                            <p:cond delay="0"/>
+                                          </p:stCondLst>
+                                        </p:cTn>
+                                        <p:tgtEl>
+                                          <p:spTgt spid="22"/>
+                                        </p:tgtEl>
+                                        <p:attrNameLst>
+                                          <p:attrName>style.visibility</p:attrName>
+                                        </p:attrNameLst>
+                                      </p:cBhvr>
+                                      <p:to>
+                                        <p:strVal val="visible"/>
+                                      </p:to>
+                                    </p:set>
+                                    <p:animEffect transition="in" filter="fade">
+                                      <p:cBhvr>
+                                        <p:cTn id="46" dur="500"/>
+                                        <p:tgtEl>
+                                          <p:spTgt spid="22"/>
+                                        </p:tgtEl>
+                                      </p:cBhvr>
+                                    </p:animEffect>
+                                  </p:childTnLst>
+                                </p:cTn>
+                              </p:par>
+                            </p:childTnLst>
+                          </p:cTn>
+                        </p:par>
+                      </p:childTnLst>
+                    </p:cTn>
+                  </p:par>
+                  <p:par>
+                    <p:cTn id="47" fill="hold">
+                      <p:stCondLst>
+                        <p:cond delay="indefinite"/>
+                      </p:stCondLst>
+                      <p:childTnLst>
+                        <p:par>
+                          <p:cTn id="48" fill="hold">
+                            <p:stCondLst>
+                              <p:cond delay="0"/>
+                            </p:stCondLst>
+                            <p:childTnLst>
+                              <p:par>
+                                <p:cTn id="49" presetID="10" presetClass="entr" presetSubtype="0" fill="hold" grpId="0" nodeType="clickEffect">
+                                  <p:stCondLst>
+                                    <p:cond delay="0"/>
+                                  </p:stCondLst>
+                                  <p:childTnLst>
+                                    <p:set>
+                                      <p:cBhvr>
+                                        <p:cTn id="50" dur="1" fill="hold">
+                                          <p:stCondLst>
+                                            <p:cond delay="0"/>
+                                          </p:stCondLst>
+                                        </p:cTn>
+                                        <p:tgtEl>
+                                          <p:spTgt spid="23"/>
+                                        </p:tgtEl>
+                                        <p:attrNameLst>
+                                          <p:attrName>style.visibility</p:attrName>
+                                        </p:attrNameLst>
+                                      </p:cBhvr>
+                                      <p:to>
+                                        <p:strVal val="visible"/>
+                                      </p:to>
+                                    </p:set>
+                                    <p:animEffect transition="in" filter="fade">
+                                      <p:cBhvr>
+                                        <p:cTn id="51" dur="500"/>
+                                        <p:tgtEl>
+                                          <p:spTgt spid="23"/>
+                                        </p:tgtEl>
+                                      </p:cBhvr>
+                                    </p:animEffect>
+                                  </p:childTnLst>
+                                </p:cTn>
+                              </p:par>
+                              <p:par>
+                                <p:cTn id="52" presetID="10" presetClass="entr" presetSubtype="0" fill="hold" grpId="0" nodeType="withEffect">
+                                  <p:stCondLst>
+                                    <p:cond delay="0"/>
+                                  </p:stCondLst>
+                                  <p:childTnLst>
+                                    <p:set>
+                                      <p:cBhvr>
+                                        <p:cTn id="53" dur="1" fill="hold">
+                                          <p:stCondLst>
+                                            <p:cond delay="0"/>
+                                          </p:stCondLst>
+                                        </p:cTn>
+                                        <p:tgtEl>
+                                          <p:spTgt spid="24"/>
+                                        </p:tgtEl>
+                                        <p:attrNameLst>
+                                          <p:attrName>style.visibility</p:attrName>
+                                        </p:attrNameLst>
+                                      </p:cBhvr>
+                                      <p:to>
+                                        <p:strVal val="visible"/>
+                                      </p:to>
+                                    </p:set>
+                                    <p:animEffect transition="in" filter="fade">
+                                      <p:cBhvr>
+                                        <p:cTn id="54" dur="500"/>
+                                        <p:tgtEl>
+                                          <p:spTgt spid="24"/>
+                                        </p:tgtEl>
+                                      </p:cBhvr>
+                                    </p:animEffect>
+                                  </p:childTnLst>
+                                </p:cTn>
+                              </p:par>
+                            </p:childTnLst>
+                          </p:cTn>
+                        </p:par>
+                      </p:childTnLst>
+                    </p:cTn>
+                  </p:par>
+                  <p:par>
+                    <p:cTn id="55" fill="hold">
+                      <p:stCondLst>
+                        <p:cond delay="indefinite"/>
+                      </p:stCondLst>
+                      <p:childTnLst>
+                        <p:par>
+                          <p:cTn id="56" fill="hold">
+                            <p:stCondLst>
+                              <p:cond delay="0"/>
+                            </p:stCondLst>
+                            <p:childTnLst>
+                              <p:par>
+                                <p:cTn id="57" presetID="10" presetClass="entr" presetSubtype="0" fill="hold" nodeType="clickEffect">
+                                  <p:stCondLst>
+                                    <p:cond delay="0"/>
+                                  </p:stCondLst>
+                                  <p:childTnLst>
+                                    <p:set>
+                                      <p:cBhvr>
+                                        <p:cTn id="58" dur="1" fill="hold">
+                                          <p:stCondLst>
+                                            <p:cond delay="0"/>
+                                          </p:stCondLst>
+                                        </p:cTn>
+                                        <p:tgtEl>
+                                          <p:spTgt spid="25"/>
+                                        </p:tgtEl>
+                                        <p:attrNameLst>
+                                          <p:attrName>style.visibility</p:attrName>
+                                        </p:attrNameLst>
+                                      </p:cBhvr>
+                                      <p:to>
+                                        <p:strVal val="visible"/>
+                                      </p:to>
+                                    </p:set>
+                                    <p:animEffect transition="in" filter="fade">
+                                      <p:cBhvr>
+                                        <p:cTn id="59" dur="500"/>
+                                        <p:tgtEl>
+                                          <p:spTgt spid="25"/>
+                                        </p:tgtEl>
+                                      </p:cBhvr>
+                                    </p:animEffect>
+                                  </p:childTnLst>
+                                </p:cTn>
+                              </p:par>
+                              <p:par>
+                                <p:cTn id="60" presetID="10" presetClass="entr" presetSubtype="0" fill="hold" grpId="0" nodeType="withEffect">
+                                  <p:stCondLst>
+                                    <p:cond delay="0"/>
+                                  </p:stCondLst>
+                                  <p:childTnLst>
+                                    <p:set>
+                                      <p:cBhvr>
+                                        <p:cTn id="61" dur="1" fill="hold">
+                                          <p:stCondLst>
+                                            <p:cond delay="0"/>
+                                          </p:stCondLst>
+                                        </p:cTn>
+                                        <p:tgtEl>
+                                          <p:spTgt spid="40"/>
+                                        </p:tgtEl>
+                                        <p:attrNameLst>
+                                          <p:attrName>style.visibility</p:attrName>
+                                        </p:attrNameLst>
+                                      </p:cBhvr>
+                                      <p:to>
+                                        <p:strVal val="visible"/>
+                                      </p:to>
+                                    </p:set>
+                                    <p:animEffect transition="in" filter="fade">
+                                      <p:cBhvr>
+                                        <p:cTn id="62" dur="500"/>
+                                        <p:tgtEl>
+                                          <p:spTgt spid="40"/>
                                         </p:tgtEl>
                                       </p:cBhvr>
                                     </p:animEffect>
@@ -15653,12 +16892,18 @@
       </p:par>
     </p:tnLst>
     <p:bldLst>
-      <p:bldP spid="3" grpId="0"/>
-      <p:bldP spid="9" grpId="0" animBg="1"/>
-      <p:bldP spid="10" grpId="0" animBg="1"/>
+      <p:bldP spid="3" grpId="0" animBg="1"/>
+      <p:bldP spid="4" grpId="0" animBg="1"/>
+      <p:bldP spid="5" grpId="0"/>
+      <p:bldP spid="7" grpId="0" animBg="1"/>
       <p:bldP spid="11" grpId="0" animBg="1"/>
-      <p:bldP spid="13" grpId="0" animBg="1"/>
+      <p:bldP spid="12" grpId="0" animBg="1"/>
       <p:bldP spid="14" grpId="0"/>
+      <p:bldP spid="19" grpId="0"/>
+      <p:bldP spid="22" grpId="0" animBg="1"/>
+      <p:bldP spid="23" grpId="0" animBg="1"/>
+      <p:bldP spid="24" grpId="0"/>
+      <p:bldP spid="40" grpId="0"/>
     </p:bldLst>
   </p:timing>
 </p:sld>
@@ -15753,1355 +16998,6 @@
         </p:nvSpPr>
         <p:spPr>
           <a:xfrm>
-            <a:off x="683568" y="1384260"/>
-            <a:ext cx="1368151" cy="720079"/>
-          </a:xfrm>
-          <a:prstGeom prst="rect">
-            <a:avLst/>
-          </a:prstGeom>
-        </p:spPr>
-        <p:style>
-          <a:lnRef idx="2">
-            <a:schemeClr val="accent5">
-              <a:shade val="50000"/>
-            </a:schemeClr>
-          </a:lnRef>
-          <a:fillRef idx="1">
-            <a:schemeClr val="accent5"/>
-          </a:fillRef>
-          <a:effectRef idx="0">
-            <a:schemeClr val="accent5"/>
-          </a:effectRef>
-          <a:fontRef idx="minor">
-            <a:schemeClr val="lt1"/>
-          </a:fontRef>
-        </p:style>
-        <p:txBody>
-          <a:bodyPr wrap="square" rtlCol="0" anchor="ctr">
-            <a:noAutofit/>
-          </a:bodyPr>
-          <a:lstStyle/>
-          <a:p>
-            <a:pPr algn="ctr"/>
-            <a:r>
-              <a:rPr lang="en-US" sz="1350" dirty="0" smtClean="0">
-                <a:latin typeface="Cambria" panose="02040503050406030204" pitchFamily="18" charset="0"/>
-              </a:rPr>
-              <a:t>CUSTOMER</a:t>
-            </a:r>
-          </a:p>
-        </p:txBody>
-      </p:sp>
-      <p:sp>
-        <p:nvSpPr>
-          <p:cNvPr id="4" name="Freccia in giù 3"/>
-          <p:cNvSpPr/>
-          <p:nvPr/>
-        </p:nvSpPr>
-        <p:spPr>
-          <a:xfrm>
-            <a:off x="4391979" y="2283718"/>
-            <a:ext cx="288032" cy="936104"/>
-          </a:xfrm>
-          <a:prstGeom prst="downArrow">
-            <a:avLst/>
-          </a:prstGeom>
-        </p:spPr>
-        <p:style>
-          <a:lnRef idx="2">
-            <a:schemeClr val="accent1">
-              <a:shade val="50000"/>
-            </a:schemeClr>
-          </a:lnRef>
-          <a:fillRef idx="1">
-            <a:schemeClr val="accent1"/>
-          </a:fillRef>
-          <a:effectRef idx="0">
-            <a:schemeClr val="accent1"/>
-          </a:effectRef>
-          <a:fontRef idx="minor">
-            <a:schemeClr val="lt1"/>
-          </a:fontRef>
-        </p:style>
-        <p:txBody>
-          <a:bodyPr rtlCol="0" anchor="ctr"/>
-          <a:lstStyle/>
-          <a:p>
-            <a:pPr algn="ctr"/>
-            <a:endParaRPr lang="en-US" dirty="0"/>
-          </a:p>
-        </p:txBody>
-      </p:sp>
-      <p:sp>
-        <p:nvSpPr>
-          <p:cNvPr id="5" name="CasellaDiTesto 4"/>
-          <p:cNvSpPr txBox="1"/>
-          <p:nvPr/>
-        </p:nvSpPr>
-        <p:spPr>
-          <a:xfrm>
-            <a:off x="2464911" y="1828770"/>
-            <a:ext cx="1057744" cy="307777"/>
-          </a:xfrm>
-          <a:prstGeom prst="rect">
-            <a:avLst/>
-          </a:prstGeom>
-          <a:noFill/>
-        </p:spPr>
-        <p:txBody>
-          <a:bodyPr wrap="square" rtlCol="0">
-            <a:spAutoFit/>
-          </a:bodyPr>
-          <a:lstStyle/>
-          <a:p>
-            <a:r>
-              <a:rPr lang="en-US" sz="1400" dirty="0" smtClean="0">
-                <a:latin typeface="Cambria" panose="02040503050406030204" pitchFamily="18" charset="0"/>
-              </a:rPr>
-              <a:t>Asks for</a:t>
-            </a:r>
-          </a:p>
-        </p:txBody>
-      </p:sp>
-      <p:sp>
-        <p:nvSpPr>
-          <p:cNvPr id="7" name="CasellaDiTesto 6"/>
-          <p:cNvSpPr txBox="1"/>
-          <p:nvPr/>
-        </p:nvSpPr>
-        <p:spPr>
-          <a:xfrm>
-            <a:off x="3851920" y="1384260"/>
-            <a:ext cx="1368151" cy="720079"/>
-          </a:xfrm>
-          <a:prstGeom prst="rect">
-            <a:avLst/>
-          </a:prstGeom>
-          <a:ln/>
-        </p:spPr>
-        <p:style>
-          <a:lnRef idx="2">
-            <a:schemeClr val="accent4">
-              <a:shade val="50000"/>
-            </a:schemeClr>
-          </a:lnRef>
-          <a:fillRef idx="1">
-            <a:schemeClr val="accent4"/>
-          </a:fillRef>
-          <a:effectRef idx="0">
-            <a:schemeClr val="accent4"/>
-          </a:effectRef>
-          <a:fontRef idx="minor">
-            <a:schemeClr val="lt1"/>
-          </a:fontRef>
-        </p:style>
-        <p:txBody>
-          <a:bodyPr wrap="square" rtlCol="0" anchor="ctr">
-            <a:noAutofit/>
-          </a:bodyPr>
-          <a:lstStyle/>
-          <a:p>
-            <a:pPr algn="ctr"/>
-            <a:r>
-              <a:rPr lang="en-US" sz="1350" dirty="0" smtClean="0">
-                <a:latin typeface="Cambria" panose="02040503050406030204" pitchFamily="18" charset="0"/>
-              </a:rPr>
-              <a:t>TAXI RIDE</a:t>
-            </a:r>
-          </a:p>
-        </p:txBody>
-      </p:sp>
-      <p:sp>
-        <p:nvSpPr>
-          <p:cNvPr id="11" name="Freccia a destra 10"/>
-          <p:cNvSpPr/>
-          <p:nvPr/>
-        </p:nvSpPr>
-        <p:spPr>
-          <a:xfrm>
-            <a:off x="2216338" y="1591616"/>
-            <a:ext cx="1491565" cy="277082"/>
-          </a:xfrm>
-          <a:prstGeom prst="rightArrow">
-            <a:avLst/>
-          </a:prstGeom>
-        </p:spPr>
-        <p:style>
-          <a:lnRef idx="2">
-            <a:schemeClr val="accent1">
-              <a:shade val="50000"/>
-            </a:schemeClr>
-          </a:lnRef>
-          <a:fillRef idx="1">
-            <a:schemeClr val="accent1"/>
-          </a:fillRef>
-          <a:effectRef idx="0">
-            <a:schemeClr val="accent1"/>
-          </a:effectRef>
-          <a:fontRef idx="minor">
-            <a:schemeClr val="lt1"/>
-          </a:fontRef>
-        </p:style>
-        <p:txBody>
-          <a:bodyPr rtlCol="0" anchor="ctr"/>
-          <a:lstStyle/>
-          <a:p>
-            <a:pPr algn="ctr"/>
-            <a:endParaRPr lang="en-US" sz="1300" dirty="0"/>
-          </a:p>
-        </p:txBody>
-      </p:sp>
-      <p:sp>
-        <p:nvSpPr>
-          <p:cNvPr id="12" name="Ovale 11"/>
-          <p:cNvSpPr/>
-          <p:nvPr/>
-        </p:nvSpPr>
-        <p:spPr>
-          <a:xfrm>
-            <a:off x="3732444" y="3399201"/>
-            <a:ext cx="1656184" cy="997325"/>
-          </a:xfrm>
-          <a:prstGeom prst="ellipse">
-            <a:avLst/>
-          </a:prstGeom>
-        </p:spPr>
-        <p:style>
-          <a:lnRef idx="2">
-            <a:schemeClr val="accent3">
-              <a:shade val="50000"/>
-            </a:schemeClr>
-          </a:lnRef>
-          <a:fillRef idx="1">
-            <a:schemeClr val="accent3"/>
-          </a:fillRef>
-          <a:effectRef idx="0">
-            <a:schemeClr val="accent3"/>
-          </a:effectRef>
-          <a:fontRef idx="minor">
-            <a:schemeClr val="lt1"/>
-          </a:fontRef>
-        </p:style>
-        <p:txBody>
-          <a:bodyPr rtlCol="0" anchor="ctr"/>
-          <a:lstStyle/>
-          <a:p>
-            <a:pPr algn="ctr"/>
-            <a:r>
-              <a:rPr lang="en-US" dirty="0" smtClean="0"/>
-              <a:t>TOPIC</a:t>
-            </a:r>
-            <a:endParaRPr lang="en-US" dirty="0"/>
-          </a:p>
-        </p:txBody>
-      </p:sp>
-      <p:sp>
-        <p:nvSpPr>
-          <p:cNvPr id="14" name="CasellaDiTesto 13"/>
-          <p:cNvSpPr txBox="1"/>
-          <p:nvPr/>
-        </p:nvSpPr>
-        <p:spPr>
-          <a:xfrm>
-            <a:off x="3419872" y="2365675"/>
-            <a:ext cx="1057744" cy="523220"/>
-          </a:xfrm>
-          <a:prstGeom prst="rect">
-            <a:avLst/>
-          </a:prstGeom>
-          <a:noFill/>
-        </p:spPr>
-        <p:txBody>
-          <a:bodyPr wrap="square" rtlCol="0">
-            <a:spAutoFit/>
-          </a:bodyPr>
-          <a:lstStyle/>
-          <a:p>
-            <a:r>
-              <a:rPr lang="en-US" sz="1400" dirty="0" smtClean="0">
-                <a:latin typeface="Cambria" panose="02040503050406030204" pitchFamily="18" charset="0"/>
-              </a:rPr>
-              <a:t>The system generates </a:t>
-            </a:r>
-          </a:p>
-        </p:txBody>
-      </p:sp>
-      <p:cxnSp>
-        <p:nvCxnSpPr>
-          <p:cNvPr id="16" name="Connettore 7 15"/>
-          <p:cNvCxnSpPr/>
-          <p:nvPr/>
-        </p:nvCxnSpPr>
-        <p:spPr>
-          <a:xfrm rot="10800000">
-            <a:off x="1595953" y="2168755"/>
-            <a:ext cx="2002739" cy="1729108"/>
-          </a:xfrm>
-          <a:prstGeom prst="curvedConnector3">
-            <a:avLst>
-              <a:gd name="adj1" fmla="val 99928"/>
-            </a:avLst>
-          </a:prstGeom>
-          <a:ln>
-            <a:tailEnd type="triangle"/>
-          </a:ln>
-        </p:spPr>
-        <p:style>
-          <a:lnRef idx="3">
-            <a:schemeClr val="accent2"/>
-          </a:lnRef>
-          <a:fillRef idx="0">
-            <a:schemeClr val="accent2"/>
-          </a:fillRef>
-          <a:effectRef idx="2">
-            <a:schemeClr val="accent2"/>
-          </a:effectRef>
-          <a:fontRef idx="minor">
-            <a:schemeClr val="tx1"/>
-          </a:fontRef>
-        </p:style>
-      </p:cxnSp>
-      <p:sp>
-        <p:nvSpPr>
-          <p:cNvPr id="19" name="Rettangolo 18"/>
-          <p:cNvSpPr/>
-          <p:nvPr/>
-        </p:nvSpPr>
-        <p:spPr>
-          <a:xfrm>
-            <a:off x="526370" y="3507854"/>
-            <a:ext cx="1781609" cy="1200018"/>
-          </a:xfrm>
-          <a:prstGeom prst="rect">
-            <a:avLst/>
-          </a:prstGeom>
-        </p:spPr>
-        <p:txBody>
-          <a:bodyPr wrap="square">
-            <a:spAutoFit/>
-          </a:bodyPr>
-          <a:lstStyle/>
-          <a:p>
-            <a:r>
-              <a:rPr lang="en-US" sz="1400" dirty="0" smtClean="0">
-                <a:latin typeface="Cambria" panose="02040503050406030204" pitchFamily="18" charset="0"/>
-              </a:rPr>
-              <a:t>The customer is automatically </a:t>
-            </a:r>
-            <a:r>
-              <a:rPr lang="en-US" sz="1400" b="1" dirty="0" smtClean="0">
-                <a:latin typeface="Cambria" panose="02040503050406030204" pitchFamily="18" charset="0"/>
-              </a:rPr>
-              <a:t>subscribed</a:t>
-            </a:r>
-            <a:r>
-              <a:rPr lang="en-US" sz="1400" dirty="0" smtClean="0">
-                <a:latin typeface="Cambria" panose="02040503050406030204" pitchFamily="18" charset="0"/>
-              </a:rPr>
-              <a:t> to the topic and can receive its notifications</a:t>
-            </a:r>
-            <a:endParaRPr lang="en-US" sz="1400" dirty="0">
-              <a:latin typeface="Cambria" panose="02040503050406030204" pitchFamily="18" charset="0"/>
-            </a:endParaRPr>
-          </a:p>
-        </p:txBody>
-      </p:sp>
-      <p:sp>
-        <p:nvSpPr>
-          <p:cNvPr id="22" name="CasellaDiTesto 21"/>
-          <p:cNvSpPr txBox="1"/>
-          <p:nvPr/>
-        </p:nvSpPr>
-        <p:spPr>
-          <a:xfrm>
-            <a:off x="7164288" y="1384260"/>
-            <a:ext cx="1368151" cy="720079"/>
-          </a:xfrm>
-          <a:prstGeom prst="rect">
-            <a:avLst/>
-          </a:prstGeom>
-        </p:spPr>
-        <p:style>
-          <a:lnRef idx="2">
-            <a:schemeClr val="accent5">
-              <a:shade val="50000"/>
-            </a:schemeClr>
-          </a:lnRef>
-          <a:fillRef idx="1">
-            <a:schemeClr val="accent5"/>
-          </a:fillRef>
-          <a:effectRef idx="0">
-            <a:schemeClr val="accent5"/>
-          </a:effectRef>
-          <a:fontRef idx="minor">
-            <a:schemeClr val="lt1"/>
-          </a:fontRef>
-        </p:style>
-        <p:txBody>
-          <a:bodyPr wrap="square" rtlCol="0" anchor="ctr">
-            <a:noAutofit/>
-          </a:bodyPr>
-          <a:lstStyle/>
-          <a:p>
-            <a:pPr algn="ctr"/>
-            <a:r>
-              <a:rPr lang="en-US" sz="1350" dirty="0" smtClean="0">
-                <a:latin typeface="Cambria" panose="02040503050406030204" pitchFamily="18" charset="0"/>
-              </a:rPr>
-              <a:t>TAXI DRIVER</a:t>
-            </a:r>
-          </a:p>
-        </p:txBody>
-      </p:sp>
-      <p:sp>
-        <p:nvSpPr>
-          <p:cNvPr id="23" name="Freccia a destra 22"/>
-          <p:cNvSpPr/>
-          <p:nvPr/>
-        </p:nvSpPr>
-        <p:spPr>
-          <a:xfrm rot="10800000">
-            <a:off x="5501169" y="1607362"/>
-            <a:ext cx="1447094" cy="251032"/>
-          </a:xfrm>
-          <a:prstGeom prst="rightArrow">
-            <a:avLst/>
-          </a:prstGeom>
-        </p:spPr>
-        <p:style>
-          <a:lnRef idx="2">
-            <a:schemeClr val="accent1">
-              <a:shade val="50000"/>
-            </a:schemeClr>
-          </a:lnRef>
-          <a:fillRef idx="1">
-            <a:schemeClr val="accent1"/>
-          </a:fillRef>
-          <a:effectRef idx="0">
-            <a:schemeClr val="accent1"/>
-          </a:effectRef>
-          <a:fontRef idx="minor">
-            <a:schemeClr val="lt1"/>
-          </a:fontRef>
-        </p:style>
-        <p:txBody>
-          <a:bodyPr rtlCol="0" anchor="ctr"/>
-          <a:lstStyle/>
-          <a:p>
-            <a:pPr algn="ctr"/>
-            <a:endParaRPr lang="en-US"/>
-          </a:p>
-        </p:txBody>
-      </p:sp>
-      <p:sp>
-        <p:nvSpPr>
-          <p:cNvPr id="24" name="CasellaDiTesto 23"/>
-          <p:cNvSpPr txBox="1"/>
-          <p:nvPr/>
-        </p:nvSpPr>
-        <p:spPr>
-          <a:xfrm>
-            <a:off x="5473299" y="1855810"/>
-            <a:ext cx="1897067" cy="738664"/>
-          </a:xfrm>
-          <a:prstGeom prst="rect">
-            <a:avLst/>
-          </a:prstGeom>
-          <a:noFill/>
-        </p:spPr>
-        <p:txBody>
-          <a:bodyPr wrap="square" rtlCol="0">
-            <a:spAutoFit/>
-          </a:bodyPr>
-          <a:lstStyle/>
-          <a:p>
-            <a:r>
-              <a:rPr lang="en-US" sz="1400" dirty="0" smtClean="0">
-                <a:latin typeface="Cambria" panose="02040503050406030204" pitchFamily="18" charset="0"/>
-              </a:rPr>
-              <a:t>Accepts the ride request and gets associated to the ride</a:t>
-            </a:r>
-          </a:p>
-        </p:txBody>
-      </p:sp>
-      <p:cxnSp>
-        <p:nvCxnSpPr>
-          <p:cNvPr id="25" name="Connettore 7 24"/>
-          <p:cNvCxnSpPr/>
-          <p:nvPr/>
-        </p:nvCxnSpPr>
-        <p:spPr>
-          <a:xfrm flipV="1">
-            <a:off x="5522380" y="2225141"/>
-            <a:ext cx="2506006" cy="1714761"/>
-          </a:xfrm>
-          <a:prstGeom prst="curvedConnector3">
-            <a:avLst>
-              <a:gd name="adj1" fmla="val 99614"/>
-            </a:avLst>
-          </a:prstGeom>
-          <a:ln>
-            <a:tailEnd type="triangle"/>
-          </a:ln>
-        </p:spPr>
-        <p:style>
-          <a:lnRef idx="3">
-            <a:schemeClr val="accent2"/>
-          </a:lnRef>
-          <a:fillRef idx="0">
-            <a:schemeClr val="accent2"/>
-          </a:fillRef>
-          <a:effectRef idx="2">
-            <a:schemeClr val="accent2"/>
-          </a:effectRef>
-          <a:fontRef idx="minor">
-            <a:schemeClr val="tx1"/>
-          </a:fontRef>
-        </p:style>
-      </p:cxnSp>
-      <p:sp>
-        <p:nvSpPr>
-          <p:cNvPr id="40" name="Rettangolo 39"/>
-          <p:cNvSpPr/>
-          <p:nvPr/>
-        </p:nvSpPr>
-        <p:spPr>
-          <a:xfrm>
-            <a:off x="7312316" y="3657862"/>
-            <a:ext cx="1781609" cy="738664"/>
-          </a:xfrm>
-          <a:prstGeom prst="rect">
-            <a:avLst/>
-          </a:prstGeom>
-        </p:spPr>
-        <p:txBody>
-          <a:bodyPr wrap="square">
-            <a:spAutoFit/>
-          </a:bodyPr>
-          <a:lstStyle/>
-          <a:p>
-            <a:r>
-              <a:rPr lang="en-US" sz="1400" dirty="0" smtClean="0">
-                <a:latin typeface="Cambria" panose="02040503050406030204" pitchFamily="18" charset="0"/>
-              </a:rPr>
-              <a:t>The driver is </a:t>
-            </a:r>
-            <a:r>
-              <a:rPr lang="en-US" sz="1400" b="1" dirty="0" smtClean="0">
-                <a:latin typeface="Cambria" panose="02040503050406030204" pitchFamily="18" charset="0"/>
-              </a:rPr>
-              <a:t>subscribed</a:t>
-            </a:r>
-            <a:r>
-              <a:rPr lang="en-US" sz="1400" dirty="0" smtClean="0">
-                <a:latin typeface="Cambria" panose="02040503050406030204" pitchFamily="18" charset="0"/>
-              </a:rPr>
-              <a:t> to the same topic too</a:t>
-            </a:r>
-            <a:endParaRPr lang="en-US" sz="1400" dirty="0">
-              <a:latin typeface="Cambria" panose="02040503050406030204" pitchFamily="18" charset="0"/>
-            </a:endParaRPr>
-          </a:p>
-        </p:txBody>
-      </p:sp>
-    </p:spTree>
-    <p:extLst>
-      <p:ext uri="{BB962C8B-B14F-4D97-AF65-F5344CB8AC3E}">
-        <p14:creationId xmlns:p14="http://schemas.microsoft.com/office/powerpoint/2010/main" val="3845716448"/>
-      </p:ext>
-    </p:extLst>
-  </p:cSld>
-  <p:clrMapOvr>
-    <a:masterClrMapping/>
-  </p:clrMapOvr>
-  <p:timing>
-    <p:tnLst>
-      <p:par>
-        <p:cTn id="1" dur="indefinite" restart="never" nodeType="tmRoot">
-          <p:childTnLst>
-            <p:seq concurrent="1" nextAc="seek">
-              <p:cTn id="2" dur="indefinite" nodeType="mainSeq">
-                <p:childTnLst>
-                  <p:par>
-                    <p:cTn id="3" fill="hold">
-                      <p:stCondLst>
-                        <p:cond delay="indefinite"/>
-                      </p:stCondLst>
-                      <p:childTnLst>
-                        <p:par>
-                          <p:cTn id="4" fill="hold">
-                            <p:stCondLst>
-                              <p:cond delay="0"/>
-                            </p:stCondLst>
-                            <p:childTnLst>
-                              <p:par>
-                                <p:cTn id="5" presetID="10" presetClass="entr" presetSubtype="0" fill="hold" grpId="0" nodeType="clickEffect">
-                                  <p:stCondLst>
-                                    <p:cond delay="0"/>
-                                  </p:stCondLst>
-                                  <p:childTnLst>
-                                    <p:set>
-                                      <p:cBhvr>
-                                        <p:cTn id="6" dur="1" fill="hold">
-                                          <p:stCondLst>
-                                            <p:cond delay="0"/>
-                                          </p:stCondLst>
-                                        </p:cTn>
-                                        <p:tgtEl>
-                                          <p:spTgt spid="3"/>
-                                        </p:tgtEl>
-                                        <p:attrNameLst>
-                                          <p:attrName>style.visibility</p:attrName>
-                                        </p:attrNameLst>
-                                      </p:cBhvr>
-                                      <p:to>
-                                        <p:strVal val="visible"/>
-                                      </p:to>
-                                    </p:set>
-                                    <p:animEffect transition="in" filter="fade">
-                                      <p:cBhvr>
-                                        <p:cTn id="7" dur="500"/>
-                                        <p:tgtEl>
-                                          <p:spTgt spid="3"/>
-                                        </p:tgtEl>
-                                      </p:cBhvr>
-                                    </p:animEffect>
-                                  </p:childTnLst>
-                                </p:cTn>
-                              </p:par>
-                            </p:childTnLst>
-                          </p:cTn>
-                        </p:par>
-                      </p:childTnLst>
-                    </p:cTn>
-                  </p:par>
-                  <p:par>
-                    <p:cTn id="8" fill="hold">
-                      <p:stCondLst>
-                        <p:cond delay="indefinite"/>
-                      </p:stCondLst>
-                      <p:childTnLst>
-                        <p:par>
-                          <p:cTn id="9" fill="hold">
-                            <p:stCondLst>
-                              <p:cond delay="0"/>
-                            </p:stCondLst>
-                            <p:childTnLst>
-                              <p:par>
-                                <p:cTn id="10" presetID="10" presetClass="entr" presetSubtype="0" fill="hold" grpId="0" nodeType="clickEffect">
-                                  <p:stCondLst>
-                                    <p:cond delay="0"/>
-                                  </p:stCondLst>
-                                  <p:childTnLst>
-                                    <p:set>
-                                      <p:cBhvr>
-                                        <p:cTn id="11" dur="1" fill="hold">
-                                          <p:stCondLst>
-                                            <p:cond delay="0"/>
-                                          </p:stCondLst>
-                                        </p:cTn>
-                                        <p:tgtEl>
-                                          <p:spTgt spid="11"/>
-                                        </p:tgtEl>
-                                        <p:attrNameLst>
-                                          <p:attrName>style.visibility</p:attrName>
-                                        </p:attrNameLst>
-                                      </p:cBhvr>
-                                      <p:to>
-                                        <p:strVal val="visible"/>
-                                      </p:to>
-                                    </p:set>
-                                    <p:animEffect transition="in" filter="fade">
-                                      <p:cBhvr>
-                                        <p:cTn id="12" dur="500"/>
-                                        <p:tgtEl>
-                                          <p:spTgt spid="11"/>
-                                        </p:tgtEl>
-                                      </p:cBhvr>
-                                    </p:animEffect>
-                                  </p:childTnLst>
-                                </p:cTn>
-                              </p:par>
-                              <p:par>
-                                <p:cTn id="13" presetID="10" presetClass="entr" presetSubtype="0" fill="hold" grpId="0" nodeType="withEffect">
-                                  <p:stCondLst>
-                                    <p:cond delay="0"/>
-                                  </p:stCondLst>
-                                  <p:childTnLst>
-                                    <p:set>
-                                      <p:cBhvr>
-                                        <p:cTn id="14" dur="1" fill="hold">
-                                          <p:stCondLst>
-                                            <p:cond delay="0"/>
-                                          </p:stCondLst>
-                                        </p:cTn>
-                                        <p:tgtEl>
-                                          <p:spTgt spid="5"/>
-                                        </p:tgtEl>
-                                        <p:attrNameLst>
-                                          <p:attrName>style.visibility</p:attrName>
-                                        </p:attrNameLst>
-                                      </p:cBhvr>
-                                      <p:to>
-                                        <p:strVal val="visible"/>
-                                      </p:to>
-                                    </p:set>
-                                    <p:animEffect transition="in" filter="fade">
-                                      <p:cBhvr>
-                                        <p:cTn id="15" dur="500"/>
-                                        <p:tgtEl>
-                                          <p:spTgt spid="5"/>
-                                        </p:tgtEl>
-                                      </p:cBhvr>
-                                    </p:animEffect>
-                                  </p:childTnLst>
-                                </p:cTn>
-                              </p:par>
-                            </p:childTnLst>
-                          </p:cTn>
-                        </p:par>
-                      </p:childTnLst>
-                    </p:cTn>
-                  </p:par>
-                  <p:par>
-                    <p:cTn id="16" fill="hold">
-                      <p:stCondLst>
-                        <p:cond delay="indefinite"/>
-                      </p:stCondLst>
-                      <p:childTnLst>
-                        <p:par>
-                          <p:cTn id="17" fill="hold">
-                            <p:stCondLst>
-                              <p:cond delay="0"/>
-                            </p:stCondLst>
-                            <p:childTnLst>
-                              <p:par>
-                                <p:cTn id="18" presetID="10" presetClass="entr" presetSubtype="0" fill="hold" grpId="0" nodeType="clickEffect">
-                                  <p:stCondLst>
-                                    <p:cond delay="0"/>
-                                  </p:stCondLst>
-                                  <p:childTnLst>
-                                    <p:set>
-                                      <p:cBhvr>
-                                        <p:cTn id="19" dur="1" fill="hold">
-                                          <p:stCondLst>
-                                            <p:cond delay="0"/>
-                                          </p:stCondLst>
-                                        </p:cTn>
-                                        <p:tgtEl>
-                                          <p:spTgt spid="7"/>
-                                        </p:tgtEl>
-                                        <p:attrNameLst>
-                                          <p:attrName>style.visibility</p:attrName>
-                                        </p:attrNameLst>
-                                      </p:cBhvr>
-                                      <p:to>
-                                        <p:strVal val="visible"/>
-                                      </p:to>
-                                    </p:set>
-                                    <p:animEffect transition="in" filter="fade">
-                                      <p:cBhvr>
-                                        <p:cTn id="20" dur="500"/>
-                                        <p:tgtEl>
-                                          <p:spTgt spid="7"/>
-                                        </p:tgtEl>
-                                      </p:cBhvr>
-                                    </p:animEffect>
-                                  </p:childTnLst>
-                                </p:cTn>
-                              </p:par>
-                            </p:childTnLst>
-                          </p:cTn>
-                        </p:par>
-                      </p:childTnLst>
-                    </p:cTn>
-                  </p:par>
-                  <p:par>
-                    <p:cTn id="21" fill="hold">
-                      <p:stCondLst>
-                        <p:cond delay="indefinite"/>
-                      </p:stCondLst>
-                      <p:childTnLst>
-                        <p:par>
-                          <p:cTn id="22" fill="hold">
-                            <p:stCondLst>
-                              <p:cond delay="0"/>
-                            </p:stCondLst>
-                            <p:childTnLst>
-                              <p:par>
-                                <p:cTn id="23" presetID="10" presetClass="entr" presetSubtype="0" fill="hold" grpId="0" nodeType="clickEffect">
-                                  <p:stCondLst>
-                                    <p:cond delay="0"/>
-                                  </p:stCondLst>
-                                  <p:childTnLst>
-                                    <p:set>
-                                      <p:cBhvr>
-                                        <p:cTn id="24" dur="1" fill="hold">
-                                          <p:stCondLst>
-                                            <p:cond delay="0"/>
-                                          </p:stCondLst>
-                                        </p:cTn>
-                                        <p:tgtEl>
-                                          <p:spTgt spid="4"/>
-                                        </p:tgtEl>
-                                        <p:attrNameLst>
-                                          <p:attrName>style.visibility</p:attrName>
-                                        </p:attrNameLst>
-                                      </p:cBhvr>
-                                      <p:to>
-                                        <p:strVal val="visible"/>
-                                      </p:to>
-                                    </p:set>
-                                    <p:animEffect transition="in" filter="fade">
-                                      <p:cBhvr>
-                                        <p:cTn id="25" dur="500"/>
-                                        <p:tgtEl>
-                                          <p:spTgt spid="4"/>
-                                        </p:tgtEl>
-                                      </p:cBhvr>
-                                    </p:animEffect>
-                                  </p:childTnLst>
-                                </p:cTn>
-                              </p:par>
-                              <p:par>
-                                <p:cTn id="26" presetID="10" presetClass="entr" presetSubtype="0" fill="hold" grpId="0" nodeType="withEffect">
-                                  <p:stCondLst>
-                                    <p:cond delay="0"/>
-                                  </p:stCondLst>
-                                  <p:childTnLst>
-                                    <p:set>
-                                      <p:cBhvr>
-                                        <p:cTn id="27" dur="1" fill="hold">
-                                          <p:stCondLst>
-                                            <p:cond delay="0"/>
-                                          </p:stCondLst>
-                                        </p:cTn>
-                                        <p:tgtEl>
-                                          <p:spTgt spid="14"/>
-                                        </p:tgtEl>
-                                        <p:attrNameLst>
-                                          <p:attrName>style.visibility</p:attrName>
-                                        </p:attrNameLst>
-                                      </p:cBhvr>
-                                      <p:to>
-                                        <p:strVal val="visible"/>
-                                      </p:to>
-                                    </p:set>
-                                    <p:animEffect transition="in" filter="fade">
-                                      <p:cBhvr>
-                                        <p:cTn id="28" dur="500"/>
-                                        <p:tgtEl>
-                                          <p:spTgt spid="14"/>
-                                        </p:tgtEl>
-                                      </p:cBhvr>
-                                    </p:animEffect>
-                                  </p:childTnLst>
-                                </p:cTn>
-                              </p:par>
-                            </p:childTnLst>
-                          </p:cTn>
-                        </p:par>
-                      </p:childTnLst>
-                    </p:cTn>
-                  </p:par>
-                  <p:par>
-                    <p:cTn id="29" fill="hold">
-                      <p:stCondLst>
-                        <p:cond delay="indefinite"/>
-                      </p:stCondLst>
-                      <p:childTnLst>
-                        <p:par>
-                          <p:cTn id="30" fill="hold">
-                            <p:stCondLst>
-                              <p:cond delay="0"/>
-                            </p:stCondLst>
-                            <p:childTnLst>
-                              <p:par>
-                                <p:cTn id="31" presetID="10" presetClass="entr" presetSubtype="0" fill="hold" grpId="0" nodeType="clickEffect">
-                                  <p:stCondLst>
-                                    <p:cond delay="0"/>
-                                  </p:stCondLst>
-                                  <p:childTnLst>
-                                    <p:set>
-                                      <p:cBhvr>
-                                        <p:cTn id="32" dur="1" fill="hold">
-                                          <p:stCondLst>
-                                            <p:cond delay="0"/>
-                                          </p:stCondLst>
-                                        </p:cTn>
-                                        <p:tgtEl>
-                                          <p:spTgt spid="12"/>
-                                        </p:tgtEl>
-                                        <p:attrNameLst>
-                                          <p:attrName>style.visibility</p:attrName>
-                                        </p:attrNameLst>
-                                      </p:cBhvr>
-                                      <p:to>
-                                        <p:strVal val="visible"/>
-                                      </p:to>
-                                    </p:set>
-                                    <p:animEffect transition="in" filter="fade">
-                                      <p:cBhvr>
-                                        <p:cTn id="33" dur="500"/>
-                                        <p:tgtEl>
-                                          <p:spTgt spid="12"/>
-                                        </p:tgtEl>
-                                      </p:cBhvr>
-                                    </p:animEffect>
-                                  </p:childTnLst>
-                                </p:cTn>
-                              </p:par>
-                            </p:childTnLst>
-                          </p:cTn>
-                        </p:par>
-                      </p:childTnLst>
-                    </p:cTn>
-                  </p:par>
-                  <p:par>
-                    <p:cTn id="34" fill="hold">
-                      <p:stCondLst>
-                        <p:cond delay="indefinite"/>
-                      </p:stCondLst>
-                      <p:childTnLst>
-                        <p:par>
-                          <p:cTn id="35" fill="hold">
-                            <p:stCondLst>
-                              <p:cond delay="0"/>
-                            </p:stCondLst>
-                            <p:childTnLst>
-                              <p:par>
-                                <p:cTn id="36" presetID="10" presetClass="entr" presetSubtype="0" fill="hold" nodeType="clickEffect">
-                                  <p:stCondLst>
-                                    <p:cond delay="0"/>
-                                  </p:stCondLst>
-                                  <p:childTnLst>
-                                    <p:set>
-                                      <p:cBhvr>
-                                        <p:cTn id="37" dur="1" fill="hold">
-                                          <p:stCondLst>
-                                            <p:cond delay="0"/>
-                                          </p:stCondLst>
-                                        </p:cTn>
-                                        <p:tgtEl>
-                                          <p:spTgt spid="16"/>
-                                        </p:tgtEl>
-                                        <p:attrNameLst>
-                                          <p:attrName>style.visibility</p:attrName>
-                                        </p:attrNameLst>
-                                      </p:cBhvr>
-                                      <p:to>
-                                        <p:strVal val="visible"/>
-                                      </p:to>
-                                    </p:set>
-                                    <p:animEffect transition="in" filter="fade">
-                                      <p:cBhvr>
-                                        <p:cTn id="38" dur="500"/>
-                                        <p:tgtEl>
-                                          <p:spTgt spid="16"/>
-                                        </p:tgtEl>
-                                      </p:cBhvr>
-                                    </p:animEffect>
-                                  </p:childTnLst>
-                                </p:cTn>
-                              </p:par>
-                              <p:par>
-                                <p:cTn id="39" presetID="10" presetClass="entr" presetSubtype="0" fill="hold" grpId="0" nodeType="withEffect">
-                                  <p:stCondLst>
-                                    <p:cond delay="0"/>
-                                  </p:stCondLst>
-                                  <p:childTnLst>
-                                    <p:set>
-                                      <p:cBhvr>
-                                        <p:cTn id="40" dur="1" fill="hold">
-                                          <p:stCondLst>
-                                            <p:cond delay="0"/>
-                                          </p:stCondLst>
-                                        </p:cTn>
-                                        <p:tgtEl>
-                                          <p:spTgt spid="19"/>
-                                        </p:tgtEl>
-                                        <p:attrNameLst>
-                                          <p:attrName>style.visibility</p:attrName>
-                                        </p:attrNameLst>
-                                      </p:cBhvr>
-                                      <p:to>
-                                        <p:strVal val="visible"/>
-                                      </p:to>
-                                    </p:set>
-                                    <p:animEffect transition="in" filter="fade">
-                                      <p:cBhvr>
-                                        <p:cTn id="41" dur="500"/>
-                                        <p:tgtEl>
-                                          <p:spTgt spid="19"/>
-                                        </p:tgtEl>
-                                      </p:cBhvr>
-                                    </p:animEffect>
-                                  </p:childTnLst>
-                                </p:cTn>
-                              </p:par>
-                            </p:childTnLst>
-                          </p:cTn>
-                        </p:par>
-                      </p:childTnLst>
-                    </p:cTn>
-                  </p:par>
-                  <p:par>
-                    <p:cTn id="42" fill="hold">
-                      <p:stCondLst>
-                        <p:cond delay="indefinite"/>
-                      </p:stCondLst>
-                      <p:childTnLst>
-                        <p:par>
-                          <p:cTn id="43" fill="hold">
-                            <p:stCondLst>
-                              <p:cond delay="0"/>
-                            </p:stCondLst>
-                            <p:childTnLst>
-                              <p:par>
-                                <p:cTn id="44" presetID="10" presetClass="entr" presetSubtype="0" fill="hold" grpId="0" nodeType="clickEffect">
-                                  <p:stCondLst>
-                                    <p:cond delay="0"/>
-                                  </p:stCondLst>
-                                  <p:childTnLst>
-                                    <p:set>
-                                      <p:cBhvr>
-                                        <p:cTn id="45" dur="1" fill="hold">
-                                          <p:stCondLst>
-                                            <p:cond delay="0"/>
-                                          </p:stCondLst>
-                                        </p:cTn>
-                                        <p:tgtEl>
-                                          <p:spTgt spid="22"/>
-                                        </p:tgtEl>
-                                        <p:attrNameLst>
-                                          <p:attrName>style.visibility</p:attrName>
-                                        </p:attrNameLst>
-                                      </p:cBhvr>
-                                      <p:to>
-                                        <p:strVal val="visible"/>
-                                      </p:to>
-                                    </p:set>
-                                    <p:animEffect transition="in" filter="fade">
-                                      <p:cBhvr>
-                                        <p:cTn id="46" dur="500"/>
-                                        <p:tgtEl>
-                                          <p:spTgt spid="22"/>
-                                        </p:tgtEl>
-                                      </p:cBhvr>
-                                    </p:animEffect>
-                                  </p:childTnLst>
-                                </p:cTn>
-                              </p:par>
-                            </p:childTnLst>
-                          </p:cTn>
-                        </p:par>
-                      </p:childTnLst>
-                    </p:cTn>
-                  </p:par>
-                  <p:par>
-                    <p:cTn id="47" fill="hold">
-                      <p:stCondLst>
-                        <p:cond delay="indefinite"/>
-                      </p:stCondLst>
-                      <p:childTnLst>
-                        <p:par>
-                          <p:cTn id="48" fill="hold">
-                            <p:stCondLst>
-                              <p:cond delay="0"/>
-                            </p:stCondLst>
-                            <p:childTnLst>
-                              <p:par>
-                                <p:cTn id="49" presetID="10" presetClass="entr" presetSubtype="0" fill="hold" grpId="0" nodeType="clickEffect">
-                                  <p:stCondLst>
-                                    <p:cond delay="0"/>
-                                  </p:stCondLst>
-                                  <p:childTnLst>
-                                    <p:set>
-                                      <p:cBhvr>
-                                        <p:cTn id="50" dur="1" fill="hold">
-                                          <p:stCondLst>
-                                            <p:cond delay="0"/>
-                                          </p:stCondLst>
-                                        </p:cTn>
-                                        <p:tgtEl>
-                                          <p:spTgt spid="23"/>
-                                        </p:tgtEl>
-                                        <p:attrNameLst>
-                                          <p:attrName>style.visibility</p:attrName>
-                                        </p:attrNameLst>
-                                      </p:cBhvr>
-                                      <p:to>
-                                        <p:strVal val="visible"/>
-                                      </p:to>
-                                    </p:set>
-                                    <p:animEffect transition="in" filter="fade">
-                                      <p:cBhvr>
-                                        <p:cTn id="51" dur="500"/>
-                                        <p:tgtEl>
-                                          <p:spTgt spid="23"/>
-                                        </p:tgtEl>
-                                      </p:cBhvr>
-                                    </p:animEffect>
-                                  </p:childTnLst>
-                                </p:cTn>
-                              </p:par>
-                              <p:par>
-                                <p:cTn id="52" presetID="10" presetClass="entr" presetSubtype="0" fill="hold" grpId="0" nodeType="withEffect">
-                                  <p:stCondLst>
-                                    <p:cond delay="0"/>
-                                  </p:stCondLst>
-                                  <p:childTnLst>
-                                    <p:set>
-                                      <p:cBhvr>
-                                        <p:cTn id="53" dur="1" fill="hold">
-                                          <p:stCondLst>
-                                            <p:cond delay="0"/>
-                                          </p:stCondLst>
-                                        </p:cTn>
-                                        <p:tgtEl>
-                                          <p:spTgt spid="24"/>
-                                        </p:tgtEl>
-                                        <p:attrNameLst>
-                                          <p:attrName>style.visibility</p:attrName>
-                                        </p:attrNameLst>
-                                      </p:cBhvr>
-                                      <p:to>
-                                        <p:strVal val="visible"/>
-                                      </p:to>
-                                    </p:set>
-                                    <p:animEffect transition="in" filter="fade">
-                                      <p:cBhvr>
-                                        <p:cTn id="54" dur="500"/>
-                                        <p:tgtEl>
-                                          <p:spTgt spid="24"/>
-                                        </p:tgtEl>
-                                      </p:cBhvr>
-                                    </p:animEffect>
-                                  </p:childTnLst>
-                                </p:cTn>
-                              </p:par>
-                            </p:childTnLst>
-                          </p:cTn>
-                        </p:par>
-                      </p:childTnLst>
-                    </p:cTn>
-                  </p:par>
-                  <p:par>
-                    <p:cTn id="55" fill="hold">
-                      <p:stCondLst>
-                        <p:cond delay="indefinite"/>
-                      </p:stCondLst>
-                      <p:childTnLst>
-                        <p:par>
-                          <p:cTn id="56" fill="hold">
-                            <p:stCondLst>
-                              <p:cond delay="0"/>
-                            </p:stCondLst>
-                            <p:childTnLst>
-                              <p:par>
-                                <p:cTn id="57" presetID="10" presetClass="entr" presetSubtype="0" fill="hold" nodeType="clickEffect">
-                                  <p:stCondLst>
-                                    <p:cond delay="0"/>
-                                  </p:stCondLst>
-                                  <p:childTnLst>
-                                    <p:set>
-                                      <p:cBhvr>
-                                        <p:cTn id="58" dur="1" fill="hold">
-                                          <p:stCondLst>
-                                            <p:cond delay="0"/>
-                                          </p:stCondLst>
-                                        </p:cTn>
-                                        <p:tgtEl>
-                                          <p:spTgt spid="25"/>
-                                        </p:tgtEl>
-                                        <p:attrNameLst>
-                                          <p:attrName>style.visibility</p:attrName>
-                                        </p:attrNameLst>
-                                      </p:cBhvr>
-                                      <p:to>
-                                        <p:strVal val="visible"/>
-                                      </p:to>
-                                    </p:set>
-                                    <p:animEffect transition="in" filter="fade">
-                                      <p:cBhvr>
-                                        <p:cTn id="59" dur="500"/>
-                                        <p:tgtEl>
-                                          <p:spTgt spid="25"/>
-                                        </p:tgtEl>
-                                      </p:cBhvr>
-                                    </p:animEffect>
-                                  </p:childTnLst>
-                                </p:cTn>
-                              </p:par>
-                              <p:par>
-                                <p:cTn id="60" presetID="10" presetClass="entr" presetSubtype="0" fill="hold" grpId="0" nodeType="withEffect">
-                                  <p:stCondLst>
-                                    <p:cond delay="0"/>
-                                  </p:stCondLst>
-                                  <p:childTnLst>
-                                    <p:set>
-                                      <p:cBhvr>
-                                        <p:cTn id="61" dur="1" fill="hold">
-                                          <p:stCondLst>
-                                            <p:cond delay="0"/>
-                                          </p:stCondLst>
-                                        </p:cTn>
-                                        <p:tgtEl>
-                                          <p:spTgt spid="40"/>
-                                        </p:tgtEl>
-                                        <p:attrNameLst>
-                                          <p:attrName>style.visibility</p:attrName>
-                                        </p:attrNameLst>
-                                      </p:cBhvr>
-                                      <p:to>
-                                        <p:strVal val="visible"/>
-                                      </p:to>
-                                    </p:set>
-                                    <p:animEffect transition="in" filter="fade">
-                                      <p:cBhvr>
-                                        <p:cTn id="62" dur="500"/>
-                                        <p:tgtEl>
-                                          <p:spTgt spid="40"/>
-                                        </p:tgtEl>
-                                      </p:cBhvr>
-                                    </p:animEffect>
-                                  </p:childTnLst>
-                                </p:cTn>
-                              </p:par>
-                            </p:childTnLst>
-                          </p:cTn>
-                        </p:par>
-                      </p:childTnLst>
-                    </p:cTn>
-                  </p:par>
-                </p:childTnLst>
-              </p:cTn>
-              <p:prevCondLst>
-                <p:cond evt="onPrev" delay="0">
-                  <p:tgtEl>
-                    <p:sldTgt/>
-                  </p:tgtEl>
-                </p:cond>
-              </p:prevCondLst>
-              <p:nextCondLst>
-                <p:cond evt="onNext" delay="0">
-                  <p:tgtEl>
-                    <p:sldTgt/>
-                  </p:tgtEl>
-                </p:cond>
-              </p:nextCondLst>
-            </p:seq>
-          </p:childTnLst>
-        </p:cTn>
-      </p:par>
-    </p:tnLst>
-    <p:bldLst>
-      <p:bldP spid="3" grpId="0" animBg="1"/>
-      <p:bldP spid="4" grpId="0" animBg="1"/>
-      <p:bldP spid="5" grpId="0"/>
-      <p:bldP spid="7" grpId="0" animBg="1"/>
-      <p:bldP spid="11" grpId="0" animBg="1"/>
-      <p:bldP spid="12" grpId="0" animBg="1"/>
-      <p:bldP spid="14" grpId="0"/>
-      <p:bldP spid="19" grpId="0"/>
-      <p:bldP spid="22" grpId="0" animBg="1"/>
-      <p:bldP spid="23" grpId="0" animBg="1"/>
-      <p:bldP spid="24" grpId="0"/>
-      <p:bldP spid="40" grpId="0"/>
-    </p:bldLst>
-  </p:timing>
-</p:sld>
-</file>
-
-<file path=ppt/slides/slide32.xml><?xml version="1.0" encoding="utf-8"?>
-<p:sld xmlns:a="http://schemas.openxmlformats.org/drawingml/2006/main" xmlns:r="http://schemas.openxmlformats.org/officeDocument/2006/relationships" xmlns:p="http://schemas.openxmlformats.org/presentationml/2006/main">
-  <p:cSld>
-    <p:spTree>
-      <p:nvGrpSpPr>
-        <p:cNvPr id="1" name=""/>
-        <p:cNvGrpSpPr/>
-        <p:nvPr/>
-      </p:nvGrpSpPr>
-      <p:grpSpPr>
-        <a:xfrm>
-          <a:off x="0" y="0"/>
-          <a:ext cx="0" cy="0"/>
-          <a:chOff x="0" y="0"/>
-          <a:chExt cx="0" cy="0"/>
-        </a:xfrm>
-      </p:grpSpPr>
-      <p:sp>
-        <p:nvSpPr>
-          <p:cNvPr id="2" name="Titolo 1"/>
-          <p:cNvSpPr txBox="1">
-            <a:spLocks/>
-          </p:cNvSpPr>
-          <p:nvPr/>
-        </p:nvSpPr>
-        <p:spPr>
-          <a:xfrm>
-            <a:off x="467544" y="211420"/>
-            <a:ext cx="8229600" cy="857250"/>
-          </a:xfrm>
-          <a:prstGeom prst="rect">
-            <a:avLst/>
-          </a:prstGeom>
-        </p:spPr>
-        <p:txBody>
-          <a:bodyPr vert="horz" lIns="0" rIns="0" bIns="0" anchor="b">
-            <a:normAutofit/>
-          </a:bodyPr>
-          <a:lstStyle>
-            <a:lvl1pPr algn="l" rtl="0" eaLnBrk="1" latinLnBrk="0" hangingPunct="1">
-              <a:spcBef>
-                <a:spcPct val="0"/>
-              </a:spcBef>
-              <a:buNone/>
-              <a:defRPr kumimoji="0" sz="5000" b="0" kern="1200">
-                <a:ln>
-                  <a:noFill/>
-                </a:ln>
-                <a:solidFill>
-                  <a:schemeClr val="tx2"/>
-                </a:solidFill>
-                <a:effectLst/>
-                <a:latin typeface="+mj-lt"/>
-                <a:ea typeface="+mj-ea"/>
-                <a:cs typeface="+mj-cs"/>
-              </a:defRPr>
-            </a:lvl1pPr>
-          </a:lstStyle>
-          <a:p>
-            <a:pPr algn="ctr"/>
-            <a:r>
-              <a:rPr lang="en-US" sz="4000" dirty="0" smtClean="0">
-                <a:solidFill>
-                  <a:schemeClr val="accent2">
-                    <a:lumMod val="75000"/>
-                  </a:schemeClr>
-                </a:solidFill>
-                <a:latin typeface="Cambria" panose="02040503050406030204" pitchFamily="18" charset="0"/>
-              </a:rPr>
-              <a:t>Publish-Subscribe pattern</a:t>
-            </a:r>
-            <a:endParaRPr lang="en-US" sz="4000" dirty="0">
-              <a:solidFill>
-                <a:schemeClr val="accent2">
-                  <a:lumMod val="75000"/>
-                </a:schemeClr>
-              </a:solidFill>
-            </a:endParaRPr>
-          </a:p>
-        </p:txBody>
-      </p:sp>
-      <p:sp>
-        <p:nvSpPr>
-          <p:cNvPr id="3" name="CasellaDiTesto 2"/>
-          <p:cNvSpPr txBox="1"/>
-          <p:nvPr/>
-        </p:nvSpPr>
-        <p:spPr>
-          <a:xfrm>
             <a:off x="1403648" y="2387186"/>
             <a:ext cx="1872208" cy="1224136"/>
           </a:xfrm>
@@ -17996,7 +17892,7 @@
 </p:sld>
 </file>
 
-<file path=ppt/slides/slide33.xml><?xml version="1.0" encoding="utf-8"?>
+<file path=ppt/slides/slide32.xml><?xml version="1.0" encoding="utf-8"?>
 <p:sld xmlns:a="http://schemas.openxmlformats.org/drawingml/2006/main" xmlns:r="http://schemas.openxmlformats.org/officeDocument/2006/relationships" xmlns:p="http://schemas.openxmlformats.org/presentationml/2006/main">
   <p:cSld>
     <p:spTree>
@@ -18183,7 +18079,7 @@
 </p:sld>
 </file>
 
-<file path=ppt/slides/slide34.xml><?xml version="1.0" encoding="utf-8"?>
+<file path=ppt/slides/slide33.xml><?xml version="1.0" encoding="utf-8"?>
 <p:sld xmlns:a="http://schemas.openxmlformats.org/drawingml/2006/main" xmlns:r="http://schemas.openxmlformats.org/officeDocument/2006/relationships" xmlns:p="http://schemas.openxmlformats.org/presentationml/2006/main">
   <p:cSld>
     <p:spTree>
@@ -18376,7 +18272,7 @@
 </p:sld>
 </file>
 
-<file path=ppt/slides/slide35.xml><?xml version="1.0" encoding="utf-8"?>
+<file path=ppt/slides/slide34.xml><?xml version="1.0" encoding="utf-8"?>
 <p:sld xmlns:a="http://schemas.openxmlformats.org/drawingml/2006/main" xmlns:r="http://schemas.openxmlformats.org/officeDocument/2006/relationships" xmlns:p="http://schemas.openxmlformats.org/presentationml/2006/main">
   <p:cSld>
     <p:spTree>
@@ -18476,7 +18372,7 @@
 </p:sld>
 </file>
 
-<file path=ppt/slides/slide36.xml><?xml version="1.0" encoding="utf-8"?>
+<file path=ppt/slides/slide35.xml><?xml version="1.0" encoding="utf-8"?>
 <p:sld xmlns:a="http://schemas.openxmlformats.org/drawingml/2006/main" xmlns:r="http://schemas.openxmlformats.org/officeDocument/2006/relationships" xmlns:p="http://schemas.openxmlformats.org/presentationml/2006/main">
   <p:cSld>
     <p:spTree>
@@ -18997,7 +18893,7 @@
 </p:sld>
 </file>
 
-<file path=ppt/slides/slide37.xml><?xml version="1.0" encoding="utf-8"?>
+<file path=ppt/slides/slide36.xml><?xml version="1.0" encoding="utf-8"?>
 <p:sld xmlns:a="http://schemas.openxmlformats.org/drawingml/2006/main" xmlns:r="http://schemas.openxmlformats.org/officeDocument/2006/relationships" xmlns:p="http://schemas.openxmlformats.org/presentationml/2006/main">
   <p:cSld>
     <p:spTree>
@@ -19552,7 +19448,7 @@
 </p:sld>
 </file>
 
-<file path=ppt/slides/slide38.xml><?xml version="1.0" encoding="utf-8"?>
+<file path=ppt/slides/slide37.xml><?xml version="1.0" encoding="utf-8"?>
 <p:sld xmlns:a="http://schemas.openxmlformats.org/drawingml/2006/main" xmlns:r="http://schemas.openxmlformats.org/officeDocument/2006/relationships" xmlns:p="http://schemas.openxmlformats.org/presentationml/2006/main">
   <p:cSld>
     <p:spTree>
@@ -20209,7 +20105,7 @@
 </p:sld>
 </file>
 
-<file path=ppt/slides/slide39.xml><?xml version="1.0" encoding="utf-8"?>
+<file path=ppt/slides/slide38.xml><?xml version="1.0" encoding="utf-8"?>
 <p:sld xmlns:a="http://schemas.openxmlformats.org/drawingml/2006/main" xmlns:r="http://schemas.openxmlformats.org/officeDocument/2006/relationships" xmlns:p="http://schemas.openxmlformats.org/presentationml/2006/main">
   <p:cSld>
     <p:spTree>
@@ -20896,6 +20792,496 @@
       <p:bldP spid="11" grpId="0" animBg="1"/>
       <p:bldP spid="12" grpId="0" animBg="1"/>
       <p:bldP spid="13" grpId="0"/>
+    </p:bldLst>
+  </p:timing>
+</p:sld>
+</file>
+
+<file path=ppt/slides/slide39.xml><?xml version="1.0" encoding="utf-8"?>
+<p:sld xmlns:a="http://schemas.openxmlformats.org/drawingml/2006/main" xmlns:r="http://schemas.openxmlformats.org/officeDocument/2006/relationships" xmlns:p="http://schemas.openxmlformats.org/presentationml/2006/main">
+  <p:cSld>
+    <p:spTree>
+      <p:nvGrpSpPr>
+        <p:cNvPr id="1" name=""/>
+        <p:cNvGrpSpPr/>
+        <p:nvPr/>
+      </p:nvGrpSpPr>
+      <p:grpSpPr>
+        <a:xfrm>
+          <a:off x="0" y="0"/>
+          <a:ext cx="0" cy="0"/>
+          <a:chOff x="0" y="0"/>
+          <a:chExt cx="0" cy="0"/>
+        </a:xfrm>
+      </p:grpSpPr>
+      <p:pic>
+        <p:nvPicPr>
+          <p:cNvPr id="3074" name="Picture 2" descr="Level 3"/>
+          <p:cNvPicPr>
+            <a:picLocks noChangeAspect="1" noChangeArrowheads="1"/>
+          </p:cNvPicPr>
+          <p:nvPr/>
+        </p:nvPicPr>
+        <p:blipFill>
+          <a:blip r:embed="rId2">
+            <a:extLst>
+              <a:ext uri="{28A0092B-C50C-407E-A947-70E740481C1C}">
+                <a14:useLocalDpi xmlns:a14="http://schemas.microsoft.com/office/drawing/2010/main" val="0"/>
+              </a:ext>
+            </a:extLst>
+          </a:blip>
+          <a:srcRect l="5901" t="4904" r="15392" b="5534"/>
+          <a:stretch>
+            <a:fillRect/>
+          </a:stretch>
+        </p:blipFill>
+        <p:spPr bwMode="auto">
+          <a:xfrm>
+            <a:off x="914400" y="356923"/>
+            <a:ext cx="7202376" cy="4443677"/>
+          </a:xfrm>
+          <a:prstGeom prst="rect">
+            <a:avLst/>
+          </a:prstGeom>
+          <a:noFill/>
+          <a:ln>
+            <a:noFill/>
+          </a:ln>
+          <a:extLst>
+            <a:ext uri="{909E8E84-426E-40DD-AFC4-6F175D3DCCD1}">
+              <a14:hiddenFill xmlns:a14="http://schemas.microsoft.com/office/drawing/2010/main">
+                <a:solidFill>
+                  <a:srgbClr val="FFFFFF"/>
+                </a:solidFill>
+              </a14:hiddenFill>
+            </a:ext>
+            <a:ext uri="{91240B29-F687-4F45-9708-019B960494DF}">
+              <a14:hiddenLine xmlns:a14="http://schemas.microsoft.com/office/drawing/2010/main" w="9525">
+                <a:solidFill>
+                  <a:srgbClr val="000000"/>
+                </a:solidFill>
+                <a:miter lim="800000"/>
+                <a:headEnd/>
+                <a:tailEnd/>
+              </a14:hiddenLine>
+            </a:ext>
+          </a:extLst>
+        </p:spPr>
+      </p:pic>
+      <p:sp>
+        <p:nvSpPr>
+          <p:cNvPr id="5" name="CasellaDiTesto 4"/>
+          <p:cNvSpPr txBox="1"/>
+          <p:nvPr/>
+        </p:nvSpPr>
+        <p:spPr>
+          <a:xfrm>
+            <a:off x="4905237" y="585440"/>
+            <a:ext cx="2377306" cy="346249"/>
+          </a:xfrm>
+          <a:prstGeom prst="rect">
+            <a:avLst/>
+          </a:prstGeom>
+          <a:noFill/>
+        </p:spPr>
+        <p:txBody>
+          <a:bodyPr wrap="square" lIns="68580" tIns="34290" rIns="68580" bIns="34290" rtlCol="0">
+            <a:spAutoFit/>
+          </a:bodyPr>
+          <a:lstStyle/>
+          <a:p>
+            <a:r>
+              <a:rPr lang="en-US" b="1" dirty="0">
+                <a:latin typeface="Cambria" panose="02040503050406030204" pitchFamily="18" charset="0"/>
+              </a:rPr>
+              <a:t>Step 3:</a:t>
+            </a:r>
+            <a:r>
+              <a:rPr lang="en-US" dirty="0">
+                <a:latin typeface="Cambria" panose="02040503050406030204" pitchFamily="18" charset="0"/>
+              </a:rPr>
+              <a:t> </a:t>
+            </a:r>
+            <a:r>
+              <a:rPr lang="en-US" i="1" dirty="0" err="1">
+                <a:latin typeface="Cambria" panose="02040503050406030204" pitchFamily="18" charset="0"/>
+              </a:rPr>
+              <a:t>RidesManager</a:t>
+            </a:r>
+            <a:r>
+              <a:rPr lang="en-US" i="1" dirty="0">
+                <a:latin typeface="Cambria" panose="02040503050406030204" pitchFamily="18" charset="0"/>
+              </a:rPr>
+              <a:t>.</a:t>
+            </a:r>
+          </a:p>
+        </p:txBody>
+      </p:sp>
+      <p:sp>
+        <p:nvSpPr>
+          <p:cNvPr id="6" name="Ovale 5"/>
+          <p:cNvSpPr/>
+          <p:nvPr/>
+        </p:nvSpPr>
+        <p:spPr>
+          <a:xfrm>
+            <a:off x="1045162" y="1322616"/>
+            <a:ext cx="888275" cy="411979"/>
+          </a:xfrm>
+          <a:prstGeom prst="ellipse">
+            <a:avLst/>
+          </a:prstGeom>
+          <a:noFill/>
+          <a:ln w="57150">
+            <a:solidFill>
+              <a:srgbClr val="C00000"/>
+            </a:solidFill>
+          </a:ln>
+        </p:spPr>
+        <p:style>
+          <a:lnRef idx="2">
+            <a:schemeClr val="accent2">
+              <a:shade val="50000"/>
+            </a:schemeClr>
+          </a:lnRef>
+          <a:fillRef idx="1">
+            <a:schemeClr val="accent2"/>
+          </a:fillRef>
+          <a:effectRef idx="0">
+            <a:schemeClr val="accent2"/>
+          </a:effectRef>
+          <a:fontRef idx="minor">
+            <a:schemeClr val="lt1"/>
+          </a:fontRef>
+        </p:style>
+        <p:txBody>
+          <a:bodyPr lIns="68580" tIns="34290" rIns="68580" bIns="34290" rtlCol="0" anchor="ctr"/>
+          <a:lstStyle/>
+          <a:p>
+            <a:pPr algn="ctr"/>
+            <a:endParaRPr lang="en-US"/>
+          </a:p>
+        </p:txBody>
+      </p:sp>
+      <p:sp>
+        <p:nvSpPr>
+          <p:cNvPr id="7" name="Ovale 6"/>
+          <p:cNvSpPr/>
+          <p:nvPr/>
+        </p:nvSpPr>
+        <p:spPr>
+          <a:xfrm>
+            <a:off x="2841306" y="346585"/>
+            <a:ext cx="888275" cy="411979"/>
+          </a:xfrm>
+          <a:prstGeom prst="ellipse">
+            <a:avLst/>
+          </a:prstGeom>
+          <a:noFill/>
+          <a:ln w="57150">
+            <a:solidFill>
+              <a:srgbClr val="C00000"/>
+            </a:solidFill>
+          </a:ln>
+        </p:spPr>
+        <p:style>
+          <a:lnRef idx="2">
+            <a:schemeClr val="accent2">
+              <a:shade val="50000"/>
+            </a:schemeClr>
+          </a:lnRef>
+          <a:fillRef idx="1">
+            <a:schemeClr val="accent2"/>
+          </a:fillRef>
+          <a:effectRef idx="0">
+            <a:schemeClr val="accent2"/>
+          </a:effectRef>
+          <a:fontRef idx="minor">
+            <a:schemeClr val="lt1"/>
+          </a:fontRef>
+        </p:style>
+        <p:txBody>
+          <a:bodyPr lIns="68580" tIns="34290" rIns="68580" bIns="34290" rtlCol="0" anchor="ctr"/>
+          <a:lstStyle/>
+          <a:p>
+            <a:pPr algn="ctr"/>
+            <a:endParaRPr lang="en-US"/>
+          </a:p>
+        </p:txBody>
+      </p:sp>
+      <p:sp>
+        <p:nvSpPr>
+          <p:cNvPr id="8" name="CasellaDiTesto 7"/>
+          <p:cNvSpPr txBox="1"/>
+          <p:nvPr/>
+        </p:nvSpPr>
+        <p:spPr>
+          <a:xfrm>
+            <a:off x="117578" y="521075"/>
+            <a:ext cx="2743443" cy="530915"/>
+          </a:xfrm>
+          <a:prstGeom prst="rect">
+            <a:avLst/>
+          </a:prstGeom>
+          <a:noFill/>
+        </p:spPr>
+        <p:txBody>
+          <a:bodyPr wrap="none" lIns="68580" tIns="34290" rIns="68580" bIns="34290" rtlCol="0">
+            <a:spAutoFit/>
+          </a:bodyPr>
+          <a:lstStyle/>
+          <a:p>
+            <a:r>
+              <a:rPr lang="en-US" sz="1500" dirty="0">
+                <a:solidFill>
+                  <a:srgbClr val="FF0000"/>
+                </a:solidFill>
+                <a:latin typeface="Cambria" panose="02040503050406030204" pitchFamily="18" charset="0"/>
+              </a:rPr>
+              <a:t>Next step: </a:t>
+            </a:r>
+          </a:p>
+          <a:p>
+            <a:r>
+              <a:rPr lang="en-US" sz="1500" b="1" dirty="0">
+                <a:solidFill>
+                  <a:srgbClr val="FF0000"/>
+                </a:solidFill>
+                <a:latin typeface="Cambria" panose="02040503050406030204" pitchFamily="18" charset="0"/>
+              </a:rPr>
+              <a:t>Application Server </a:t>
+            </a:r>
+            <a:r>
+              <a:rPr lang="en-US" sz="1500" dirty="0">
+                <a:solidFill>
+                  <a:srgbClr val="FF0000"/>
+                </a:solidFill>
+                <a:latin typeface="Cambria" panose="02040503050406030204" pitchFamily="18" charset="0"/>
+              </a:rPr>
+              <a:t>Integration</a:t>
+            </a:r>
+          </a:p>
+        </p:txBody>
+      </p:sp>
+    </p:spTree>
+    <p:extLst>
+      <p:ext uri="{BB962C8B-B14F-4D97-AF65-F5344CB8AC3E}">
+        <p14:creationId xmlns:p14="http://schemas.microsoft.com/office/powerpoint/2010/main" val="2201781447"/>
+      </p:ext>
+    </p:extLst>
+  </p:cSld>
+  <p:clrMapOvr>
+    <a:masterClrMapping/>
+  </p:clrMapOvr>
+  <p:timing>
+    <p:tnLst>
+      <p:par>
+        <p:cTn id="1" dur="indefinite" restart="never" nodeType="tmRoot">
+          <p:childTnLst>
+            <p:seq concurrent="1" nextAc="seek">
+              <p:cTn id="2" dur="indefinite" nodeType="mainSeq">
+                <p:childTnLst>
+                  <p:par>
+                    <p:cTn id="3" fill="hold">
+                      <p:stCondLst>
+                        <p:cond delay="indefinite"/>
+                      </p:stCondLst>
+                      <p:childTnLst>
+                        <p:par>
+                          <p:cTn id="4" fill="hold">
+                            <p:stCondLst>
+                              <p:cond delay="0"/>
+                            </p:stCondLst>
+                            <p:childTnLst>
+                              <p:par>
+                                <p:cTn id="5" presetID="16" presetClass="entr" presetSubtype="21" fill="hold" nodeType="clickEffect">
+                                  <p:stCondLst>
+                                    <p:cond delay="0"/>
+                                  </p:stCondLst>
+                                  <p:childTnLst>
+                                    <p:set>
+                                      <p:cBhvr>
+                                        <p:cTn id="6" dur="1" fill="hold">
+                                          <p:stCondLst>
+                                            <p:cond delay="0"/>
+                                          </p:stCondLst>
+                                        </p:cTn>
+                                        <p:tgtEl>
+                                          <p:spTgt spid="3074"/>
+                                        </p:tgtEl>
+                                        <p:attrNameLst>
+                                          <p:attrName>style.visibility</p:attrName>
+                                        </p:attrNameLst>
+                                      </p:cBhvr>
+                                      <p:to>
+                                        <p:strVal val="visible"/>
+                                      </p:to>
+                                    </p:set>
+                                    <p:animEffect transition="in" filter="barn(inVertical)">
+                                      <p:cBhvr>
+                                        <p:cTn id="7" dur="500"/>
+                                        <p:tgtEl>
+                                          <p:spTgt spid="3074"/>
+                                        </p:tgtEl>
+                                      </p:cBhvr>
+                                    </p:animEffect>
+                                  </p:childTnLst>
+                                </p:cTn>
+                              </p:par>
+                            </p:childTnLst>
+                          </p:cTn>
+                        </p:par>
+                      </p:childTnLst>
+                    </p:cTn>
+                  </p:par>
+                  <p:par>
+                    <p:cTn id="8" fill="hold">
+                      <p:stCondLst>
+                        <p:cond delay="indefinite"/>
+                      </p:stCondLst>
+                      <p:childTnLst>
+                        <p:par>
+                          <p:cTn id="9" fill="hold">
+                            <p:stCondLst>
+                              <p:cond delay="0"/>
+                            </p:stCondLst>
+                            <p:childTnLst>
+                              <p:par>
+                                <p:cTn id="10" presetID="16" presetClass="entr" presetSubtype="21" fill="hold" grpId="0" nodeType="clickEffect">
+                                  <p:stCondLst>
+                                    <p:cond delay="0"/>
+                                  </p:stCondLst>
+                                  <p:childTnLst>
+                                    <p:set>
+                                      <p:cBhvr>
+                                        <p:cTn id="11" dur="1" fill="hold">
+                                          <p:stCondLst>
+                                            <p:cond delay="0"/>
+                                          </p:stCondLst>
+                                        </p:cTn>
+                                        <p:tgtEl>
+                                          <p:spTgt spid="6"/>
+                                        </p:tgtEl>
+                                        <p:attrNameLst>
+                                          <p:attrName>style.visibility</p:attrName>
+                                        </p:attrNameLst>
+                                      </p:cBhvr>
+                                      <p:to>
+                                        <p:strVal val="visible"/>
+                                      </p:to>
+                                    </p:set>
+                                    <p:animEffect transition="in" filter="barn(inVertical)">
+                                      <p:cBhvr>
+                                        <p:cTn id="12" dur="500"/>
+                                        <p:tgtEl>
+                                          <p:spTgt spid="6"/>
+                                        </p:tgtEl>
+                                      </p:cBhvr>
+                                    </p:animEffect>
+                                  </p:childTnLst>
+                                </p:cTn>
+                              </p:par>
+                              <p:par>
+                                <p:cTn id="13" presetID="16" presetClass="entr" presetSubtype="21" fill="hold" grpId="0" nodeType="withEffect">
+                                  <p:stCondLst>
+                                    <p:cond delay="0"/>
+                                  </p:stCondLst>
+                                  <p:childTnLst>
+                                    <p:set>
+                                      <p:cBhvr>
+                                        <p:cTn id="14" dur="1" fill="hold">
+                                          <p:stCondLst>
+                                            <p:cond delay="0"/>
+                                          </p:stCondLst>
+                                        </p:cTn>
+                                        <p:tgtEl>
+                                          <p:spTgt spid="7"/>
+                                        </p:tgtEl>
+                                        <p:attrNameLst>
+                                          <p:attrName>style.visibility</p:attrName>
+                                        </p:attrNameLst>
+                                      </p:cBhvr>
+                                      <p:to>
+                                        <p:strVal val="visible"/>
+                                      </p:to>
+                                    </p:set>
+                                    <p:animEffect transition="in" filter="barn(inVertical)">
+                                      <p:cBhvr>
+                                        <p:cTn id="15" dur="500"/>
+                                        <p:tgtEl>
+                                          <p:spTgt spid="7"/>
+                                        </p:tgtEl>
+                                      </p:cBhvr>
+                                    </p:animEffect>
+                                  </p:childTnLst>
+                                </p:cTn>
+                              </p:par>
+                              <p:par>
+                                <p:cTn id="16" presetID="10" presetClass="entr" presetSubtype="0" fill="hold" grpId="0" nodeType="withEffect">
+                                  <p:stCondLst>
+                                    <p:cond delay="0"/>
+                                  </p:stCondLst>
+                                  <p:childTnLst>
+                                    <p:set>
+                                      <p:cBhvr>
+                                        <p:cTn id="17" dur="1" fill="hold">
+                                          <p:stCondLst>
+                                            <p:cond delay="0"/>
+                                          </p:stCondLst>
+                                        </p:cTn>
+                                        <p:tgtEl>
+                                          <p:spTgt spid="8"/>
+                                        </p:tgtEl>
+                                        <p:attrNameLst>
+                                          <p:attrName>style.visibility</p:attrName>
+                                        </p:attrNameLst>
+                                      </p:cBhvr>
+                                      <p:to>
+                                        <p:strVal val="visible"/>
+                                      </p:to>
+                                    </p:set>
+                                    <p:animEffect transition="in" filter="fade">
+                                      <p:cBhvr>
+                                        <p:cTn id="18" dur="500"/>
+                                        <p:tgtEl>
+                                          <p:spTgt spid="8"/>
+                                        </p:tgtEl>
+                                      </p:cBhvr>
+                                    </p:animEffect>
+                                  </p:childTnLst>
+                                </p:cTn>
+                              </p:par>
+                            </p:childTnLst>
+                          </p:cTn>
+                        </p:par>
+                      </p:childTnLst>
+                    </p:cTn>
+                  </p:par>
+                </p:childTnLst>
+              </p:cTn>
+              <p:prevCondLst>
+                <p:cond evt="onPrev" delay="0">
+                  <p:tgtEl>
+                    <p:sldTgt/>
+                  </p:tgtEl>
+                </p:cond>
+              </p:prevCondLst>
+              <p:nextCondLst>
+                <p:cond evt="onNext" delay="0">
+                  <p:tgtEl>
+                    <p:sldTgt/>
+                  </p:tgtEl>
+                </p:cond>
+              </p:nextCondLst>
+            </p:seq>
+          </p:childTnLst>
+        </p:cTn>
+      </p:par>
+    </p:tnLst>
+    <p:bldLst>
+      <p:bldP spid="6" grpId="0" animBg="1"/>
+      <p:bldP spid="7" grpId="0" animBg="1"/>
+      <p:bldP spid="8" grpId="0"/>
     </p:bldLst>
   </p:timing>
 </p:sld>
@@ -21564,496 +21950,6 @@
       </p:grpSpPr>
       <p:pic>
         <p:nvPicPr>
-          <p:cNvPr id="3074" name="Picture 2" descr="Level 3"/>
-          <p:cNvPicPr>
-            <a:picLocks noChangeAspect="1" noChangeArrowheads="1"/>
-          </p:cNvPicPr>
-          <p:nvPr/>
-        </p:nvPicPr>
-        <p:blipFill>
-          <a:blip r:embed="rId2">
-            <a:extLst>
-              <a:ext uri="{28A0092B-C50C-407E-A947-70E740481C1C}">
-                <a14:useLocalDpi xmlns:a14="http://schemas.microsoft.com/office/drawing/2010/main" val="0"/>
-              </a:ext>
-            </a:extLst>
-          </a:blip>
-          <a:srcRect l="5901" t="4904" r="15392" b="5534"/>
-          <a:stretch>
-            <a:fillRect/>
-          </a:stretch>
-        </p:blipFill>
-        <p:spPr bwMode="auto">
-          <a:xfrm>
-            <a:off x="914400" y="356923"/>
-            <a:ext cx="7202376" cy="4443677"/>
-          </a:xfrm>
-          <a:prstGeom prst="rect">
-            <a:avLst/>
-          </a:prstGeom>
-          <a:noFill/>
-          <a:ln>
-            <a:noFill/>
-          </a:ln>
-          <a:extLst>
-            <a:ext uri="{909E8E84-426E-40DD-AFC4-6F175D3DCCD1}">
-              <a14:hiddenFill xmlns:a14="http://schemas.microsoft.com/office/drawing/2010/main">
-                <a:solidFill>
-                  <a:srgbClr val="FFFFFF"/>
-                </a:solidFill>
-              </a14:hiddenFill>
-            </a:ext>
-            <a:ext uri="{91240B29-F687-4F45-9708-019B960494DF}">
-              <a14:hiddenLine xmlns:a14="http://schemas.microsoft.com/office/drawing/2010/main" w="9525">
-                <a:solidFill>
-                  <a:srgbClr val="000000"/>
-                </a:solidFill>
-                <a:miter lim="800000"/>
-                <a:headEnd/>
-                <a:tailEnd/>
-              </a14:hiddenLine>
-            </a:ext>
-          </a:extLst>
-        </p:spPr>
-      </p:pic>
-      <p:sp>
-        <p:nvSpPr>
-          <p:cNvPr id="5" name="CasellaDiTesto 4"/>
-          <p:cNvSpPr txBox="1"/>
-          <p:nvPr/>
-        </p:nvSpPr>
-        <p:spPr>
-          <a:xfrm>
-            <a:off x="4905237" y="585440"/>
-            <a:ext cx="2377306" cy="346249"/>
-          </a:xfrm>
-          <a:prstGeom prst="rect">
-            <a:avLst/>
-          </a:prstGeom>
-          <a:noFill/>
-        </p:spPr>
-        <p:txBody>
-          <a:bodyPr wrap="square" lIns="68580" tIns="34290" rIns="68580" bIns="34290" rtlCol="0">
-            <a:spAutoFit/>
-          </a:bodyPr>
-          <a:lstStyle/>
-          <a:p>
-            <a:r>
-              <a:rPr lang="en-US" b="1" dirty="0">
-                <a:latin typeface="Cambria" panose="02040503050406030204" pitchFamily="18" charset="0"/>
-              </a:rPr>
-              <a:t>Step 3:</a:t>
-            </a:r>
-            <a:r>
-              <a:rPr lang="en-US" dirty="0">
-                <a:latin typeface="Cambria" panose="02040503050406030204" pitchFamily="18" charset="0"/>
-              </a:rPr>
-              <a:t> </a:t>
-            </a:r>
-            <a:r>
-              <a:rPr lang="en-US" i="1" dirty="0" err="1">
-                <a:latin typeface="Cambria" panose="02040503050406030204" pitchFamily="18" charset="0"/>
-              </a:rPr>
-              <a:t>RidesManager</a:t>
-            </a:r>
-            <a:r>
-              <a:rPr lang="en-US" i="1" dirty="0">
-                <a:latin typeface="Cambria" panose="02040503050406030204" pitchFamily="18" charset="0"/>
-              </a:rPr>
-              <a:t>.</a:t>
-            </a:r>
-          </a:p>
-        </p:txBody>
-      </p:sp>
-      <p:sp>
-        <p:nvSpPr>
-          <p:cNvPr id="6" name="Ovale 5"/>
-          <p:cNvSpPr/>
-          <p:nvPr/>
-        </p:nvSpPr>
-        <p:spPr>
-          <a:xfrm>
-            <a:off x="1045162" y="1322616"/>
-            <a:ext cx="888275" cy="411979"/>
-          </a:xfrm>
-          <a:prstGeom prst="ellipse">
-            <a:avLst/>
-          </a:prstGeom>
-          <a:noFill/>
-          <a:ln w="57150">
-            <a:solidFill>
-              <a:srgbClr val="C00000"/>
-            </a:solidFill>
-          </a:ln>
-        </p:spPr>
-        <p:style>
-          <a:lnRef idx="2">
-            <a:schemeClr val="accent2">
-              <a:shade val="50000"/>
-            </a:schemeClr>
-          </a:lnRef>
-          <a:fillRef idx="1">
-            <a:schemeClr val="accent2"/>
-          </a:fillRef>
-          <a:effectRef idx="0">
-            <a:schemeClr val="accent2"/>
-          </a:effectRef>
-          <a:fontRef idx="minor">
-            <a:schemeClr val="lt1"/>
-          </a:fontRef>
-        </p:style>
-        <p:txBody>
-          <a:bodyPr lIns="68580" tIns="34290" rIns="68580" bIns="34290" rtlCol="0" anchor="ctr"/>
-          <a:lstStyle/>
-          <a:p>
-            <a:pPr algn="ctr"/>
-            <a:endParaRPr lang="en-US"/>
-          </a:p>
-        </p:txBody>
-      </p:sp>
-      <p:sp>
-        <p:nvSpPr>
-          <p:cNvPr id="7" name="Ovale 6"/>
-          <p:cNvSpPr/>
-          <p:nvPr/>
-        </p:nvSpPr>
-        <p:spPr>
-          <a:xfrm>
-            <a:off x="2841306" y="346585"/>
-            <a:ext cx="888275" cy="411979"/>
-          </a:xfrm>
-          <a:prstGeom prst="ellipse">
-            <a:avLst/>
-          </a:prstGeom>
-          <a:noFill/>
-          <a:ln w="57150">
-            <a:solidFill>
-              <a:srgbClr val="C00000"/>
-            </a:solidFill>
-          </a:ln>
-        </p:spPr>
-        <p:style>
-          <a:lnRef idx="2">
-            <a:schemeClr val="accent2">
-              <a:shade val="50000"/>
-            </a:schemeClr>
-          </a:lnRef>
-          <a:fillRef idx="1">
-            <a:schemeClr val="accent2"/>
-          </a:fillRef>
-          <a:effectRef idx="0">
-            <a:schemeClr val="accent2"/>
-          </a:effectRef>
-          <a:fontRef idx="minor">
-            <a:schemeClr val="lt1"/>
-          </a:fontRef>
-        </p:style>
-        <p:txBody>
-          <a:bodyPr lIns="68580" tIns="34290" rIns="68580" bIns="34290" rtlCol="0" anchor="ctr"/>
-          <a:lstStyle/>
-          <a:p>
-            <a:pPr algn="ctr"/>
-            <a:endParaRPr lang="en-US"/>
-          </a:p>
-        </p:txBody>
-      </p:sp>
-      <p:sp>
-        <p:nvSpPr>
-          <p:cNvPr id="8" name="CasellaDiTesto 7"/>
-          <p:cNvSpPr txBox="1"/>
-          <p:nvPr/>
-        </p:nvSpPr>
-        <p:spPr>
-          <a:xfrm>
-            <a:off x="117578" y="521075"/>
-            <a:ext cx="2743443" cy="530915"/>
-          </a:xfrm>
-          <a:prstGeom prst="rect">
-            <a:avLst/>
-          </a:prstGeom>
-          <a:noFill/>
-        </p:spPr>
-        <p:txBody>
-          <a:bodyPr wrap="none" lIns="68580" tIns="34290" rIns="68580" bIns="34290" rtlCol="0">
-            <a:spAutoFit/>
-          </a:bodyPr>
-          <a:lstStyle/>
-          <a:p>
-            <a:r>
-              <a:rPr lang="en-US" sz="1500" dirty="0">
-                <a:solidFill>
-                  <a:srgbClr val="FF0000"/>
-                </a:solidFill>
-                <a:latin typeface="Cambria" panose="02040503050406030204" pitchFamily="18" charset="0"/>
-              </a:rPr>
-              <a:t>Next step: </a:t>
-            </a:r>
-          </a:p>
-          <a:p>
-            <a:r>
-              <a:rPr lang="en-US" sz="1500" b="1" dirty="0">
-                <a:solidFill>
-                  <a:srgbClr val="FF0000"/>
-                </a:solidFill>
-                <a:latin typeface="Cambria" panose="02040503050406030204" pitchFamily="18" charset="0"/>
-              </a:rPr>
-              <a:t>Application Server </a:t>
-            </a:r>
-            <a:r>
-              <a:rPr lang="en-US" sz="1500" dirty="0">
-                <a:solidFill>
-                  <a:srgbClr val="FF0000"/>
-                </a:solidFill>
-                <a:latin typeface="Cambria" panose="02040503050406030204" pitchFamily="18" charset="0"/>
-              </a:rPr>
-              <a:t>Integration</a:t>
-            </a:r>
-          </a:p>
-        </p:txBody>
-      </p:sp>
-    </p:spTree>
-    <p:extLst>
-      <p:ext uri="{BB962C8B-B14F-4D97-AF65-F5344CB8AC3E}">
-        <p14:creationId xmlns:p14="http://schemas.microsoft.com/office/powerpoint/2010/main" val="2201781447"/>
-      </p:ext>
-    </p:extLst>
-  </p:cSld>
-  <p:clrMapOvr>
-    <a:masterClrMapping/>
-  </p:clrMapOvr>
-  <p:timing>
-    <p:tnLst>
-      <p:par>
-        <p:cTn id="1" dur="indefinite" restart="never" nodeType="tmRoot">
-          <p:childTnLst>
-            <p:seq concurrent="1" nextAc="seek">
-              <p:cTn id="2" dur="indefinite" nodeType="mainSeq">
-                <p:childTnLst>
-                  <p:par>
-                    <p:cTn id="3" fill="hold">
-                      <p:stCondLst>
-                        <p:cond delay="indefinite"/>
-                      </p:stCondLst>
-                      <p:childTnLst>
-                        <p:par>
-                          <p:cTn id="4" fill="hold">
-                            <p:stCondLst>
-                              <p:cond delay="0"/>
-                            </p:stCondLst>
-                            <p:childTnLst>
-                              <p:par>
-                                <p:cTn id="5" presetID="16" presetClass="entr" presetSubtype="21" fill="hold" nodeType="clickEffect">
-                                  <p:stCondLst>
-                                    <p:cond delay="0"/>
-                                  </p:stCondLst>
-                                  <p:childTnLst>
-                                    <p:set>
-                                      <p:cBhvr>
-                                        <p:cTn id="6" dur="1" fill="hold">
-                                          <p:stCondLst>
-                                            <p:cond delay="0"/>
-                                          </p:stCondLst>
-                                        </p:cTn>
-                                        <p:tgtEl>
-                                          <p:spTgt spid="3074"/>
-                                        </p:tgtEl>
-                                        <p:attrNameLst>
-                                          <p:attrName>style.visibility</p:attrName>
-                                        </p:attrNameLst>
-                                      </p:cBhvr>
-                                      <p:to>
-                                        <p:strVal val="visible"/>
-                                      </p:to>
-                                    </p:set>
-                                    <p:animEffect transition="in" filter="barn(inVertical)">
-                                      <p:cBhvr>
-                                        <p:cTn id="7" dur="500"/>
-                                        <p:tgtEl>
-                                          <p:spTgt spid="3074"/>
-                                        </p:tgtEl>
-                                      </p:cBhvr>
-                                    </p:animEffect>
-                                  </p:childTnLst>
-                                </p:cTn>
-                              </p:par>
-                            </p:childTnLst>
-                          </p:cTn>
-                        </p:par>
-                      </p:childTnLst>
-                    </p:cTn>
-                  </p:par>
-                  <p:par>
-                    <p:cTn id="8" fill="hold">
-                      <p:stCondLst>
-                        <p:cond delay="indefinite"/>
-                      </p:stCondLst>
-                      <p:childTnLst>
-                        <p:par>
-                          <p:cTn id="9" fill="hold">
-                            <p:stCondLst>
-                              <p:cond delay="0"/>
-                            </p:stCondLst>
-                            <p:childTnLst>
-                              <p:par>
-                                <p:cTn id="10" presetID="16" presetClass="entr" presetSubtype="21" fill="hold" grpId="0" nodeType="clickEffect">
-                                  <p:stCondLst>
-                                    <p:cond delay="0"/>
-                                  </p:stCondLst>
-                                  <p:childTnLst>
-                                    <p:set>
-                                      <p:cBhvr>
-                                        <p:cTn id="11" dur="1" fill="hold">
-                                          <p:stCondLst>
-                                            <p:cond delay="0"/>
-                                          </p:stCondLst>
-                                        </p:cTn>
-                                        <p:tgtEl>
-                                          <p:spTgt spid="6"/>
-                                        </p:tgtEl>
-                                        <p:attrNameLst>
-                                          <p:attrName>style.visibility</p:attrName>
-                                        </p:attrNameLst>
-                                      </p:cBhvr>
-                                      <p:to>
-                                        <p:strVal val="visible"/>
-                                      </p:to>
-                                    </p:set>
-                                    <p:animEffect transition="in" filter="barn(inVertical)">
-                                      <p:cBhvr>
-                                        <p:cTn id="12" dur="500"/>
-                                        <p:tgtEl>
-                                          <p:spTgt spid="6"/>
-                                        </p:tgtEl>
-                                      </p:cBhvr>
-                                    </p:animEffect>
-                                  </p:childTnLst>
-                                </p:cTn>
-                              </p:par>
-                              <p:par>
-                                <p:cTn id="13" presetID="16" presetClass="entr" presetSubtype="21" fill="hold" grpId="0" nodeType="withEffect">
-                                  <p:stCondLst>
-                                    <p:cond delay="0"/>
-                                  </p:stCondLst>
-                                  <p:childTnLst>
-                                    <p:set>
-                                      <p:cBhvr>
-                                        <p:cTn id="14" dur="1" fill="hold">
-                                          <p:stCondLst>
-                                            <p:cond delay="0"/>
-                                          </p:stCondLst>
-                                        </p:cTn>
-                                        <p:tgtEl>
-                                          <p:spTgt spid="7"/>
-                                        </p:tgtEl>
-                                        <p:attrNameLst>
-                                          <p:attrName>style.visibility</p:attrName>
-                                        </p:attrNameLst>
-                                      </p:cBhvr>
-                                      <p:to>
-                                        <p:strVal val="visible"/>
-                                      </p:to>
-                                    </p:set>
-                                    <p:animEffect transition="in" filter="barn(inVertical)">
-                                      <p:cBhvr>
-                                        <p:cTn id="15" dur="500"/>
-                                        <p:tgtEl>
-                                          <p:spTgt spid="7"/>
-                                        </p:tgtEl>
-                                      </p:cBhvr>
-                                    </p:animEffect>
-                                  </p:childTnLst>
-                                </p:cTn>
-                              </p:par>
-                              <p:par>
-                                <p:cTn id="16" presetID="10" presetClass="entr" presetSubtype="0" fill="hold" grpId="0" nodeType="withEffect">
-                                  <p:stCondLst>
-                                    <p:cond delay="0"/>
-                                  </p:stCondLst>
-                                  <p:childTnLst>
-                                    <p:set>
-                                      <p:cBhvr>
-                                        <p:cTn id="17" dur="1" fill="hold">
-                                          <p:stCondLst>
-                                            <p:cond delay="0"/>
-                                          </p:stCondLst>
-                                        </p:cTn>
-                                        <p:tgtEl>
-                                          <p:spTgt spid="8"/>
-                                        </p:tgtEl>
-                                        <p:attrNameLst>
-                                          <p:attrName>style.visibility</p:attrName>
-                                        </p:attrNameLst>
-                                      </p:cBhvr>
-                                      <p:to>
-                                        <p:strVal val="visible"/>
-                                      </p:to>
-                                    </p:set>
-                                    <p:animEffect transition="in" filter="fade">
-                                      <p:cBhvr>
-                                        <p:cTn id="18" dur="500"/>
-                                        <p:tgtEl>
-                                          <p:spTgt spid="8"/>
-                                        </p:tgtEl>
-                                      </p:cBhvr>
-                                    </p:animEffect>
-                                  </p:childTnLst>
-                                </p:cTn>
-                              </p:par>
-                            </p:childTnLst>
-                          </p:cTn>
-                        </p:par>
-                      </p:childTnLst>
-                    </p:cTn>
-                  </p:par>
-                </p:childTnLst>
-              </p:cTn>
-              <p:prevCondLst>
-                <p:cond evt="onPrev" delay="0">
-                  <p:tgtEl>
-                    <p:sldTgt/>
-                  </p:tgtEl>
-                </p:cond>
-              </p:prevCondLst>
-              <p:nextCondLst>
-                <p:cond evt="onNext" delay="0">
-                  <p:tgtEl>
-                    <p:sldTgt/>
-                  </p:tgtEl>
-                </p:cond>
-              </p:nextCondLst>
-            </p:seq>
-          </p:childTnLst>
-        </p:cTn>
-      </p:par>
-    </p:tnLst>
-    <p:bldLst>
-      <p:bldP spid="6" grpId="0" animBg="1"/>
-      <p:bldP spid="7" grpId="0" animBg="1"/>
-      <p:bldP spid="8" grpId="0"/>
-    </p:bldLst>
-  </p:timing>
-</p:sld>
-</file>
-
-<file path=ppt/slides/slide41.xml><?xml version="1.0" encoding="utf-8"?>
-<p:sld xmlns:a="http://schemas.openxmlformats.org/drawingml/2006/main" xmlns:r="http://schemas.openxmlformats.org/officeDocument/2006/relationships" xmlns:p="http://schemas.openxmlformats.org/presentationml/2006/main">
-  <p:cSld>
-    <p:spTree>
-      <p:nvGrpSpPr>
-        <p:cNvPr id="1" name=""/>
-        <p:cNvGrpSpPr/>
-        <p:nvPr/>
-      </p:nvGrpSpPr>
-      <p:grpSpPr>
-        <a:xfrm>
-          <a:off x="0" y="0"/>
-          <a:ext cx="0" cy="0"/>
-          <a:chOff x="0" y="0"/>
-          <a:chExt cx="0" cy="0"/>
-        </a:xfrm>
-      </p:grpSpPr>
-      <p:pic>
-        <p:nvPicPr>
           <p:cNvPr id="4098" name="Picture 2" descr="Level 4"/>
           <p:cNvPicPr>
             <a:picLocks noChangeAspect="1" noChangeArrowheads="1"/>
@@ -22384,7 +22280,7 @@
 </p:sld>
 </file>
 
-<file path=ppt/slides/slide42.xml><?xml version="1.0" encoding="utf-8"?>
+<file path=ppt/slides/slide41.xml><?xml version="1.0" encoding="utf-8"?>
 <p:sld xmlns:a="http://schemas.openxmlformats.org/drawingml/2006/main" xmlns:r="http://schemas.openxmlformats.org/officeDocument/2006/relationships" xmlns:p="http://schemas.openxmlformats.org/presentationml/2006/main">
   <p:cSld>
     <p:spTree>
@@ -22640,7 +22536,7 @@
 </p:sld>
 </file>
 
-<file path=ppt/slides/slide43.xml><?xml version="1.0" encoding="utf-8"?>
+<file path=ppt/slides/slide42.xml><?xml version="1.0" encoding="utf-8"?>
 <p:sld xmlns:a="http://schemas.openxmlformats.org/drawingml/2006/main" xmlns:r="http://schemas.openxmlformats.org/officeDocument/2006/relationships" xmlns:p="http://schemas.openxmlformats.org/presentationml/2006/main">
   <p:cSld>
     <p:spTree>
@@ -23344,7 +23240,7 @@
 </p:sld>
 </file>
 
-<file path=ppt/slides/slide44.xml><?xml version="1.0" encoding="utf-8"?>
+<file path=ppt/slides/slide43.xml><?xml version="1.0" encoding="utf-8"?>
 <p:sld xmlns:a="http://schemas.openxmlformats.org/drawingml/2006/main" xmlns:r="http://schemas.openxmlformats.org/officeDocument/2006/relationships" xmlns:p="http://schemas.openxmlformats.org/presentationml/2006/main">
   <p:cSld>
     <p:spTree>
@@ -23482,7 +23378,7 @@
 </p:sld>
 </file>
 
-<file path=ppt/slides/slide45.xml><?xml version="1.0" encoding="utf-8"?>
+<file path=ppt/slides/slide44.xml><?xml version="1.0" encoding="utf-8"?>
 <p:sld xmlns:a="http://schemas.openxmlformats.org/drawingml/2006/main" xmlns:r="http://schemas.openxmlformats.org/officeDocument/2006/relationships" xmlns:p="http://schemas.openxmlformats.org/presentationml/2006/main">
   <p:cSld>
     <p:spTree>
@@ -24951,7 +24847,7 @@
 </p:sld>
 </file>
 
-<file path=ppt/slides/slide46.xml><?xml version="1.0" encoding="utf-8"?>
+<file path=ppt/slides/slide45.xml><?xml version="1.0" encoding="utf-8"?>
 <p:sld xmlns:a="http://schemas.openxmlformats.org/drawingml/2006/main" xmlns:r="http://schemas.openxmlformats.org/officeDocument/2006/relationships" xmlns:p="http://schemas.openxmlformats.org/presentationml/2006/main">
   <p:cSld>
     <p:spTree>
@@ -25561,7 +25457,7 @@
 </p:sld>
 </file>
 
-<file path=ppt/slides/slide47.xml><?xml version="1.0" encoding="utf-8"?>
+<file path=ppt/slides/slide46.xml><?xml version="1.0" encoding="utf-8"?>
 <p:sld xmlns:a="http://schemas.openxmlformats.org/drawingml/2006/main" xmlns:r="http://schemas.openxmlformats.org/officeDocument/2006/relationships" xmlns:p="http://schemas.openxmlformats.org/presentationml/2006/main">
   <p:cSld>
     <p:spTree>
@@ -26480,7 +26376,7 @@
 </p:sld>
 </file>
 
-<file path=ppt/slides/slide48.xml><?xml version="1.0" encoding="utf-8"?>
+<file path=ppt/slides/slide47.xml><?xml version="1.0" encoding="utf-8"?>
 <p:sld xmlns:a="http://schemas.openxmlformats.org/drawingml/2006/main" xmlns:r="http://schemas.openxmlformats.org/officeDocument/2006/relationships" xmlns:p="http://schemas.openxmlformats.org/presentationml/2006/main">
   <p:cSld>
     <p:spTree>
